--- a/ILoveDBATools/ILoveDBATools.pptx
+++ b/ILoveDBATools/ILoveDBATools.pptx
@@ -6,7 +6,7 @@
     <p:sldMasterId id="2147483668" r:id="rId5"/>
   </p:sldMasterIdLst>
   <p:notesMasterIdLst>
-    <p:notesMasterId r:id="rId24"/>
+    <p:notesMasterId r:id="rId18"/>
   </p:notesMasterIdLst>
   <p:sldIdLst>
     <p:sldId id="260" r:id="rId6"/>
@@ -17,16 +17,10 @@
     <p:sldId id="269" r:id="rId11"/>
     <p:sldId id="270" r:id="rId12"/>
     <p:sldId id="285" r:id="rId13"/>
-    <p:sldId id="280" r:id="rId14"/>
-    <p:sldId id="284" r:id="rId15"/>
-    <p:sldId id="272" r:id="rId16"/>
-    <p:sldId id="279" r:id="rId17"/>
-    <p:sldId id="275" r:id="rId18"/>
-    <p:sldId id="276" r:id="rId19"/>
-    <p:sldId id="277" r:id="rId20"/>
-    <p:sldId id="278" r:id="rId21"/>
-    <p:sldId id="281" r:id="rId22"/>
-    <p:sldId id="282" r:id="rId23"/>
+    <p:sldId id="289" r:id="rId14"/>
+    <p:sldId id="291" r:id="rId15"/>
+    <p:sldId id="287" r:id="rId16"/>
+    <p:sldId id="292" r:id="rId17"/>
   </p:sldIdLst>
   <p:sldSz cx="12192000" cy="6858000"/>
   <p:notesSz cx="6858000" cy="9144000"/>
@@ -143,6 +137,451 @@
 
 <file path=ppt/changesInfos/changesInfo1.xml><?xml version="1.0" encoding="utf-8"?>
 <pc:chgInfo xmlns:a="http://schemas.openxmlformats.org/drawingml/2006/main" xmlns:r="http://schemas.openxmlformats.org/officeDocument/2006/relationships" xmlns:ac="http://schemas.microsoft.com/office/drawing/2013/main/command" xmlns:pc="http://schemas.microsoft.com/office/powerpoint/2013/main/command">
+  <pc:docChgLst>
+    <pc:chgData name="Magnus Ahlkvist" userId="ada356d894bd2de7" providerId="LiveId" clId="{07E3E307-9A68-4597-B735-5F5EBF997CF0}"/>
+    <pc:docChg chg="modSld">
+      <pc:chgData name="Magnus Ahlkvist" userId="ada356d894bd2de7" providerId="LiveId" clId="{07E3E307-9A68-4597-B735-5F5EBF997CF0}" dt="2019-11-13T05:58:18.829" v="9" actId="1076"/>
+      <pc:docMkLst>
+        <pc:docMk/>
+      </pc:docMkLst>
+      <pc:sldChg chg="addSp modSp">
+        <pc:chgData name="Magnus Ahlkvist" userId="ada356d894bd2de7" providerId="LiveId" clId="{07E3E307-9A68-4597-B735-5F5EBF997CF0}" dt="2019-11-13T05:58:18.829" v="9" actId="1076"/>
+        <pc:sldMkLst>
+          <pc:docMk/>
+          <pc:sldMk cId="1847188119" sldId="260"/>
+        </pc:sldMkLst>
+        <pc:picChg chg="add mod modCrop">
+          <ac:chgData name="Magnus Ahlkvist" userId="ada356d894bd2de7" providerId="LiveId" clId="{07E3E307-9A68-4597-B735-5F5EBF997CF0}" dt="2019-11-13T05:58:18.829" v="9" actId="1076"/>
+          <ac:picMkLst>
+            <pc:docMk/>
+            <pc:sldMk cId="1847188119" sldId="260"/>
+            <ac:picMk id="5" creationId="{099A75BC-ED83-4232-8CE1-447DBDA9BC2E}"/>
+          </ac:picMkLst>
+        </pc:picChg>
+      </pc:sldChg>
+    </pc:docChg>
+  </pc:docChgLst>
+  <pc:docChgLst>
+    <pc:chgData name="Magnus Ahlkvist" userId="ada356d894bd2de7" providerId="LiveId" clId="{1A8E3A2A-DA26-4BD2-A1EB-5BAE0A274B92}"/>
+    <pc:docChg chg="addSld modSld">
+      <pc:chgData name="Magnus Ahlkvist" userId="ada356d894bd2de7" providerId="LiveId" clId="{1A8E3A2A-DA26-4BD2-A1EB-5BAE0A274B92}" dt="2019-10-13T10:28:43.466" v="263" actId="20577"/>
+      <pc:docMkLst>
+        <pc:docMk/>
+      </pc:docMkLst>
+      <pc:sldChg chg="modSp modAnim">
+        <pc:chgData name="Magnus Ahlkvist" userId="ada356d894bd2de7" providerId="LiveId" clId="{1A8E3A2A-DA26-4BD2-A1EB-5BAE0A274B92}" dt="2019-10-13T08:49:51.700" v="210" actId="20577"/>
+        <pc:sldMkLst>
+          <pc:docMk/>
+          <pc:sldMk cId="6683241" sldId="257"/>
+        </pc:sldMkLst>
+        <pc:spChg chg="mod">
+          <ac:chgData name="Magnus Ahlkvist" userId="ada356d894bd2de7" providerId="LiveId" clId="{1A8E3A2A-DA26-4BD2-A1EB-5BAE0A274B92}" dt="2019-10-13T08:47:48.033" v="59" actId="20577"/>
+          <ac:spMkLst>
+            <pc:docMk/>
+            <pc:sldMk cId="6683241" sldId="257"/>
+            <ac:spMk id="2" creationId="{00000000-0000-0000-0000-000000000000}"/>
+          </ac:spMkLst>
+        </pc:spChg>
+        <pc:spChg chg="mod">
+          <ac:chgData name="Magnus Ahlkvist" userId="ada356d894bd2de7" providerId="LiveId" clId="{1A8E3A2A-DA26-4BD2-A1EB-5BAE0A274B92}" dt="2019-10-13T08:49:51.700" v="210" actId="20577"/>
+          <ac:spMkLst>
+            <pc:docMk/>
+            <pc:sldMk cId="6683241" sldId="257"/>
+            <ac:spMk id="3" creationId="{00000000-0000-0000-0000-000000000000}"/>
+          </ac:spMkLst>
+        </pc:spChg>
+      </pc:sldChg>
+      <pc:sldChg chg="modSp">
+        <pc:chgData name="Magnus Ahlkvist" userId="ada356d894bd2de7" providerId="LiveId" clId="{1A8E3A2A-DA26-4BD2-A1EB-5BAE0A274B92}" dt="2019-10-13T08:47:38.171" v="52" actId="20577"/>
+        <pc:sldMkLst>
+          <pc:docMk/>
+          <pc:sldMk cId="1847188119" sldId="260"/>
+        </pc:sldMkLst>
+        <pc:spChg chg="mod">
+          <ac:chgData name="Magnus Ahlkvist" userId="ada356d894bd2de7" providerId="LiveId" clId="{1A8E3A2A-DA26-4BD2-A1EB-5BAE0A274B92}" dt="2019-10-13T08:47:30.985" v="37" actId="20577"/>
+          <ac:spMkLst>
+            <pc:docMk/>
+            <pc:sldMk cId="1847188119" sldId="260"/>
+            <ac:spMk id="2" creationId="{3A9EEC31-E066-4E62-BAAB-C170893FFE25}"/>
+          </ac:spMkLst>
+        </pc:spChg>
+        <pc:spChg chg="mod">
+          <ac:chgData name="Magnus Ahlkvist" userId="ada356d894bd2de7" providerId="LiveId" clId="{1A8E3A2A-DA26-4BD2-A1EB-5BAE0A274B92}" dt="2019-10-13T08:47:38.171" v="52" actId="20577"/>
+          <ac:spMkLst>
+            <pc:docMk/>
+            <pc:sldMk cId="1847188119" sldId="260"/>
+            <ac:spMk id="3" creationId="{FB9B0E28-205D-4B8D-B72F-75D77CF2161D}"/>
+          </ac:spMkLst>
+        </pc:spChg>
+      </pc:sldChg>
+      <pc:sldChg chg="modSp add">
+        <pc:chgData name="Magnus Ahlkvist" userId="ada356d894bd2de7" providerId="LiveId" clId="{1A8E3A2A-DA26-4BD2-A1EB-5BAE0A274B92}" dt="2019-10-13T10:28:43.466" v="263" actId="20577"/>
+        <pc:sldMkLst>
+          <pc:docMk/>
+          <pc:sldMk cId="7591363" sldId="261"/>
+        </pc:sldMkLst>
+        <pc:spChg chg="mod">
+          <ac:chgData name="Magnus Ahlkvist" userId="ada356d894bd2de7" providerId="LiveId" clId="{1A8E3A2A-DA26-4BD2-A1EB-5BAE0A274B92}" dt="2019-10-13T10:28:29.377" v="227" actId="20577"/>
+          <ac:spMkLst>
+            <pc:docMk/>
+            <pc:sldMk cId="7591363" sldId="261"/>
+            <ac:spMk id="2" creationId="{70C438DB-20F7-4B34-8E2C-4BF45E7293A3}"/>
+          </ac:spMkLst>
+        </pc:spChg>
+        <pc:spChg chg="mod">
+          <ac:chgData name="Magnus Ahlkvist" userId="ada356d894bd2de7" providerId="LiveId" clId="{1A8E3A2A-DA26-4BD2-A1EB-5BAE0A274B92}" dt="2019-10-13T10:28:43.466" v="263" actId="20577"/>
+          <ac:spMkLst>
+            <pc:docMk/>
+            <pc:sldMk cId="7591363" sldId="261"/>
+            <ac:spMk id="3" creationId="{3308BB25-8932-48AF-AEB6-FF932D5D492F}"/>
+          </ac:spMkLst>
+        </pc:spChg>
+      </pc:sldChg>
+    </pc:docChg>
+  </pc:docChgLst>
+  <pc:docChgLst>
+    <pc:chgData name="Magnus Ahlkvist" userId="ada356d894bd2de7" providerId="LiveId" clId="{AE30E77A-B034-4EFF-9C84-45F53A6DE982}"/>
+    <pc:docChg chg="undo redo custSel mod addSld delSld modSld">
+      <pc:chgData name="Magnus Ahlkvist" userId="ada356d894bd2de7" providerId="LiveId" clId="{AE30E77A-B034-4EFF-9C84-45F53A6DE982}" dt="2020-04-06T20:49:07.114" v="1353" actId="6549"/>
+      <pc:docMkLst>
+        <pc:docMk/>
+      </pc:docMkLst>
+      <pc:sldChg chg="addSp modSp mod">
+        <pc:chgData name="Magnus Ahlkvist" userId="ada356d894bd2de7" providerId="LiveId" clId="{AE30E77A-B034-4EFF-9C84-45F53A6DE982}" dt="2020-04-06T20:48:35.224" v="1352" actId="20577"/>
+        <pc:sldMkLst>
+          <pc:docMk/>
+          <pc:sldMk cId="6683241" sldId="257"/>
+        </pc:sldMkLst>
+        <pc:spChg chg="mod">
+          <ac:chgData name="Magnus Ahlkvist" userId="ada356d894bd2de7" providerId="LiveId" clId="{AE30E77A-B034-4EFF-9C84-45F53A6DE982}" dt="2020-04-06T20:48:35.224" v="1352" actId="20577"/>
+          <ac:spMkLst>
+            <pc:docMk/>
+            <pc:sldMk cId="6683241" sldId="257"/>
+            <ac:spMk id="3" creationId="{00000000-0000-0000-0000-000000000000}"/>
+          </ac:spMkLst>
+        </pc:spChg>
+        <pc:spChg chg="add mod">
+          <ac:chgData name="Magnus Ahlkvist" userId="ada356d894bd2de7" providerId="LiveId" clId="{AE30E77A-B034-4EFF-9C84-45F53A6DE982}" dt="2020-04-06T20:48:17.761" v="1323" actId="1076"/>
+          <ac:spMkLst>
+            <pc:docMk/>
+            <pc:sldMk cId="6683241" sldId="257"/>
+            <ac:spMk id="6" creationId="{E7DCA6E0-1CB4-4729-9F7F-F2968708EDBE}"/>
+          </ac:spMkLst>
+        </pc:spChg>
+        <pc:picChg chg="add mod">
+          <ac:chgData name="Magnus Ahlkvist" userId="ada356d894bd2de7" providerId="LiveId" clId="{AE30E77A-B034-4EFF-9C84-45F53A6DE982}" dt="2020-04-06T20:48:17.761" v="1323" actId="1076"/>
+          <ac:picMkLst>
+            <pc:docMk/>
+            <pc:sldMk cId="6683241" sldId="257"/>
+            <ac:picMk id="5" creationId="{1268A56F-28EF-4F25-A019-10D5AD3D0098}"/>
+          </ac:picMkLst>
+        </pc:picChg>
+      </pc:sldChg>
+      <pc:sldChg chg="modSp mod modClrScheme chgLayout">
+        <pc:chgData name="Magnus Ahlkvist" userId="ada356d894bd2de7" providerId="LiveId" clId="{AE30E77A-B034-4EFF-9C84-45F53A6DE982}" dt="2020-04-06T20:47:10.118" v="1284" actId="20577"/>
+        <pc:sldMkLst>
+          <pc:docMk/>
+          <pc:sldMk cId="1847188119" sldId="260"/>
+        </pc:sldMkLst>
+        <pc:spChg chg="mod">
+          <ac:chgData name="Magnus Ahlkvist" userId="ada356d894bd2de7" providerId="LiveId" clId="{AE30E77A-B034-4EFF-9C84-45F53A6DE982}" dt="2020-04-06T19:51:44.494" v="73" actId="14100"/>
+          <ac:spMkLst>
+            <pc:docMk/>
+            <pc:sldMk cId="1847188119" sldId="260"/>
+            <ac:spMk id="2" creationId="{3A9EEC31-E066-4E62-BAAB-C170893FFE25}"/>
+          </ac:spMkLst>
+        </pc:spChg>
+        <pc:spChg chg="mod ord">
+          <ac:chgData name="Magnus Ahlkvist" userId="ada356d894bd2de7" providerId="LiveId" clId="{AE30E77A-B034-4EFF-9C84-45F53A6DE982}" dt="2020-04-06T20:47:10.118" v="1284" actId="20577"/>
+          <ac:spMkLst>
+            <pc:docMk/>
+            <pc:sldMk cId="1847188119" sldId="260"/>
+            <ac:spMk id="3" creationId="{FB9B0E28-205D-4B8D-B72F-75D77CF2161D}"/>
+          </ac:spMkLst>
+        </pc:spChg>
+        <pc:picChg chg="mod">
+          <ac:chgData name="Magnus Ahlkvist" userId="ada356d894bd2de7" providerId="LiveId" clId="{AE30E77A-B034-4EFF-9C84-45F53A6DE982}" dt="2020-04-06T19:51:10.554" v="26" actId="26606"/>
+          <ac:picMkLst>
+            <pc:docMk/>
+            <pc:sldMk cId="1847188119" sldId="260"/>
+            <ac:picMk id="5" creationId="{099A75BC-ED83-4232-8CE1-447DBDA9BC2E}"/>
+          </ac:picMkLst>
+        </pc:picChg>
+      </pc:sldChg>
+      <pc:sldChg chg="modSp mod">
+        <pc:chgData name="Magnus Ahlkvist" userId="ada356d894bd2de7" providerId="LiveId" clId="{AE30E77A-B034-4EFF-9C84-45F53A6DE982}" dt="2020-04-06T20:49:07.114" v="1353" actId="6549"/>
+        <pc:sldMkLst>
+          <pc:docMk/>
+          <pc:sldMk cId="7591363" sldId="261"/>
+        </pc:sldMkLst>
+        <pc:spChg chg="mod">
+          <ac:chgData name="Magnus Ahlkvist" userId="ada356d894bd2de7" providerId="LiveId" clId="{AE30E77A-B034-4EFF-9C84-45F53A6DE982}" dt="2020-04-06T20:49:07.114" v="1353" actId="6549"/>
+          <ac:spMkLst>
+            <pc:docMk/>
+            <pc:sldMk cId="7591363" sldId="261"/>
+            <ac:spMk id="2" creationId="{70C438DB-20F7-4B34-8E2C-4BF45E7293A3}"/>
+          </ac:spMkLst>
+        </pc:spChg>
+        <pc:spChg chg="mod">
+          <ac:chgData name="Magnus Ahlkvist" userId="ada356d894bd2de7" providerId="LiveId" clId="{AE30E77A-B034-4EFF-9C84-45F53A6DE982}" dt="2020-04-06T20:09:58.978" v="1024" actId="20577"/>
+          <ac:spMkLst>
+            <pc:docMk/>
+            <pc:sldMk cId="7591363" sldId="261"/>
+            <ac:spMk id="3" creationId="{3308BB25-8932-48AF-AEB6-FF932D5D492F}"/>
+          </ac:spMkLst>
+        </pc:spChg>
+      </pc:sldChg>
+      <pc:sldChg chg="addSp delSp modSp mod">
+        <pc:chgData name="Magnus Ahlkvist" userId="ada356d894bd2de7" providerId="LiveId" clId="{AE30E77A-B034-4EFF-9C84-45F53A6DE982}" dt="2020-04-06T20:00:24.573" v="651" actId="20577"/>
+        <pc:sldMkLst>
+          <pc:docMk/>
+          <pc:sldMk cId="3822221816" sldId="269"/>
+        </pc:sldMkLst>
+        <pc:spChg chg="mod">
+          <ac:chgData name="Magnus Ahlkvist" userId="ada356d894bd2de7" providerId="LiveId" clId="{AE30E77A-B034-4EFF-9C84-45F53A6DE982}" dt="2020-04-06T20:00:24.573" v="651" actId="20577"/>
+          <ac:spMkLst>
+            <pc:docMk/>
+            <pc:sldMk cId="3822221816" sldId="269"/>
+            <ac:spMk id="2" creationId="{3A9EEC31-E066-4E62-BAAB-C170893FFE25}"/>
+          </ac:spMkLst>
+        </pc:spChg>
+        <pc:spChg chg="del mod">
+          <ac:chgData name="Magnus Ahlkvist" userId="ada356d894bd2de7" providerId="LiveId" clId="{AE30E77A-B034-4EFF-9C84-45F53A6DE982}" dt="2020-04-06T19:58:02.448" v="496" actId="931"/>
+          <ac:spMkLst>
+            <pc:docMk/>
+            <pc:sldMk cId="3822221816" sldId="269"/>
+            <ac:spMk id="3" creationId="{E1D671D4-773E-40DF-8D16-784894275E8E}"/>
+          </ac:spMkLst>
+        </pc:spChg>
+        <pc:spChg chg="add del mod">
+          <ac:chgData name="Magnus Ahlkvist" userId="ada356d894bd2de7" providerId="LiveId" clId="{AE30E77A-B034-4EFF-9C84-45F53A6DE982}" dt="2020-04-06T19:58:16.784" v="499" actId="478"/>
+          <ac:spMkLst>
+            <pc:docMk/>
+            <pc:sldMk cId="3822221816" sldId="269"/>
+            <ac:spMk id="6" creationId="{2C1E75A9-5441-4095-B752-71AEA71511D4}"/>
+          </ac:spMkLst>
+        </pc:spChg>
+        <pc:spChg chg="add del mod">
+          <ac:chgData name="Magnus Ahlkvist" userId="ada356d894bd2de7" providerId="LiveId" clId="{AE30E77A-B034-4EFF-9C84-45F53A6DE982}" dt="2020-04-06T19:58:42.086" v="500" actId="931"/>
+          <ac:spMkLst>
+            <pc:docMk/>
+            <pc:sldMk cId="3822221816" sldId="269"/>
+            <ac:spMk id="8" creationId="{CA95009C-8ADF-4350-8F14-A777AA43F6D4}"/>
+          </ac:spMkLst>
+        </pc:spChg>
+        <pc:spChg chg="add mod">
+          <ac:chgData name="Magnus Ahlkvist" userId="ada356d894bd2de7" providerId="LiveId" clId="{AE30E77A-B034-4EFF-9C84-45F53A6DE982}" dt="2020-04-06T19:59:36.209" v="591" actId="6549"/>
+          <ac:spMkLst>
+            <pc:docMk/>
+            <pc:sldMk cId="3822221816" sldId="269"/>
+            <ac:spMk id="11" creationId="{0994B5B1-0439-418A-88E2-85F119ECFB6C}"/>
+          </ac:spMkLst>
+        </pc:spChg>
+        <pc:picChg chg="add del mod">
+          <ac:chgData name="Magnus Ahlkvist" userId="ada356d894bd2de7" providerId="LiveId" clId="{AE30E77A-B034-4EFF-9C84-45F53A6DE982}" dt="2020-04-06T19:58:16.784" v="499" actId="478"/>
+          <ac:picMkLst>
+            <pc:docMk/>
+            <pc:sldMk cId="3822221816" sldId="269"/>
+            <ac:picMk id="5" creationId="{BF5F635A-5302-424F-B288-F7B571DE9BE6}"/>
+          </ac:picMkLst>
+        </pc:picChg>
+        <pc:picChg chg="add mod">
+          <ac:chgData name="Magnus Ahlkvist" userId="ada356d894bd2de7" providerId="LiveId" clId="{AE30E77A-B034-4EFF-9C84-45F53A6DE982}" dt="2020-04-06T19:58:44.074" v="502" actId="962"/>
+          <ac:picMkLst>
+            <pc:docMk/>
+            <pc:sldMk cId="3822221816" sldId="269"/>
+            <ac:picMk id="10" creationId="{A28CDC4B-3539-4879-91A5-8438A510BCC7}"/>
+          </ac:picMkLst>
+        </pc:picChg>
+      </pc:sldChg>
+      <pc:sldChg chg="addSp delSp modSp mod">
+        <pc:chgData name="Magnus Ahlkvist" userId="ada356d894bd2de7" providerId="LiveId" clId="{AE30E77A-B034-4EFF-9C84-45F53A6DE982}" dt="2020-04-06T20:06:58.640" v="870" actId="6549"/>
+        <pc:sldMkLst>
+          <pc:docMk/>
+          <pc:sldMk cId="2109321193" sldId="270"/>
+        </pc:sldMkLst>
+        <pc:spChg chg="mod">
+          <ac:chgData name="Magnus Ahlkvist" userId="ada356d894bd2de7" providerId="LiveId" clId="{AE30E77A-B034-4EFF-9C84-45F53A6DE982}" dt="2020-04-06T20:00:20.140" v="649" actId="20577"/>
+          <ac:spMkLst>
+            <pc:docMk/>
+            <pc:sldMk cId="2109321193" sldId="270"/>
+            <ac:spMk id="2" creationId="{3A9EEC31-E066-4E62-BAAB-C170893FFE25}"/>
+          </ac:spMkLst>
+        </pc:spChg>
+        <pc:spChg chg="del mod">
+          <ac:chgData name="Magnus Ahlkvist" userId="ada356d894bd2de7" providerId="LiveId" clId="{AE30E77A-B034-4EFF-9C84-45F53A6DE982}" dt="2020-04-06T20:02:39.360" v="653" actId="931"/>
+          <ac:spMkLst>
+            <pc:docMk/>
+            <pc:sldMk cId="2109321193" sldId="270"/>
+            <ac:spMk id="3" creationId="{B0EC0419-6AE2-43CD-85D1-EED960D9A9DB}"/>
+          </ac:spMkLst>
+        </pc:spChg>
+        <pc:spChg chg="add mod">
+          <ac:chgData name="Magnus Ahlkvist" userId="ada356d894bd2de7" providerId="LiveId" clId="{AE30E77A-B034-4EFF-9C84-45F53A6DE982}" dt="2020-04-06T20:06:26.169" v="804" actId="1076"/>
+          <ac:spMkLst>
+            <pc:docMk/>
+            <pc:sldMk cId="2109321193" sldId="270"/>
+            <ac:spMk id="6" creationId="{2367372C-C324-4564-A18A-117C4263FDEB}"/>
+          </ac:spMkLst>
+        </pc:spChg>
+        <pc:spChg chg="add mod">
+          <ac:chgData name="Magnus Ahlkvist" userId="ada356d894bd2de7" providerId="LiveId" clId="{AE30E77A-B034-4EFF-9C84-45F53A6DE982}" dt="2020-04-06T20:06:00.155" v="802" actId="14100"/>
+          <ac:spMkLst>
+            <pc:docMk/>
+            <pc:sldMk cId="2109321193" sldId="270"/>
+            <ac:spMk id="9" creationId="{4DF4DFDA-17FC-4372-A52B-1CEAC295D762}"/>
+          </ac:spMkLst>
+        </pc:spChg>
+        <pc:spChg chg="add mod">
+          <ac:chgData name="Magnus Ahlkvist" userId="ada356d894bd2de7" providerId="LiveId" clId="{AE30E77A-B034-4EFF-9C84-45F53A6DE982}" dt="2020-04-06T20:06:58.640" v="870" actId="6549"/>
+          <ac:spMkLst>
+            <pc:docMk/>
+            <pc:sldMk cId="2109321193" sldId="270"/>
+            <ac:spMk id="12" creationId="{437AF3A7-69D5-4171-BF17-096B68F43217}"/>
+          </ac:spMkLst>
+        </pc:spChg>
+        <pc:picChg chg="add mod">
+          <ac:chgData name="Magnus Ahlkvist" userId="ada356d894bd2de7" providerId="LiveId" clId="{AE30E77A-B034-4EFF-9C84-45F53A6DE982}" dt="2020-04-06T20:06:26.169" v="804" actId="1076"/>
+          <ac:picMkLst>
+            <pc:docMk/>
+            <pc:sldMk cId="2109321193" sldId="270"/>
+            <ac:picMk id="5" creationId="{A6511893-1401-4B11-86C1-87D176AF21B5}"/>
+          </ac:picMkLst>
+        </pc:picChg>
+        <pc:picChg chg="add mod">
+          <ac:chgData name="Magnus Ahlkvist" userId="ada356d894bd2de7" providerId="LiveId" clId="{AE30E77A-B034-4EFF-9C84-45F53A6DE982}" dt="2020-04-06T20:05:50.989" v="800" actId="14100"/>
+          <ac:picMkLst>
+            <pc:docMk/>
+            <pc:sldMk cId="2109321193" sldId="270"/>
+            <ac:picMk id="8" creationId="{2A7C222B-B45F-456C-9773-49C2198CE4A5}"/>
+          </ac:picMkLst>
+        </pc:picChg>
+        <pc:picChg chg="add mod">
+          <ac:chgData name="Magnus Ahlkvist" userId="ada356d894bd2de7" providerId="LiveId" clId="{AE30E77A-B034-4EFF-9C84-45F53A6DE982}" dt="2020-04-06T20:06:18.240" v="803" actId="1076"/>
+          <ac:picMkLst>
+            <pc:docMk/>
+            <pc:sldMk cId="2109321193" sldId="270"/>
+            <ac:picMk id="11" creationId="{478A31E7-B3FC-4EF5-A2D2-0A5AA0DE761E}"/>
+          </ac:picMkLst>
+        </pc:picChg>
+      </pc:sldChg>
+      <pc:sldChg chg="modSp mod">
+        <pc:chgData name="Magnus Ahlkvist" userId="ada356d894bd2de7" providerId="LiveId" clId="{AE30E77A-B034-4EFF-9C84-45F53A6DE982}" dt="2020-04-06T19:56:43.030" v="473" actId="20577"/>
+        <pc:sldMkLst>
+          <pc:docMk/>
+          <pc:sldMk cId="724312294" sldId="274"/>
+        </pc:sldMkLst>
+        <pc:spChg chg="mod">
+          <ac:chgData name="Magnus Ahlkvist" userId="ada356d894bd2de7" providerId="LiveId" clId="{AE30E77A-B034-4EFF-9C84-45F53A6DE982}" dt="2020-04-06T19:56:43.030" v="473" actId="20577"/>
+          <ac:spMkLst>
+            <pc:docMk/>
+            <pc:sldMk cId="724312294" sldId="274"/>
+            <ac:spMk id="3" creationId="{F6C68B1F-FCAB-447B-9599-F74CDF1EDDA5}"/>
+          </ac:spMkLst>
+        </pc:spChg>
+      </pc:sldChg>
+      <pc:sldChg chg="modSp mod">
+        <pc:chgData name="Magnus Ahlkvist" userId="ada356d894bd2de7" providerId="LiveId" clId="{AE30E77A-B034-4EFF-9C84-45F53A6DE982}" dt="2020-04-06T20:45:09.586" v="1195" actId="6549"/>
+        <pc:sldMkLst>
+          <pc:docMk/>
+          <pc:sldMk cId="3531482130" sldId="280"/>
+        </pc:sldMkLst>
+        <pc:spChg chg="mod">
+          <ac:chgData name="Magnus Ahlkvist" userId="ada356d894bd2de7" providerId="LiveId" clId="{AE30E77A-B034-4EFF-9C84-45F53A6DE982}" dt="2020-04-06T20:45:09.586" v="1195" actId="6549"/>
+          <ac:spMkLst>
+            <pc:docMk/>
+            <pc:sldMk cId="3531482130" sldId="280"/>
+            <ac:spMk id="4" creationId="{B815B6F0-441C-4C91-AB08-6E805A1963BC}"/>
+          </ac:spMkLst>
+        </pc:spChg>
+      </pc:sldChg>
+      <pc:sldChg chg="del">
+        <pc:chgData name="Magnus Ahlkvist" userId="ada356d894bd2de7" providerId="LiveId" clId="{AE30E77A-B034-4EFF-9C84-45F53A6DE982}" dt="2020-04-06T19:51:51.332" v="74" actId="47"/>
+        <pc:sldMkLst>
+          <pc:docMk/>
+          <pc:sldMk cId="41989243" sldId="283"/>
+        </pc:sldMkLst>
+      </pc:sldChg>
+      <pc:sldChg chg="addSp delSp modSp add mod">
+        <pc:chgData name="Magnus Ahlkvist" userId="ada356d894bd2de7" providerId="LiveId" clId="{AE30E77A-B034-4EFF-9C84-45F53A6DE982}" dt="2020-04-06T20:44:19.082" v="1185" actId="14100"/>
+        <pc:sldMkLst>
+          <pc:docMk/>
+          <pc:sldMk cId="3066192018" sldId="285"/>
+        </pc:sldMkLst>
+        <pc:spChg chg="mod">
+          <ac:chgData name="Magnus Ahlkvist" userId="ada356d894bd2de7" providerId="LiveId" clId="{AE30E77A-B034-4EFF-9C84-45F53A6DE982}" dt="2020-04-06T20:07:41.740" v="916" actId="20577"/>
+          <ac:spMkLst>
+            <pc:docMk/>
+            <pc:sldMk cId="3066192018" sldId="285"/>
+            <ac:spMk id="2" creationId="{C3C68CBF-126E-4672-92BD-E421E735BEEB}"/>
+          </ac:spMkLst>
+        </pc:spChg>
+        <pc:spChg chg="del mod">
+          <ac:chgData name="Magnus Ahlkvist" userId="ada356d894bd2de7" providerId="LiveId" clId="{AE30E77A-B034-4EFF-9C84-45F53A6DE982}" dt="2020-04-06T20:41:40.603" v="1136"/>
+          <ac:spMkLst>
+            <pc:docMk/>
+            <pc:sldMk cId="3066192018" sldId="285"/>
+            <ac:spMk id="3" creationId="{C5E5A6B3-974E-4F18-A805-115C69154665}"/>
+          </ac:spMkLst>
+        </pc:spChg>
+        <pc:spChg chg="add mod">
+          <ac:chgData name="Magnus Ahlkvist" userId="ada356d894bd2de7" providerId="LiveId" clId="{AE30E77A-B034-4EFF-9C84-45F53A6DE982}" dt="2020-04-06T20:44:19.082" v="1185" actId="14100"/>
+          <ac:spMkLst>
+            <pc:docMk/>
+            <pc:sldMk cId="3066192018" sldId="285"/>
+            <ac:spMk id="6" creationId="{20083EBD-9CAC-44D3-B6CC-EB14696096B7}"/>
+          </ac:spMkLst>
+        </pc:spChg>
+        <pc:picChg chg="add mod">
+          <ac:chgData name="Magnus Ahlkvist" userId="ada356d894bd2de7" providerId="LiveId" clId="{AE30E77A-B034-4EFF-9C84-45F53A6DE982}" dt="2020-04-06T20:41:48.466" v="1139" actId="1076"/>
+          <ac:picMkLst>
+            <pc:docMk/>
+            <pc:sldMk cId="3066192018" sldId="285"/>
+            <ac:picMk id="5" creationId="{FFBB1DD4-A052-46B7-AB00-EA35FCCF3A26}"/>
+          </ac:picMkLst>
+        </pc:picChg>
+      </pc:sldChg>
+      <pc:sldChg chg="addSp delSp modSp add mod">
+        <pc:chgData name="Magnus Ahlkvist" userId="ada356d894bd2de7" providerId="LiveId" clId="{AE30E77A-B034-4EFF-9C84-45F53A6DE982}" dt="2020-04-06T20:11:50.811" v="1135" actId="20577"/>
+        <pc:sldMkLst>
+          <pc:docMk/>
+          <pc:sldMk cId="3654011242" sldId="286"/>
+        </pc:sldMkLst>
+        <pc:spChg chg="mod">
+          <ac:chgData name="Magnus Ahlkvist" userId="ada356d894bd2de7" providerId="LiveId" clId="{AE30E77A-B034-4EFF-9C84-45F53A6DE982}" dt="2020-04-06T20:10:28.677" v="1046" actId="20577"/>
+          <ac:spMkLst>
+            <pc:docMk/>
+            <pc:sldMk cId="3654011242" sldId="286"/>
+            <ac:spMk id="2" creationId="{DF035DBA-691F-4721-896A-CAEA20A027DA}"/>
+          </ac:spMkLst>
+        </pc:spChg>
+        <pc:spChg chg="add del">
+          <ac:chgData name="Magnus Ahlkvist" userId="ada356d894bd2de7" providerId="LiveId" clId="{AE30E77A-B034-4EFF-9C84-45F53A6DE982}" dt="2020-04-06T20:11:21.476" v="1065" actId="931"/>
+          <ac:spMkLst>
+            <pc:docMk/>
+            <pc:sldMk cId="3654011242" sldId="286"/>
+            <ac:spMk id="3" creationId="{84FD6EC7-775E-4167-A2C0-3AB509AC7DC0}"/>
+          </ac:spMkLst>
+        </pc:spChg>
+        <pc:spChg chg="add del mod">
+          <ac:chgData name="Magnus Ahlkvist" userId="ada356d894bd2de7" providerId="LiveId" clId="{AE30E77A-B034-4EFF-9C84-45F53A6DE982}" dt="2020-04-06T20:11:50.811" v="1135" actId="20577"/>
+          <ac:spMkLst>
+            <pc:docMk/>
+            <pc:sldMk cId="3654011242" sldId="286"/>
+            <ac:spMk id="6" creationId="{1BAD3EB1-4924-47AE-984B-646272857433}"/>
+          </ac:spMkLst>
+        </pc:spChg>
+        <pc:picChg chg="add del mod">
+          <ac:chgData name="Magnus Ahlkvist" userId="ada356d894bd2de7" providerId="LiveId" clId="{AE30E77A-B034-4EFF-9C84-45F53A6DE982}" dt="2020-04-06T20:11:21.476" v="1065" actId="931"/>
+          <ac:picMkLst>
+            <pc:docMk/>
+            <pc:sldMk cId="3654011242" sldId="286"/>
+            <ac:picMk id="5" creationId="{E54B2FB3-EFD3-4B9B-A075-A2DDBF92EF99}"/>
+          </ac:picMkLst>
+        </pc:picChg>
+      </pc:sldChg>
+    </pc:docChg>
+  </pc:docChgLst>
   <pc:docChgLst>
     <pc:chgData name="Magnus Ahlkvist" userId="ada356d894bd2de7" providerId="LiveId" clId="{299A5E06-426A-4787-AE18-3167D3E1E138}"/>
     <pc:docChg chg="undo custSel addSld delSld modSld modMainMaster">
@@ -746,451 +1185,6 @@
     </pc:docChg>
   </pc:docChgLst>
   <pc:docChgLst>
-    <pc:chgData name="Magnus Ahlkvist" userId="ada356d894bd2de7" providerId="LiveId" clId="{07E3E307-9A68-4597-B735-5F5EBF997CF0}"/>
-    <pc:docChg chg="modSld">
-      <pc:chgData name="Magnus Ahlkvist" userId="ada356d894bd2de7" providerId="LiveId" clId="{07E3E307-9A68-4597-B735-5F5EBF997CF0}" dt="2019-11-13T05:58:18.829" v="9" actId="1076"/>
-      <pc:docMkLst>
-        <pc:docMk/>
-      </pc:docMkLst>
-      <pc:sldChg chg="addSp modSp">
-        <pc:chgData name="Magnus Ahlkvist" userId="ada356d894bd2de7" providerId="LiveId" clId="{07E3E307-9A68-4597-B735-5F5EBF997CF0}" dt="2019-11-13T05:58:18.829" v="9" actId="1076"/>
-        <pc:sldMkLst>
-          <pc:docMk/>
-          <pc:sldMk cId="1847188119" sldId="260"/>
-        </pc:sldMkLst>
-        <pc:picChg chg="add mod modCrop">
-          <ac:chgData name="Magnus Ahlkvist" userId="ada356d894bd2de7" providerId="LiveId" clId="{07E3E307-9A68-4597-B735-5F5EBF997CF0}" dt="2019-11-13T05:58:18.829" v="9" actId="1076"/>
-          <ac:picMkLst>
-            <pc:docMk/>
-            <pc:sldMk cId="1847188119" sldId="260"/>
-            <ac:picMk id="5" creationId="{099A75BC-ED83-4232-8CE1-447DBDA9BC2E}"/>
-          </ac:picMkLst>
-        </pc:picChg>
-      </pc:sldChg>
-    </pc:docChg>
-  </pc:docChgLst>
-  <pc:docChgLst>
-    <pc:chgData name="Magnus Ahlkvist" userId="ada356d894bd2de7" providerId="LiveId" clId="{AE30E77A-B034-4EFF-9C84-45F53A6DE982}"/>
-    <pc:docChg chg="undo redo custSel mod addSld delSld modSld">
-      <pc:chgData name="Magnus Ahlkvist" userId="ada356d894bd2de7" providerId="LiveId" clId="{AE30E77A-B034-4EFF-9C84-45F53A6DE982}" dt="2020-04-06T20:49:07.114" v="1353" actId="6549"/>
-      <pc:docMkLst>
-        <pc:docMk/>
-      </pc:docMkLst>
-      <pc:sldChg chg="addSp modSp mod">
-        <pc:chgData name="Magnus Ahlkvist" userId="ada356d894bd2de7" providerId="LiveId" clId="{AE30E77A-B034-4EFF-9C84-45F53A6DE982}" dt="2020-04-06T20:48:35.224" v="1352" actId="20577"/>
-        <pc:sldMkLst>
-          <pc:docMk/>
-          <pc:sldMk cId="6683241" sldId="257"/>
-        </pc:sldMkLst>
-        <pc:spChg chg="mod">
-          <ac:chgData name="Magnus Ahlkvist" userId="ada356d894bd2de7" providerId="LiveId" clId="{AE30E77A-B034-4EFF-9C84-45F53A6DE982}" dt="2020-04-06T20:48:35.224" v="1352" actId="20577"/>
-          <ac:spMkLst>
-            <pc:docMk/>
-            <pc:sldMk cId="6683241" sldId="257"/>
-            <ac:spMk id="3" creationId="{00000000-0000-0000-0000-000000000000}"/>
-          </ac:spMkLst>
-        </pc:spChg>
-        <pc:spChg chg="add mod">
-          <ac:chgData name="Magnus Ahlkvist" userId="ada356d894bd2de7" providerId="LiveId" clId="{AE30E77A-B034-4EFF-9C84-45F53A6DE982}" dt="2020-04-06T20:48:17.761" v="1323" actId="1076"/>
-          <ac:spMkLst>
-            <pc:docMk/>
-            <pc:sldMk cId="6683241" sldId="257"/>
-            <ac:spMk id="6" creationId="{E7DCA6E0-1CB4-4729-9F7F-F2968708EDBE}"/>
-          </ac:spMkLst>
-        </pc:spChg>
-        <pc:picChg chg="add mod">
-          <ac:chgData name="Magnus Ahlkvist" userId="ada356d894bd2de7" providerId="LiveId" clId="{AE30E77A-B034-4EFF-9C84-45F53A6DE982}" dt="2020-04-06T20:48:17.761" v="1323" actId="1076"/>
-          <ac:picMkLst>
-            <pc:docMk/>
-            <pc:sldMk cId="6683241" sldId="257"/>
-            <ac:picMk id="5" creationId="{1268A56F-28EF-4F25-A019-10D5AD3D0098}"/>
-          </ac:picMkLst>
-        </pc:picChg>
-      </pc:sldChg>
-      <pc:sldChg chg="modSp mod modClrScheme chgLayout">
-        <pc:chgData name="Magnus Ahlkvist" userId="ada356d894bd2de7" providerId="LiveId" clId="{AE30E77A-B034-4EFF-9C84-45F53A6DE982}" dt="2020-04-06T20:47:10.118" v="1284" actId="20577"/>
-        <pc:sldMkLst>
-          <pc:docMk/>
-          <pc:sldMk cId="1847188119" sldId="260"/>
-        </pc:sldMkLst>
-        <pc:spChg chg="mod">
-          <ac:chgData name="Magnus Ahlkvist" userId="ada356d894bd2de7" providerId="LiveId" clId="{AE30E77A-B034-4EFF-9C84-45F53A6DE982}" dt="2020-04-06T19:51:44.494" v="73" actId="14100"/>
-          <ac:spMkLst>
-            <pc:docMk/>
-            <pc:sldMk cId="1847188119" sldId="260"/>
-            <ac:spMk id="2" creationId="{3A9EEC31-E066-4E62-BAAB-C170893FFE25}"/>
-          </ac:spMkLst>
-        </pc:spChg>
-        <pc:spChg chg="mod ord">
-          <ac:chgData name="Magnus Ahlkvist" userId="ada356d894bd2de7" providerId="LiveId" clId="{AE30E77A-B034-4EFF-9C84-45F53A6DE982}" dt="2020-04-06T20:47:10.118" v="1284" actId="20577"/>
-          <ac:spMkLst>
-            <pc:docMk/>
-            <pc:sldMk cId="1847188119" sldId="260"/>
-            <ac:spMk id="3" creationId="{FB9B0E28-205D-4B8D-B72F-75D77CF2161D}"/>
-          </ac:spMkLst>
-        </pc:spChg>
-        <pc:picChg chg="mod">
-          <ac:chgData name="Magnus Ahlkvist" userId="ada356d894bd2de7" providerId="LiveId" clId="{AE30E77A-B034-4EFF-9C84-45F53A6DE982}" dt="2020-04-06T19:51:10.554" v="26" actId="26606"/>
-          <ac:picMkLst>
-            <pc:docMk/>
-            <pc:sldMk cId="1847188119" sldId="260"/>
-            <ac:picMk id="5" creationId="{099A75BC-ED83-4232-8CE1-447DBDA9BC2E}"/>
-          </ac:picMkLst>
-        </pc:picChg>
-      </pc:sldChg>
-      <pc:sldChg chg="modSp mod">
-        <pc:chgData name="Magnus Ahlkvist" userId="ada356d894bd2de7" providerId="LiveId" clId="{AE30E77A-B034-4EFF-9C84-45F53A6DE982}" dt="2020-04-06T20:49:07.114" v="1353" actId="6549"/>
-        <pc:sldMkLst>
-          <pc:docMk/>
-          <pc:sldMk cId="7591363" sldId="261"/>
-        </pc:sldMkLst>
-        <pc:spChg chg="mod">
-          <ac:chgData name="Magnus Ahlkvist" userId="ada356d894bd2de7" providerId="LiveId" clId="{AE30E77A-B034-4EFF-9C84-45F53A6DE982}" dt="2020-04-06T20:49:07.114" v="1353" actId="6549"/>
-          <ac:spMkLst>
-            <pc:docMk/>
-            <pc:sldMk cId="7591363" sldId="261"/>
-            <ac:spMk id="2" creationId="{70C438DB-20F7-4B34-8E2C-4BF45E7293A3}"/>
-          </ac:spMkLst>
-        </pc:spChg>
-        <pc:spChg chg="mod">
-          <ac:chgData name="Magnus Ahlkvist" userId="ada356d894bd2de7" providerId="LiveId" clId="{AE30E77A-B034-4EFF-9C84-45F53A6DE982}" dt="2020-04-06T20:09:58.978" v="1024" actId="20577"/>
-          <ac:spMkLst>
-            <pc:docMk/>
-            <pc:sldMk cId="7591363" sldId="261"/>
-            <ac:spMk id="3" creationId="{3308BB25-8932-48AF-AEB6-FF932D5D492F}"/>
-          </ac:spMkLst>
-        </pc:spChg>
-      </pc:sldChg>
-      <pc:sldChg chg="addSp delSp modSp mod">
-        <pc:chgData name="Magnus Ahlkvist" userId="ada356d894bd2de7" providerId="LiveId" clId="{AE30E77A-B034-4EFF-9C84-45F53A6DE982}" dt="2020-04-06T20:00:24.573" v="651" actId="20577"/>
-        <pc:sldMkLst>
-          <pc:docMk/>
-          <pc:sldMk cId="3822221816" sldId="269"/>
-        </pc:sldMkLst>
-        <pc:spChg chg="mod">
-          <ac:chgData name="Magnus Ahlkvist" userId="ada356d894bd2de7" providerId="LiveId" clId="{AE30E77A-B034-4EFF-9C84-45F53A6DE982}" dt="2020-04-06T20:00:24.573" v="651" actId="20577"/>
-          <ac:spMkLst>
-            <pc:docMk/>
-            <pc:sldMk cId="3822221816" sldId="269"/>
-            <ac:spMk id="2" creationId="{3A9EEC31-E066-4E62-BAAB-C170893FFE25}"/>
-          </ac:spMkLst>
-        </pc:spChg>
-        <pc:spChg chg="del mod">
-          <ac:chgData name="Magnus Ahlkvist" userId="ada356d894bd2de7" providerId="LiveId" clId="{AE30E77A-B034-4EFF-9C84-45F53A6DE982}" dt="2020-04-06T19:58:02.448" v="496" actId="931"/>
-          <ac:spMkLst>
-            <pc:docMk/>
-            <pc:sldMk cId="3822221816" sldId="269"/>
-            <ac:spMk id="3" creationId="{E1D671D4-773E-40DF-8D16-784894275E8E}"/>
-          </ac:spMkLst>
-        </pc:spChg>
-        <pc:spChg chg="add del mod">
-          <ac:chgData name="Magnus Ahlkvist" userId="ada356d894bd2de7" providerId="LiveId" clId="{AE30E77A-B034-4EFF-9C84-45F53A6DE982}" dt="2020-04-06T19:58:16.784" v="499" actId="478"/>
-          <ac:spMkLst>
-            <pc:docMk/>
-            <pc:sldMk cId="3822221816" sldId="269"/>
-            <ac:spMk id="6" creationId="{2C1E75A9-5441-4095-B752-71AEA71511D4}"/>
-          </ac:spMkLst>
-        </pc:spChg>
-        <pc:spChg chg="add del mod">
-          <ac:chgData name="Magnus Ahlkvist" userId="ada356d894bd2de7" providerId="LiveId" clId="{AE30E77A-B034-4EFF-9C84-45F53A6DE982}" dt="2020-04-06T19:58:42.086" v="500" actId="931"/>
-          <ac:spMkLst>
-            <pc:docMk/>
-            <pc:sldMk cId="3822221816" sldId="269"/>
-            <ac:spMk id="8" creationId="{CA95009C-8ADF-4350-8F14-A777AA43F6D4}"/>
-          </ac:spMkLst>
-        </pc:spChg>
-        <pc:spChg chg="add mod">
-          <ac:chgData name="Magnus Ahlkvist" userId="ada356d894bd2de7" providerId="LiveId" clId="{AE30E77A-B034-4EFF-9C84-45F53A6DE982}" dt="2020-04-06T19:59:36.209" v="591" actId="6549"/>
-          <ac:spMkLst>
-            <pc:docMk/>
-            <pc:sldMk cId="3822221816" sldId="269"/>
-            <ac:spMk id="11" creationId="{0994B5B1-0439-418A-88E2-85F119ECFB6C}"/>
-          </ac:spMkLst>
-        </pc:spChg>
-        <pc:picChg chg="add del mod">
-          <ac:chgData name="Magnus Ahlkvist" userId="ada356d894bd2de7" providerId="LiveId" clId="{AE30E77A-B034-4EFF-9C84-45F53A6DE982}" dt="2020-04-06T19:58:16.784" v="499" actId="478"/>
-          <ac:picMkLst>
-            <pc:docMk/>
-            <pc:sldMk cId="3822221816" sldId="269"/>
-            <ac:picMk id="5" creationId="{BF5F635A-5302-424F-B288-F7B571DE9BE6}"/>
-          </ac:picMkLst>
-        </pc:picChg>
-        <pc:picChg chg="add mod">
-          <ac:chgData name="Magnus Ahlkvist" userId="ada356d894bd2de7" providerId="LiveId" clId="{AE30E77A-B034-4EFF-9C84-45F53A6DE982}" dt="2020-04-06T19:58:44.074" v="502" actId="962"/>
-          <ac:picMkLst>
-            <pc:docMk/>
-            <pc:sldMk cId="3822221816" sldId="269"/>
-            <ac:picMk id="10" creationId="{A28CDC4B-3539-4879-91A5-8438A510BCC7}"/>
-          </ac:picMkLst>
-        </pc:picChg>
-      </pc:sldChg>
-      <pc:sldChg chg="addSp delSp modSp mod">
-        <pc:chgData name="Magnus Ahlkvist" userId="ada356d894bd2de7" providerId="LiveId" clId="{AE30E77A-B034-4EFF-9C84-45F53A6DE982}" dt="2020-04-06T20:06:58.640" v="870" actId="6549"/>
-        <pc:sldMkLst>
-          <pc:docMk/>
-          <pc:sldMk cId="2109321193" sldId="270"/>
-        </pc:sldMkLst>
-        <pc:spChg chg="mod">
-          <ac:chgData name="Magnus Ahlkvist" userId="ada356d894bd2de7" providerId="LiveId" clId="{AE30E77A-B034-4EFF-9C84-45F53A6DE982}" dt="2020-04-06T20:00:20.140" v="649" actId="20577"/>
-          <ac:spMkLst>
-            <pc:docMk/>
-            <pc:sldMk cId="2109321193" sldId="270"/>
-            <ac:spMk id="2" creationId="{3A9EEC31-E066-4E62-BAAB-C170893FFE25}"/>
-          </ac:spMkLst>
-        </pc:spChg>
-        <pc:spChg chg="del mod">
-          <ac:chgData name="Magnus Ahlkvist" userId="ada356d894bd2de7" providerId="LiveId" clId="{AE30E77A-B034-4EFF-9C84-45F53A6DE982}" dt="2020-04-06T20:02:39.360" v="653" actId="931"/>
-          <ac:spMkLst>
-            <pc:docMk/>
-            <pc:sldMk cId="2109321193" sldId="270"/>
-            <ac:spMk id="3" creationId="{B0EC0419-6AE2-43CD-85D1-EED960D9A9DB}"/>
-          </ac:spMkLst>
-        </pc:spChg>
-        <pc:spChg chg="add mod">
-          <ac:chgData name="Magnus Ahlkvist" userId="ada356d894bd2de7" providerId="LiveId" clId="{AE30E77A-B034-4EFF-9C84-45F53A6DE982}" dt="2020-04-06T20:06:26.169" v="804" actId="1076"/>
-          <ac:spMkLst>
-            <pc:docMk/>
-            <pc:sldMk cId="2109321193" sldId="270"/>
-            <ac:spMk id="6" creationId="{2367372C-C324-4564-A18A-117C4263FDEB}"/>
-          </ac:spMkLst>
-        </pc:spChg>
-        <pc:spChg chg="add mod">
-          <ac:chgData name="Magnus Ahlkvist" userId="ada356d894bd2de7" providerId="LiveId" clId="{AE30E77A-B034-4EFF-9C84-45F53A6DE982}" dt="2020-04-06T20:06:00.155" v="802" actId="14100"/>
-          <ac:spMkLst>
-            <pc:docMk/>
-            <pc:sldMk cId="2109321193" sldId="270"/>
-            <ac:spMk id="9" creationId="{4DF4DFDA-17FC-4372-A52B-1CEAC295D762}"/>
-          </ac:spMkLst>
-        </pc:spChg>
-        <pc:spChg chg="add mod">
-          <ac:chgData name="Magnus Ahlkvist" userId="ada356d894bd2de7" providerId="LiveId" clId="{AE30E77A-B034-4EFF-9C84-45F53A6DE982}" dt="2020-04-06T20:06:58.640" v="870" actId="6549"/>
-          <ac:spMkLst>
-            <pc:docMk/>
-            <pc:sldMk cId="2109321193" sldId="270"/>
-            <ac:spMk id="12" creationId="{437AF3A7-69D5-4171-BF17-096B68F43217}"/>
-          </ac:spMkLst>
-        </pc:spChg>
-        <pc:picChg chg="add mod">
-          <ac:chgData name="Magnus Ahlkvist" userId="ada356d894bd2de7" providerId="LiveId" clId="{AE30E77A-B034-4EFF-9C84-45F53A6DE982}" dt="2020-04-06T20:06:26.169" v="804" actId="1076"/>
-          <ac:picMkLst>
-            <pc:docMk/>
-            <pc:sldMk cId="2109321193" sldId="270"/>
-            <ac:picMk id="5" creationId="{A6511893-1401-4B11-86C1-87D176AF21B5}"/>
-          </ac:picMkLst>
-        </pc:picChg>
-        <pc:picChg chg="add mod">
-          <ac:chgData name="Magnus Ahlkvist" userId="ada356d894bd2de7" providerId="LiveId" clId="{AE30E77A-B034-4EFF-9C84-45F53A6DE982}" dt="2020-04-06T20:05:50.989" v="800" actId="14100"/>
-          <ac:picMkLst>
-            <pc:docMk/>
-            <pc:sldMk cId="2109321193" sldId="270"/>
-            <ac:picMk id="8" creationId="{2A7C222B-B45F-456C-9773-49C2198CE4A5}"/>
-          </ac:picMkLst>
-        </pc:picChg>
-        <pc:picChg chg="add mod">
-          <ac:chgData name="Magnus Ahlkvist" userId="ada356d894bd2de7" providerId="LiveId" clId="{AE30E77A-B034-4EFF-9C84-45F53A6DE982}" dt="2020-04-06T20:06:18.240" v="803" actId="1076"/>
-          <ac:picMkLst>
-            <pc:docMk/>
-            <pc:sldMk cId="2109321193" sldId="270"/>
-            <ac:picMk id="11" creationId="{478A31E7-B3FC-4EF5-A2D2-0A5AA0DE761E}"/>
-          </ac:picMkLst>
-        </pc:picChg>
-      </pc:sldChg>
-      <pc:sldChg chg="modSp mod">
-        <pc:chgData name="Magnus Ahlkvist" userId="ada356d894bd2de7" providerId="LiveId" clId="{AE30E77A-B034-4EFF-9C84-45F53A6DE982}" dt="2020-04-06T19:56:43.030" v="473" actId="20577"/>
-        <pc:sldMkLst>
-          <pc:docMk/>
-          <pc:sldMk cId="724312294" sldId="274"/>
-        </pc:sldMkLst>
-        <pc:spChg chg="mod">
-          <ac:chgData name="Magnus Ahlkvist" userId="ada356d894bd2de7" providerId="LiveId" clId="{AE30E77A-B034-4EFF-9C84-45F53A6DE982}" dt="2020-04-06T19:56:43.030" v="473" actId="20577"/>
-          <ac:spMkLst>
-            <pc:docMk/>
-            <pc:sldMk cId="724312294" sldId="274"/>
-            <ac:spMk id="3" creationId="{F6C68B1F-FCAB-447B-9599-F74CDF1EDDA5}"/>
-          </ac:spMkLst>
-        </pc:spChg>
-      </pc:sldChg>
-      <pc:sldChg chg="modSp mod">
-        <pc:chgData name="Magnus Ahlkvist" userId="ada356d894bd2de7" providerId="LiveId" clId="{AE30E77A-B034-4EFF-9C84-45F53A6DE982}" dt="2020-04-06T20:45:09.586" v="1195" actId="6549"/>
-        <pc:sldMkLst>
-          <pc:docMk/>
-          <pc:sldMk cId="3531482130" sldId="280"/>
-        </pc:sldMkLst>
-        <pc:spChg chg="mod">
-          <ac:chgData name="Magnus Ahlkvist" userId="ada356d894bd2de7" providerId="LiveId" clId="{AE30E77A-B034-4EFF-9C84-45F53A6DE982}" dt="2020-04-06T20:45:09.586" v="1195" actId="6549"/>
-          <ac:spMkLst>
-            <pc:docMk/>
-            <pc:sldMk cId="3531482130" sldId="280"/>
-            <ac:spMk id="4" creationId="{B815B6F0-441C-4C91-AB08-6E805A1963BC}"/>
-          </ac:spMkLst>
-        </pc:spChg>
-      </pc:sldChg>
-      <pc:sldChg chg="del">
-        <pc:chgData name="Magnus Ahlkvist" userId="ada356d894bd2de7" providerId="LiveId" clId="{AE30E77A-B034-4EFF-9C84-45F53A6DE982}" dt="2020-04-06T19:51:51.332" v="74" actId="47"/>
-        <pc:sldMkLst>
-          <pc:docMk/>
-          <pc:sldMk cId="41989243" sldId="283"/>
-        </pc:sldMkLst>
-      </pc:sldChg>
-      <pc:sldChg chg="addSp delSp modSp add mod">
-        <pc:chgData name="Magnus Ahlkvist" userId="ada356d894bd2de7" providerId="LiveId" clId="{AE30E77A-B034-4EFF-9C84-45F53A6DE982}" dt="2020-04-06T20:44:19.082" v="1185" actId="14100"/>
-        <pc:sldMkLst>
-          <pc:docMk/>
-          <pc:sldMk cId="3066192018" sldId="285"/>
-        </pc:sldMkLst>
-        <pc:spChg chg="mod">
-          <ac:chgData name="Magnus Ahlkvist" userId="ada356d894bd2de7" providerId="LiveId" clId="{AE30E77A-B034-4EFF-9C84-45F53A6DE982}" dt="2020-04-06T20:07:41.740" v="916" actId="20577"/>
-          <ac:spMkLst>
-            <pc:docMk/>
-            <pc:sldMk cId="3066192018" sldId="285"/>
-            <ac:spMk id="2" creationId="{C3C68CBF-126E-4672-92BD-E421E735BEEB}"/>
-          </ac:spMkLst>
-        </pc:spChg>
-        <pc:spChg chg="del mod">
-          <ac:chgData name="Magnus Ahlkvist" userId="ada356d894bd2de7" providerId="LiveId" clId="{AE30E77A-B034-4EFF-9C84-45F53A6DE982}" dt="2020-04-06T20:41:40.603" v="1136"/>
-          <ac:spMkLst>
-            <pc:docMk/>
-            <pc:sldMk cId="3066192018" sldId="285"/>
-            <ac:spMk id="3" creationId="{C5E5A6B3-974E-4F18-A805-115C69154665}"/>
-          </ac:spMkLst>
-        </pc:spChg>
-        <pc:spChg chg="add mod">
-          <ac:chgData name="Magnus Ahlkvist" userId="ada356d894bd2de7" providerId="LiveId" clId="{AE30E77A-B034-4EFF-9C84-45F53A6DE982}" dt="2020-04-06T20:44:19.082" v="1185" actId="14100"/>
-          <ac:spMkLst>
-            <pc:docMk/>
-            <pc:sldMk cId="3066192018" sldId="285"/>
-            <ac:spMk id="6" creationId="{20083EBD-9CAC-44D3-B6CC-EB14696096B7}"/>
-          </ac:spMkLst>
-        </pc:spChg>
-        <pc:picChg chg="add mod">
-          <ac:chgData name="Magnus Ahlkvist" userId="ada356d894bd2de7" providerId="LiveId" clId="{AE30E77A-B034-4EFF-9C84-45F53A6DE982}" dt="2020-04-06T20:41:48.466" v="1139" actId="1076"/>
-          <ac:picMkLst>
-            <pc:docMk/>
-            <pc:sldMk cId="3066192018" sldId="285"/>
-            <ac:picMk id="5" creationId="{FFBB1DD4-A052-46B7-AB00-EA35FCCF3A26}"/>
-          </ac:picMkLst>
-        </pc:picChg>
-      </pc:sldChg>
-      <pc:sldChg chg="addSp delSp modSp add mod">
-        <pc:chgData name="Magnus Ahlkvist" userId="ada356d894bd2de7" providerId="LiveId" clId="{AE30E77A-B034-4EFF-9C84-45F53A6DE982}" dt="2020-04-06T20:11:50.811" v="1135" actId="20577"/>
-        <pc:sldMkLst>
-          <pc:docMk/>
-          <pc:sldMk cId="3654011242" sldId="286"/>
-        </pc:sldMkLst>
-        <pc:spChg chg="mod">
-          <ac:chgData name="Magnus Ahlkvist" userId="ada356d894bd2de7" providerId="LiveId" clId="{AE30E77A-B034-4EFF-9C84-45F53A6DE982}" dt="2020-04-06T20:10:28.677" v="1046" actId="20577"/>
-          <ac:spMkLst>
-            <pc:docMk/>
-            <pc:sldMk cId="3654011242" sldId="286"/>
-            <ac:spMk id="2" creationId="{DF035DBA-691F-4721-896A-CAEA20A027DA}"/>
-          </ac:spMkLst>
-        </pc:spChg>
-        <pc:spChg chg="add del">
-          <ac:chgData name="Magnus Ahlkvist" userId="ada356d894bd2de7" providerId="LiveId" clId="{AE30E77A-B034-4EFF-9C84-45F53A6DE982}" dt="2020-04-06T20:11:21.476" v="1065" actId="931"/>
-          <ac:spMkLst>
-            <pc:docMk/>
-            <pc:sldMk cId="3654011242" sldId="286"/>
-            <ac:spMk id="3" creationId="{84FD6EC7-775E-4167-A2C0-3AB509AC7DC0}"/>
-          </ac:spMkLst>
-        </pc:spChg>
-        <pc:spChg chg="add del mod">
-          <ac:chgData name="Magnus Ahlkvist" userId="ada356d894bd2de7" providerId="LiveId" clId="{AE30E77A-B034-4EFF-9C84-45F53A6DE982}" dt="2020-04-06T20:11:50.811" v="1135" actId="20577"/>
-          <ac:spMkLst>
-            <pc:docMk/>
-            <pc:sldMk cId="3654011242" sldId="286"/>
-            <ac:spMk id="6" creationId="{1BAD3EB1-4924-47AE-984B-646272857433}"/>
-          </ac:spMkLst>
-        </pc:spChg>
-        <pc:picChg chg="add del mod">
-          <ac:chgData name="Magnus Ahlkvist" userId="ada356d894bd2de7" providerId="LiveId" clId="{AE30E77A-B034-4EFF-9C84-45F53A6DE982}" dt="2020-04-06T20:11:21.476" v="1065" actId="931"/>
-          <ac:picMkLst>
-            <pc:docMk/>
-            <pc:sldMk cId="3654011242" sldId="286"/>
-            <ac:picMk id="5" creationId="{E54B2FB3-EFD3-4B9B-A075-A2DDBF92EF99}"/>
-          </ac:picMkLst>
-        </pc:picChg>
-      </pc:sldChg>
-    </pc:docChg>
-  </pc:docChgLst>
-  <pc:docChgLst>
-    <pc:chgData name="Magnus Ahlkvist" userId="ada356d894bd2de7" providerId="LiveId" clId="{1A8E3A2A-DA26-4BD2-A1EB-5BAE0A274B92}"/>
-    <pc:docChg chg="addSld modSld">
-      <pc:chgData name="Magnus Ahlkvist" userId="ada356d894bd2de7" providerId="LiveId" clId="{1A8E3A2A-DA26-4BD2-A1EB-5BAE0A274B92}" dt="2019-10-13T10:28:43.466" v="263" actId="20577"/>
-      <pc:docMkLst>
-        <pc:docMk/>
-      </pc:docMkLst>
-      <pc:sldChg chg="modSp modAnim">
-        <pc:chgData name="Magnus Ahlkvist" userId="ada356d894bd2de7" providerId="LiveId" clId="{1A8E3A2A-DA26-4BD2-A1EB-5BAE0A274B92}" dt="2019-10-13T08:49:51.700" v="210" actId="20577"/>
-        <pc:sldMkLst>
-          <pc:docMk/>
-          <pc:sldMk cId="6683241" sldId="257"/>
-        </pc:sldMkLst>
-        <pc:spChg chg="mod">
-          <ac:chgData name="Magnus Ahlkvist" userId="ada356d894bd2de7" providerId="LiveId" clId="{1A8E3A2A-DA26-4BD2-A1EB-5BAE0A274B92}" dt="2019-10-13T08:47:48.033" v="59" actId="20577"/>
-          <ac:spMkLst>
-            <pc:docMk/>
-            <pc:sldMk cId="6683241" sldId="257"/>
-            <ac:spMk id="2" creationId="{00000000-0000-0000-0000-000000000000}"/>
-          </ac:spMkLst>
-        </pc:spChg>
-        <pc:spChg chg="mod">
-          <ac:chgData name="Magnus Ahlkvist" userId="ada356d894bd2de7" providerId="LiveId" clId="{1A8E3A2A-DA26-4BD2-A1EB-5BAE0A274B92}" dt="2019-10-13T08:49:51.700" v="210" actId="20577"/>
-          <ac:spMkLst>
-            <pc:docMk/>
-            <pc:sldMk cId="6683241" sldId="257"/>
-            <ac:spMk id="3" creationId="{00000000-0000-0000-0000-000000000000}"/>
-          </ac:spMkLst>
-        </pc:spChg>
-      </pc:sldChg>
-      <pc:sldChg chg="modSp">
-        <pc:chgData name="Magnus Ahlkvist" userId="ada356d894bd2de7" providerId="LiveId" clId="{1A8E3A2A-DA26-4BD2-A1EB-5BAE0A274B92}" dt="2019-10-13T08:47:38.171" v="52" actId="20577"/>
-        <pc:sldMkLst>
-          <pc:docMk/>
-          <pc:sldMk cId="1847188119" sldId="260"/>
-        </pc:sldMkLst>
-        <pc:spChg chg="mod">
-          <ac:chgData name="Magnus Ahlkvist" userId="ada356d894bd2de7" providerId="LiveId" clId="{1A8E3A2A-DA26-4BD2-A1EB-5BAE0A274B92}" dt="2019-10-13T08:47:30.985" v="37" actId="20577"/>
-          <ac:spMkLst>
-            <pc:docMk/>
-            <pc:sldMk cId="1847188119" sldId="260"/>
-            <ac:spMk id="2" creationId="{3A9EEC31-E066-4E62-BAAB-C170893FFE25}"/>
-          </ac:spMkLst>
-        </pc:spChg>
-        <pc:spChg chg="mod">
-          <ac:chgData name="Magnus Ahlkvist" userId="ada356d894bd2de7" providerId="LiveId" clId="{1A8E3A2A-DA26-4BD2-A1EB-5BAE0A274B92}" dt="2019-10-13T08:47:38.171" v="52" actId="20577"/>
-          <ac:spMkLst>
-            <pc:docMk/>
-            <pc:sldMk cId="1847188119" sldId="260"/>
-            <ac:spMk id="3" creationId="{FB9B0E28-205D-4B8D-B72F-75D77CF2161D}"/>
-          </ac:spMkLst>
-        </pc:spChg>
-      </pc:sldChg>
-      <pc:sldChg chg="modSp add">
-        <pc:chgData name="Magnus Ahlkvist" userId="ada356d894bd2de7" providerId="LiveId" clId="{1A8E3A2A-DA26-4BD2-A1EB-5BAE0A274B92}" dt="2019-10-13T10:28:43.466" v="263" actId="20577"/>
-        <pc:sldMkLst>
-          <pc:docMk/>
-          <pc:sldMk cId="7591363" sldId="261"/>
-        </pc:sldMkLst>
-        <pc:spChg chg="mod">
-          <ac:chgData name="Magnus Ahlkvist" userId="ada356d894bd2de7" providerId="LiveId" clId="{1A8E3A2A-DA26-4BD2-A1EB-5BAE0A274B92}" dt="2019-10-13T10:28:29.377" v="227" actId="20577"/>
-          <ac:spMkLst>
-            <pc:docMk/>
-            <pc:sldMk cId="7591363" sldId="261"/>
-            <ac:spMk id="2" creationId="{70C438DB-20F7-4B34-8E2C-4BF45E7293A3}"/>
-          </ac:spMkLst>
-        </pc:spChg>
-        <pc:spChg chg="mod">
-          <ac:chgData name="Magnus Ahlkvist" userId="ada356d894bd2de7" providerId="LiveId" clId="{1A8E3A2A-DA26-4BD2-A1EB-5BAE0A274B92}" dt="2019-10-13T10:28:43.466" v="263" actId="20577"/>
-          <ac:spMkLst>
-            <pc:docMk/>
-            <pc:sldMk cId="7591363" sldId="261"/>
-            <ac:spMk id="3" creationId="{3308BB25-8932-48AF-AEB6-FF932D5D492F}"/>
-          </ac:spMkLst>
-        </pc:spChg>
-      </pc:sldChg>
-    </pc:docChg>
-  </pc:docChgLst>
-  <pc:docChgLst>
     <pc:chgData name="Magnus Ahlkvist" userId="ada356d894bd2de7" providerId="LiveId" clId="{B3FEF6FE-84D3-4D8A-ADA4-DBA17E73CE0D}"/>
     <pc:docChg chg="custSel addSld delSld modSld">
       <pc:chgData name="Magnus Ahlkvist" userId="ada356d894bd2de7" providerId="LiveId" clId="{B3FEF6FE-84D3-4D8A-ADA4-DBA17E73CE0D}" dt="2019-10-24T09:02:08.513" v="172" actId="313"/>
@@ -1403,7 +1397,7 @@
           <a:p>
             <a:fld id="{896D3B2D-3924-0B48-B558-93C031AA9A06}" type="datetimeFigureOut">
               <a:rPr lang="en-US" smtClean="0"/>
-              <a:t>4/6/2020</a:t>
+              <a:t>4/15/2020</a:t>
             </a:fld>
             <a:endParaRPr lang="en-US"/>
           </a:p>
@@ -1670,188 +1664,6 @@
 </p:notesMaster>
 </file>
 
-<file path=ppt/notesSlides/notesSlide1.xml><?xml version="1.0" encoding="utf-8"?>
-<p:notes xmlns:a="http://schemas.openxmlformats.org/drawingml/2006/main" xmlns:r="http://schemas.openxmlformats.org/officeDocument/2006/relationships" xmlns:p="http://schemas.openxmlformats.org/presentationml/2006/main">
-  <p:cSld>
-    <p:spTree>
-      <p:nvGrpSpPr>
-        <p:cNvPr id="1" name=""/>
-        <p:cNvGrpSpPr/>
-        <p:nvPr/>
-      </p:nvGrpSpPr>
-      <p:grpSpPr>
-        <a:xfrm>
-          <a:off x="0" y="0"/>
-          <a:ext cx="0" cy="0"/>
-          <a:chOff x="0" y="0"/>
-          <a:chExt cx="0" cy="0"/>
-        </a:xfrm>
-      </p:grpSpPr>
-      <p:sp>
-        <p:nvSpPr>
-          <p:cNvPr id="2" name="Platshållare för bildobjekt 1"/>
-          <p:cNvSpPr>
-            <a:spLocks noGrp="1" noRot="1" noChangeAspect="1"/>
-          </p:cNvSpPr>
-          <p:nvPr>
-            <p:ph type="sldImg"/>
-          </p:nvPr>
-        </p:nvSpPr>
-        <p:spPr/>
-      </p:sp>
-      <p:sp>
-        <p:nvSpPr>
-          <p:cNvPr id="3" name="Platshållare för anteckningar 2"/>
-          <p:cNvSpPr>
-            <a:spLocks noGrp="1"/>
-          </p:cNvSpPr>
-          <p:nvPr>
-            <p:ph type="body" idx="1"/>
-          </p:nvPr>
-        </p:nvSpPr>
-        <p:spPr/>
-        <p:txBody>
-          <a:bodyPr/>
-          <a:lstStyle/>
-          <a:p>
-            <a:r>
-              <a:rPr lang="sv-SE" dirty="0" err="1"/>
-              <a:t>Parameterize</a:t>
-            </a:r>
-            <a:endParaRPr lang="sv-SE" dirty="0"/>
-          </a:p>
-          <a:p>
-            <a:r>
-              <a:rPr lang="sv-SE" dirty="0"/>
-              <a:t>Get the </a:t>
-            </a:r>
-            <a:r>
-              <a:rPr lang="sv-SE" dirty="0" err="1"/>
-              <a:t>value</a:t>
-            </a:r>
-            <a:r>
-              <a:rPr lang="sv-SE" dirty="0"/>
-              <a:t> from a table in the DB</a:t>
-            </a:r>
-          </a:p>
-          <a:p>
-            <a:r>
-              <a:rPr lang="sv-SE" dirty="0" err="1"/>
-              <a:t>Trace</a:t>
-            </a:r>
-            <a:r>
-              <a:rPr lang="sv-SE" dirty="0"/>
-              <a:t> Flags handling </a:t>
-            </a:r>
-            <a:r>
-              <a:rPr lang="sv-SE" dirty="0" err="1"/>
-              <a:t>ascending</a:t>
-            </a:r>
-            <a:r>
-              <a:rPr lang="sv-SE" dirty="0"/>
-              <a:t> </a:t>
-            </a:r>
-            <a:r>
-              <a:rPr lang="sv-SE" dirty="0" err="1"/>
-              <a:t>key</a:t>
-            </a:r>
-            <a:r>
-              <a:rPr lang="sv-SE" dirty="0"/>
-              <a:t> problem</a:t>
-            </a:r>
-          </a:p>
-          <a:p>
-            <a:r>
-              <a:rPr lang="sv-SE" dirty="0" err="1"/>
-              <a:t>Update</a:t>
-            </a:r>
-            <a:r>
-              <a:rPr lang="sv-SE" dirty="0"/>
-              <a:t> </a:t>
-            </a:r>
-            <a:r>
-              <a:rPr lang="sv-SE" dirty="0" err="1"/>
-              <a:t>statistics</a:t>
-            </a:r>
-            <a:r>
-              <a:rPr lang="sv-SE" dirty="0"/>
-              <a:t> and/or </a:t>
-            </a:r>
-            <a:r>
-              <a:rPr lang="sv-SE" dirty="0" err="1"/>
-              <a:t>rebuild</a:t>
-            </a:r>
-            <a:r>
-              <a:rPr lang="sv-SE" dirty="0"/>
-              <a:t> index</a:t>
-            </a:r>
-          </a:p>
-          <a:p>
-            <a:r>
-              <a:rPr lang="sv-SE" dirty="0" err="1"/>
-              <a:t>Upgrade</a:t>
-            </a:r>
-            <a:endParaRPr lang="sv-SE" dirty="0"/>
-          </a:p>
-          <a:p>
-            <a:r>
-              <a:rPr lang="sv-SE" dirty="0"/>
-              <a:t>Partition</a:t>
-            </a:r>
-          </a:p>
-          <a:p>
-            <a:r>
-              <a:rPr lang="sv-SE" dirty="0" err="1"/>
-              <a:t>Optimize</a:t>
-            </a:r>
-            <a:r>
-              <a:rPr lang="sv-SE" dirty="0"/>
-              <a:t> for </a:t>
-            </a:r>
-            <a:r>
-              <a:rPr lang="sv-SE" dirty="0" err="1"/>
-              <a:t>unknown</a:t>
-            </a:r>
-            <a:endParaRPr lang="sv-SE" dirty="0"/>
-          </a:p>
-        </p:txBody>
-      </p:sp>
-      <p:sp>
-        <p:nvSpPr>
-          <p:cNvPr id="4" name="Platshållare för bildnummer 3"/>
-          <p:cNvSpPr>
-            <a:spLocks noGrp="1"/>
-          </p:cNvSpPr>
-          <p:nvPr>
-            <p:ph type="sldNum" sz="quarter" idx="5"/>
-          </p:nvPr>
-        </p:nvSpPr>
-        <p:spPr/>
-        <p:txBody>
-          <a:bodyPr/>
-          <a:lstStyle/>
-          <a:p>
-            <a:fld id="{BF44D877-D18B-47F4-85A9-8D3AAA36BF88}" type="slidenum">
-              <a:rPr lang="sv-SE" smtClean="0"/>
-              <a:t>16</a:t>
-            </a:fld>
-            <a:endParaRPr lang="sv-SE"/>
-          </a:p>
-        </p:txBody>
-      </p:sp>
-    </p:spTree>
-    <p:extLst>
-      <p:ext uri="{BB962C8B-B14F-4D97-AF65-F5344CB8AC3E}">
-        <p14:creationId xmlns:p14="http://schemas.microsoft.com/office/powerpoint/2010/main" val="165323436"/>
-      </p:ext>
-    </p:extLst>
-  </p:cSld>
-  <p:clrMapOvr>
-    <a:masterClrMapping/>
-  </p:clrMapOvr>
-</p:notes>
-</file>
-
 <file path=ppt/slideLayouts/slideLayout1.xml><?xml version="1.0" encoding="utf-8"?>
 <p:sldLayout xmlns:a="http://schemas.openxmlformats.org/drawingml/2006/main" xmlns:r="http://schemas.openxmlformats.org/officeDocument/2006/relationships" xmlns:p="http://schemas.openxmlformats.org/presentationml/2006/main" showMasterSp="0" type="title" preserve="1">
   <p:cSld name="Rubrikbild">
@@ -2045,7 +1857,7 @@
             <a:fld id="{B61BEF0D-F0BB-DE4B-95CE-6DB70DBA9567}" type="datetimeFigureOut">
               <a:rPr lang="en-US"/>
               <a:pPr/>
-              <a:t>4/6/2020</a:t>
+              <a:t>4/15/2020</a:t>
             </a:fld>
             <a:endParaRPr lang="en-US"/>
           </a:p>
@@ -2329,7 +2141,7 @@
             <a:fld id="{B61BEF0D-F0BB-DE4B-95CE-6DB70DBA9567}" type="datetimeFigureOut">
               <a:rPr lang="en-US"/>
               <a:pPr/>
-              <a:t>4/6/2020</a:t>
+              <a:t>4/15/2020</a:t>
             </a:fld>
             <a:endParaRPr lang="en-US"/>
           </a:p>
@@ -2640,7 +2452,7 @@
             <a:fld id="{B61BEF0D-F0BB-DE4B-95CE-6DB70DBA9567}" type="datetimeFigureOut">
               <a:rPr lang="en-US"/>
               <a:pPr/>
-              <a:t>4/6/2020</a:t>
+              <a:t>4/15/2020</a:t>
             </a:fld>
             <a:endParaRPr lang="en-US"/>
           </a:p>
@@ -2978,7 +2790,7 @@
             <a:fld id="{B61BEF0D-F0BB-DE4B-95CE-6DB70DBA9567}" type="datetimeFigureOut">
               <a:rPr lang="en-US"/>
               <a:pPr/>
-              <a:t>4/6/2020</a:t>
+              <a:t>4/15/2020</a:t>
             </a:fld>
             <a:endParaRPr lang="en-US"/>
           </a:p>
@@ -3289,7 +3101,7 @@
             <a:fld id="{B61BEF0D-F0BB-DE4B-95CE-6DB70DBA9567}" type="datetimeFigureOut">
               <a:rPr lang="en-US"/>
               <a:pPr/>
-              <a:t>4/6/2020</a:t>
+              <a:t>4/15/2020</a:t>
             </a:fld>
             <a:endParaRPr lang="en-US"/>
           </a:p>
@@ -3679,7 +3491,7 @@
             <a:fld id="{B61BEF0D-F0BB-DE4B-95CE-6DB70DBA9567}" type="datetimeFigureOut">
               <a:rPr lang="en-US"/>
               <a:pPr/>
-              <a:t>4/6/2020</a:t>
+              <a:t>4/15/2020</a:t>
             </a:fld>
             <a:endParaRPr lang="en-US"/>
           </a:p>
@@ -3845,7 +3657,7 @@
           <a:p>
             <a:fld id="{55C6B4A9-1611-4792-9094-5F34BCA07E0B}" type="datetimeFigureOut">
               <a:rPr lang="en-US"/>
-              <a:t>4/6/2020</a:t>
+              <a:t>4/15/2020</a:t>
             </a:fld>
             <a:endParaRPr lang="en-US"/>
           </a:p>
@@ -4021,7 +3833,7 @@
             <a:fld id="{B61BEF0D-F0BB-DE4B-95CE-6DB70DBA9567}" type="datetimeFigureOut">
               <a:rPr lang="en-US"/>
               <a:pPr/>
-              <a:t>4/6/2020</a:t>
+              <a:t>4/15/2020</a:t>
             </a:fld>
             <a:endParaRPr lang="en-US"/>
           </a:p>
@@ -4225,7 +4037,7 @@
           <a:p>
             <a:fld id="{C2231AF4-6FC1-4460-BBC9-D7CD0B6E11EF}" type="datetimeFigureOut">
               <a:rPr lang="sv-SE" smtClean="0"/>
-              <a:t>2020-04-06</a:t>
+              <a:t>2020-04-15</a:t>
             </a:fld>
             <a:endParaRPr lang="sv-SE"/>
           </a:p>
@@ -4423,7 +4235,7 @@
           <a:p>
             <a:fld id="{C2231AF4-6FC1-4460-BBC9-D7CD0B6E11EF}" type="datetimeFigureOut">
               <a:rPr lang="sv-SE" smtClean="0"/>
-              <a:t>2020-04-06</a:t>
+              <a:t>2020-04-15</a:t>
             </a:fld>
             <a:endParaRPr lang="sv-SE"/>
           </a:p>
@@ -4698,7 +4510,7 @@
           <a:p>
             <a:fld id="{C2231AF4-6FC1-4460-BBC9-D7CD0B6E11EF}" type="datetimeFigureOut">
               <a:rPr lang="sv-SE" smtClean="0"/>
-              <a:t>2020-04-06</a:t>
+              <a:t>2020-04-15</a:t>
             </a:fld>
             <a:endParaRPr lang="sv-SE"/>
           </a:p>
@@ -4887,7 +4699,7 @@
             <a:fld id="{B61BEF0D-F0BB-DE4B-95CE-6DB70DBA9567}" type="datetimeFigureOut">
               <a:rPr lang="en-US"/>
               <a:pPr/>
-              <a:t>4/6/2020</a:t>
+              <a:t>4/15/2020</a:t>
             </a:fld>
             <a:endParaRPr lang="en-US"/>
           </a:p>
@@ -5136,7 +4948,7 @@
           <a:p>
             <a:fld id="{C2231AF4-6FC1-4460-BBC9-D7CD0B6E11EF}" type="datetimeFigureOut">
               <a:rPr lang="sv-SE" smtClean="0"/>
-              <a:t>2020-04-06</a:t>
+              <a:t>2020-04-15</a:t>
             </a:fld>
             <a:endParaRPr lang="sv-SE"/>
           </a:p>
@@ -5548,7 +5360,7 @@
           <a:p>
             <a:fld id="{C2231AF4-6FC1-4460-BBC9-D7CD0B6E11EF}" type="datetimeFigureOut">
               <a:rPr lang="sv-SE" smtClean="0"/>
-              <a:t>2020-04-06</a:t>
+              <a:t>2020-04-15</a:t>
             </a:fld>
             <a:endParaRPr lang="sv-SE"/>
           </a:p>
@@ -5689,7 +5501,7 @@
           <a:p>
             <a:fld id="{C2231AF4-6FC1-4460-BBC9-D7CD0B6E11EF}" type="datetimeFigureOut">
               <a:rPr lang="sv-SE" smtClean="0"/>
-              <a:t>2020-04-06</a:t>
+              <a:t>2020-04-15</a:t>
             </a:fld>
             <a:endParaRPr lang="sv-SE"/>
           </a:p>
@@ -5802,7 +5614,7 @@
           <a:p>
             <a:fld id="{C2231AF4-6FC1-4460-BBC9-D7CD0B6E11EF}" type="datetimeFigureOut">
               <a:rPr lang="sv-SE" smtClean="0"/>
-              <a:t>2020-04-06</a:t>
+              <a:t>2020-04-15</a:t>
             </a:fld>
             <a:endParaRPr lang="sv-SE"/>
           </a:p>
@@ -6113,7 +5925,7 @@
           <a:p>
             <a:fld id="{C2231AF4-6FC1-4460-BBC9-D7CD0B6E11EF}" type="datetimeFigureOut">
               <a:rPr lang="sv-SE" smtClean="0"/>
-              <a:t>2020-04-06</a:t>
+              <a:t>2020-04-15</a:t>
             </a:fld>
             <a:endParaRPr lang="sv-SE"/>
           </a:p>
@@ -6401,7 +6213,7 @@
           <a:p>
             <a:fld id="{C2231AF4-6FC1-4460-BBC9-D7CD0B6E11EF}" type="datetimeFigureOut">
               <a:rPr lang="sv-SE" smtClean="0"/>
-              <a:t>2020-04-06</a:t>
+              <a:t>2020-04-15</a:t>
             </a:fld>
             <a:endParaRPr lang="sv-SE"/>
           </a:p>
@@ -6599,7 +6411,7 @@
           <a:p>
             <a:fld id="{C2231AF4-6FC1-4460-BBC9-D7CD0B6E11EF}" type="datetimeFigureOut">
               <a:rPr lang="sv-SE" smtClean="0"/>
-              <a:t>2020-04-06</a:t>
+              <a:t>2020-04-15</a:t>
             </a:fld>
             <a:endParaRPr lang="sv-SE"/>
           </a:p>
@@ -6807,7 +6619,7 @@
           <a:p>
             <a:fld id="{C2231AF4-6FC1-4460-BBC9-D7CD0B6E11EF}" type="datetimeFigureOut">
               <a:rPr lang="sv-SE" smtClean="0"/>
-              <a:t>2020-04-06</a:t>
+              <a:t>2020-04-15</a:t>
             </a:fld>
             <a:endParaRPr lang="sv-SE"/>
           </a:p>
@@ -7067,7 +6879,7 @@
             <a:fld id="{B61BEF0D-F0BB-DE4B-95CE-6DB70DBA9567}" type="datetimeFigureOut">
               <a:rPr lang="en-US"/>
               <a:pPr/>
-              <a:t>4/6/2020</a:t>
+              <a:t>4/15/2020</a:t>
             </a:fld>
             <a:endParaRPr lang="en-US"/>
           </a:p>
@@ -7295,7 +7107,7 @@
           <a:p>
             <a:fld id="{EB712588-04B1-427B-82EE-E8DB90309F08}" type="datetimeFigureOut">
               <a:rPr lang="en-US"/>
-              <a:t>4/6/2020</a:t>
+              <a:t>4/15/2020</a:t>
             </a:fld>
             <a:endParaRPr lang="en-US"/>
           </a:p>
@@ -7665,7 +7477,7 @@
             <a:fld id="{B61BEF0D-F0BB-DE4B-95CE-6DB70DBA9567}" type="datetimeFigureOut">
               <a:rPr lang="en-US"/>
               <a:pPr/>
-              <a:t>4/6/2020</a:t>
+              <a:t>4/15/2020</a:t>
             </a:fld>
             <a:endParaRPr lang="en-US"/>
           </a:p>
@@ -7785,7 +7597,7 @@
             <a:fld id="{B61BEF0D-F0BB-DE4B-95CE-6DB70DBA9567}" type="datetimeFigureOut">
               <a:rPr lang="en-US"/>
               <a:pPr/>
-              <a:t>4/6/2020</a:t>
+              <a:t>4/15/2020</a:t>
             </a:fld>
             <a:endParaRPr lang="en-US"/>
           </a:p>
@@ -7877,7 +7689,7 @@
             <a:fld id="{B61BEF0D-F0BB-DE4B-95CE-6DB70DBA9567}" type="datetimeFigureOut">
               <a:rPr lang="en-US"/>
               <a:pPr/>
-              <a:t>4/6/2020</a:t>
+              <a:t>4/15/2020</a:t>
             </a:fld>
             <a:endParaRPr lang="en-US"/>
           </a:p>
@@ -8128,7 +7940,7 @@
           <a:p>
             <a:fld id="{42A54C80-263E-416B-A8E0-580EDEADCBDC}" type="datetimeFigureOut">
               <a:rPr lang="en-US"/>
-              <a:t>4/6/2020</a:t>
+              <a:t>4/15/2020</a:t>
             </a:fld>
             <a:endParaRPr lang="en-US"/>
           </a:p>
@@ -8387,7 +8199,7 @@
             <a:fld id="{B61BEF0D-F0BB-DE4B-95CE-6DB70DBA9567}" type="datetimeFigureOut">
               <a:rPr lang="en-US"/>
               <a:pPr/>
-              <a:t>4/6/2020</a:t>
+              <a:t>4/15/2020</a:t>
             </a:fld>
             <a:endParaRPr lang="en-US"/>
           </a:p>
@@ -8612,7 +8424,7 @@
             <a:fld id="{B61BEF0D-F0BB-DE4B-95CE-6DB70DBA9567}" type="datetimeFigureOut">
               <a:rPr lang="en-US"/>
               <a:pPr/>
-              <a:t>4/6/2020</a:t>
+              <a:t>4/15/2020</a:t>
             </a:fld>
             <a:endParaRPr lang="en-US"/>
           </a:p>
@@ -9319,7 +9131,7 @@
           <a:p>
             <a:fld id="{C2231AF4-6FC1-4460-BBC9-D7CD0B6E11EF}" type="datetimeFigureOut">
               <a:rPr lang="sv-SE" smtClean="0"/>
-              <a:t>2020-04-06</a:t>
+              <a:t>2020-04-15</a:t>
             </a:fld>
             <a:endParaRPr lang="sv-SE"/>
           </a:p>
@@ -9755,7 +9567,7 @@
         <p:spPr>
           <a:xfrm>
             <a:off x="677334" y="4800600"/>
-            <a:ext cx="8596667" cy="819150"/>
+            <a:ext cx="9092308" cy="819150"/>
           </a:xfrm>
         </p:spPr>
         <p:txBody>
@@ -9875,7 +9687,15 @@
             </a:r>
             <a:r>
               <a:rPr lang="en-US" dirty="0"/>
-              <a:t> </a:t>
+              <a:t> | github.com/</a:t>
+            </a:r>
+            <a:r>
+              <a:rPr lang="en-US" dirty="0" err="1"/>
+              <a:t>transmokopter</a:t>
+            </a:r>
+            <a:r>
+              <a:rPr lang="en-US" dirty="0"/>
+              <a:t>/Presentations</a:t>
             </a:r>
           </a:p>
           <a:p>
@@ -9926,10 +9746,10 @@
       </p:grpSpPr>
       <p:sp>
         <p:nvSpPr>
-          <p:cNvPr id="5" name="Rubrik 4">
+          <p:cNvPr id="4" name="Rubrik 3">
             <a:extLst>
               <a:ext uri="{FF2B5EF4-FFF2-40B4-BE49-F238E27FC236}">
-                <a16:creationId xmlns:a16="http://schemas.microsoft.com/office/drawing/2014/main" id="{4B54807A-4D7E-49ED-817B-020A62F1C074}"/>
+                <a16:creationId xmlns:a16="http://schemas.microsoft.com/office/drawing/2014/main" id="{B815B6F0-441C-4C91-AB08-6E805A1963BC}"/>
               </a:ext>
             </a:extLst>
           </p:cNvPr>
@@ -9937,7 +9757,7 @@
             <a:spLocks noGrp="1"/>
           </p:cNvSpPr>
           <p:nvPr>
-            <p:ph type="title"/>
+            <p:ph type="ctrTitle"/>
           </p:nvPr>
         </p:nvSpPr>
         <p:spPr/>
@@ -9946,190 +9766,23 @@
           <a:lstStyle/>
           <a:p>
             <a:r>
-              <a:rPr lang="sv-SE" dirty="0" err="1"/>
-              <a:t>Some</a:t>
-            </a:r>
-            <a:r>
               <a:rPr lang="sv-SE" dirty="0"/>
-              <a:t> plan </a:t>
-            </a:r>
-            <a:r>
-              <a:rPr lang="sv-SE" dirty="0" err="1"/>
-              <a:t>characteristics</a:t>
-            </a:r>
-            <a:endParaRPr lang="sv-SE" dirty="0"/>
-          </a:p>
-        </p:txBody>
-      </p:sp>
-      <p:pic>
-        <p:nvPicPr>
-          <p:cNvPr id="4" name="Platshållare för innehåll 3">
-            <a:extLst>
-              <a:ext uri="{FF2B5EF4-FFF2-40B4-BE49-F238E27FC236}">
-                <a16:creationId xmlns:a16="http://schemas.microsoft.com/office/drawing/2014/main" id="{A8ACA15F-E703-49DA-9042-57B14E250DA5}"/>
-              </a:ext>
-            </a:extLst>
-          </p:cNvPr>
-          <p:cNvPicPr>
-            <a:picLocks noGrp="1" noChangeAspect="1"/>
-          </p:cNvPicPr>
-          <p:nvPr>
-            <p:ph sz="half" idx="1"/>
-          </p:nvPr>
-        </p:nvPicPr>
-        <p:blipFill>
-          <a:blip r:embed="rId2"/>
-          <a:stretch>
-            <a:fillRect/>
-          </a:stretch>
-        </p:blipFill>
-        <p:spPr>
-          <a:xfrm>
-            <a:off x="330781" y="2322623"/>
-            <a:ext cx="3048425" cy="3296110"/>
-          </a:xfrm>
-          <a:prstGeom prst="rect">
-            <a:avLst/>
-          </a:prstGeom>
-        </p:spPr>
-      </p:pic>
-      <p:pic>
-        <p:nvPicPr>
-          <p:cNvPr id="7" name="Platshållare för innehåll 6">
-            <a:extLst>
-              <a:ext uri="{FF2B5EF4-FFF2-40B4-BE49-F238E27FC236}">
-                <a16:creationId xmlns:a16="http://schemas.microsoft.com/office/drawing/2014/main" id="{8D56BF16-34A1-43D4-88E1-CD4815BF2EF8}"/>
-              </a:ext>
-            </a:extLst>
-          </p:cNvPr>
-          <p:cNvPicPr>
-            <a:picLocks noGrp="1" noChangeAspect="1"/>
-          </p:cNvPicPr>
-          <p:nvPr>
-            <p:ph sz="half" idx="2"/>
-          </p:nvPr>
-        </p:nvPicPr>
-        <p:blipFill>
-          <a:blip r:embed="rId3"/>
-          <a:stretch>
-            <a:fillRect/>
-          </a:stretch>
-        </p:blipFill>
-        <p:spPr>
-          <a:xfrm>
-            <a:off x="3656692" y="2322623"/>
-            <a:ext cx="8339142" cy="2531260"/>
-          </a:xfrm>
-          <a:prstGeom prst="rect">
-            <a:avLst/>
-          </a:prstGeom>
-        </p:spPr>
-      </p:pic>
-      <p:pic>
-        <p:nvPicPr>
-          <p:cNvPr id="8" name="Bildobjekt 7">
-            <a:extLst>
-              <a:ext uri="{FF2B5EF4-FFF2-40B4-BE49-F238E27FC236}">
-                <a16:creationId xmlns:a16="http://schemas.microsoft.com/office/drawing/2014/main" id="{CE7272E4-352A-4105-A9F4-F162EA00B816}"/>
-              </a:ext>
-            </a:extLst>
-          </p:cNvPr>
-          <p:cNvPicPr>
-            <a:picLocks noChangeAspect="1"/>
-          </p:cNvPicPr>
-          <p:nvPr/>
-        </p:nvPicPr>
-        <p:blipFill>
-          <a:blip r:embed="rId4"/>
-          <a:stretch>
-            <a:fillRect/>
-          </a:stretch>
-        </p:blipFill>
-        <p:spPr>
-          <a:xfrm>
-            <a:off x="7223143" y="1836780"/>
-            <a:ext cx="4772691" cy="485843"/>
-          </a:xfrm>
-          <a:prstGeom prst="rect">
-            <a:avLst/>
-          </a:prstGeom>
-        </p:spPr>
-      </p:pic>
-      <p:sp>
-        <p:nvSpPr>
-          <p:cNvPr id="9" name="textruta 8">
-            <a:extLst>
-              <a:ext uri="{FF2B5EF4-FFF2-40B4-BE49-F238E27FC236}">
-                <a16:creationId xmlns:a16="http://schemas.microsoft.com/office/drawing/2014/main" id="{F8F6D32D-2386-4EC1-99DA-88C81C408104}"/>
-              </a:ext>
-            </a:extLst>
-          </p:cNvPr>
-          <p:cNvSpPr txBox="1"/>
-          <p:nvPr/>
-        </p:nvSpPr>
-        <p:spPr>
-          <a:xfrm>
-            <a:off x="330781" y="1980054"/>
-            <a:ext cx="3048425" cy="369332"/>
-          </a:xfrm>
-          <a:prstGeom prst="rect">
-            <a:avLst/>
-          </a:prstGeom>
-          <a:noFill/>
-        </p:spPr>
-        <p:txBody>
-          <a:bodyPr wrap="square" rtlCol="0">
-            <a:spAutoFit/>
-          </a:bodyPr>
-          <a:lstStyle/>
-          <a:p>
-            <a:r>
+              <a:t>DBATOOLS</a:t>
+            </a:r>
+            <a:br>
               <a:rPr lang="sv-SE" dirty="0"/>
-              <a:t>OK</a:t>
-            </a:r>
-          </a:p>
-        </p:txBody>
-      </p:sp>
-      <p:sp>
-        <p:nvSpPr>
-          <p:cNvPr id="10" name="textruta 9">
-            <a:extLst>
-              <a:ext uri="{FF2B5EF4-FFF2-40B4-BE49-F238E27FC236}">
-                <a16:creationId xmlns:a16="http://schemas.microsoft.com/office/drawing/2014/main" id="{1EE4688A-C744-405A-BB64-5702489C2997}"/>
-              </a:ext>
-            </a:extLst>
-          </p:cNvPr>
-          <p:cNvSpPr txBox="1"/>
-          <p:nvPr/>
-        </p:nvSpPr>
-        <p:spPr>
-          <a:xfrm>
-            <a:off x="3656692" y="1980054"/>
-            <a:ext cx="3048425" cy="369332"/>
-          </a:xfrm>
-          <a:prstGeom prst="rect">
-            <a:avLst/>
-          </a:prstGeom>
-          <a:noFill/>
-        </p:spPr>
-        <p:txBody>
-          <a:bodyPr wrap="square" rtlCol="0">
-            <a:spAutoFit/>
-          </a:bodyPr>
-          <a:lstStyle/>
-          <a:p>
-            <a:r>
-              <a:rPr lang="sv-SE" dirty="0" err="1"/>
-              <a:t>Awful</a:t>
-            </a:r>
-            <a:endParaRPr lang="sv-SE" dirty="0"/>
+            </a:br>
+            <a:r>
+              <a:rPr lang="sv-SE" dirty="0"/>
+              <a:t>Demo</a:t>
+            </a:r>
           </a:p>
         </p:txBody>
       </p:sp>
     </p:spTree>
     <p:extLst>
       <p:ext uri="{BB962C8B-B14F-4D97-AF65-F5344CB8AC3E}">
-        <p14:creationId xmlns:p14="http://schemas.microsoft.com/office/powerpoint/2010/main" val="1167938610"/>
+        <p14:creationId xmlns:p14="http://schemas.microsoft.com/office/powerpoint/2010/main" val="3934740375"/>
       </p:ext>
     </p:extLst>
   </p:cSld>
@@ -10158,10 +9811,10 @@
       </p:grpSpPr>
       <p:sp>
         <p:nvSpPr>
-          <p:cNvPr id="2" name="Title 1">
+          <p:cNvPr id="2" name="Rubrik 1">
             <a:extLst>
               <a:ext uri="{FF2B5EF4-FFF2-40B4-BE49-F238E27FC236}">
-                <a16:creationId xmlns:a16="http://schemas.microsoft.com/office/drawing/2014/main" id="{3A9EEC31-E066-4E62-BAAB-C170893FFE25}"/>
+                <a16:creationId xmlns:a16="http://schemas.microsoft.com/office/drawing/2014/main" id="{86A8366E-4779-4EC4-BFA4-CB7796ECEBDD}"/>
               </a:ext>
             </a:extLst>
           </p:cNvPr>
@@ -10177,18 +9830,13 @@
           <a:bodyPr/>
           <a:lstStyle/>
           <a:p>
-            <a:pPr algn="l"/>
-            <a:r>
-              <a:rPr lang="en-US" sz="3200" dirty="0"/>
-              <a:t>Hey </a:t>
-            </a:r>
-            <a:r>
-              <a:rPr lang="en-US" sz="3200" dirty="0" err="1"/>
-              <a:t>Mr</a:t>
-            </a:r>
-            <a:r>
-              <a:rPr lang="en-US" sz="3200" dirty="0"/>
-              <a:t> DBA</a:t>
+            <a:r>
+              <a:rPr lang="sv-SE" dirty="0" err="1"/>
+              <a:t>Lets’s</a:t>
+            </a:r>
+            <a:r>
+              <a:rPr lang="sv-SE" dirty="0"/>
+              <a:t> get down to business</a:t>
             </a:r>
           </a:p>
         </p:txBody>
@@ -10198,7 +9846,7 @@
           <p:cNvPr id="3" name="Platshållare för innehåll 2">
             <a:extLst>
               <a:ext uri="{FF2B5EF4-FFF2-40B4-BE49-F238E27FC236}">
-                <a16:creationId xmlns:a16="http://schemas.microsoft.com/office/drawing/2014/main" id="{B03794EE-2867-4CBE-BF6C-BBED1C4B7EF9}"/>
+                <a16:creationId xmlns:a16="http://schemas.microsoft.com/office/drawing/2014/main" id="{E517467D-E6D8-4E68-88BB-BA3E6E56E956}"/>
               </a:ext>
             </a:extLst>
           </p:cNvPr>
@@ -10216,11 +9864,27 @@
           <a:p>
             <a:r>
               <a:rPr lang="sv-SE" dirty="0"/>
-              <a:t>Ola </a:t>
+              <a:t>Setup servers for </a:t>
             </a:r>
             <a:r>
               <a:rPr lang="sv-SE" dirty="0" err="1"/>
-              <a:t>Hallengren’s</a:t>
+              <a:t>backing</a:t>
+            </a:r>
+            <a:r>
+              <a:rPr lang="sv-SE" dirty="0"/>
+              <a:t> up to and </a:t>
+            </a:r>
+            <a:r>
+              <a:rPr lang="sv-SE" dirty="0" err="1"/>
+              <a:t>restoring</a:t>
+            </a:r>
+            <a:r>
+              <a:rPr lang="sv-SE" dirty="0"/>
+              <a:t> from </a:t>
+            </a:r>
+            <a:r>
+              <a:rPr lang="sv-SE" dirty="0" err="1"/>
+              <a:t>Azure</a:t>
             </a:r>
             <a:r>
               <a:rPr lang="sv-SE" dirty="0"/>
@@ -10228,15 +9892,28 @@
             </a:r>
             <a:r>
               <a:rPr lang="sv-SE" dirty="0" err="1"/>
-              <a:t>maintenance</a:t>
+              <a:t>blob</a:t>
             </a:r>
             <a:r>
               <a:rPr lang="sv-SE" dirty="0"/>
-              <a:t> solution, </a:t>
+              <a:t> storage</a:t>
+            </a:r>
+          </a:p>
+          <a:p>
+            <a:r>
+              <a:rPr lang="sv-SE" dirty="0"/>
+              <a:t>Install a new SQL Server </a:t>
             </a:r>
             <a:r>
               <a:rPr lang="sv-SE" dirty="0" err="1"/>
-              <a:t>run</a:t>
+              <a:t>instance</a:t>
+            </a:r>
+            <a:endParaRPr lang="sv-SE" dirty="0"/>
+          </a:p>
+          <a:p>
+            <a:r>
+              <a:rPr lang="sv-SE" dirty="0" err="1"/>
+              <a:t>Automate</a:t>
             </a:r>
             <a:r>
               <a:rPr lang="sv-SE" dirty="0"/>
@@ -10244,8 +9921,44 @@
             </a:r>
             <a:r>
               <a:rPr lang="sv-SE" dirty="0" err="1"/>
-              <a:t>nightly</a:t>
-            </a:r>
+              <a:t>patching</a:t>
+            </a:r>
+            <a:r>
+              <a:rPr lang="sv-SE" dirty="0"/>
+              <a:t> </a:t>
+            </a:r>
+            <a:r>
+              <a:rPr lang="sv-SE" dirty="0" err="1"/>
+              <a:t>of</a:t>
+            </a:r>
+            <a:r>
+              <a:rPr lang="sv-SE" dirty="0"/>
+              <a:t> SQL Server</a:t>
+            </a:r>
+          </a:p>
+          <a:p>
+            <a:r>
+              <a:rPr lang="sv-SE" dirty="0"/>
+              <a:t>Log shipping when </a:t>
+            </a:r>
+            <a:r>
+              <a:rPr lang="sv-SE" dirty="0" err="1"/>
+              <a:t>there’s</a:t>
+            </a:r>
+            <a:r>
+              <a:rPr lang="sv-SE" dirty="0"/>
+              <a:t> no common </a:t>
+            </a:r>
+            <a:r>
+              <a:rPr lang="sv-SE" dirty="0" err="1"/>
+              <a:t>file</a:t>
+            </a:r>
+            <a:r>
+              <a:rPr lang="sv-SE" dirty="0"/>
+              <a:t> share</a:t>
+            </a:r>
+          </a:p>
+          <a:p>
             <a:endParaRPr lang="sv-SE" dirty="0"/>
           </a:p>
         </p:txBody>
@@ -10253,7 +9966,7 @@
     </p:spTree>
     <p:extLst>
       <p:ext uri="{BB962C8B-B14F-4D97-AF65-F5344CB8AC3E}">
-        <p14:creationId xmlns:p14="http://schemas.microsoft.com/office/powerpoint/2010/main" val="3619597613"/>
+        <p14:creationId xmlns:p14="http://schemas.microsoft.com/office/powerpoint/2010/main" val="45941783"/>
       </p:ext>
     </p:extLst>
   </p:cSld>
@@ -10303,35 +10016,14 @@
           <a:p>
             <a:r>
               <a:rPr lang="sv-SE" dirty="0"/>
-              <a:t>DBCC SHOW_STATISTICS</a:t>
-            </a:r>
-          </a:p>
-        </p:txBody>
-      </p:sp>
-      <p:sp>
-        <p:nvSpPr>
-          <p:cNvPr id="5" name="Underrubrik 4">
-            <a:extLst>
-              <a:ext uri="{FF2B5EF4-FFF2-40B4-BE49-F238E27FC236}">
-                <a16:creationId xmlns:a16="http://schemas.microsoft.com/office/drawing/2014/main" id="{29A4EEA5-6DE3-4C78-A656-74A583DE414B}"/>
-              </a:ext>
-            </a:extLst>
-          </p:cNvPr>
-          <p:cNvSpPr>
-            <a:spLocks noGrp="1"/>
-          </p:cNvSpPr>
-          <p:nvPr>
-            <p:ph type="subTitle" idx="1"/>
-          </p:nvPr>
-        </p:nvSpPr>
-        <p:spPr/>
-        <p:txBody>
-          <a:bodyPr/>
-          <a:lstStyle/>
-          <a:p>
-            <a:r>
+              <a:t>DBATOOLS</a:t>
+            </a:r>
+            <a:br>
               <a:rPr lang="sv-SE" dirty="0"/>
-              <a:t>DEMO</a:t>
+            </a:br>
+            <a:r>
+              <a:rPr lang="sv-SE" dirty="0"/>
+              <a:t>Demo</a:t>
             </a:r>
           </a:p>
         </p:txBody>
@@ -10339,1194 +10031,7 @@
     </p:spTree>
     <p:extLst>
       <p:ext uri="{BB962C8B-B14F-4D97-AF65-F5344CB8AC3E}">
-        <p14:creationId xmlns:p14="http://schemas.microsoft.com/office/powerpoint/2010/main" val="1277576842"/>
-      </p:ext>
-    </p:extLst>
-  </p:cSld>
-  <p:clrMapOvr>
-    <a:masterClrMapping/>
-  </p:clrMapOvr>
-</p:sld>
-</file>
-
-<file path=ppt/slides/slide13.xml><?xml version="1.0" encoding="utf-8"?>
-<p:sld xmlns:a="http://schemas.openxmlformats.org/drawingml/2006/main" xmlns:r="http://schemas.openxmlformats.org/officeDocument/2006/relationships" xmlns:p="http://schemas.openxmlformats.org/presentationml/2006/main">
-  <p:cSld>
-    <p:spTree>
-      <p:nvGrpSpPr>
-        <p:cNvPr id="1" name=""/>
-        <p:cNvGrpSpPr/>
-        <p:nvPr/>
-      </p:nvGrpSpPr>
-      <p:grpSpPr>
-        <a:xfrm>
-          <a:off x="0" y="0"/>
-          <a:ext cx="0" cy="0"/>
-          <a:chOff x="0" y="0"/>
-          <a:chExt cx="0" cy="0"/>
-        </a:xfrm>
-      </p:grpSpPr>
-      <p:sp>
-        <p:nvSpPr>
-          <p:cNvPr id="3" name="Rubrik 2">
-            <a:extLst>
-              <a:ext uri="{FF2B5EF4-FFF2-40B4-BE49-F238E27FC236}">
-                <a16:creationId xmlns:a16="http://schemas.microsoft.com/office/drawing/2014/main" id="{2D1C7B31-1DCC-4890-A9D7-00CE7145799B}"/>
-              </a:ext>
-            </a:extLst>
-          </p:cNvPr>
-          <p:cNvSpPr>
-            <a:spLocks noGrp="1"/>
-          </p:cNvSpPr>
-          <p:nvPr>
-            <p:ph type="title"/>
-          </p:nvPr>
-        </p:nvSpPr>
-        <p:spPr/>
-        <p:txBody>
-          <a:bodyPr/>
-          <a:lstStyle/>
-          <a:p>
-            <a:r>
-              <a:rPr lang="sv-SE" dirty="0" err="1"/>
-              <a:t>Statistics</a:t>
-            </a:r>
-            <a:r>
-              <a:rPr lang="sv-SE" dirty="0"/>
-              <a:t> histogram</a:t>
-            </a:r>
-          </a:p>
-        </p:txBody>
-      </p:sp>
-      <p:graphicFrame>
-        <p:nvGraphicFramePr>
-          <p:cNvPr id="7" name="Tabell 7">
-            <a:extLst>
-              <a:ext uri="{FF2B5EF4-FFF2-40B4-BE49-F238E27FC236}">
-                <a16:creationId xmlns:a16="http://schemas.microsoft.com/office/drawing/2014/main" id="{5F322064-2FE7-4441-874A-91342A24D98D}"/>
-              </a:ext>
-            </a:extLst>
-          </p:cNvPr>
-          <p:cNvGraphicFramePr>
-            <a:graphicFrameLocks noGrp="1"/>
-          </p:cNvGraphicFramePr>
-          <p:nvPr>
-            <p:ph idx="1"/>
-          </p:nvPr>
-        </p:nvGraphicFramePr>
-        <p:xfrm>
-          <a:off x="381368" y="1523844"/>
-          <a:ext cx="11429260" cy="3096637"/>
-        </p:xfrm>
-        <a:graphic>
-          <a:graphicData uri="http://schemas.openxmlformats.org/drawingml/2006/table">
-            <a:tbl>
-              <a:tblPr firstRow="1" bandRow="1">
-                <a:tableStyleId>{5C22544A-7EE6-4342-B048-85BDC9FD1C3A}</a:tableStyleId>
-              </a:tblPr>
-              <a:tblGrid>
-                <a:gridCol w="2285852">
-                  <a:extLst>
-                    <a:ext uri="{9D8B030D-6E8A-4147-A177-3AD203B41FA5}">
-                      <a16:colId xmlns:a16="http://schemas.microsoft.com/office/drawing/2014/main" val="1128465952"/>
-                    </a:ext>
-                  </a:extLst>
-                </a:gridCol>
-                <a:gridCol w="2285852">
-                  <a:extLst>
-                    <a:ext uri="{9D8B030D-6E8A-4147-A177-3AD203B41FA5}">
-                      <a16:colId xmlns:a16="http://schemas.microsoft.com/office/drawing/2014/main" val="1167298882"/>
-                    </a:ext>
-                  </a:extLst>
-                </a:gridCol>
-                <a:gridCol w="2285852">
-                  <a:extLst>
-                    <a:ext uri="{9D8B030D-6E8A-4147-A177-3AD203B41FA5}">
-                      <a16:colId xmlns:a16="http://schemas.microsoft.com/office/drawing/2014/main" val="2008461237"/>
-                    </a:ext>
-                  </a:extLst>
-                </a:gridCol>
-                <a:gridCol w="2285852">
-                  <a:extLst>
-                    <a:ext uri="{9D8B030D-6E8A-4147-A177-3AD203B41FA5}">
-                      <a16:colId xmlns:a16="http://schemas.microsoft.com/office/drawing/2014/main" val="3545740637"/>
-                    </a:ext>
-                  </a:extLst>
-                </a:gridCol>
-                <a:gridCol w="2285852">
-                  <a:extLst>
-                    <a:ext uri="{9D8B030D-6E8A-4147-A177-3AD203B41FA5}">
-                      <a16:colId xmlns:a16="http://schemas.microsoft.com/office/drawing/2014/main" val="3684419405"/>
-                    </a:ext>
-                  </a:extLst>
-                </a:gridCol>
-              </a:tblGrid>
-              <a:tr h="677389">
-                <a:tc>
-                  <a:txBody>
-                    <a:bodyPr/>
-                    <a:lstStyle/>
-                    <a:p>
-                      <a:r>
-                        <a:rPr lang="sv-SE" sz="1900" dirty="0"/>
-                        <a:t>RANGE_HI_KEY</a:t>
-                      </a:r>
-                    </a:p>
-                  </a:txBody>
-                  <a:tcPr marL="96770" marR="96770" marT="48385" marB="48385"/>
-                </a:tc>
-                <a:tc>
-                  <a:txBody>
-                    <a:bodyPr/>
-                    <a:lstStyle/>
-                    <a:p>
-                      <a:r>
-                        <a:rPr lang="sv-SE" sz="1900" dirty="0"/>
-                        <a:t>RANGE_ROWS</a:t>
-                      </a:r>
-                    </a:p>
-                  </a:txBody>
-                  <a:tcPr marL="96770" marR="96770" marT="48385" marB="48385"/>
-                </a:tc>
-                <a:tc>
-                  <a:txBody>
-                    <a:bodyPr/>
-                    <a:lstStyle/>
-                    <a:p>
-                      <a:r>
-                        <a:rPr lang="sv-SE" sz="1900" dirty="0"/>
-                        <a:t>EQ_ROWS</a:t>
-                      </a:r>
-                    </a:p>
-                  </a:txBody>
-                  <a:tcPr marL="96770" marR="96770" marT="48385" marB="48385"/>
-                </a:tc>
-                <a:tc>
-                  <a:txBody>
-                    <a:bodyPr/>
-                    <a:lstStyle/>
-                    <a:p>
-                      <a:r>
-                        <a:rPr lang="sv-SE" sz="1900" dirty="0"/>
-                        <a:t>DISTINCT_RANGE_ROWS</a:t>
-                      </a:r>
-                    </a:p>
-                  </a:txBody>
-                  <a:tcPr marL="96770" marR="96770" marT="48385" marB="48385"/>
-                </a:tc>
-                <a:tc>
-                  <a:txBody>
-                    <a:bodyPr/>
-                    <a:lstStyle/>
-                    <a:p>
-                      <a:r>
-                        <a:rPr lang="sv-SE" sz="1900" dirty="0"/>
-                        <a:t>AVG_RANGE_ROWS</a:t>
-                      </a:r>
-                    </a:p>
-                  </a:txBody>
-                  <a:tcPr marL="96770" marR="96770" marT="48385" marB="48385"/>
-                </a:tc>
-                <a:extLst>
-                  <a:ext uri="{0D108BD9-81ED-4DB2-BD59-A6C34878D82A}">
-                    <a16:rowId xmlns:a16="http://schemas.microsoft.com/office/drawing/2014/main" val="1937687347"/>
-                  </a:ext>
-                </a:extLst>
-              </a:tr>
-              <a:tr h="2419248">
-                <a:tc>
-                  <a:txBody>
-                    <a:bodyPr/>
-                    <a:lstStyle/>
-                    <a:p>
-                      <a:r>
-                        <a:rPr lang="sv-SE" sz="1900" dirty="0" err="1"/>
-                        <a:t>Upper</a:t>
-                      </a:r>
-                      <a:r>
-                        <a:rPr lang="sv-SE" sz="1900" dirty="0"/>
-                        <a:t> limit </a:t>
-                      </a:r>
-                      <a:r>
-                        <a:rPr lang="sv-SE" sz="1900" dirty="0" err="1"/>
-                        <a:t>of</a:t>
-                      </a:r>
-                      <a:r>
-                        <a:rPr lang="sv-SE" sz="1900" dirty="0"/>
-                        <a:t> a </a:t>
-                      </a:r>
-                      <a:r>
-                        <a:rPr lang="sv-SE" sz="1900" dirty="0" err="1"/>
-                        <a:t>bucket</a:t>
-                      </a:r>
-                      <a:r>
-                        <a:rPr lang="sv-SE" sz="1900" dirty="0"/>
-                        <a:t> (</a:t>
-                      </a:r>
-                      <a:r>
-                        <a:rPr lang="sv-SE" sz="1900" dirty="0" err="1"/>
-                        <a:t>sqlvariant</a:t>
-                      </a:r>
-                      <a:r>
-                        <a:rPr lang="sv-SE" sz="1900" dirty="0"/>
-                        <a:t>). A </a:t>
-                      </a:r>
-                      <a:r>
-                        <a:rPr lang="sv-SE" sz="1900" dirty="0" err="1"/>
-                        <a:t>distinct</a:t>
-                      </a:r>
-                      <a:r>
-                        <a:rPr lang="sv-SE" sz="1900" dirty="0"/>
-                        <a:t> </a:t>
-                      </a:r>
-                      <a:r>
-                        <a:rPr lang="sv-SE" sz="1900" dirty="0" err="1"/>
-                        <a:t>value</a:t>
-                      </a:r>
-                      <a:r>
-                        <a:rPr lang="sv-SE" sz="1900" dirty="0"/>
-                        <a:t> from the leading </a:t>
-                      </a:r>
-                      <a:r>
-                        <a:rPr lang="sv-SE" sz="1900" dirty="0" err="1"/>
-                        <a:t>column</a:t>
-                      </a:r>
-                      <a:r>
-                        <a:rPr lang="sv-SE" sz="1900" dirty="0"/>
-                        <a:t> in the index/</a:t>
-                      </a:r>
-                      <a:r>
-                        <a:rPr lang="sv-SE" sz="1900" dirty="0" err="1"/>
-                        <a:t>statistics</a:t>
-                      </a:r>
-                      <a:r>
-                        <a:rPr lang="sv-SE" sz="1900" dirty="0"/>
-                        <a:t> </a:t>
-                      </a:r>
-                      <a:r>
-                        <a:rPr lang="sv-SE" sz="1900" dirty="0" err="1"/>
-                        <a:t>object</a:t>
-                      </a:r>
-                      <a:r>
-                        <a:rPr lang="sv-SE" sz="1900" dirty="0"/>
-                        <a:t>.</a:t>
-                      </a:r>
-                    </a:p>
-                  </a:txBody>
-                  <a:tcPr marL="96770" marR="96770" marT="48385" marB="48385"/>
-                </a:tc>
-                <a:tc>
-                  <a:txBody>
-                    <a:bodyPr/>
-                    <a:lstStyle/>
-                    <a:p>
-                      <a:r>
-                        <a:rPr lang="sv-SE" sz="1900" dirty="0" err="1"/>
-                        <a:t>Number</a:t>
-                      </a:r>
-                      <a:r>
-                        <a:rPr lang="sv-SE" sz="1900" dirty="0"/>
-                        <a:t> </a:t>
-                      </a:r>
-                      <a:r>
-                        <a:rPr lang="sv-SE" sz="1900" dirty="0" err="1"/>
-                        <a:t>of</a:t>
-                      </a:r>
-                      <a:r>
-                        <a:rPr lang="sv-SE" sz="1900" dirty="0"/>
-                        <a:t> </a:t>
-                      </a:r>
-                      <a:r>
-                        <a:rPr lang="sv-SE" sz="1900" dirty="0" err="1"/>
-                        <a:t>rows</a:t>
-                      </a:r>
-                      <a:r>
-                        <a:rPr lang="sv-SE" sz="1900" dirty="0"/>
-                        <a:t> in the </a:t>
-                      </a:r>
-                      <a:r>
-                        <a:rPr lang="sv-SE" sz="1900" dirty="0" err="1"/>
-                        <a:t>bucket</a:t>
-                      </a:r>
-                      <a:r>
-                        <a:rPr lang="sv-SE" sz="1900" dirty="0"/>
-                        <a:t>, </a:t>
-                      </a:r>
-                      <a:r>
-                        <a:rPr lang="sv-SE" sz="1900" dirty="0" err="1"/>
-                        <a:t>smaller</a:t>
-                      </a:r>
-                      <a:r>
-                        <a:rPr lang="sv-SE" sz="1900" dirty="0"/>
-                        <a:t>/</a:t>
-                      </a:r>
-                      <a:r>
-                        <a:rPr lang="sv-SE" sz="1900" dirty="0" err="1"/>
-                        <a:t>lower</a:t>
-                      </a:r>
-                      <a:r>
-                        <a:rPr lang="sv-SE" sz="1900" dirty="0"/>
-                        <a:t> than the </a:t>
-                      </a:r>
-                      <a:r>
-                        <a:rPr lang="sv-SE" sz="1900" dirty="0" err="1"/>
-                        <a:t>value</a:t>
-                      </a:r>
-                      <a:r>
-                        <a:rPr lang="sv-SE" sz="1900" dirty="0"/>
-                        <a:t> </a:t>
-                      </a:r>
-                      <a:r>
-                        <a:rPr lang="sv-SE" sz="1900" dirty="0" err="1"/>
-                        <a:t>of</a:t>
-                      </a:r>
-                      <a:r>
-                        <a:rPr lang="sv-SE" sz="1900" dirty="0"/>
-                        <a:t> RANGE_HI_KEY</a:t>
-                      </a:r>
-                    </a:p>
-                  </a:txBody>
-                  <a:tcPr marL="96770" marR="96770" marT="48385" marB="48385"/>
-                </a:tc>
-                <a:tc>
-                  <a:txBody>
-                    <a:bodyPr/>
-                    <a:lstStyle/>
-                    <a:p>
-                      <a:r>
-                        <a:rPr lang="sv-SE" sz="1900" dirty="0" err="1"/>
-                        <a:t>Number</a:t>
-                      </a:r>
-                      <a:r>
-                        <a:rPr lang="sv-SE" sz="1900" dirty="0"/>
-                        <a:t> </a:t>
-                      </a:r>
-                      <a:r>
-                        <a:rPr lang="sv-SE" sz="1900" dirty="0" err="1"/>
-                        <a:t>of</a:t>
-                      </a:r>
-                      <a:r>
-                        <a:rPr lang="sv-SE" sz="1900" dirty="0"/>
-                        <a:t> </a:t>
-                      </a:r>
-                      <a:r>
-                        <a:rPr lang="sv-SE" sz="1900" dirty="0" err="1"/>
-                        <a:t>rows</a:t>
-                      </a:r>
-                      <a:r>
-                        <a:rPr lang="sv-SE" sz="1900" dirty="0"/>
-                        <a:t> in the </a:t>
-                      </a:r>
-                      <a:r>
-                        <a:rPr lang="sv-SE" sz="1900" dirty="0" err="1"/>
-                        <a:t>bucket</a:t>
-                      </a:r>
-                      <a:r>
-                        <a:rPr lang="sv-SE" sz="1900" dirty="0"/>
-                        <a:t> with </a:t>
-                      </a:r>
-                      <a:r>
-                        <a:rPr lang="sv-SE" sz="1900" dirty="0" err="1"/>
-                        <a:t>value</a:t>
-                      </a:r>
-                      <a:r>
-                        <a:rPr lang="sv-SE" sz="1900" dirty="0"/>
-                        <a:t> </a:t>
-                      </a:r>
-                      <a:r>
-                        <a:rPr lang="sv-SE" sz="1900" dirty="0" err="1"/>
-                        <a:t>exactly</a:t>
-                      </a:r>
-                      <a:r>
-                        <a:rPr lang="sv-SE" sz="1900" dirty="0"/>
-                        <a:t> RANGE_HI_KEY</a:t>
-                      </a:r>
-                    </a:p>
-                  </a:txBody>
-                  <a:tcPr marL="96770" marR="96770" marT="48385" marB="48385"/>
-                </a:tc>
-                <a:tc>
-                  <a:txBody>
-                    <a:bodyPr/>
-                    <a:lstStyle/>
-                    <a:p>
-                      <a:r>
-                        <a:rPr lang="sv-SE" sz="1900" dirty="0" err="1"/>
-                        <a:t>Number</a:t>
-                      </a:r>
-                      <a:r>
-                        <a:rPr lang="sv-SE" sz="1900" dirty="0"/>
-                        <a:t> </a:t>
-                      </a:r>
-                      <a:r>
-                        <a:rPr lang="sv-SE" sz="1900" dirty="0" err="1"/>
-                        <a:t>of</a:t>
-                      </a:r>
-                      <a:r>
-                        <a:rPr lang="sv-SE" sz="1900" dirty="0"/>
-                        <a:t> </a:t>
-                      </a:r>
-                      <a:r>
-                        <a:rPr lang="sv-SE" sz="1900" dirty="0" err="1"/>
-                        <a:t>unique</a:t>
-                      </a:r>
-                      <a:r>
-                        <a:rPr lang="sv-SE" sz="1900" dirty="0"/>
-                        <a:t> </a:t>
-                      </a:r>
-                      <a:r>
-                        <a:rPr lang="sv-SE" sz="1900" dirty="0" err="1"/>
-                        <a:t>values</a:t>
-                      </a:r>
-                      <a:r>
-                        <a:rPr lang="sv-SE" sz="1900" dirty="0"/>
-                        <a:t> for the leading </a:t>
-                      </a:r>
-                      <a:r>
-                        <a:rPr lang="sv-SE" sz="1900" dirty="0" err="1"/>
-                        <a:t>column</a:t>
-                      </a:r>
-                      <a:r>
-                        <a:rPr lang="sv-SE" sz="1900" dirty="0"/>
-                        <a:t> </a:t>
-                      </a:r>
-                      <a:r>
-                        <a:rPr lang="sv-SE" sz="1900" dirty="0" err="1"/>
-                        <a:t>of</a:t>
-                      </a:r>
-                      <a:r>
-                        <a:rPr lang="sv-SE" sz="1900" dirty="0"/>
-                        <a:t> the index/</a:t>
-                      </a:r>
-                      <a:r>
-                        <a:rPr lang="sv-SE" sz="1900" dirty="0" err="1"/>
-                        <a:t>statistics</a:t>
-                      </a:r>
-                      <a:r>
-                        <a:rPr lang="sv-SE" sz="1900" dirty="0"/>
-                        <a:t> </a:t>
-                      </a:r>
-                      <a:r>
-                        <a:rPr lang="sv-SE" sz="1900" dirty="0" err="1"/>
-                        <a:t>object</a:t>
-                      </a:r>
-                      <a:r>
-                        <a:rPr lang="sv-SE" sz="1900" dirty="0"/>
-                        <a:t> in the </a:t>
-                      </a:r>
-                      <a:r>
-                        <a:rPr lang="sv-SE" sz="1900" dirty="0" err="1"/>
-                        <a:t>bucket</a:t>
-                      </a:r>
-                      <a:endParaRPr lang="sv-SE" sz="1900" dirty="0"/>
-                    </a:p>
-                  </a:txBody>
-                  <a:tcPr marL="96770" marR="96770" marT="48385" marB="48385"/>
-                </a:tc>
-                <a:tc>
-                  <a:txBody>
-                    <a:bodyPr/>
-                    <a:lstStyle/>
-                    <a:p>
-                      <a:r>
-                        <a:rPr lang="sv-SE" sz="1900" dirty="0" err="1"/>
-                        <a:t>Average</a:t>
-                      </a:r>
-                      <a:r>
-                        <a:rPr lang="sv-SE" sz="1900" dirty="0"/>
-                        <a:t> </a:t>
-                      </a:r>
-                      <a:r>
-                        <a:rPr lang="sv-SE" sz="1900" dirty="0" err="1"/>
-                        <a:t>rows</a:t>
-                      </a:r>
-                      <a:r>
-                        <a:rPr lang="sv-SE" sz="1900" dirty="0"/>
-                        <a:t> per </a:t>
-                      </a:r>
-                      <a:r>
-                        <a:rPr lang="sv-SE" sz="1900" dirty="0" err="1"/>
-                        <a:t>distinct</a:t>
-                      </a:r>
-                      <a:r>
-                        <a:rPr lang="sv-SE" sz="1900" dirty="0"/>
-                        <a:t> </a:t>
-                      </a:r>
-                      <a:r>
-                        <a:rPr lang="sv-SE" sz="1900" dirty="0" err="1"/>
-                        <a:t>value</a:t>
-                      </a:r>
-                      <a:r>
-                        <a:rPr lang="sv-SE" sz="1900" dirty="0"/>
-                        <a:t> </a:t>
-                      </a:r>
-                      <a:r>
-                        <a:rPr lang="sv-SE" sz="1900" dirty="0" err="1"/>
-                        <a:t>within</a:t>
-                      </a:r>
-                      <a:r>
-                        <a:rPr lang="sv-SE" sz="1900" dirty="0"/>
-                        <a:t> the </a:t>
-                      </a:r>
-                      <a:r>
-                        <a:rPr lang="sv-SE" sz="1900" dirty="0" err="1"/>
-                        <a:t>bucket</a:t>
-                      </a:r>
-                      <a:endParaRPr lang="sv-SE" sz="1900" dirty="0"/>
-                    </a:p>
-                  </a:txBody>
-                  <a:tcPr marL="96770" marR="96770" marT="48385" marB="48385"/>
-                </a:tc>
-                <a:extLst>
-                  <a:ext uri="{0D108BD9-81ED-4DB2-BD59-A6C34878D82A}">
-                    <a16:rowId xmlns:a16="http://schemas.microsoft.com/office/drawing/2014/main" val="2174196647"/>
-                  </a:ext>
-                </a:extLst>
-              </a:tr>
-            </a:tbl>
-          </a:graphicData>
-        </a:graphic>
-      </p:graphicFrame>
-    </p:spTree>
-    <p:extLst>
-      <p:ext uri="{BB962C8B-B14F-4D97-AF65-F5344CB8AC3E}">
-        <p14:creationId xmlns:p14="http://schemas.microsoft.com/office/powerpoint/2010/main" val="692552160"/>
-      </p:ext>
-    </p:extLst>
-  </p:cSld>
-  <p:clrMapOvr>
-    <a:masterClrMapping/>
-  </p:clrMapOvr>
-</p:sld>
-</file>
-
-<file path=ppt/slides/slide14.xml><?xml version="1.0" encoding="utf-8"?>
-<p:sld xmlns:a="http://schemas.openxmlformats.org/drawingml/2006/main" xmlns:r="http://schemas.openxmlformats.org/officeDocument/2006/relationships" xmlns:p="http://schemas.openxmlformats.org/presentationml/2006/main">
-  <p:cSld>
-    <p:spTree>
-      <p:nvGrpSpPr>
-        <p:cNvPr id="1" name=""/>
-        <p:cNvGrpSpPr/>
-        <p:nvPr/>
-      </p:nvGrpSpPr>
-      <p:grpSpPr>
-        <a:xfrm>
-          <a:off x="0" y="0"/>
-          <a:ext cx="0" cy="0"/>
-          <a:chOff x="0" y="0"/>
-          <a:chExt cx="0" cy="0"/>
-        </a:xfrm>
-      </p:grpSpPr>
-      <p:sp>
-        <p:nvSpPr>
-          <p:cNvPr id="2" name="Rubrik 1">
-            <a:extLst>
-              <a:ext uri="{FF2B5EF4-FFF2-40B4-BE49-F238E27FC236}">
-                <a16:creationId xmlns:a16="http://schemas.microsoft.com/office/drawing/2014/main" id="{C19E3114-3B34-4DC6-9954-7932D53A5647}"/>
-              </a:ext>
-            </a:extLst>
-          </p:cNvPr>
-          <p:cNvSpPr>
-            <a:spLocks noGrp="1"/>
-          </p:cNvSpPr>
-          <p:nvPr>
-            <p:ph type="title"/>
-          </p:nvPr>
-        </p:nvSpPr>
-        <p:spPr/>
-        <p:txBody>
-          <a:bodyPr/>
-          <a:lstStyle/>
-          <a:p>
-            <a:r>
-              <a:rPr lang="sv-SE" dirty="0" err="1"/>
-              <a:t>Density</a:t>
-            </a:r>
-            <a:r>
-              <a:rPr lang="sv-SE" dirty="0"/>
-              <a:t> </a:t>
-            </a:r>
-            <a:r>
-              <a:rPr lang="sv-SE" dirty="0" err="1"/>
-              <a:t>vector</a:t>
-            </a:r>
-            <a:endParaRPr lang="sv-SE" dirty="0"/>
-          </a:p>
-        </p:txBody>
-      </p:sp>
-      <p:sp>
-        <p:nvSpPr>
-          <p:cNvPr id="3" name="Platshållare för innehåll 2">
-            <a:extLst>
-              <a:ext uri="{FF2B5EF4-FFF2-40B4-BE49-F238E27FC236}">
-                <a16:creationId xmlns:a16="http://schemas.microsoft.com/office/drawing/2014/main" id="{85E5DAEB-E3E2-4AE6-A57C-F36BCBFB4B31}"/>
-              </a:ext>
-            </a:extLst>
-          </p:cNvPr>
-          <p:cNvSpPr>
-            <a:spLocks noGrp="1"/>
-          </p:cNvSpPr>
-          <p:nvPr>
-            <p:ph idx="1"/>
-          </p:nvPr>
-        </p:nvSpPr>
-        <p:spPr/>
-        <p:txBody>
-          <a:bodyPr/>
-          <a:lstStyle/>
-          <a:p>
-            <a:r>
-              <a:rPr lang="sv-SE" dirty="0" err="1"/>
-              <a:t>Density</a:t>
-            </a:r>
-            <a:r>
-              <a:rPr lang="sv-SE" dirty="0"/>
-              <a:t> </a:t>
-            </a:r>
-            <a:r>
-              <a:rPr lang="sv-SE" dirty="0" err="1"/>
-              <a:t>of</a:t>
-            </a:r>
-            <a:r>
-              <a:rPr lang="sv-SE" dirty="0"/>
-              <a:t> leading </a:t>
-            </a:r>
-            <a:r>
-              <a:rPr lang="sv-SE" dirty="0" err="1"/>
-              <a:t>column</a:t>
-            </a:r>
-            <a:r>
-              <a:rPr lang="sv-SE" dirty="0"/>
-              <a:t>, </a:t>
-            </a:r>
-            <a:r>
-              <a:rPr lang="sv-SE" dirty="0" err="1"/>
-              <a:t>then</a:t>
-            </a:r>
-            <a:r>
-              <a:rPr lang="sv-SE" dirty="0"/>
-              <a:t> </a:t>
-            </a:r>
-            <a:r>
-              <a:rPr lang="sv-SE" dirty="0" err="1"/>
-              <a:t>two</a:t>
-            </a:r>
-            <a:r>
-              <a:rPr lang="sv-SE" dirty="0"/>
-              <a:t> leading </a:t>
-            </a:r>
-            <a:r>
-              <a:rPr lang="sv-SE" dirty="0" err="1"/>
-              <a:t>columns</a:t>
-            </a:r>
-            <a:r>
-              <a:rPr lang="sv-SE" dirty="0"/>
-              <a:t> in combination, </a:t>
-            </a:r>
-            <a:r>
-              <a:rPr lang="sv-SE" dirty="0" err="1"/>
-              <a:t>then</a:t>
-            </a:r>
-            <a:r>
-              <a:rPr lang="sv-SE" dirty="0"/>
-              <a:t> </a:t>
-            </a:r>
-            <a:r>
-              <a:rPr lang="sv-SE" dirty="0" err="1"/>
-              <a:t>three</a:t>
-            </a:r>
-            <a:r>
-              <a:rPr lang="sv-SE" dirty="0"/>
-              <a:t> leading </a:t>
-            </a:r>
-            <a:r>
-              <a:rPr lang="sv-SE" dirty="0" err="1"/>
-              <a:t>columns</a:t>
-            </a:r>
-            <a:r>
-              <a:rPr lang="sv-SE" dirty="0"/>
-              <a:t>…</a:t>
-            </a:r>
-          </a:p>
-          <a:p>
-            <a:r>
-              <a:rPr lang="sv-SE" dirty="0" err="1"/>
-              <a:t>Density</a:t>
-            </a:r>
-            <a:r>
-              <a:rPr lang="sv-SE" dirty="0"/>
-              <a:t> = </a:t>
-            </a:r>
-            <a:r>
-              <a:rPr lang="sv-SE" dirty="0" err="1"/>
-              <a:t>NoDistinctValues</a:t>
-            </a:r>
-            <a:r>
-              <a:rPr lang="sv-SE" dirty="0"/>
-              <a:t> / </a:t>
-            </a:r>
-            <a:r>
-              <a:rPr lang="sv-SE" dirty="0" err="1"/>
-              <a:t>NoRows</a:t>
-            </a:r>
-            <a:endParaRPr lang="sv-SE" dirty="0"/>
-          </a:p>
-          <a:p>
-            <a:r>
-              <a:rPr lang="sv-SE" dirty="0"/>
-              <a:t>Gender = </a:t>
-            </a:r>
-            <a:r>
-              <a:rPr lang="sv-SE" dirty="0" err="1"/>
-              <a:t>High</a:t>
-            </a:r>
-            <a:r>
-              <a:rPr lang="sv-SE" dirty="0"/>
-              <a:t> </a:t>
-            </a:r>
-            <a:r>
-              <a:rPr lang="sv-SE" dirty="0" err="1"/>
-              <a:t>density</a:t>
-            </a:r>
-            <a:r>
-              <a:rPr lang="sv-SE" dirty="0"/>
-              <a:t>, SSN = </a:t>
-            </a:r>
-            <a:r>
-              <a:rPr lang="sv-SE" dirty="0" err="1"/>
-              <a:t>Low</a:t>
-            </a:r>
-            <a:r>
-              <a:rPr lang="sv-SE" dirty="0"/>
-              <a:t> </a:t>
-            </a:r>
-            <a:r>
-              <a:rPr lang="sv-SE" dirty="0" err="1"/>
-              <a:t>density</a:t>
-            </a:r>
-            <a:endParaRPr lang="sv-SE" dirty="0"/>
-          </a:p>
-          <a:p>
-            <a:r>
-              <a:rPr lang="sv-SE" dirty="0" err="1"/>
-              <a:t>Low</a:t>
-            </a:r>
-            <a:r>
-              <a:rPr lang="sv-SE" dirty="0"/>
-              <a:t> </a:t>
-            </a:r>
-            <a:r>
-              <a:rPr lang="sv-SE" dirty="0" err="1"/>
-              <a:t>Selectivity</a:t>
-            </a:r>
-            <a:r>
-              <a:rPr lang="sv-SE" dirty="0"/>
-              <a:t> = </a:t>
-            </a:r>
-            <a:r>
-              <a:rPr lang="sv-SE" dirty="0" err="1"/>
-              <a:t>High</a:t>
-            </a:r>
-            <a:r>
-              <a:rPr lang="sv-SE" dirty="0"/>
-              <a:t> </a:t>
-            </a:r>
-            <a:r>
-              <a:rPr lang="sv-SE" dirty="0" err="1"/>
-              <a:t>Density</a:t>
-            </a:r>
-            <a:endParaRPr lang="sv-SE" dirty="0"/>
-          </a:p>
-        </p:txBody>
-      </p:sp>
-    </p:spTree>
-    <p:extLst>
-      <p:ext uri="{BB962C8B-B14F-4D97-AF65-F5344CB8AC3E}">
-        <p14:creationId xmlns:p14="http://schemas.microsoft.com/office/powerpoint/2010/main" val="1430289838"/>
-      </p:ext>
-    </p:extLst>
-  </p:cSld>
-  <p:clrMapOvr>
-    <a:masterClrMapping/>
-  </p:clrMapOvr>
-</p:sld>
-</file>
-
-<file path=ppt/slides/slide15.xml><?xml version="1.0" encoding="utf-8"?>
-<p:sld xmlns:a="http://schemas.openxmlformats.org/drawingml/2006/main" xmlns:r="http://schemas.openxmlformats.org/officeDocument/2006/relationships" xmlns:p="http://schemas.openxmlformats.org/presentationml/2006/main">
-  <p:cSld>
-    <p:spTree>
-      <p:nvGrpSpPr>
-        <p:cNvPr id="1" name=""/>
-        <p:cNvGrpSpPr/>
-        <p:nvPr/>
-      </p:nvGrpSpPr>
-      <p:grpSpPr>
-        <a:xfrm>
-          <a:off x="0" y="0"/>
-          <a:ext cx="0" cy="0"/>
-          <a:chOff x="0" y="0"/>
-          <a:chExt cx="0" cy="0"/>
-        </a:xfrm>
-      </p:grpSpPr>
-      <p:sp>
-        <p:nvSpPr>
-          <p:cNvPr id="2" name="Rubrik 1">
-            <a:extLst>
-              <a:ext uri="{FF2B5EF4-FFF2-40B4-BE49-F238E27FC236}">
-                <a16:creationId xmlns:a16="http://schemas.microsoft.com/office/drawing/2014/main" id="{BD47827A-DD6C-49BB-AF64-42F14CE85D2B}"/>
-              </a:ext>
-            </a:extLst>
-          </p:cNvPr>
-          <p:cNvSpPr>
-            <a:spLocks noGrp="1"/>
-          </p:cNvSpPr>
-          <p:nvPr>
-            <p:ph type="title"/>
-          </p:nvPr>
-        </p:nvSpPr>
-        <p:spPr/>
-        <p:txBody>
-          <a:bodyPr/>
-          <a:lstStyle/>
-          <a:p>
-            <a:r>
-              <a:rPr lang="sv-SE" dirty="0" err="1"/>
-              <a:t>Ascending</a:t>
-            </a:r>
-            <a:r>
-              <a:rPr lang="sv-SE" dirty="0"/>
-              <a:t> </a:t>
-            </a:r>
-            <a:r>
-              <a:rPr lang="sv-SE" dirty="0" err="1"/>
-              <a:t>Key</a:t>
-            </a:r>
-            <a:r>
-              <a:rPr lang="sv-SE" dirty="0"/>
-              <a:t> Problem</a:t>
-            </a:r>
-          </a:p>
-        </p:txBody>
-      </p:sp>
-      <p:sp>
-        <p:nvSpPr>
-          <p:cNvPr id="4" name="Platshållare för innehåll 3">
-            <a:extLst>
-              <a:ext uri="{FF2B5EF4-FFF2-40B4-BE49-F238E27FC236}">
-                <a16:creationId xmlns:a16="http://schemas.microsoft.com/office/drawing/2014/main" id="{C95A51E3-8B67-40B8-8F94-C3A3B8A5D65E}"/>
-              </a:ext>
-            </a:extLst>
-          </p:cNvPr>
-          <p:cNvSpPr>
-            <a:spLocks noGrp="1"/>
-          </p:cNvSpPr>
-          <p:nvPr>
-            <p:ph idx="1"/>
-          </p:nvPr>
-        </p:nvSpPr>
-        <p:spPr/>
-        <p:txBody>
-          <a:bodyPr/>
-          <a:lstStyle/>
-          <a:p>
-            <a:r>
-              <a:rPr lang="sv-SE" dirty="0" err="1"/>
-              <a:t>Can</a:t>
-            </a:r>
-            <a:r>
-              <a:rPr lang="sv-SE" dirty="0"/>
-              <a:t> </a:t>
-            </a:r>
-            <a:r>
-              <a:rPr lang="sv-SE" dirty="0" err="1"/>
-              <a:t>also</a:t>
-            </a:r>
-            <a:r>
-              <a:rPr lang="sv-SE" dirty="0"/>
-              <a:t> be </a:t>
-            </a:r>
-            <a:r>
-              <a:rPr lang="sv-SE" dirty="0" err="1"/>
-              <a:t>missing</a:t>
-            </a:r>
-            <a:r>
-              <a:rPr lang="sv-SE" dirty="0"/>
-              <a:t> </a:t>
-            </a:r>
-            <a:r>
-              <a:rPr lang="sv-SE" dirty="0" err="1"/>
-              <a:t>key</a:t>
-            </a:r>
-            <a:r>
-              <a:rPr lang="sv-SE" dirty="0"/>
-              <a:t>-in-the-</a:t>
-            </a:r>
-            <a:r>
-              <a:rPr lang="sv-SE" dirty="0" err="1"/>
-              <a:t>middle</a:t>
-            </a:r>
-            <a:r>
-              <a:rPr lang="sv-SE" dirty="0"/>
-              <a:t> problem</a:t>
-            </a:r>
-          </a:p>
-        </p:txBody>
-      </p:sp>
-    </p:spTree>
-    <p:extLst>
-      <p:ext uri="{BB962C8B-B14F-4D97-AF65-F5344CB8AC3E}">
-        <p14:creationId xmlns:p14="http://schemas.microsoft.com/office/powerpoint/2010/main" val="1330220207"/>
-      </p:ext>
-    </p:extLst>
-  </p:cSld>
-  <p:clrMapOvr>
-    <a:masterClrMapping/>
-  </p:clrMapOvr>
-</p:sld>
-</file>
-
-<file path=ppt/slides/slide16.xml><?xml version="1.0" encoding="utf-8"?>
-<p:sld xmlns:a="http://schemas.openxmlformats.org/drawingml/2006/main" xmlns:r="http://schemas.openxmlformats.org/officeDocument/2006/relationships" xmlns:p="http://schemas.openxmlformats.org/presentationml/2006/main">
-  <p:cSld>
-    <p:spTree>
-      <p:nvGrpSpPr>
-        <p:cNvPr id="1" name=""/>
-        <p:cNvGrpSpPr/>
-        <p:nvPr/>
-      </p:nvGrpSpPr>
-      <p:grpSpPr>
-        <a:xfrm>
-          <a:off x="0" y="0"/>
-          <a:ext cx="0" cy="0"/>
-          <a:chOff x="0" y="0"/>
-          <a:chExt cx="0" cy="0"/>
-        </a:xfrm>
-      </p:grpSpPr>
-      <p:sp>
-        <p:nvSpPr>
-          <p:cNvPr id="2" name="Rubrik 1">
-            <a:extLst>
-              <a:ext uri="{FF2B5EF4-FFF2-40B4-BE49-F238E27FC236}">
-                <a16:creationId xmlns:a16="http://schemas.microsoft.com/office/drawing/2014/main" id="{5F3681B5-1BA8-4FD2-9088-5C0A26C117E3}"/>
-              </a:ext>
-            </a:extLst>
-          </p:cNvPr>
-          <p:cNvSpPr>
-            <a:spLocks noGrp="1"/>
-          </p:cNvSpPr>
-          <p:nvPr>
-            <p:ph type="ctrTitle"/>
-          </p:nvPr>
-        </p:nvSpPr>
-        <p:spPr/>
-        <p:txBody>
-          <a:bodyPr/>
-          <a:lstStyle/>
-          <a:p>
-            <a:r>
-              <a:rPr lang="sv-SE" dirty="0"/>
-              <a:t>Suggestions?</a:t>
-            </a:r>
-          </a:p>
-        </p:txBody>
-      </p:sp>
-    </p:spTree>
-    <p:extLst>
-      <p:ext uri="{BB962C8B-B14F-4D97-AF65-F5344CB8AC3E}">
-        <p14:creationId xmlns:p14="http://schemas.microsoft.com/office/powerpoint/2010/main" val="4081507761"/>
-      </p:ext>
-    </p:extLst>
-  </p:cSld>
-  <p:clrMapOvr>
-    <a:masterClrMapping/>
-  </p:clrMapOvr>
-</p:sld>
-</file>
-
-<file path=ppt/slides/slide17.xml><?xml version="1.0" encoding="utf-8"?>
-<p:sld xmlns:a="http://schemas.openxmlformats.org/drawingml/2006/main" xmlns:r="http://schemas.openxmlformats.org/officeDocument/2006/relationships" xmlns:p="http://schemas.openxmlformats.org/presentationml/2006/main">
-  <p:cSld>
-    <p:spTree>
-      <p:nvGrpSpPr>
-        <p:cNvPr id="1" name=""/>
-        <p:cNvGrpSpPr/>
-        <p:nvPr/>
-      </p:nvGrpSpPr>
-      <p:grpSpPr>
-        <a:xfrm>
-          <a:off x="0" y="0"/>
-          <a:ext cx="0" cy="0"/>
-          <a:chOff x="0" y="0"/>
-          <a:chExt cx="0" cy="0"/>
-        </a:xfrm>
-      </p:grpSpPr>
-      <p:sp>
-        <p:nvSpPr>
-          <p:cNvPr id="4" name="Rubrik 3">
-            <a:extLst>
-              <a:ext uri="{FF2B5EF4-FFF2-40B4-BE49-F238E27FC236}">
-                <a16:creationId xmlns:a16="http://schemas.microsoft.com/office/drawing/2014/main" id="{64B64222-BACF-4B17-BDCE-188BE068A840}"/>
-              </a:ext>
-            </a:extLst>
-          </p:cNvPr>
-          <p:cNvSpPr>
-            <a:spLocks noGrp="1"/>
-          </p:cNvSpPr>
-          <p:nvPr>
-            <p:ph type="ctrTitle"/>
-          </p:nvPr>
-        </p:nvSpPr>
-        <p:spPr/>
-        <p:txBody>
-          <a:bodyPr/>
-          <a:lstStyle/>
-          <a:p>
-            <a:r>
-              <a:rPr lang="sv-SE" dirty="0" err="1"/>
-              <a:t>Let’s</a:t>
-            </a:r>
-            <a:r>
-              <a:rPr lang="sv-SE" dirty="0"/>
-              <a:t> try to fix it</a:t>
-            </a:r>
-          </a:p>
-        </p:txBody>
-      </p:sp>
-      <p:sp>
-        <p:nvSpPr>
-          <p:cNvPr id="5" name="Underrubrik 4">
-            <a:extLst>
-              <a:ext uri="{FF2B5EF4-FFF2-40B4-BE49-F238E27FC236}">
-                <a16:creationId xmlns:a16="http://schemas.microsoft.com/office/drawing/2014/main" id="{41E7AB13-09F7-4E15-892F-5AFF12D2FA76}"/>
-              </a:ext>
-            </a:extLst>
-          </p:cNvPr>
-          <p:cNvSpPr>
-            <a:spLocks noGrp="1"/>
-          </p:cNvSpPr>
-          <p:nvPr>
-            <p:ph type="subTitle" idx="1"/>
-          </p:nvPr>
-        </p:nvSpPr>
-        <p:spPr/>
-        <p:txBody>
-          <a:bodyPr/>
-          <a:lstStyle/>
-          <a:p>
-            <a:r>
-              <a:rPr lang="sv-SE" dirty="0"/>
-              <a:t>DEMO</a:t>
-            </a:r>
-          </a:p>
-        </p:txBody>
-      </p:sp>
-    </p:spTree>
-    <p:extLst>
-      <p:ext uri="{BB962C8B-B14F-4D97-AF65-F5344CB8AC3E}">
-        <p14:creationId xmlns:p14="http://schemas.microsoft.com/office/powerpoint/2010/main" val="2097935439"/>
-      </p:ext>
-    </p:extLst>
-  </p:cSld>
-  <p:clrMapOvr>
-    <a:masterClrMapping/>
-  </p:clrMapOvr>
-</p:sld>
-</file>
-
-<file path=ppt/slides/slide18.xml><?xml version="1.0" encoding="utf-8"?>
-<p:sld xmlns:a="http://schemas.openxmlformats.org/drawingml/2006/main" xmlns:r="http://schemas.openxmlformats.org/officeDocument/2006/relationships" xmlns:p="http://schemas.openxmlformats.org/presentationml/2006/main">
-  <p:cSld>
-    <p:spTree>
-      <p:nvGrpSpPr>
-        <p:cNvPr id="1" name=""/>
-        <p:cNvGrpSpPr/>
-        <p:nvPr/>
-      </p:nvGrpSpPr>
-      <p:grpSpPr>
-        <a:xfrm>
-          <a:off x="0" y="0"/>
-          <a:ext cx="0" cy="0"/>
-          <a:chOff x="0" y="0"/>
-          <a:chExt cx="0" cy="0"/>
-        </a:xfrm>
-      </p:grpSpPr>
-      <p:sp>
-        <p:nvSpPr>
-          <p:cNvPr id="4" name="Rubrik 3">
-            <a:extLst>
-              <a:ext uri="{FF2B5EF4-FFF2-40B4-BE49-F238E27FC236}">
-                <a16:creationId xmlns:a16="http://schemas.microsoft.com/office/drawing/2014/main" id="{F08205C7-0C61-429A-AA9C-1E9A4FBFFB77}"/>
-              </a:ext>
-            </a:extLst>
-          </p:cNvPr>
-          <p:cNvSpPr>
-            <a:spLocks noGrp="1"/>
-          </p:cNvSpPr>
-          <p:nvPr>
-            <p:ph type="ctrTitle"/>
-          </p:nvPr>
-        </p:nvSpPr>
-        <p:spPr/>
-        <p:txBody>
-          <a:bodyPr/>
-          <a:lstStyle/>
-          <a:p>
-            <a:r>
-              <a:rPr lang="sv-SE" dirty="0"/>
-              <a:t>Is there a silver </a:t>
-            </a:r>
-            <a:r>
-              <a:rPr lang="sv-SE" dirty="0" err="1"/>
-              <a:t>bullet</a:t>
-            </a:r>
-            <a:r>
-              <a:rPr lang="sv-SE" dirty="0"/>
-              <a:t>?</a:t>
-            </a:r>
-          </a:p>
-        </p:txBody>
-      </p:sp>
-      <p:sp>
-        <p:nvSpPr>
-          <p:cNvPr id="5" name="Underrubrik 4">
-            <a:extLst>
-              <a:ext uri="{FF2B5EF4-FFF2-40B4-BE49-F238E27FC236}">
-                <a16:creationId xmlns:a16="http://schemas.microsoft.com/office/drawing/2014/main" id="{D85E6EFA-AF2A-4B3D-A597-053A70AC0E34}"/>
-              </a:ext>
-            </a:extLst>
-          </p:cNvPr>
-          <p:cNvSpPr>
-            <a:spLocks noGrp="1"/>
-          </p:cNvSpPr>
-          <p:nvPr>
-            <p:ph type="subTitle" idx="1"/>
-          </p:nvPr>
-        </p:nvSpPr>
-        <p:spPr/>
-        <p:txBody>
-          <a:bodyPr/>
-          <a:lstStyle/>
-          <a:p>
-            <a:r>
-              <a:rPr lang="sv-SE" dirty="0"/>
-              <a:t>…or is it ”It </a:t>
-            </a:r>
-            <a:r>
-              <a:rPr lang="sv-SE" dirty="0" err="1"/>
-              <a:t>depends</a:t>
-            </a:r>
-            <a:r>
-              <a:rPr lang="sv-SE" dirty="0"/>
-              <a:t>”?</a:t>
-            </a:r>
-          </a:p>
-        </p:txBody>
-      </p:sp>
-    </p:spTree>
-    <p:extLst>
-      <p:ext uri="{BB962C8B-B14F-4D97-AF65-F5344CB8AC3E}">
-        <p14:creationId xmlns:p14="http://schemas.microsoft.com/office/powerpoint/2010/main" val="947879144"/>
+        <p14:creationId xmlns:p14="http://schemas.microsoft.com/office/powerpoint/2010/main" val="4103121024"/>
       </p:ext>
     </p:extLst>
   </p:cSld>
@@ -11592,7 +10097,7 @@
         <p:spPr/>
         <p:txBody>
           <a:bodyPr>
-            <a:normAutofit/>
+            <a:normAutofit fontScale="92500" lnSpcReduction="10000"/>
           </a:bodyPr>
           <a:lstStyle/>
           <a:p>
@@ -11604,21 +10109,76 @@
           <a:p>
             <a:r>
               <a:rPr lang="sv-SE" dirty="0"/>
-              <a:t>Transmokopter SQL AB – </a:t>
-            </a:r>
-            <a:r>
-              <a:rPr lang="sv-SE" dirty="0" err="1"/>
-              <a:t>database</a:t>
-            </a:r>
-            <a:r>
-              <a:rPr lang="sv-SE" dirty="0"/>
-              <a:t> </a:t>
+              <a:t>Transmokopter SQL AB – database </a:t>
             </a:r>
             <a:r>
               <a:rPr lang="sv-SE" dirty="0" err="1"/>
               <a:t>consultant</a:t>
             </a:r>
             <a:endParaRPr lang="sv-SE" dirty="0"/>
+          </a:p>
+          <a:p>
+            <a:r>
+              <a:rPr lang="sv-SE" dirty="0"/>
+              <a:t>Community speaker, Community </a:t>
+            </a:r>
+            <a:r>
+              <a:rPr lang="sv-SE" dirty="0" err="1"/>
+              <a:t>organizer</a:t>
+            </a:r>
+            <a:endParaRPr lang="sv-SE" dirty="0"/>
+          </a:p>
+          <a:p>
+            <a:pPr lvl="1"/>
+            <a:r>
+              <a:rPr lang="sv-SE" dirty="0"/>
+              <a:t>#</a:t>
+            </a:r>
+            <a:r>
+              <a:rPr lang="sv-SE" dirty="0" err="1"/>
+              <a:t>DataWeekender</a:t>
+            </a:r>
+            <a:r>
+              <a:rPr lang="sv-SE" dirty="0"/>
+              <a:t> May 2nd </a:t>
+            </a:r>
+            <a:br>
+              <a:rPr lang="sv-SE" dirty="0"/>
+            </a:br>
+            <a:r>
+              <a:rPr lang="sv-SE" dirty="0"/>
+              <a:t>Call for speakers: https://sessionize.com/data-community-weekender-europe/</a:t>
+            </a:r>
+            <a:br>
+              <a:rPr lang="sv-SE" dirty="0"/>
+            </a:br>
+            <a:r>
+              <a:rPr lang="sv-SE" dirty="0" err="1"/>
+              <a:t>Follow</a:t>
+            </a:r>
+            <a:r>
+              <a:rPr lang="sv-SE" dirty="0"/>
+              <a:t> @</a:t>
+            </a:r>
+            <a:r>
+              <a:rPr lang="sv-SE" dirty="0" err="1"/>
+              <a:t>DataWeekender</a:t>
+            </a:r>
+            <a:r>
+              <a:rPr lang="sv-SE" dirty="0"/>
+              <a:t> on Twitter</a:t>
+            </a:r>
+            <a:br>
+              <a:rPr lang="sv-SE" dirty="0"/>
+            </a:br>
+            <a:r>
+              <a:rPr lang="sv-SE" dirty="0" err="1"/>
+              <a:t>Meetup</a:t>
+            </a:r>
+            <a:r>
+              <a:rPr lang="sv-SE" dirty="0"/>
+              <a:t>: https://www.meetup.com/Data-Community-Weekender-Europe/events/269951016/</a:t>
+            </a:r>
           </a:p>
           <a:p>
             <a:r>
@@ -11741,7 +10301,7 @@
         </p:blipFill>
         <p:spPr>
           <a:xfrm>
-            <a:off x="2753727" y="3772434"/>
+            <a:off x="2753727" y="4920590"/>
             <a:ext cx="328541" cy="328541"/>
           </a:xfrm>
           <a:prstGeom prst="rect">
@@ -11763,7 +10323,7 @@
         </p:nvSpPr>
         <p:spPr>
           <a:xfrm>
-            <a:off x="3082268" y="3821288"/>
+            <a:off x="3082268" y="4969444"/>
             <a:ext cx="2777952" cy="230832"/>
           </a:xfrm>
           <a:prstGeom prst="rect">
@@ -11923,15 +10483,7 @@
           <a:p>
             <a:r>
               <a:rPr lang="sv-SE" dirty="0"/>
-              <a:t>Restore </a:t>
-            </a:r>
-            <a:r>
-              <a:rPr lang="sv-SE" dirty="0" err="1"/>
-              <a:t>testing</a:t>
-            </a:r>
-            <a:r>
-              <a:rPr lang="sv-SE" dirty="0"/>
-              <a:t> with </a:t>
+              <a:t>Migration – log shipping and more with </a:t>
             </a:r>
             <a:r>
               <a:rPr lang="sv-SE" dirty="0" err="1"/>
@@ -11940,14 +10492,6 @@
             <a:endParaRPr lang="sv-SE" dirty="0"/>
           </a:p>
           <a:p>
-            <a:r>
-              <a:rPr lang="sv-SE" dirty="0"/>
-              <a:t>Migration – log shipping and more with </a:t>
-            </a:r>
-            <a:r>
-              <a:rPr lang="sv-SE" dirty="0" err="1"/>
-              <a:t>DBATools</a:t>
-            </a:r>
             <a:endParaRPr lang="sv-SE" dirty="0"/>
           </a:p>
         </p:txBody>
@@ -13093,10 +11637,10 @@
       </p:grpSpPr>
       <p:sp>
         <p:nvSpPr>
-          <p:cNvPr id="4" name="Rubrik 3">
+          <p:cNvPr id="2" name="Rubrik 1">
             <a:extLst>
               <a:ext uri="{FF2B5EF4-FFF2-40B4-BE49-F238E27FC236}">
-                <a16:creationId xmlns:a16="http://schemas.microsoft.com/office/drawing/2014/main" id="{B815B6F0-441C-4C91-AB08-6E805A1963BC}"/>
+                <a16:creationId xmlns:a16="http://schemas.microsoft.com/office/drawing/2014/main" id="{B27421CA-D06E-432D-BBB0-72002BD27D88}"/>
               </a:ext>
             </a:extLst>
           </p:cNvPr>
@@ -13104,7 +11648,7 @@
             <a:spLocks noGrp="1"/>
           </p:cNvSpPr>
           <p:nvPr>
-            <p:ph type="ctrTitle"/>
+            <p:ph type="title"/>
           </p:nvPr>
         </p:nvSpPr>
         <p:spPr/>
@@ -13114,15 +11658,164 @@
           <a:p>
             <a:r>
               <a:rPr lang="sv-SE" dirty="0"/>
-              <a:t>DBATOOLS</a:t>
-            </a:r>
+              <a:t>What is </a:t>
+            </a:r>
+            <a:r>
+              <a:rPr lang="sv-SE" dirty="0" err="1"/>
+              <a:t>DBATools</a:t>
+            </a:r>
+            <a:endParaRPr lang="sv-SE" dirty="0"/>
+          </a:p>
+        </p:txBody>
+      </p:sp>
+      <p:sp>
+        <p:nvSpPr>
+          <p:cNvPr id="3" name="Platshållare för innehåll 2">
+            <a:extLst>
+              <a:ext uri="{FF2B5EF4-FFF2-40B4-BE49-F238E27FC236}">
+                <a16:creationId xmlns:a16="http://schemas.microsoft.com/office/drawing/2014/main" id="{E0DC4934-1C7B-4A0E-8FD1-E96F78641DBF}"/>
+              </a:ext>
+            </a:extLst>
+          </p:cNvPr>
+          <p:cNvSpPr>
+            <a:spLocks noGrp="1"/>
+          </p:cNvSpPr>
+          <p:nvPr>
+            <p:ph idx="1"/>
+          </p:nvPr>
+        </p:nvSpPr>
+        <p:spPr/>
+        <p:txBody>
+          <a:bodyPr/>
+          <a:lstStyle/>
+          <a:p>
+            <a:r>
+              <a:rPr lang="sv-SE" dirty="0"/>
+              <a:t>Powershell </a:t>
+            </a:r>
+            <a:r>
+              <a:rPr lang="sv-SE" dirty="0" err="1"/>
+              <a:t>module</a:t>
+            </a:r>
+            <a:endParaRPr lang="sv-SE" dirty="0"/>
+          </a:p>
+          <a:p>
+            <a:r>
+              <a:rPr lang="sv-SE" dirty="0" err="1"/>
+              <a:t>Available</a:t>
+            </a:r>
+            <a:r>
+              <a:rPr lang="sv-SE" dirty="0"/>
+              <a:t> on </a:t>
+            </a:r>
+            <a:r>
+              <a:rPr lang="sv-SE" dirty="0" err="1"/>
+              <a:t>PowershellGallery</a:t>
+            </a:r>
+            <a:endParaRPr lang="sv-SE" dirty="0"/>
+          </a:p>
+          <a:p>
+            <a:r>
+              <a:rPr lang="sv-SE" dirty="0" err="1"/>
+              <a:t>Command</a:t>
+            </a:r>
+            <a:r>
+              <a:rPr lang="sv-SE" dirty="0"/>
+              <a:t> </a:t>
+            </a:r>
+            <a:r>
+              <a:rPr lang="sv-SE" dirty="0" err="1"/>
+              <a:t>reference</a:t>
+            </a:r>
+            <a:r>
+              <a:rPr lang="sv-SE" dirty="0"/>
+              <a:t> on dbatools.io/</a:t>
+            </a:r>
+            <a:r>
+              <a:rPr lang="sv-SE" dirty="0" err="1"/>
+              <a:t>commands</a:t>
+            </a:r>
+            <a:endParaRPr lang="sv-SE" dirty="0"/>
+          </a:p>
+          <a:p>
+            <a:r>
+              <a:rPr lang="sv-SE" dirty="0"/>
+              <a:t>Community driven</a:t>
+            </a:r>
+          </a:p>
+          <a:p>
+            <a:pPr lvl="1"/>
+            <a:r>
+              <a:rPr lang="sv-SE" dirty="0"/>
+              <a:t>Use it</a:t>
+            </a:r>
+          </a:p>
+          <a:p>
+            <a:pPr lvl="1"/>
+            <a:r>
+              <a:rPr lang="sv-SE" dirty="0" err="1"/>
+              <a:t>Contribute</a:t>
+            </a:r>
+            <a:endParaRPr lang="sv-SE" dirty="0"/>
+          </a:p>
+          <a:p>
+            <a:pPr lvl="2"/>
+            <a:r>
+              <a:rPr lang="sv-SE" dirty="0" err="1"/>
+              <a:t>Write</a:t>
+            </a:r>
+            <a:r>
+              <a:rPr lang="sv-SE" dirty="0"/>
+              <a:t> code</a:t>
+            </a:r>
+          </a:p>
+          <a:p>
+            <a:pPr lvl="2"/>
+            <a:r>
+              <a:rPr lang="sv-SE" dirty="0" err="1"/>
+              <a:t>Report</a:t>
+            </a:r>
+            <a:r>
+              <a:rPr lang="sv-SE" dirty="0"/>
+              <a:t> </a:t>
+            </a:r>
+            <a:r>
+              <a:rPr lang="sv-SE" dirty="0" err="1"/>
+              <a:t>bugs</a:t>
+            </a:r>
+            <a:endParaRPr lang="sv-SE" dirty="0"/>
+          </a:p>
+          <a:p>
+            <a:pPr lvl="2"/>
+            <a:r>
+              <a:rPr lang="sv-SE" dirty="0" err="1"/>
+              <a:t>Suggest</a:t>
+            </a:r>
+            <a:r>
+              <a:rPr lang="sv-SE" dirty="0"/>
+              <a:t> features</a:t>
+            </a:r>
+          </a:p>
+          <a:p>
+            <a:pPr lvl="1"/>
+            <a:r>
+              <a:rPr lang="sv-SE" dirty="0" err="1"/>
+              <a:t>Donate</a:t>
+            </a:r>
+            <a:r>
+              <a:rPr lang="sv-SE" dirty="0"/>
+              <a:t> $$$</a:t>
+            </a:r>
+          </a:p>
+          <a:p>
+            <a:endParaRPr lang="sv-SE" dirty="0"/>
           </a:p>
         </p:txBody>
       </p:sp>
     </p:spTree>
     <p:extLst>
       <p:ext uri="{BB962C8B-B14F-4D97-AF65-F5344CB8AC3E}">
-        <p14:creationId xmlns:p14="http://schemas.microsoft.com/office/powerpoint/2010/main" val="3531482130"/>
+        <p14:creationId xmlns:p14="http://schemas.microsoft.com/office/powerpoint/2010/main" val="290540475"/>
       </p:ext>
     </p:extLst>
   </p:cSld>
@@ -14110,18 +12803,18 @@
 </file>
 
 <file path=customXml/item2.xml><?xml version="1.0" encoding="utf-8"?>
-<p:properties xmlns:p="http://schemas.microsoft.com/office/2006/metadata/properties" xmlns:xsi="http://www.w3.org/2001/XMLSchema-instance" xmlns:pc="http://schemas.microsoft.com/office/infopath/2007/PartnerControls">
-  <documentManagement/>
-</p:properties>
-</file>
-
-<file path=customXml/item3.xml><?xml version="1.0" encoding="utf-8"?>
 <?mso-contentType ?>
 <FormTemplates xmlns="http://schemas.microsoft.com/sharepoint/v3/contenttype/forms">
   <Display>DocumentLibraryForm</Display>
   <Edit>DocumentLibraryForm</Edit>
   <New>DocumentLibraryForm</New>
 </FormTemplates>
+</file>
+
+<file path=customXml/item3.xml><?xml version="1.0" encoding="utf-8"?>
+<p:properties xmlns:p="http://schemas.microsoft.com/office/2006/metadata/properties" xmlns:xsi="http://www.w3.org/2001/XMLSchema-instance" xmlns:pc="http://schemas.microsoft.com/office/infopath/2007/PartnerControls">
+  <documentManagement/>
+</p:properties>
 </file>
 
 <file path=customXml/itemProps1.xml><?xml version="1.0" encoding="utf-8"?>
@@ -14143,18 +12836,18 @@
 </file>
 
 <file path=customXml/itemProps2.xml><?xml version="1.0" encoding="utf-8"?>
+<ds:datastoreItem xmlns:ds="http://schemas.openxmlformats.org/officeDocument/2006/customXml" ds:itemID="{C542A527-91EE-49D6-AF42-393E29B98637}">
+  <ds:schemaRefs>
+    <ds:schemaRef ds:uri="http://schemas.microsoft.com/sharepoint/v3/contenttype/forms"/>
+  </ds:schemaRefs>
+</ds:datastoreItem>
+</file>
+
+<file path=customXml/itemProps3.xml><?xml version="1.0" encoding="utf-8"?>
 <ds:datastoreItem xmlns:ds="http://schemas.openxmlformats.org/officeDocument/2006/customXml" ds:itemID="{A5AA9653-386D-4377-A986-DC4A02C60CD5}">
   <ds:schemaRefs>
     <ds:schemaRef ds:uri="http://schemas.microsoft.com/office/2006/metadata/properties"/>
     <ds:schemaRef ds:uri="http://schemas.microsoft.com/office/infopath/2007/PartnerControls"/>
   </ds:schemaRefs>
 </ds:datastoreItem>
-</file>
-
-<file path=customXml/itemProps3.xml><?xml version="1.0" encoding="utf-8"?>
-<ds:datastoreItem xmlns:ds="http://schemas.openxmlformats.org/officeDocument/2006/customXml" ds:itemID="{C542A527-91EE-49D6-AF42-393E29B98637}">
-  <ds:schemaRefs>
-    <ds:schemaRef ds:uri="http://schemas.microsoft.com/sharepoint/v3/contenttype/forms"/>
-  </ds:schemaRefs>
-</ds:datastoreItem>
 </file>
--- a/ILoveDBATools/ILoveDBATools.pptx
+++ b/ILoveDBATools/ILoveDBATools.pptx
@@ -4,23 +4,26 @@
   <p:sldMasterIdLst>
     <p:sldMasterId id="2147483648" r:id="rId4"/>
     <p:sldMasterId id="2147483668" r:id="rId5"/>
+    <p:sldMasterId id="2147483680" r:id="rId6"/>
   </p:sldMasterIdLst>
   <p:notesMasterIdLst>
-    <p:notesMasterId r:id="rId18"/>
+    <p:notesMasterId r:id="rId21"/>
   </p:notesMasterIdLst>
   <p:sldIdLst>
-    <p:sldId id="260" r:id="rId6"/>
-    <p:sldId id="257" r:id="rId7"/>
-    <p:sldId id="261" r:id="rId8"/>
-    <p:sldId id="274" r:id="rId9"/>
-    <p:sldId id="286" r:id="rId10"/>
-    <p:sldId id="269" r:id="rId11"/>
-    <p:sldId id="270" r:id="rId12"/>
-    <p:sldId id="285" r:id="rId13"/>
-    <p:sldId id="289" r:id="rId14"/>
-    <p:sldId id="291" r:id="rId15"/>
-    <p:sldId id="287" r:id="rId16"/>
-    <p:sldId id="292" r:id="rId17"/>
+    <p:sldId id="256" r:id="rId7"/>
+    <p:sldId id="259" r:id="rId8"/>
+    <p:sldId id="258" r:id="rId9"/>
+    <p:sldId id="261" r:id="rId10"/>
+    <p:sldId id="274" r:id="rId11"/>
+    <p:sldId id="286" r:id="rId12"/>
+    <p:sldId id="269" r:id="rId13"/>
+    <p:sldId id="270" r:id="rId14"/>
+    <p:sldId id="285" r:id="rId15"/>
+    <p:sldId id="289" r:id="rId16"/>
+    <p:sldId id="291" r:id="rId17"/>
+    <p:sldId id="287" r:id="rId18"/>
+    <p:sldId id="292" r:id="rId19"/>
+    <p:sldId id="293" r:id="rId20"/>
   </p:sldIdLst>
   <p:sldSz cx="12192000" cy="6858000"/>
   <p:notesSz cx="6858000" cy="9144000"/>
@@ -1397,7 +1400,7 @@
           <a:p>
             <a:fld id="{896D3B2D-3924-0B48-B558-93C031AA9A06}" type="datetimeFigureOut">
               <a:rPr lang="en-US" smtClean="0"/>
-              <a:t>4/15/2020</a:t>
+              <a:t>5/12/2020</a:t>
             </a:fld>
             <a:endParaRPr lang="en-US"/>
           </a:p>
@@ -1857,7 +1860,7 @@
             <a:fld id="{B61BEF0D-F0BB-DE4B-95CE-6DB70DBA9567}" type="datetimeFigureOut">
               <a:rPr lang="en-US"/>
               <a:pPr/>
-              <a:t>4/15/2020</a:t>
+              <a:t>5/12/2020</a:t>
             </a:fld>
             <a:endParaRPr lang="en-US"/>
           </a:p>
@@ -2141,7 +2144,7 @@
             <a:fld id="{B61BEF0D-F0BB-DE4B-95CE-6DB70DBA9567}" type="datetimeFigureOut">
               <a:rPr lang="en-US"/>
               <a:pPr/>
-              <a:t>4/15/2020</a:t>
+              <a:t>5/12/2020</a:t>
             </a:fld>
             <a:endParaRPr lang="en-US"/>
           </a:p>
@@ -2452,7 +2455,7 @@
             <a:fld id="{B61BEF0D-F0BB-DE4B-95CE-6DB70DBA9567}" type="datetimeFigureOut">
               <a:rPr lang="en-US"/>
               <a:pPr/>
-              <a:t>4/15/2020</a:t>
+              <a:t>5/12/2020</a:t>
             </a:fld>
             <a:endParaRPr lang="en-US"/>
           </a:p>
@@ -2790,7 +2793,7 @@
             <a:fld id="{B61BEF0D-F0BB-DE4B-95CE-6DB70DBA9567}" type="datetimeFigureOut">
               <a:rPr lang="en-US"/>
               <a:pPr/>
-              <a:t>4/15/2020</a:t>
+              <a:t>5/12/2020</a:t>
             </a:fld>
             <a:endParaRPr lang="en-US"/>
           </a:p>
@@ -3101,7 +3104,7 @@
             <a:fld id="{B61BEF0D-F0BB-DE4B-95CE-6DB70DBA9567}" type="datetimeFigureOut">
               <a:rPr lang="en-US"/>
               <a:pPr/>
-              <a:t>4/15/2020</a:t>
+              <a:t>5/12/2020</a:t>
             </a:fld>
             <a:endParaRPr lang="en-US"/>
           </a:p>
@@ -3491,7 +3494,7 @@
             <a:fld id="{B61BEF0D-F0BB-DE4B-95CE-6DB70DBA9567}" type="datetimeFigureOut">
               <a:rPr lang="en-US"/>
               <a:pPr/>
-              <a:t>4/15/2020</a:t>
+              <a:t>5/12/2020</a:t>
             </a:fld>
             <a:endParaRPr lang="en-US"/>
           </a:p>
@@ -3657,7 +3660,7 @@
           <a:p>
             <a:fld id="{55C6B4A9-1611-4792-9094-5F34BCA07E0B}" type="datetimeFigureOut">
               <a:rPr lang="en-US"/>
-              <a:t>4/15/2020</a:t>
+              <a:t>5/12/2020</a:t>
             </a:fld>
             <a:endParaRPr lang="en-US"/>
           </a:p>
@@ -3833,7 +3836,7 @@
             <a:fld id="{B61BEF0D-F0BB-DE4B-95CE-6DB70DBA9567}" type="datetimeFigureOut">
               <a:rPr lang="en-US"/>
               <a:pPr/>
-              <a:t>4/15/2020</a:t>
+              <a:t>5/12/2020</a:t>
             </a:fld>
             <a:endParaRPr lang="en-US"/>
           </a:p>
@@ -4037,7 +4040,7 @@
           <a:p>
             <a:fld id="{C2231AF4-6FC1-4460-BBC9-D7CD0B6E11EF}" type="datetimeFigureOut">
               <a:rPr lang="sv-SE" smtClean="0"/>
-              <a:t>2020-04-15</a:t>
+              <a:t>2020-05-12</a:t>
             </a:fld>
             <a:endParaRPr lang="sv-SE"/>
           </a:p>
@@ -4235,7 +4238,7 @@
           <a:p>
             <a:fld id="{C2231AF4-6FC1-4460-BBC9-D7CD0B6E11EF}" type="datetimeFigureOut">
               <a:rPr lang="sv-SE" smtClean="0"/>
-              <a:t>2020-04-15</a:t>
+              <a:t>2020-05-12</a:t>
             </a:fld>
             <a:endParaRPr lang="sv-SE"/>
           </a:p>
@@ -4510,7 +4513,7 @@
           <a:p>
             <a:fld id="{C2231AF4-6FC1-4460-BBC9-D7CD0B6E11EF}" type="datetimeFigureOut">
               <a:rPr lang="sv-SE" smtClean="0"/>
-              <a:t>2020-04-15</a:t>
+              <a:t>2020-05-12</a:t>
             </a:fld>
             <a:endParaRPr lang="sv-SE"/>
           </a:p>
@@ -4699,7 +4702,7 @@
             <a:fld id="{B61BEF0D-F0BB-DE4B-95CE-6DB70DBA9567}" type="datetimeFigureOut">
               <a:rPr lang="en-US"/>
               <a:pPr/>
-              <a:t>4/15/2020</a:t>
+              <a:t>5/12/2020</a:t>
             </a:fld>
             <a:endParaRPr lang="en-US"/>
           </a:p>
@@ -4948,7 +4951,7 @@
           <a:p>
             <a:fld id="{C2231AF4-6FC1-4460-BBC9-D7CD0B6E11EF}" type="datetimeFigureOut">
               <a:rPr lang="sv-SE" smtClean="0"/>
-              <a:t>2020-04-15</a:t>
+              <a:t>2020-05-12</a:t>
             </a:fld>
             <a:endParaRPr lang="sv-SE"/>
           </a:p>
@@ -5360,7 +5363,7 @@
           <a:p>
             <a:fld id="{C2231AF4-6FC1-4460-BBC9-D7CD0B6E11EF}" type="datetimeFigureOut">
               <a:rPr lang="sv-SE" smtClean="0"/>
-              <a:t>2020-04-15</a:t>
+              <a:t>2020-05-12</a:t>
             </a:fld>
             <a:endParaRPr lang="sv-SE"/>
           </a:p>
@@ -5501,7 +5504,7 @@
           <a:p>
             <a:fld id="{C2231AF4-6FC1-4460-BBC9-D7CD0B6E11EF}" type="datetimeFigureOut">
               <a:rPr lang="sv-SE" smtClean="0"/>
-              <a:t>2020-04-15</a:t>
+              <a:t>2020-05-12</a:t>
             </a:fld>
             <a:endParaRPr lang="sv-SE"/>
           </a:p>
@@ -5614,7 +5617,7 @@
           <a:p>
             <a:fld id="{C2231AF4-6FC1-4460-BBC9-D7CD0B6E11EF}" type="datetimeFigureOut">
               <a:rPr lang="sv-SE" smtClean="0"/>
-              <a:t>2020-04-15</a:t>
+              <a:t>2020-05-12</a:t>
             </a:fld>
             <a:endParaRPr lang="sv-SE"/>
           </a:p>
@@ -5925,7 +5928,7 @@
           <a:p>
             <a:fld id="{C2231AF4-6FC1-4460-BBC9-D7CD0B6E11EF}" type="datetimeFigureOut">
               <a:rPr lang="sv-SE" smtClean="0"/>
-              <a:t>2020-04-15</a:t>
+              <a:t>2020-05-12</a:t>
             </a:fld>
             <a:endParaRPr lang="sv-SE"/>
           </a:p>
@@ -6213,7 +6216,7 @@
           <a:p>
             <a:fld id="{C2231AF4-6FC1-4460-BBC9-D7CD0B6E11EF}" type="datetimeFigureOut">
               <a:rPr lang="sv-SE" smtClean="0"/>
-              <a:t>2020-04-15</a:t>
+              <a:t>2020-05-12</a:t>
             </a:fld>
             <a:endParaRPr lang="sv-SE"/>
           </a:p>
@@ -6411,7 +6414,7 @@
           <a:p>
             <a:fld id="{C2231AF4-6FC1-4460-BBC9-D7CD0B6E11EF}" type="datetimeFigureOut">
               <a:rPr lang="sv-SE" smtClean="0"/>
-              <a:t>2020-04-15</a:t>
+              <a:t>2020-05-12</a:t>
             </a:fld>
             <a:endParaRPr lang="sv-SE"/>
           </a:p>
@@ -6619,7 +6622,7 @@
           <a:p>
             <a:fld id="{C2231AF4-6FC1-4460-BBC9-D7CD0B6E11EF}" type="datetimeFigureOut">
               <a:rPr lang="sv-SE" smtClean="0"/>
-              <a:t>2020-04-15</a:t>
+              <a:t>2020-05-12</a:t>
             </a:fld>
             <a:endParaRPr lang="sv-SE"/>
           </a:p>
@@ -6683,6 +6686,382 @@
     <p:extLst>
       <p:ext uri="{BB962C8B-B14F-4D97-AF65-F5344CB8AC3E}">
         <p14:creationId xmlns:p14="http://schemas.microsoft.com/office/powerpoint/2010/main" val="1712379941"/>
+      </p:ext>
+    </p:extLst>
+  </p:cSld>
+  <p:clrMapOvr>
+    <a:masterClrMapping/>
+  </p:clrMapOvr>
+</p:sldLayout>
+</file>
+
+<file path=ppt/slideLayouts/slideLayout28.xml><?xml version="1.0" encoding="utf-8"?>
+<p:sldLayout xmlns:a="http://schemas.openxmlformats.org/drawingml/2006/main" xmlns:r="http://schemas.openxmlformats.org/officeDocument/2006/relationships" xmlns:p="http://schemas.openxmlformats.org/presentationml/2006/main" preserve="1" userDrawn="1">
+  <p:cSld name="Title Slide">
+    <p:spTree>
+      <p:nvGrpSpPr>
+        <p:cNvPr id="1" name=""/>
+        <p:cNvGrpSpPr/>
+        <p:nvPr/>
+      </p:nvGrpSpPr>
+      <p:grpSpPr>
+        <a:xfrm>
+          <a:off x="0" y="0"/>
+          <a:ext cx="0" cy="0"/>
+          <a:chOff x="0" y="0"/>
+          <a:chExt cx="0" cy="0"/>
+        </a:xfrm>
+      </p:grpSpPr>
+      <p:sp>
+        <p:nvSpPr>
+          <p:cNvPr id="10" name="TextBox 9">
+            <a:extLst>
+              <a:ext uri="{FF2B5EF4-FFF2-40B4-BE49-F238E27FC236}">
+                <a16:creationId xmlns:a16="http://schemas.microsoft.com/office/drawing/2014/main" id="{E83E6DCD-0925-492B-B952-87A34542FCA4}"/>
+              </a:ext>
+            </a:extLst>
+          </p:cNvPr>
+          <p:cNvSpPr txBox="1"/>
+          <p:nvPr userDrawn="1"/>
+        </p:nvSpPr>
+        <p:spPr>
+          <a:xfrm>
+            <a:off x="368489" y="382137"/>
+            <a:ext cx="11354937" cy="1107996"/>
+          </a:xfrm>
+          <a:prstGeom prst="rect">
+            <a:avLst/>
+          </a:prstGeom>
+          <a:noFill/>
+        </p:spPr>
+        <p:txBody>
+          <a:bodyPr wrap="square" rtlCol="0">
+            <a:spAutoFit/>
+          </a:bodyPr>
+          <a:lstStyle/>
+          <a:p>
+            <a:r>
+              <a:rPr lang="en-CA" sz="6600" dirty="0">
+                <a:solidFill>
+                  <a:schemeClr val="bg1"/>
+                </a:solidFill>
+                <a:latin typeface="Roboto Bk" pitchFamily="2" charset="0"/>
+                <a:ea typeface="Roboto Bk" pitchFamily="2" charset="0"/>
+              </a:rPr>
+              <a:t>GROUPBY 2020 | MAY 12-13</a:t>
+            </a:r>
+          </a:p>
+        </p:txBody>
+      </p:sp>
+      <p:sp>
+        <p:nvSpPr>
+          <p:cNvPr id="11" name="Rectangle 10">
+            <a:extLst>
+              <a:ext uri="{FF2B5EF4-FFF2-40B4-BE49-F238E27FC236}">
+                <a16:creationId xmlns:a16="http://schemas.microsoft.com/office/drawing/2014/main" id="{A680A0A8-FC9F-4BA7-8F81-FC4F1418F28C}"/>
+              </a:ext>
+            </a:extLst>
+          </p:cNvPr>
+          <p:cNvSpPr/>
+          <p:nvPr userDrawn="1"/>
+        </p:nvSpPr>
+        <p:spPr>
+          <a:xfrm>
+            <a:off x="545911" y="1572021"/>
+            <a:ext cx="5827594" cy="93005"/>
+          </a:xfrm>
+          <a:prstGeom prst="rect">
+            <a:avLst/>
+          </a:prstGeom>
+          <a:solidFill>
+            <a:srgbClr val="FF3333"/>
+          </a:solidFill>
+          <a:ln>
+            <a:noFill/>
+          </a:ln>
+        </p:spPr>
+        <p:style>
+          <a:lnRef idx="2">
+            <a:schemeClr val="accent1">
+              <a:shade val="50000"/>
+            </a:schemeClr>
+          </a:lnRef>
+          <a:fillRef idx="1">
+            <a:schemeClr val="accent1"/>
+          </a:fillRef>
+          <a:effectRef idx="0">
+            <a:schemeClr val="accent1"/>
+          </a:effectRef>
+          <a:fontRef idx="minor">
+            <a:schemeClr val="lt1"/>
+          </a:fontRef>
+        </p:style>
+        <p:txBody>
+          <a:bodyPr rtlCol="0" anchor="ctr"/>
+          <a:lstStyle/>
+          <a:p>
+            <a:pPr algn="ctr"/>
+            <a:endParaRPr lang="en-CA"/>
+          </a:p>
+        </p:txBody>
+      </p:sp>
+      <p:sp>
+        <p:nvSpPr>
+          <p:cNvPr id="12" name="TextBox 11">
+            <a:extLst>
+              <a:ext uri="{FF2B5EF4-FFF2-40B4-BE49-F238E27FC236}">
+                <a16:creationId xmlns:a16="http://schemas.microsoft.com/office/drawing/2014/main" id="{3BF91502-CA6E-4E7E-8CB9-3F1F0850ADB3}"/>
+              </a:ext>
+            </a:extLst>
+          </p:cNvPr>
+          <p:cNvSpPr txBox="1"/>
+          <p:nvPr userDrawn="1"/>
+        </p:nvSpPr>
+        <p:spPr>
+          <a:xfrm>
+            <a:off x="409432" y="2169994"/>
+            <a:ext cx="10031105" cy="1384995"/>
+          </a:xfrm>
+          <a:prstGeom prst="rect">
+            <a:avLst/>
+          </a:prstGeom>
+          <a:noFill/>
+        </p:spPr>
+        <p:txBody>
+          <a:bodyPr wrap="square" rtlCol="0">
+            <a:spAutoFit/>
+          </a:bodyPr>
+          <a:lstStyle/>
+          <a:p>
+            <a:r>
+              <a:rPr lang="en-US" sz="3600" dirty="0">
+                <a:solidFill>
+                  <a:schemeClr val="bg1"/>
+                </a:solidFill>
+                <a:latin typeface="Roboto Bk" pitchFamily="2" charset="0"/>
+                <a:ea typeface="Roboto Bk" pitchFamily="2" charset="0"/>
+              </a:rPr>
+              <a:t>Free Online Training for Data Professionals.</a:t>
+            </a:r>
+          </a:p>
+          <a:p>
+            <a:endParaRPr lang="en-US" sz="1000" dirty="0">
+              <a:solidFill>
+                <a:schemeClr val="bg1"/>
+              </a:solidFill>
+              <a:latin typeface="Roboto Bk" pitchFamily="2" charset="0"/>
+              <a:ea typeface="Roboto Bk" pitchFamily="2" charset="0"/>
+            </a:endParaRPr>
+          </a:p>
+          <a:p>
+            <a:r>
+              <a:rPr lang="en-US" sz="3600" dirty="0">
+                <a:solidFill>
+                  <a:schemeClr val="bg1"/>
+                </a:solidFill>
+                <a:latin typeface="Roboto Bk" pitchFamily="2" charset="0"/>
+                <a:ea typeface="Roboto Bk" pitchFamily="2" charset="0"/>
+              </a:rPr>
+              <a:t>By the Community, for the Community.</a:t>
+            </a:r>
+            <a:endParaRPr lang="en-CA" sz="3600" dirty="0">
+              <a:solidFill>
+                <a:schemeClr val="bg1"/>
+              </a:solidFill>
+              <a:latin typeface="Roboto Bk" pitchFamily="2" charset="0"/>
+              <a:ea typeface="Roboto Bk" pitchFamily="2" charset="0"/>
+            </a:endParaRPr>
+          </a:p>
+        </p:txBody>
+      </p:sp>
+    </p:spTree>
+    <p:extLst>
+      <p:ext uri="{BB962C8B-B14F-4D97-AF65-F5344CB8AC3E}">
+        <p14:creationId xmlns:p14="http://schemas.microsoft.com/office/powerpoint/2010/main" val="1722687445"/>
+      </p:ext>
+    </p:extLst>
+  </p:cSld>
+  <p:clrMapOvr>
+    <a:masterClrMapping/>
+  </p:clrMapOvr>
+</p:sldLayout>
+</file>
+
+<file path=ppt/slideLayouts/slideLayout29.xml><?xml version="1.0" encoding="utf-8"?>
+<p:sldLayout xmlns:a="http://schemas.openxmlformats.org/drawingml/2006/main" xmlns:r="http://schemas.openxmlformats.org/officeDocument/2006/relationships" xmlns:p="http://schemas.openxmlformats.org/presentationml/2006/main" preserve="1" userDrawn="1">
+  <p:cSld name="2_Title Slide">
+    <p:spTree>
+      <p:nvGrpSpPr>
+        <p:cNvPr id="1" name=""/>
+        <p:cNvGrpSpPr/>
+        <p:nvPr/>
+      </p:nvGrpSpPr>
+      <p:grpSpPr>
+        <a:xfrm>
+          <a:off x="0" y="0"/>
+          <a:ext cx="0" cy="0"/>
+          <a:chOff x="0" y="0"/>
+          <a:chExt cx="0" cy="0"/>
+        </a:xfrm>
+      </p:grpSpPr>
+      <p:sp>
+        <p:nvSpPr>
+          <p:cNvPr id="10" name="TextBox 9">
+            <a:extLst>
+              <a:ext uri="{FF2B5EF4-FFF2-40B4-BE49-F238E27FC236}">
+                <a16:creationId xmlns:a16="http://schemas.microsoft.com/office/drawing/2014/main" id="{E83E6DCD-0925-492B-B952-87A34542FCA4}"/>
+              </a:ext>
+            </a:extLst>
+          </p:cNvPr>
+          <p:cNvSpPr txBox="1"/>
+          <p:nvPr userDrawn="1"/>
+        </p:nvSpPr>
+        <p:spPr>
+          <a:xfrm>
+            <a:off x="368489" y="382137"/>
+            <a:ext cx="11354937" cy="1107996"/>
+          </a:xfrm>
+          <a:prstGeom prst="rect">
+            <a:avLst/>
+          </a:prstGeom>
+          <a:noFill/>
+        </p:spPr>
+        <p:txBody>
+          <a:bodyPr wrap="square" rtlCol="0">
+            <a:spAutoFit/>
+          </a:bodyPr>
+          <a:lstStyle/>
+          <a:p>
+            <a:r>
+              <a:rPr lang="en-CA" sz="6600" dirty="0">
+                <a:solidFill>
+                  <a:schemeClr val="bg1"/>
+                </a:solidFill>
+                <a:latin typeface="Roboto Bk" pitchFamily="2" charset="0"/>
+                <a:ea typeface="Roboto Bk" pitchFamily="2" charset="0"/>
+              </a:rPr>
+              <a:t>GROUPBY 2020 | MAY 12-13</a:t>
+            </a:r>
+          </a:p>
+        </p:txBody>
+      </p:sp>
+      <p:sp>
+        <p:nvSpPr>
+          <p:cNvPr id="11" name="Rectangle 10">
+            <a:extLst>
+              <a:ext uri="{FF2B5EF4-FFF2-40B4-BE49-F238E27FC236}">
+                <a16:creationId xmlns:a16="http://schemas.microsoft.com/office/drawing/2014/main" id="{A680A0A8-FC9F-4BA7-8F81-FC4F1418F28C}"/>
+              </a:ext>
+            </a:extLst>
+          </p:cNvPr>
+          <p:cNvSpPr/>
+          <p:nvPr userDrawn="1"/>
+        </p:nvSpPr>
+        <p:spPr>
+          <a:xfrm>
+            <a:off x="545911" y="1572021"/>
+            <a:ext cx="5827594" cy="93005"/>
+          </a:xfrm>
+          <a:prstGeom prst="rect">
+            <a:avLst/>
+          </a:prstGeom>
+          <a:solidFill>
+            <a:srgbClr val="FF3333"/>
+          </a:solidFill>
+          <a:ln>
+            <a:noFill/>
+          </a:ln>
+        </p:spPr>
+        <p:style>
+          <a:lnRef idx="2">
+            <a:schemeClr val="accent1">
+              <a:shade val="50000"/>
+            </a:schemeClr>
+          </a:lnRef>
+          <a:fillRef idx="1">
+            <a:schemeClr val="accent1"/>
+          </a:fillRef>
+          <a:effectRef idx="0">
+            <a:schemeClr val="accent1"/>
+          </a:effectRef>
+          <a:fontRef idx="minor">
+            <a:schemeClr val="lt1"/>
+          </a:fontRef>
+        </p:style>
+        <p:txBody>
+          <a:bodyPr rtlCol="0" anchor="ctr"/>
+          <a:lstStyle/>
+          <a:p>
+            <a:pPr algn="ctr"/>
+            <a:endParaRPr lang="en-CA"/>
+          </a:p>
+        </p:txBody>
+      </p:sp>
+      <p:sp>
+        <p:nvSpPr>
+          <p:cNvPr id="3" name="Text Placeholder 2">
+            <a:extLst>
+              <a:ext uri="{FF2B5EF4-FFF2-40B4-BE49-F238E27FC236}">
+                <a16:creationId xmlns:a16="http://schemas.microsoft.com/office/drawing/2014/main" id="{DA4ED215-C73F-4520-996B-0CDE957D1477}"/>
+              </a:ext>
+            </a:extLst>
+          </p:cNvPr>
+          <p:cNvSpPr>
+            <a:spLocks noGrp="1"/>
+          </p:cNvSpPr>
+          <p:nvPr>
+            <p:ph type="body" sz="quarter" idx="10" hasCustomPrompt="1"/>
+          </p:nvPr>
+        </p:nvSpPr>
+        <p:spPr>
+          <a:xfrm>
+            <a:off x="518804" y="2003956"/>
+            <a:ext cx="10714038" cy="1312449"/>
+          </a:xfrm>
+          <a:prstGeom prst="rect">
+            <a:avLst/>
+          </a:prstGeom>
+        </p:spPr>
+        <p:txBody>
+          <a:bodyPr/>
+          <a:lstStyle>
+            <a:lvl1pPr marL="0" marR="0" indent="0" algn="l" defTabSz="914400" rtl="0" eaLnBrk="1" fontAlgn="auto" latinLnBrk="0" hangingPunct="1">
+              <a:lnSpc>
+                <a:spcPct val="90000"/>
+              </a:lnSpc>
+              <a:spcBef>
+                <a:spcPts val="1000"/>
+              </a:spcBef>
+              <a:spcAft>
+                <a:spcPts val="0"/>
+              </a:spcAft>
+              <a:buClrTx/>
+              <a:buSzTx/>
+              <a:buFont typeface="Arial" panose="020B0604020202020204" pitchFamily="34" charset="0"/>
+              <a:buNone/>
+              <a:tabLst/>
+              <a:defRPr sz="3200">
+                <a:solidFill>
+                  <a:schemeClr val="bg1"/>
+                </a:solidFill>
+                <a:latin typeface="Roboto Bk" pitchFamily="2" charset="0"/>
+                <a:ea typeface="Roboto Bk" pitchFamily="2" charset="0"/>
+              </a:defRPr>
+            </a:lvl1pPr>
+          </a:lstStyle>
+          <a:p>
+            <a:pPr lvl="0"/>
+            <a:r>
+              <a:rPr lang="en-US" dirty="0"/>
+              <a:t>SESSION NAME HERE</a:t>
+            </a:r>
+          </a:p>
+        </p:txBody>
+      </p:sp>
+    </p:spTree>
+    <p:extLst>
+      <p:ext uri="{BB962C8B-B14F-4D97-AF65-F5344CB8AC3E}">
+        <p14:creationId xmlns:p14="http://schemas.microsoft.com/office/powerpoint/2010/main" val="3167893437"/>
       </p:ext>
     </p:extLst>
   </p:cSld>
@@ -6879,7 +7258,7 @@
             <a:fld id="{B61BEF0D-F0BB-DE4B-95CE-6DB70DBA9567}" type="datetimeFigureOut">
               <a:rPr lang="en-US"/>
               <a:pPr/>
-              <a:t>4/15/2020</a:t>
+              <a:t>5/12/2020</a:t>
             </a:fld>
             <a:endParaRPr lang="en-US"/>
           </a:p>
@@ -6929,6 +7308,319 @@
         </p:txBody>
       </p:sp>
     </p:spTree>
+  </p:cSld>
+  <p:clrMapOvr>
+    <a:masterClrMapping/>
+  </p:clrMapOvr>
+</p:sldLayout>
+</file>
+
+<file path=ppt/slideLayouts/slideLayout30.xml><?xml version="1.0" encoding="utf-8"?>
+<p:sldLayout xmlns:a="http://schemas.openxmlformats.org/drawingml/2006/main" xmlns:r="http://schemas.openxmlformats.org/officeDocument/2006/relationships" xmlns:p="http://schemas.openxmlformats.org/presentationml/2006/main" preserve="1" userDrawn="1">
+  <p:cSld name="1_Title Slide">
+    <p:spTree>
+      <p:nvGrpSpPr>
+        <p:cNvPr id="1" name=""/>
+        <p:cNvGrpSpPr/>
+        <p:nvPr/>
+      </p:nvGrpSpPr>
+      <p:grpSpPr>
+        <a:xfrm>
+          <a:off x="0" y="0"/>
+          <a:ext cx="0" cy="0"/>
+          <a:chOff x="0" y="0"/>
+          <a:chExt cx="0" cy="0"/>
+        </a:xfrm>
+      </p:grpSpPr>
+      <p:sp>
+        <p:nvSpPr>
+          <p:cNvPr id="5" name="Picture Placeholder 4">
+            <a:extLst>
+              <a:ext uri="{FF2B5EF4-FFF2-40B4-BE49-F238E27FC236}">
+                <a16:creationId xmlns:a16="http://schemas.microsoft.com/office/drawing/2014/main" id="{F1F74F57-3518-43F1-ABF1-6959897D139C}"/>
+              </a:ext>
+            </a:extLst>
+          </p:cNvPr>
+          <p:cNvSpPr>
+            <a:spLocks noGrp="1"/>
+          </p:cNvSpPr>
+          <p:nvPr>
+            <p:ph type="pic" sz="quarter" idx="10"/>
+          </p:nvPr>
+        </p:nvSpPr>
+        <p:spPr>
+          <a:xfrm>
+            <a:off x="1036638" y="682625"/>
+            <a:ext cx="3344862" cy="3028950"/>
+          </a:xfrm>
+          <a:prstGeom prst="rect">
+            <a:avLst/>
+          </a:prstGeom>
+        </p:spPr>
+        <p:txBody>
+          <a:bodyPr/>
+          <a:lstStyle/>
+          <a:p>
+            <a:endParaRPr lang="en-CA" dirty="0"/>
+          </a:p>
+        </p:txBody>
+      </p:sp>
+      <p:sp>
+        <p:nvSpPr>
+          <p:cNvPr id="16" name="Text Placeholder 15">
+            <a:extLst>
+              <a:ext uri="{FF2B5EF4-FFF2-40B4-BE49-F238E27FC236}">
+                <a16:creationId xmlns:a16="http://schemas.microsoft.com/office/drawing/2014/main" id="{D9916C56-DD4D-4C83-B228-C872E6804A41}"/>
+              </a:ext>
+            </a:extLst>
+          </p:cNvPr>
+          <p:cNvSpPr>
+            <a:spLocks noGrp="1"/>
+          </p:cNvSpPr>
+          <p:nvPr>
+            <p:ph type="body" sz="quarter" idx="11" hasCustomPrompt="1"/>
+          </p:nvPr>
+        </p:nvSpPr>
+        <p:spPr>
+          <a:xfrm>
+            <a:off x="4708525" y="682625"/>
+            <a:ext cx="6754813" cy="463787"/>
+          </a:xfrm>
+          <a:prstGeom prst="rect">
+            <a:avLst/>
+          </a:prstGeom>
+        </p:spPr>
+        <p:txBody>
+          <a:bodyPr/>
+          <a:lstStyle>
+            <a:lvl1pPr marL="0" indent="0">
+              <a:buNone/>
+              <a:defRPr>
+                <a:solidFill>
+                  <a:schemeClr val="bg1"/>
+                </a:solidFill>
+              </a:defRPr>
+            </a:lvl1pPr>
+          </a:lstStyle>
+          <a:p>
+            <a:pPr lvl="0"/>
+            <a:r>
+              <a:rPr lang="en-CA" dirty="0"/>
+              <a:t>SPEAKER NAME</a:t>
+            </a:r>
+          </a:p>
+          <a:p>
+            <a:pPr lvl="0"/>
+            <a:endParaRPr lang="en-CA" dirty="0"/>
+          </a:p>
+        </p:txBody>
+      </p:sp>
+      <p:sp>
+        <p:nvSpPr>
+          <p:cNvPr id="17" name="Text Placeholder 15">
+            <a:extLst>
+              <a:ext uri="{FF2B5EF4-FFF2-40B4-BE49-F238E27FC236}">
+                <a16:creationId xmlns:a16="http://schemas.microsoft.com/office/drawing/2014/main" id="{D7EAC6E4-259D-43D3-A157-4BB04DE0A36D}"/>
+              </a:ext>
+            </a:extLst>
+          </p:cNvPr>
+          <p:cNvSpPr>
+            <a:spLocks noGrp="1"/>
+          </p:cNvSpPr>
+          <p:nvPr>
+            <p:ph type="body" sz="quarter" idx="12" hasCustomPrompt="1"/>
+          </p:nvPr>
+        </p:nvSpPr>
+        <p:spPr>
+          <a:xfrm>
+            <a:off x="4708524" y="1339992"/>
+            <a:ext cx="6754813" cy="463787"/>
+          </a:xfrm>
+          <a:prstGeom prst="rect">
+            <a:avLst/>
+          </a:prstGeom>
+        </p:spPr>
+        <p:txBody>
+          <a:bodyPr/>
+          <a:lstStyle>
+            <a:lvl1pPr marL="0" indent="0">
+              <a:buNone/>
+              <a:defRPr>
+                <a:solidFill>
+                  <a:schemeClr val="bg1"/>
+                </a:solidFill>
+              </a:defRPr>
+            </a:lvl1pPr>
+          </a:lstStyle>
+          <a:p>
+            <a:pPr lvl="0"/>
+            <a:r>
+              <a:rPr lang="en-CA" dirty="0"/>
+              <a:t>JOB TITLE, COMPANY NAME</a:t>
+            </a:r>
+          </a:p>
+          <a:p>
+            <a:pPr lvl="0"/>
+            <a:endParaRPr lang="en-CA" dirty="0"/>
+          </a:p>
+        </p:txBody>
+      </p:sp>
+      <p:sp>
+        <p:nvSpPr>
+          <p:cNvPr id="18" name="Text Placeholder 15">
+            <a:extLst>
+              <a:ext uri="{FF2B5EF4-FFF2-40B4-BE49-F238E27FC236}">
+                <a16:creationId xmlns:a16="http://schemas.microsoft.com/office/drawing/2014/main" id="{DB96F244-1B5E-4EAC-BD2C-7806A5EBC6CC}"/>
+              </a:ext>
+            </a:extLst>
+          </p:cNvPr>
+          <p:cNvSpPr>
+            <a:spLocks noGrp="1"/>
+          </p:cNvSpPr>
+          <p:nvPr>
+            <p:ph type="body" sz="quarter" idx="13" hasCustomPrompt="1"/>
+          </p:nvPr>
+        </p:nvSpPr>
+        <p:spPr>
+          <a:xfrm>
+            <a:off x="4708524" y="1997359"/>
+            <a:ext cx="6754813" cy="463787"/>
+          </a:xfrm>
+          <a:prstGeom prst="rect">
+            <a:avLst/>
+          </a:prstGeom>
+        </p:spPr>
+        <p:txBody>
+          <a:bodyPr/>
+          <a:lstStyle>
+            <a:lvl1pPr marL="0" indent="0">
+              <a:buNone/>
+              <a:defRPr>
+                <a:solidFill>
+                  <a:schemeClr val="bg1"/>
+                </a:solidFill>
+              </a:defRPr>
+            </a:lvl1pPr>
+          </a:lstStyle>
+          <a:p>
+            <a:pPr lvl="0"/>
+            <a:r>
+              <a:rPr lang="en-CA" dirty="0"/>
+              <a:t>WEBSITE</a:t>
+            </a:r>
+          </a:p>
+          <a:p>
+            <a:pPr lvl="0"/>
+            <a:endParaRPr lang="en-CA" dirty="0"/>
+          </a:p>
+        </p:txBody>
+      </p:sp>
+      <p:sp>
+        <p:nvSpPr>
+          <p:cNvPr id="19" name="Text Placeholder 15">
+            <a:extLst>
+              <a:ext uri="{FF2B5EF4-FFF2-40B4-BE49-F238E27FC236}">
+                <a16:creationId xmlns:a16="http://schemas.microsoft.com/office/drawing/2014/main" id="{DD9FDDC2-1088-45B4-AFF9-B006AAA437A1}"/>
+              </a:ext>
+            </a:extLst>
+          </p:cNvPr>
+          <p:cNvSpPr>
+            <a:spLocks noGrp="1"/>
+          </p:cNvSpPr>
+          <p:nvPr>
+            <p:ph type="body" sz="quarter" idx="14" hasCustomPrompt="1"/>
+          </p:nvPr>
+        </p:nvSpPr>
+        <p:spPr>
+          <a:xfrm>
+            <a:off x="4708523" y="2689082"/>
+            <a:ext cx="6754813" cy="463787"/>
+          </a:xfrm>
+          <a:prstGeom prst="rect">
+            <a:avLst/>
+          </a:prstGeom>
+        </p:spPr>
+        <p:txBody>
+          <a:bodyPr/>
+          <a:lstStyle>
+            <a:lvl1pPr marL="0" indent="0">
+              <a:buNone/>
+              <a:defRPr>
+                <a:solidFill>
+                  <a:schemeClr val="bg1"/>
+                </a:solidFill>
+              </a:defRPr>
+            </a:lvl1pPr>
+          </a:lstStyle>
+          <a:p>
+            <a:pPr lvl="0"/>
+            <a:r>
+              <a:rPr lang="en-CA" dirty="0"/>
+              <a:t>TWITTER LINK</a:t>
+            </a:r>
+          </a:p>
+          <a:p>
+            <a:pPr lvl="0"/>
+            <a:endParaRPr lang="en-CA" dirty="0"/>
+          </a:p>
+        </p:txBody>
+      </p:sp>
+      <p:sp>
+        <p:nvSpPr>
+          <p:cNvPr id="20" name="Text Placeholder 15">
+            <a:extLst>
+              <a:ext uri="{FF2B5EF4-FFF2-40B4-BE49-F238E27FC236}">
+                <a16:creationId xmlns:a16="http://schemas.microsoft.com/office/drawing/2014/main" id="{473ABC0F-D641-4DFF-8B9E-C3E9DB9378BF}"/>
+              </a:ext>
+            </a:extLst>
+          </p:cNvPr>
+          <p:cNvSpPr>
+            <a:spLocks noGrp="1"/>
+          </p:cNvSpPr>
+          <p:nvPr>
+            <p:ph type="body" sz="quarter" idx="15" hasCustomPrompt="1"/>
+          </p:nvPr>
+        </p:nvSpPr>
+        <p:spPr>
+          <a:xfrm>
+            <a:off x="1036638" y="4164961"/>
+            <a:ext cx="6754813" cy="2317726"/>
+          </a:xfrm>
+          <a:prstGeom prst="rect">
+            <a:avLst/>
+          </a:prstGeom>
+        </p:spPr>
+        <p:txBody>
+          <a:bodyPr/>
+          <a:lstStyle>
+            <a:lvl1pPr marL="0" indent="0">
+              <a:buNone/>
+              <a:defRPr>
+                <a:solidFill>
+                  <a:schemeClr val="bg1"/>
+                </a:solidFill>
+              </a:defRPr>
+            </a:lvl1pPr>
+          </a:lstStyle>
+          <a:p>
+            <a:pPr lvl="0"/>
+            <a:r>
+              <a:rPr lang="en-CA" dirty="0"/>
+              <a:t>BIO HERE</a:t>
+            </a:r>
+          </a:p>
+          <a:p>
+            <a:pPr lvl="0"/>
+            <a:endParaRPr lang="en-CA" dirty="0"/>
+          </a:p>
+        </p:txBody>
+      </p:sp>
+    </p:spTree>
+    <p:extLst>
+      <p:ext uri="{BB962C8B-B14F-4D97-AF65-F5344CB8AC3E}">
+        <p14:creationId xmlns:p14="http://schemas.microsoft.com/office/powerpoint/2010/main" val="2982405947"/>
+      </p:ext>
+    </p:extLst>
   </p:cSld>
   <p:clrMapOvr>
     <a:masterClrMapping/>
@@ -7107,7 +7799,7 @@
           <a:p>
             <a:fld id="{EB712588-04B1-427B-82EE-E8DB90309F08}" type="datetimeFigureOut">
               <a:rPr lang="en-US"/>
-              <a:t>4/15/2020</a:t>
+              <a:t>5/12/2020</a:t>
             </a:fld>
             <a:endParaRPr lang="en-US"/>
           </a:p>
@@ -7477,7 +8169,7 @@
             <a:fld id="{B61BEF0D-F0BB-DE4B-95CE-6DB70DBA9567}" type="datetimeFigureOut">
               <a:rPr lang="en-US"/>
               <a:pPr/>
-              <a:t>4/15/2020</a:t>
+              <a:t>5/12/2020</a:t>
             </a:fld>
             <a:endParaRPr lang="en-US"/>
           </a:p>
@@ -7597,7 +8289,7 @@
             <a:fld id="{B61BEF0D-F0BB-DE4B-95CE-6DB70DBA9567}" type="datetimeFigureOut">
               <a:rPr lang="en-US"/>
               <a:pPr/>
-              <a:t>4/15/2020</a:t>
+              <a:t>5/12/2020</a:t>
             </a:fld>
             <a:endParaRPr lang="en-US"/>
           </a:p>
@@ -7689,7 +8381,7 @@
             <a:fld id="{B61BEF0D-F0BB-DE4B-95CE-6DB70DBA9567}" type="datetimeFigureOut">
               <a:rPr lang="en-US"/>
               <a:pPr/>
-              <a:t>4/15/2020</a:t>
+              <a:t>5/12/2020</a:t>
             </a:fld>
             <a:endParaRPr lang="en-US"/>
           </a:p>
@@ -7940,7 +8632,7 @@
           <a:p>
             <a:fld id="{42A54C80-263E-416B-A8E0-580EDEADCBDC}" type="datetimeFigureOut">
               <a:rPr lang="en-US"/>
-              <a:t>4/15/2020</a:t>
+              <a:t>5/12/2020</a:t>
             </a:fld>
             <a:endParaRPr lang="en-US"/>
           </a:p>
@@ -8199,7 +8891,7 @@
             <a:fld id="{B61BEF0D-F0BB-DE4B-95CE-6DB70DBA9567}" type="datetimeFigureOut">
               <a:rPr lang="en-US"/>
               <a:pPr/>
-              <a:t>4/15/2020</a:t>
+              <a:t>5/12/2020</a:t>
             </a:fld>
             <a:endParaRPr lang="en-US"/>
           </a:p>
@@ -8424,7 +9116,7 @@
             <a:fld id="{B61BEF0D-F0BB-DE4B-95CE-6DB70DBA9567}" type="datetimeFigureOut">
               <a:rPr lang="en-US"/>
               <a:pPr/>
-              <a:t>4/15/2020</a:t>
+              <a:t>5/12/2020</a:t>
             </a:fld>
             <a:endParaRPr lang="en-US"/>
           </a:p>
@@ -9131,7 +9823,7 @@
           <a:p>
             <a:fld id="{C2231AF4-6FC1-4460-BBC9-D7CD0B6E11EF}" type="datetimeFigureOut">
               <a:rPr lang="sv-SE" smtClean="0"/>
-              <a:t>2020-04-15</a:t>
+              <a:t>2020-05-12</a:t>
             </a:fld>
             <a:endParaRPr lang="sv-SE"/>
           </a:p>
@@ -9531,6 +10223,467 @@
 </p:sldMaster>
 </file>
 
+<file path=ppt/slideMasters/slideMaster3.xml><?xml version="1.0" encoding="utf-8"?>
+<p:sldMaster xmlns:a="http://schemas.openxmlformats.org/drawingml/2006/main" xmlns:r="http://schemas.openxmlformats.org/officeDocument/2006/relationships" xmlns:p="http://schemas.openxmlformats.org/presentationml/2006/main">
+  <p:cSld>
+    <p:bg>
+      <p:bgRef idx="1001">
+        <a:schemeClr val="bg1"/>
+      </p:bgRef>
+    </p:bg>
+    <p:spTree>
+      <p:nvGrpSpPr>
+        <p:cNvPr id="1" name=""/>
+        <p:cNvGrpSpPr/>
+        <p:nvPr/>
+      </p:nvGrpSpPr>
+      <p:grpSpPr>
+        <a:xfrm>
+          <a:off x="0" y="0"/>
+          <a:ext cx="0" cy="0"/>
+          <a:chOff x="0" y="0"/>
+          <a:chExt cx="0" cy="0"/>
+        </a:xfrm>
+      </p:grpSpPr>
+      <p:pic>
+        <p:nvPicPr>
+          <p:cNvPr id="13" name="Picture 2">
+            <a:extLst>
+              <a:ext uri="{FF2B5EF4-FFF2-40B4-BE49-F238E27FC236}">
+                <a16:creationId xmlns:a16="http://schemas.microsoft.com/office/drawing/2014/main" id="{CA351F87-13A5-401E-8733-45E13B608E50}"/>
+              </a:ext>
+            </a:extLst>
+          </p:cNvPr>
+          <p:cNvPicPr>
+            <a:picLocks noChangeAspect="1" noChangeArrowheads="1"/>
+          </p:cNvPicPr>
+          <p:nvPr userDrawn="1"/>
+        </p:nvPicPr>
+        <p:blipFill rotWithShape="1">
+          <a:blip r:embed="rId5">
+            <a:extLst>
+              <a:ext uri="{28A0092B-C50C-407E-A947-70E740481C1C}">
+                <a14:useLocalDpi xmlns:a14="http://schemas.microsoft.com/office/drawing/2010/main" val="0"/>
+              </a:ext>
+            </a:extLst>
+          </a:blip>
+          <a:srcRect t="7812" b="7812"/>
+          <a:stretch/>
+        </p:blipFill>
+        <p:spPr bwMode="auto">
+          <a:xfrm>
+            <a:off x="0" y="0"/>
+            <a:ext cx="12192000" cy="6858000"/>
+          </a:xfrm>
+          <a:prstGeom prst="rect">
+            <a:avLst/>
+          </a:prstGeom>
+          <a:noFill/>
+          <a:extLst>
+            <a:ext uri="{909E8E84-426E-40DD-AFC4-6F175D3DCCD1}">
+              <a14:hiddenFill xmlns:a14="http://schemas.microsoft.com/office/drawing/2010/main">
+                <a:solidFill>
+                  <a:srgbClr val="FFFFFF"/>
+                </a:solidFill>
+              </a14:hiddenFill>
+            </a:ext>
+          </a:extLst>
+        </p:spPr>
+      </p:pic>
+      <p:sp>
+        <p:nvSpPr>
+          <p:cNvPr id="14" name="Rectangle 13">
+            <a:extLst>
+              <a:ext uri="{FF2B5EF4-FFF2-40B4-BE49-F238E27FC236}">
+                <a16:creationId xmlns:a16="http://schemas.microsoft.com/office/drawing/2014/main" id="{9008F3AA-A568-468A-99BC-68B75D550341}"/>
+              </a:ext>
+            </a:extLst>
+          </p:cNvPr>
+          <p:cNvSpPr/>
+          <p:nvPr userDrawn="1"/>
+        </p:nvSpPr>
+        <p:spPr>
+          <a:xfrm>
+            <a:off x="0" y="0"/>
+            <a:ext cx="12192000" cy="6858000"/>
+          </a:xfrm>
+          <a:prstGeom prst="rect">
+            <a:avLst/>
+          </a:prstGeom>
+          <a:solidFill>
+            <a:schemeClr val="tx1">
+              <a:alpha val="66000"/>
+            </a:schemeClr>
+          </a:solidFill>
+        </p:spPr>
+        <p:style>
+          <a:lnRef idx="2">
+            <a:schemeClr val="accent1">
+              <a:shade val="50000"/>
+            </a:schemeClr>
+          </a:lnRef>
+          <a:fillRef idx="1">
+            <a:schemeClr val="accent1"/>
+          </a:fillRef>
+          <a:effectRef idx="0">
+            <a:schemeClr val="accent1"/>
+          </a:effectRef>
+          <a:fontRef idx="minor">
+            <a:schemeClr val="lt1"/>
+          </a:fontRef>
+        </p:style>
+        <p:txBody>
+          <a:bodyPr rtlCol="0" anchor="ctr"/>
+          <a:lstStyle/>
+          <a:p>
+            <a:pPr algn="ctr"/>
+            <a:endParaRPr lang="en-CA"/>
+          </a:p>
+        </p:txBody>
+      </p:sp>
+      <p:pic>
+        <p:nvPicPr>
+          <p:cNvPr id="15" name="Picture 4">
+            <a:extLst>
+              <a:ext uri="{FF2B5EF4-FFF2-40B4-BE49-F238E27FC236}">
+                <a16:creationId xmlns:a16="http://schemas.microsoft.com/office/drawing/2014/main" id="{DD431D21-FA50-44D6-BD71-2FE29091CC48}"/>
+              </a:ext>
+            </a:extLst>
+          </p:cNvPr>
+          <p:cNvPicPr>
+            <a:picLocks noChangeAspect="1" noChangeArrowheads="1"/>
+          </p:cNvPicPr>
+          <p:nvPr userDrawn="1"/>
+        </p:nvPicPr>
+        <p:blipFill>
+          <a:blip r:embed="rId6">
+            <a:extLst>
+              <a:ext uri="{28A0092B-C50C-407E-A947-70E740481C1C}">
+                <a14:useLocalDpi xmlns:a14="http://schemas.microsoft.com/office/drawing/2010/main" val="0"/>
+              </a:ext>
+            </a:extLst>
+          </a:blip>
+          <a:srcRect/>
+          <a:stretch>
+            <a:fillRect/>
+          </a:stretch>
+        </p:blipFill>
+        <p:spPr bwMode="auto">
+          <a:xfrm>
+            <a:off x="8422801" y="3088801"/>
+            <a:ext cx="3769199" cy="3769199"/>
+          </a:xfrm>
+          <a:prstGeom prst="rect">
+            <a:avLst/>
+          </a:prstGeom>
+          <a:noFill/>
+          <a:extLst>
+            <a:ext uri="{909E8E84-426E-40DD-AFC4-6F175D3DCCD1}">
+              <a14:hiddenFill xmlns:a14="http://schemas.microsoft.com/office/drawing/2010/main">
+                <a:solidFill>
+                  <a:srgbClr val="FFFFFF"/>
+                </a:solidFill>
+              </a14:hiddenFill>
+            </a:ext>
+          </a:extLst>
+        </p:spPr>
+      </p:pic>
+    </p:spTree>
+    <p:extLst>
+      <p:ext uri="{BB962C8B-B14F-4D97-AF65-F5344CB8AC3E}">
+        <p14:creationId xmlns:p14="http://schemas.microsoft.com/office/powerpoint/2010/main" val="2008895267"/>
+      </p:ext>
+    </p:extLst>
+  </p:cSld>
+  <p:clrMap bg1="lt1" tx1="dk1" bg2="lt2" tx2="dk2" accent1="accent1" accent2="accent2" accent3="accent3" accent4="accent4" accent5="accent5" accent6="accent6" hlink="hlink" folHlink="folHlink"/>
+  <p:sldLayoutIdLst>
+    <p:sldLayoutId id="2147483681" r:id="rId1"/>
+    <p:sldLayoutId id="2147483682" r:id="rId2"/>
+    <p:sldLayoutId id="2147483683" r:id="rId3"/>
+  </p:sldLayoutIdLst>
+  <p:txStyles>
+    <p:titleStyle>
+      <a:lvl1pPr algn="l" defTabSz="914400" rtl="0" eaLnBrk="1" latinLnBrk="0" hangingPunct="1">
+        <a:lnSpc>
+          <a:spcPct val="90000"/>
+        </a:lnSpc>
+        <a:spcBef>
+          <a:spcPct val="0"/>
+        </a:spcBef>
+        <a:buNone/>
+        <a:defRPr sz="4400" kern="1200">
+          <a:solidFill>
+            <a:schemeClr val="tx1"/>
+          </a:solidFill>
+          <a:latin typeface="+mj-lt"/>
+          <a:ea typeface="+mj-ea"/>
+          <a:cs typeface="+mj-cs"/>
+        </a:defRPr>
+      </a:lvl1pPr>
+    </p:titleStyle>
+    <p:bodyStyle>
+      <a:lvl1pPr marL="228600" indent="-228600" algn="l" defTabSz="914400" rtl="0" eaLnBrk="1" latinLnBrk="0" hangingPunct="1">
+        <a:lnSpc>
+          <a:spcPct val="90000"/>
+        </a:lnSpc>
+        <a:spcBef>
+          <a:spcPts val="1000"/>
+        </a:spcBef>
+        <a:buFont typeface="Arial" panose="020B0604020202020204" pitchFamily="34" charset="0"/>
+        <a:buChar char="•"/>
+        <a:defRPr sz="2800" kern="1200">
+          <a:solidFill>
+            <a:schemeClr val="tx1"/>
+          </a:solidFill>
+          <a:latin typeface="+mn-lt"/>
+          <a:ea typeface="+mn-ea"/>
+          <a:cs typeface="+mn-cs"/>
+        </a:defRPr>
+      </a:lvl1pPr>
+      <a:lvl2pPr marL="685800" indent="-228600" algn="l" defTabSz="914400" rtl="0" eaLnBrk="1" latinLnBrk="0" hangingPunct="1">
+        <a:lnSpc>
+          <a:spcPct val="90000"/>
+        </a:lnSpc>
+        <a:spcBef>
+          <a:spcPts val="500"/>
+        </a:spcBef>
+        <a:buFont typeface="Arial" panose="020B0604020202020204" pitchFamily="34" charset="0"/>
+        <a:buChar char="•"/>
+        <a:defRPr sz="2400" kern="1200">
+          <a:solidFill>
+            <a:schemeClr val="tx1"/>
+          </a:solidFill>
+          <a:latin typeface="+mn-lt"/>
+          <a:ea typeface="+mn-ea"/>
+          <a:cs typeface="+mn-cs"/>
+        </a:defRPr>
+      </a:lvl2pPr>
+      <a:lvl3pPr marL="1143000" indent="-228600" algn="l" defTabSz="914400" rtl="0" eaLnBrk="1" latinLnBrk="0" hangingPunct="1">
+        <a:lnSpc>
+          <a:spcPct val="90000"/>
+        </a:lnSpc>
+        <a:spcBef>
+          <a:spcPts val="500"/>
+        </a:spcBef>
+        <a:buFont typeface="Arial" panose="020B0604020202020204" pitchFamily="34" charset="0"/>
+        <a:buChar char="•"/>
+        <a:defRPr sz="2000" kern="1200">
+          <a:solidFill>
+            <a:schemeClr val="tx1"/>
+          </a:solidFill>
+          <a:latin typeface="+mn-lt"/>
+          <a:ea typeface="+mn-ea"/>
+          <a:cs typeface="+mn-cs"/>
+        </a:defRPr>
+      </a:lvl3pPr>
+      <a:lvl4pPr marL="1600200" indent="-228600" algn="l" defTabSz="914400" rtl="0" eaLnBrk="1" latinLnBrk="0" hangingPunct="1">
+        <a:lnSpc>
+          <a:spcPct val="90000"/>
+        </a:lnSpc>
+        <a:spcBef>
+          <a:spcPts val="500"/>
+        </a:spcBef>
+        <a:buFont typeface="Arial" panose="020B0604020202020204" pitchFamily="34" charset="0"/>
+        <a:buChar char="•"/>
+        <a:defRPr sz="1800" kern="1200">
+          <a:solidFill>
+            <a:schemeClr val="tx1"/>
+          </a:solidFill>
+          <a:latin typeface="+mn-lt"/>
+          <a:ea typeface="+mn-ea"/>
+          <a:cs typeface="+mn-cs"/>
+        </a:defRPr>
+      </a:lvl4pPr>
+      <a:lvl5pPr marL="2057400" indent="-228600" algn="l" defTabSz="914400" rtl="0" eaLnBrk="1" latinLnBrk="0" hangingPunct="1">
+        <a:lnSpc>
+          <a:spcPct val="90000"/>
+        </a:lnSpc>
+        <a:spcBef>
+          <a:spcPts val="500"/>
+        </a:spcBef>
+        <a:buFont typeface="Arial" panose="020B0604020202020204" pitchFamily="34" charset="0"/>
+        <a:buChar char="•"/>
+        <a:defRPr sz="1800" kern="1200">
+          <a:solidFill>
+            <a:schemeClr val="tx1"/>
+          </a:solidFill>
+          <a:latin typeface="+mn-lt"/>
+          <a:ea typeface="+mn-ea"/>
+          <a:cs typeface="+mn-cs"/>
+        </a:defRPr>
+      </a:lvl5pPr>
+      <a:lvl6pPr marL="2514600" indent="-228600" algn="l" defTabSz="914400" rtl="0" eaLnBrk="1" latinLnBrk="0" hangingPunct="1">
+        <a:lnSpc>
+          <a:spcPct val="90000"/>
+        </a:lnSpc>
+        <a:spcBef>
+          <a:spcPts val="500"/>
+        </a:spcBef>
+        <a:buFont typeface="Arial" panose="020B0604020202020204" pitchFamily="34" charset="0"/>
+        <a:buChar char="•"/>
+        <a:defRPr sz="1800" kern="1200">
+          <a:solidFill>
+            <a:schemeClr val="tx1"/>
+          </a:solidFill>
+          <a:latin typeface="+mn-lt"/>
+          <a:ea typeface="+mn-ea"/>
+          <a:cs typeface="+mn-cs"/>
+        </a:defRPr>
+      </a:lvl6pPr>
+      <a:lvl7pPr marL="2971800" indent="-228600" algn="l" defTabSz="914400" rtl="0" eaLnBrk="1" latinLnBrk="0" hangingPunct="1">
+        <a:lnSpc>
+          <a:spcPct val="90000"/>
+        </a:lnSpc>
+        <a:spcBef>
+          <a:spcPts val="500"/>
+        </a:spcBef>
+        <a:buFont typeface="Arial" panose="020B0604020202020204" pitchFamily="34" charset="0"/>
+        <a:buChar char="•"/>
+        <a:defRPr sz="1800" kern="1200">
+          <a:solidFill>
+            <a:schemeClr val="tx1"/>
+          </a:solidFill>
+          <a:latin typeface="+mn-lt"/>
+          <a:ea typeface="+mn-ea"/>
+          <a:cs typeface="+mn-cs"/>
+        </a:defRPr>
+      </a:lvl7pPr>
+      <a:lvl8pPr marL="3429000" indent="-228600" algn="l" defTabSz="914400" rtl="0" eaLnBrk="1" latinLnBrk="0" hangingPunct="1">
+        <a:lnSpc>
+          <a:spcPct val="90000"/>
+        </a:lnSpc>
+        <a:spcBef>
+          <a:spcPts val="500"/>
+        </a:spcBef>
+        <a:buFont typeface="Arial" panose="020B0604020202020204" pitchFamily="34" charset="0"/>
+        <a:buChar char="•"/>
+        <a:defRPr sz="1800" kern="1200">
+          <a:solidFill>
+            <a:schemeClr val="tx1"/>
+          </a:solidFill>
+          <a:latin typeface="+mn-lt"/>
+          <a:ea typeface="+mn-ea"/>
+          <a:cs typeface="+mn-cs"/>
+        </a:defRPr>
+      </a:lvl8pPr>
+      <a:lvl9pPr marL="3886200" indent="-228600" algn="l" defTabSz="914400" rtl="0" eaLnBrk="1" latinLnBrk="0" hangingPunct="1">
+        <a:lnSpc>
+          <a:spcPct val="90000"/>
+        </a:lnSpc>
+        <a:spcBef>
+          <a:spcPts val="500"/>
+        </a:spcBef>
+        <a:buFont typeface="Arial" panose="020B0604020202020204" pitchFamily="34" charset="0"/>
+        <a:buChar char="•"/>
+        <a:defRPr sz="1800" kern="1200">
+          <a:solidFill>
+            <a:schemeClr val="tx1"/>
+          </a:solidFill>
+          <a:latin typeface="+mn-lt"/>
+          <a:ea typeface="+mn-ea"/>
+          <a:cs typeface="+mn-cs"/>
+        </a:defRPr>
+      </a:lvl9pPr>
+    </p:bodyStyle>
+    <p:otherStyle>
+      <a:defPPr>
+        <a:defRPr lang="en-US"/>
+      </a:defPPr>
+      <a:lvl1pPr marL="0" algn="l" defTabSz="914400" rtl="0" eaLnBrk="1" latinLnBrk="0" hangingPunct="1">
+        <a:defRPr sz="1800" kern="1200">
+          <a:solidFill>
+            <a:schemeClr val="tx1"/>
+          </a:solidFill>
+          <a:latin typeface="+mn-lt"/>
+          <a:ea typeface="+mn-ea"/>
+          <a:cs typeface="+mn-cs"/>
+        </a:defRPr>
+      </a:lvl1pPr>
+      <a:lvl2pPr marL="457200" algn="l" defTabSz="914400" rtl="0" eaLnBrk="1" latinLnBrk="0" hangingPunct="1">
+        <a:defRPr sz="1800" kern="1200">
+          <a:solidFill>
+            <a:schemeClr val="tx1"/>
+          </a:solidFill>
+          <a:latin typeface="+mn-lt"/>
+          <a:ea typeface="+mn-ea"/>
+          <a:cs typeface="+mn-cs"/>
+        </a:defRPr>
+      </a:lvl2pPr>
+      <a:lvl3pPr marL="914400" algn="l" defTabSz="914400" rtl="0" eaLnBrk="1" latinLnBrk="0" hangingPunct="1">
+        <a:defRPr sz="1800" kern="1200">
+          <a:solidFill>
+            <a:schemeClr val="tx1"/>
+          </a:solidFill>
+          <a:latin typeface="+mn-lt"/>
+          <a:ea typeface="+mn-ea"/>
+          <a:cs typeface="+mn-cs"/>
+        </a:defRPr>
+      </a:lvl3pPr>
+      <a:lvl4pPr marL="1371600" algn="l" defTabSz="914400" rtl="0" eaLnBrk="1" latinLnBrk="0" hangingPunct="1">
+        <a:defRPr sz="1800" kern="1200">
+          <a:solidFill>
+            <a:schemeClr val="tx1"/>
+          </a:solidFill>
+          <a:latin typeface="+mn-lt"/>
+          <a:ea typeface="+mn-ea"/>
+          <a:cs typeface="+mn-cs"/>
+        </a:defRPr>
+      </a:lvl4pPr>
+      <a:lvl5pPr marL="1828800" algn="l" defTabSz="914400" rtl="0" eaLnBrk="1" latinLnBrk="0" hangingPunct="1">
+        <a:defRPr sz="1800" kern="1200">
+          <a:solidFill>
+            <a:schemeClr val="tx1"/>
+          </a:solidFill>
+          <a:latin typeface="+mn-lt"/>
+          <a:ea typeface="+mn-ea"/>
+          <a:cs typeface="+mn-cs"/>
+        </a:defRPr>
+      </a:lvl5pPr>
+      <a:lvl6pPr marL="2286000" algn="l" defTabSz="914400" rtl="0" eaLnBrk="1" latinLnBrk="0" hangingPunct="1">
+        <a:defRPr sz="1800" kern="1200">
+          <a:solidFill>
+            <a:schemeClr val="tx1"/>
+          </a:solidFill>
+          <a:latin typeface="+mn-lt"/>
+          <a:ea typeface="+mn-ea"/>
+          <a:cs typeface="+mn-cs"/>
+        </a:defRPr>
+      </a:lvl6pPr>
+      <a:lvl7pPr marL="2743200" algn="l" defTabSz="914400" rtl="0" eaLnBrk="1" latinLnBrk="0" hangingPunct="1">
+        <a:defRPr sz="1800" kern="1200">
+          <a:solidFill>
+            <a:schemeClr val="tx1"/>
+          </a:solidFill>
+          <a:latin typeface="+mn-lt"/>
+          <a:ea typeface="+mn-ea"/>
+          <a:cs typeface="+mn-cs"/>
+        </a:defRPr>
+      </a:lvl7pPr>
+      <a:lvl8pPr marL="3200400" algn="l" defTabSz="914400" rtl="0" eaLnBrk="1" latinLnBrk="0" hangingPunct="1">
+        <a:defRPr sz="1800" kern="1200">
+          <a:solidFill>
+            <a:schemeClr val="tx1"/>
+          </a:solidFill>
+          <a:latin typeface="+mn-lt"/>
+          <a:ea typeface="+mn-ea"/>
+          <a:cs typeface="+mn-cs"/>
+        </a:defRPr>
+      </a:lvl8pPr>
+      <a:lvl9pPr marL="3657600" algn="l" defTabSz="914400" rtl="0" eaLnBrk="1" latinLnBrk="0" hangingPunct="1">
+        <a:defRPr sz="1800" kern="1200">
+          <a:solidFill>
+            <a:schemeClr val="tx1"/>
+          </a:solidFill>
+          <a:latin typeface="+mn-lt"/>
+          <a:ea typeface="+mn-ea"/>
+          <a:cs typeface="+mn-cs"/>
+        </a:defRPr>
+      </a:lvl9pPr>
+    </p:otherStyle>
+  </p:txStyles>
+</p:sldMaster>
+</file>
+
 <file path=ppt/slides/slide1.xml><?xml version="1.0" encoding="utf-8"?>
 <p:sld xmlns:a="http://schemas.openxmlformats.org/drawingml/2006/main" xmlns:r="http://schemas.openxmlformats.org/officeDocument/2006/relationships" xmlns:p="http://schemas.openxmlformats.org/presentationml/2006/main">
   <p:cSld>
@@ -9548,176 +10701,10 @@
           <a:chExt cx="0" cy="0"/>
         </a:xfrm>
       </p:grpSpPr>
-      <p:sp>
-        <p:nvSpPr>
-          <p:cNvPr id="2" name="Title 1">
-            <a:extLst>
-              <a:ext uri="{FF2B5EF4-FFF2-40B4-BE49-F238E27FC236}">
-                <a16:creationId xmlns:a16="http://schemas.microsoft.com/office/drawing/2014/main" id="{3A9EEC31-E066-4E62-BAAB-C170893FFE25}"/>
-              </a:ext>
-            </a:extLst>
-          </p:cNvPr>
-          <p:cNvSpPr>
-            <a:spLocks noGrp="1"/>
-          </p:cNvSpPr>
-          <p:nvPr>
-            <p:ph type="title"/>
-          </p:nvPr>
-        </p:nvSpPr>
-        <p:spPr>
-          <a:xfrm>
-            <a:off x="677334" y="4800600"/>
-            <a:ext cx="9092308" cy="819150"/>
-          </a:xfrm>
-        </p:spPr>
-        <p:txBody>
-          <a:bodyPr anchor="b">
-            <a:normAutofit fontScale="90000"/>
-          </a:bodyPr>
-          <a:lstStyle/>
-          <a:p>
-            <a:r>
-              <a:rPr lang="en-US" dirty="0"/>
-              <a:t>My romantic relation with </a:t>
-            </a:r>
-            <a:r>
-              <a:rPr lang="en-US" dirty="0" err="1"/>
-              <a:t>Powershell</a:t>
-            </a:r>
-            <a:r>
-              <a:rPr lang="en-US" dirty="0"/>
-              <a:t> generally and </a:t>
-            </a:r>
-            <a:r>
-              <a:rPr lang="en-US" dirty="0" err="1"/>
-              <a:t>DBATools</a:t>
-            </a:r>
-            <a:r>
-              <a:rPr lang="en-US" dirty="0"/>
-              <a:t> especially</a:t>
-            </a:r>
-          </a:p>
-        </p:txBody>
-      </p:sp>
-      <p:pic>
-        <p:nvPicPr>
-          <p:cNvPr id="5" name="Picture 4" descr="A picture containing person, looking, cellphone, phone&#10;&#10;Description automatically generated">
-            <a:extLst>
-              <a:ext uri="{FF2B5EF4-FFF2-40B4-BE49-F238E27FC236}">
-                <a16:creationId xmlns:a16="http://schemas.microsoft.com/office/drawing/2014/main" id="{099A75BC-ED83-4232-8CE1-447DBDA9BC2E}"/>
-              </a:ext>
-            </a:extLst>
-          </p:cNvPr>
-          <p:cNvPicPr>
-            <a:picLocks noChangeAspect="1"/>
-          </p:cNvPicPr>
-          <p:nvPr/>
-        </p:nvPicPr>
-        <p:blipFill rotWithShape="1">
-          <a:blip r:embed="rId2"/>
-          <a:srcRect t="14148" r="2" b="39009"/>
-          <a:stretch/>
-        </p:blipFill>
-        <p:spPr>
-          <a:xfrm>
-            <a:off x="677334" y="609600"/>
-            <a:ext cx="8596668" cy="3845718"/>
-          </a:xfrm>
-          <a:prstGeom prst="rect">
-            <a:avLst/>
-          </a:prstGeom>
-          <a:noFill/>
-        </p:spPr>
-      </p:pic>
-      <p:sp>
-        <p:nvSpPr>
-          <p:cNvPr id="3" name="Subtitle 2">
-            <a:extLst>
-              <a:ext uri="{FF2B5EF4-FFF2-40B4-BE49-F238E27FC236}">
-                <a16:creationId xmlns:a16="http://schemas.microsoft.com/office/drawing/2014/main" id="{FB9B0E28-205D-4B8D-B72F-75D77CF2161D}"/>
-              </a:ext>
-            </a:extLst>
-          </p:cNvPr>
-          <p:cNvSpPr>
-            <a:spLocks noGrp="1"/>
-          </p:cNvSpPr>
-          <p:nvPr>
-            <p:ph type="body" sz="half" idx="2"/>
-          </p:nvPr>
-        </p:nvSpPr>
-        <p:spPr>
-          <a:xfrm>
-            <a:off x="677333" y="5712620"/>
-            <a:ext cx="8596667" cy="674024"/>
-          </a:xfrm>
-        </p:spPr>
-        <p:txBody>
-          <a:bodyPr>
-            <a:normAutofit/>
-          </a:bodyPr>
-          <a:lstStyle/>
-          <a:p>
-            <a:r>
-              <a:rPr lang="en-US" dirty="0"/>
-              <a:t>Magnus Ahlkvist | @</a:t>
-            </a:r>
-            <a:r>
-              <a:rPr lang="en-US" dirty="0" err="1"/>
-              <a:t>Transmokopter</a:t>
-            </a:r>
-            <a:r>
-              <a:rPr lang="en-US" dirty="0"/>
-              <a:t> | </a:t>
-            </a:r>
-            <a:r>
-              <a:rPr lang="en-US" dirty="0">
-                <a:hlinkClick r:id="rId3"/>
-              </a:rPr>
-              <a:t>magnus@tsql.nu</a:t>
-            </a:r>
-            <a:r>
-              <a:rPr lang="en-US" dirty="0"/>
-              <a:t> | </a:t>
-            </a:r>
-            <a:r>
-              <a:rPr lang="en-US" dirty="0">
-                <a:hlinkClick r:id="rId4"/>
-              </a:rPr>
-              <a:t>www.tsql.nu</a:t>
-            </a:r>
-            <a:r>
-              <a:rPr lang="en-US" dirty="0"/>
-              <a:t> | github.com/</a:t>
-            </a:r>
-            <a:r>
-              <a:rPr lang="en-US" dirty="0" err="1"/>
-              <a:t>transmokopter</a:t>
-            </a:r>
-            <a:r>
-              <a:rPr lang="en-US" dirty="0"/>
-              <a:t>/Presentations</a:t>
-            </a:r>
-          </a:p>
-          <a:p>
-            <a:r>
-              <a:rPr lang="en-US" dirty="0"/>
-              <a:t>Presenting for QCPASS April 15</a:t>
-            </a:r>
-            <a:r>
-              <a:rPr lang="en-US" baseline="30000" dirty="0"/>
-              <a:t>th</a:t>
-            </a:r>
-            <a:r>
-              <a:rPr lang="en-US" dirty="0"/>
-              <a:t> 2020.</a:t>
-            </a:r>
-          </a:p>
-        </p:txBody>
-      </p:sp>
     </p:spTree>
     <p:extLst>
       <p:ext uri="{BB962C8B-B14F-4D97-AF65-F5344CB8AC3E}">
-        <p14:creationId xmlns:p14="http://schemas.microsoft.com/office/powerpoint/2010/main" val="1847188119"/>
+        <p14:creationId xmlns:p14="http://schemas.microsoft.com/office/powerpoint/2010/main" val="3926567138"/>
       </p:ext>
     </p:extLst>
   </p:cSld>
@@ -9746,10 +10733,10 @@
       </p:grpSpPr>
       <p:sp>
         <p:nvSpPr>
-          <p:cNvPr id="4" name="Rubrik 3">
+          <p:cNvPr id="2" name="Rubrik 1">
             <a:extLst>
               <a:ext uri="{FF2B5EF4-FFF2-40B4-BE49-F238E27FC236}">
-                <a16:creationId xmlns:a16="http://schemas.microsoft.com/office/drawing/2014/main" id="{B815B6F0-441C-4C91-AB08-6E805A1963BC}"/>
+                <a16:creationId xmlns:a16="http://schemas.microsoft.com/office/drawing/2014/main" id="{B27421CA-D06E-432D-BBB0-72002BD27D88}"/>
               </a:ext>
             </a:extLst>
           </p:cNvPr>
@@ -9757,7 +10744,7 @@
             <a:spLocks noGrp="1"/>
           </p:cNvSpPr>
           <p:nvPr>
-            <p:ph type="ctrTitle"/>
+            <p:ph type="title"/>
           </p:nvPr>
         </p:nvSpPr>
         <p:spPr/>
@@ -9767,22 +10754,164 @@
           <a:p>
             <a:r>
               <a:rPr lang="sv-SE" dirty="0"/>
-              <a:t>DBATOOLS</a:t>
-            </a:r>
-            <a:br>
+              <a:t>What is </a:t>
+            </a:r>
+            <a:r>
+              <a:rPr lang="sv-SE" dirty="0" err="1"/>
+              <a:t>DBATools</a:t>
+            </a:r>
+            <a:endParaRPr lang="sv-SE" dirty="0"/>
+          </a:p>
+        </p:txBody>
+      </p:sp>
+      <p:sp>
+        <p:nvSpPr>
+          <p:cNvPr id="3" name="Platshållare för innehåll 2">
+            <a:extLst>
+              <a:ext uri="{FF2B5EF4-FFF2-40B4-BE49-F238E27FC236}">
+                <a16:creationId xmlns:a16="http://schemas.microsoft.com/office/drawing/2014/main" id="{E0DC4934-1C7B-4A0E-8FD1-E96F78641DBF}"/>
+              </a:ext>
+            </a:extLst>
+          </p:cNvPr>
+          <p:cNvSpPr>
+            <a:spLocks noGrp="1"/>
+          </p:cNvSpPr>
+          <p:nvPr>
+            <p:ph idx="1"/>
+          </p:nvPr>
+        </p:nvSpPr>
+        <p:spPr/>
+        <p:txBody>
+          <a:bodyPr/>
+          <a:lstStyle/>
+          <a:p>
+            <a:r>
               <a:rPr lang="sv-SE" dirty="0"/>
-            </a:br>
+              <a:t>Powershell </a:t>
+            </a:r>
+            <a:r>
+              <a:rPr lang="sv-SE" dirty="0" err="1"/>
+              <a:t>module</a:t>
+            </a:r>
+            <a:endParaRPr lang="sv-SE" dirty="0"/>
+          </a:p>
+          <a:p>
+            <a:r>
+              <a:rPr lang="sv-SE" dirty="0" err="1"/>
+              <a:t>Available</a:t>
+            </a:r>
             <a:r>
               <a:rPr lang="sv-SE" dirty="0"/>
-              <a:t>Demo</a:t>
-            </a:r>
+              <a:t> on </a:t>
+            </a:r>
+            <a:r>
+              <a:rPr lang="sv-SE" dirty="0" err="1"/>
+              <a:t>PowershellGallery</a:t>
+            </a:r>
+            <a:endParaRPr lang="sv-SE" dirty="0"/>
+          </a:p>
+          <a:p>
+            <a:r>
+              <a:rPr lang="sv-SE" dirty="0" err="1"/>
+              <a:t>Command</a:t>
+            </a:r>
+            <a:r>
+              <a:rPr lang="sv-SE" dirty="0"/>
+              <a:t> </a:t>
+            </a:r>
+            <a:r>
+              <a:rPr lang="sv-SE" dirty="0" err="1"/>
+              <a:t>reference</a:t>
+            </a:r>
+            <a:r>
+              <a:rPr lang="sv-SE" dirty="0"/>
+              <a:t> on dbatools.io/</a:t>
+            </a:r>
+            <a:r>
+              <a:rPr lang="sv-SE" dirty="0" err="1"/>
+              <a:t>commands</a:t>
+            </a:r>
+            <a:endParaRPr lang="sv-SE" dirty="0"/>
+          </a:p>
+          <a:p>
+            <a:r>
+              <a:rPr lang="sv-SE" dirty="0"/>
+              <a:t>Community driven</a:t>
+            </a:r>
+          </a:p>
+          <a:p>
+            <a:pPr lvl="1"/>
+            <a:r>
+              <a:rPr lang="sv-SE" dirty="0"/>
+              <a:t>Use it</a:t>
+            </a:r>
+          </a:p>
+          <a:p>
+            <a:pPr lvl="1"/>
+            <a:r>
+              <a:rPr lang="sv-SE" dirty="0" err="1"/>
+              <a:t>Contribute</a:t>
+            </a:r>
+            <a:endParaRPr lang="sv-SE" dirty="0"/>
+          </a:p>
+          <a:p>
+            <a:pPr lvl="2"/>
+            <a:r>
+              <a:rPr lang="sv-SE" dirty="0" err="1"/>
+              <a:t>Write</a:t>
+            </a:r>
+            <a:r>
+              <a:rPr lang="sv-SE" dirty="0"/>
+              <a:t> code</a:t>
+            </a:r>
+          </a:p>
+          <a:p>
+            <a:pPr lvl="2"/>
+            <a:r>
+              <a:rPr lang="sv-SE" dirty="0" err="1"/>
+              <a:t>Report</a:t>
+            </a:r>
+            <a:r>
+              <a:rPr lang="sv-SE" dirty="0"/>
+              <a:t> </a:t>
+            </a:r>
+            <a:r>
+              <a:rPr lang="sv-SE" dirty="0" err="1"/>
+              <a:t>bugs</a:t>
+            </a:r>
+            <a:endParaRPr lang="sv-SE" dirty="0"/>
+          </a:p>
+          <a:p>
+            <a:pPr lvl="2"/>
+            <a:r>
+              <a:rPr lang="sv-SE" dirty="0" err="1"/>
+              <a:t>Suggest</a:t>
+            </a:r>
+            <a:r>
+              <a:rPr lang="sv-SE" dirty="0"/>
+              <a:t> features</a:t>
+            </a:r>
+          </a:p>
+          <a:p>
+            <a:pPr lvl="1"/>
+            <a:r>
+              <a:rPr lang="sv-SE" dirty="0" err="1"/>
+              <a:t>Donate</a:t>
+            </a:r>
+            <a:r>
+              <a:rPr lang="sv-SE" dirty="0"/>
+              <a:t> $$$</a:t>
+            </a:r>
+          </a:p>
+          <a:p>
+            <a:endParaRPr lang="sv-SE" dirty="0"/>
           </a:p>
         </p:txBody>
       </p:sp>
     </p:spTree>
     <p:extLst>
       <p:ext uri="{BB962C8B-B14F-4D97-AF65-F5344CB8AC3E}">
-        <p14:creationId xmlns:p14="http://schemas.microsoft.com/office/powerpoint/2010/main" val="3934740375"/>
+        <p14:creationId xmlns:p14="http://schemas.microsoft.com/office/powerpoint/2010/main" val="290540475"/>
       </p:ext>
     </p:extLst>
   </p:cSld>
@@ -9811,10 +10940,10 @@
       </p:grpSpPr>
       <p:sp>
         <p:nvSpPr>
-          <p:cNvPr id="2" name="Rubrik 1">
+          <p:cNvPr id="4" name="Rubrik 3">
             <a:extLst>
               <a:ext uri="{FF2B5EF4-FFF2-40B4-BE49-F238E27FC236}">
-                <a16:creationId xmlns:a16="http://schemas.microsoft.com/office/drawing/2014/main" id="{86A8366E-4779-4EC4-BFA4-CB7796ECEBDD}"/>
+                <a16:creationId xmlns:a16="http://schemas.microsoft.com/office/drawing/2014/main" id="{B815B6F0-441C-4C91-AB08-6E805A1963BC}"/>
               </a:ext>
             </a:extLst>
           </p:cNvPr>
@@ -9822,7 +10951,7 @@
             <a:spLocks noGrp="1"/>
           </p:cNvSpPr>
           <p:nvPr>
-            <p:ph type="title"/>
+            <p:ph type="ctrTitle"/>
           </p:nvPr>
         </p:nvSpPr>
         <p:spPr/>
@@ -9831,142 +10960,23 @@
           <a:lstStyle/>
           <a:p>
             <a:r>
-              <a:rPr lang="sv-SE" dirty="0" err="1"/>
-              <a:t>Lets’s</a:t>
-            </a:r>
-            <a:r>
               <a:rPr lang="sv-SE" dirty="0"/>
-              <a:t> get down to business</a:t>
-            </a:r>
-          </a:p>
-        </p:txBody>
-      </p:sp>
-      <p:sp>
-        <p:nvSpPr>
-          <p:cNvPr id="3" name="Platshållare för innehåll 2">
-            <a:extLst>
-              <a:ext uri="{FF2B5EF4-FFF2-40B4-BE49-F238E27FC236}">
-                <a16:creationId xmlns:a16="http://schemas.microsoft.com/office/drawing/2014/main" id="{E517467D-E6D8-4E68-88BB-BA3E6E56E956}"/>
-              </a:ext>
-            </a:extLst>
-          </p:cNvPr>
-          <p:cNvSpPr>
-            <a:spLocks noGrp="1"/>
-          </p:cNvSpPr>
-          <p:nvPr>
-            <p:ph idx="1"/>
-          </p:nvPr>
-        </p:nvSpPr>
-        <p:spPr/>
-        <p:txBody>
-          <a:bodyPr/>
-          <a:lstStyle/>
-          <a:p>
-            <a:r>
+              <a:t>DBATOOLS</a:t>
+            </a:r>
+            <a:br>
               <a:rPr lang="sv-SE" dirty="0"/>
-              <a:t>Setup servers for </a:t>
-            </a:r>
-            <a:r>
-              <a:rPr lang="sv-SE" dirty="0" err="1"/>
-              <a:t>backing</a:t>
-            </a:r>
+            </a:br>
             <a:r>
               <a:rPr lang="sv-SE" dirty="0"/>
-              <a:t> up to and </a:t>
-            </a:r>
-            <a:r>
-              <a:rPr lang="sv-SE" dirty="0" err="1"/>
-              <a:t>restoring</a:t>
-            </a:r>
-            <a:r>
-              <a:rPr lang="sv-SE" dirty="0"/>
-              <a:t> from </a:t>
-            </a:r>
-            <a:r>
-              <a:rPr lang="sv-SE" dirty="0" err="1"/>
-              <a:t>Azure</a:t>
-            </a:r>
-            <a:r>
-              <a:rPr lang="sv-SE" dirty="0"/>
-              <a:t> </a:t>
-            </a:r>
-            <a:r>
-              <a:rPr lang="sv-SE" dirty="0" err="1"/>
-              <a:t>blob</a:t>
-            </a:r>
-            <a:r>
-              <a:rPr lang="sv-SE" dirty="0"/>
-              <a:t> storage</a:t>
-            </a:r>
-          </a:p>
-          <a:p>
-            <a:r>
-              <a:rPr lang="sv-SE" dirty="0"/>
-              <a:t>Install a new SQL Server </a:t>
-            </a:r>
-            <a:r>
-              <a:rPr lang="sv-SE" dirty="0" err="1"/>
-              <a:t>instance</a:t>
-            </a:r>
-            <a:endParaRPr lang="sv-SE" dirty="0"/>
-          </a:p>
-          <a:p>
-            <a:r>
-              <a:rPr lang="sv-SE" dirty="0" err="1"/>
-              <a:t>Automate</a:t>
-            </a:r>
-            <a:r>
-              <a:rPr lang="sv-SE" dirty="0"/>
-              <a:t> </a:t>
-            </a:r>
-            <a:r>
-              <a:rPr lang="sv-SE" dirty="0" err="1"/>
-              <a:t>patching</a:t>
-            </a:r>
-            <a:r>
-              <a:rPr lang="sv-SE" dirty="0"/>
-              <a:t> </a:t>
-            </a:r>
-            <a:r>
-              <a:rPr lang="sv-SE" dirty="0" err="1"/>
-              <a:t>of</a:t>
-            </a:r>
-            <a:r>
-              <a:rPr lang="sv-SE" dirty="0"/>
-              <a:t> SQL Server</a:t>
-            </a:r>
-          </a:p>
-          <a:p>
-            <a:r>
-              <a:rPr lang="sv-SE" dirty="0"/>
-              <a:t>Log shipping when </a:t>
-            </a:r>
-            <a:r>
-              <a:rPr lang="sv-SE" dirty="0" err="1"/>
-              <a:t>there’s</a:t>
-            </a:r>
-            <a:r>
-              <a:rPr lang="sv-SE" dirty="0"/>
-              <a:t> no common </a:t>
-            </a:r>
-            <a:r>
-              <a:rPr lang="sv-SE" dirty="0" err="1"/>
-              <a:t>file</a:t>
-            </a:r>
-            <a:r>
-              <a:rPr lang="sv-SE" dirty="0"/>
-              <a:t> share</a:t>
-            </a:r>
-          </a:p>
-          <a:p>
-            <a:endParaRPr lang="sv-SE" dirty="0"/>
+              <a:t>First demo</a:t>
+            </a:r>
           </a:p>
         </p:txBody>
       </p:sp>
     </p:spTree>
     <p:extLst>
       <p:ext uri="{BB962C8B-B14F-4D97-AF65-F5344CB8AC3E}">
-        <p14:creationId xmlns:p14="http://schemas.microsoft.com/office/powerpoint/2010/main" val="45941783"/>
+        <p14:creationId xmlns:p14="http://schemas.microsoft.com/office/powerpoint/2010/main" val="3934740375"/>
       </p:ext>
     </p:extLst>
   </p:cSld>
@@ -9995,6 +11005,186 @@
       </p:grpSpPr>
       <p:sp>
         <p:nvSpPr>
+          <p:cNvPr id="2" name="Rubrik 1">
+            <a:extLst>
+              <a:ext uri="{FF2B5EF4-FFF2-40B4-BE49-F238E27FC236}">
+                <a16:creationId xmlns:a16="http://schemas.microsoft.com/office/drawing/2014/main" id="{86A8366E-4779-4EC4-BFA4-CB7796ECEBDD}"/>
+              </a:ext>
+            </a:extLst>
+          </p:cNvPr>
+          <p:cNvSpPr>
+            <a:spLocks noGrp="1"/>
+          </p:cNvSpPr>
+          <p:nvPr>
+            <p:ph type="title"/>
+          </p:nvPr>
+        </p:nvSpPr>
+        <p:spPr/>
+        <p:txBody>
+          <a:bodyPr/>
+          <a:lstStyle/>
+          <a:p>
+            <a:r>
+              <a:rPr lang="sv-SE" dirty="0" err="1"/>
+              <a:t>Lets’s</a:t>
+            </a:r>
+            <a:r>
+              <a:rPr lang="sv-SE" dirty="0"/>
+              <a:t> get down to business</a:t>
+            </a:r>
+          </a:p>
+        </p:txBody>
+      </p:sp>
+      <p:sp>
+        <p:nvSpPr>
+          <p:cNvPr id="3" name="Platshållare för innehåll 2">
+            <a:extLst>
+              <a:ext uri="{FF2B5EF4-FFF2-40B4-BE49-F238E27FC236}">
+                <a16:creationId xmlns:a16="http://schemas.microsoft.com/office/drawing/2014/main" id="{E517467D-E6D8-4E68-88BB-BA3E6E56E956}"/>
+              </a:ext>
+            </a:extLst>
+          </p:cNvPr>
+          <p:cNvSpPr>
+            <a:spLocks noGrp="1"/>
+          </p:cNvSpPr>
+          <p:nvPr>
+            <p:ph idx="1"/>
+          </p:nvPr>
+        </p:nvSpPr>
+        <p:spPr/>
+        <p:txBody>
+          <a:bodyPr/>
+          <a:lstStyle/>
+          <a:p>
+            <a:r>
+              <a:rPr lang="sv-SE" dirty="0"/>
+              <a:t>Setup servers for </a:t>
+            </a:r>
+            <a:r>
+              <a:rPr lang="sv-SE" dirty="0" err="1"/>
+              <a:t>backing</a:t>
+            </a:r>
+            <a:r>
+              <a:rPr lang="sv-SE" dirty="0"/>
+              <a:t> up to and </a:t>
+            </a:r>
+            <a:r>
+              <a:rPr lang="sv-SE" dirty="0" err="1"/>
+              <a:t>restoring</a:t>
+            </a:r>
+            <a:r>
+              <a:rPr lang="sv-SE" dirty="0"/>
+              <a:t> from </a:t>
+            </a:r>
+            <a:r>
+              <a:rPr lang="sv-SE" dirty="0" err="1"/>
+              <a:t>Azure</a:t>
+            </a:r>
+            <a:r>
+              <a:rPr lang="sv-SE" dirty="0"/>
+              <a:t> </a:t>
+            </a:r>
+            <a:r>
+              <a:rPr lang="sv-SE" dirty="0" err="1"/>
+              <a:t>blob</a:t>
+            </a:r>
+            <a:r>
+              <a:rPr lang="sv-SE" dirty="0"/>
+              <a:t> storage</a:t>
+            </a:r>
+          </a:p>
+          <a:p>
+            <a:r>
+              <a:rPr lang="sv-SE" dirty="0"/>
+              <a:t>Install a new SQL Server </a:t>
+            </a:r>
+            <a:r>
+              <a:rPr lang="sv-SE" dirty="0" err="1"/>
+              <a:t>instance</a:t>
+            </a:r>
+            <a:endParaRPr lang="sv-SE" dirty="0"/>
+          </a:p>
+          <a:p>
+            <a:r>
+              <a:rPr lang="sv-SE" dirty="0" err="1"/>
+              <a:t>Automate</a:t>
+            </a:r>
+            <a:r>
+              <a:rPr lang="sv-SE" dirty="0"/>
+              <a:t> </a:t>
+            </a:r>
+            <a:r>
+              <a:rPr lang="sv-SE" dirty="0" err="1"/>
+              <a:t>patching</a:t>
+            </a:r>
+            <a:r>
+              <a:rPr lang="sv-SE" dirty="0"/>
+              <a:t> </a:t>
+            </a:r>
+            <a:r>
+              <a:rPr lang="sv-SE" dirty="0" err="1"/>
+              <a:t>of</a:t>
+            </a:r>
+            <a:r>
+              <a:rPr lang="sv-SE" dirty="0"/>
+              <a:t> SQL Server</a:t>
+            </a:r>
+          </a:p>
+          <a:p>
+            <a:r>
+              <a:rPr lang="sv-SE" dirty="0" err="1"/>
+              <a:t>Migrate</a:t>
+            </a:r>
+            <a:r>
+              <a:rPr lang="sv-SE" dirty="0"/>
+              <a:t> logins and </a:t>
+            </a:r>
+            <a:r>
+              <a:rPr lang="sv-SE" dirty="0" err="1"/>
+              <a:t>jobs</a:t>
+            </a:r>
+            <a:r>
+              <a:rPr lang="sv-SE" dirty="0"/>
+              <a:t>, setup log shipping</a:t>
+            </a:r>
+          </a:p>
+          <a:p>
+            <a:endParaRPr lang="sv-SE" dirty="0"/>
+          </a:p>
+        </p:txBody>
+      </p:sp>
+    </p:spTree>
+    <p:extLst>
+      <p:ext uri="{BB962C8B-B14F-4D97-AF65-F5344CB8AC3E}">
+        <p14:creationId xmlns:p14="http://schemas.microsoft.com/office/powerpoint/2010/main" val="45941783"/>
+      </p:ext>
+    </p:extLst>
+  </p:cSld>
+  <p:clrMapOvr>
+    <a:masterClrMapping/>
+  </p:clrMapOvr>
+</p:sld>
+</file>
+
+<file path=ppt/slides/slide13.xml><?xml version="1.0" encoding="utf-8"?>
+<p:sld xmlns:a="http://schemas.openxmlformats.org/drawingml/2006/main" xmlns:r="http://schemas.openxmlformats.org/officeDocument/2006/relationships" xmlns:p="http://schemas.openxmlformats.org/presentationml/2006/main">
+  <p:cSld>
+    <p:spTree>
+      <p:nvGrpSpPr>
+        <p:cNvPr id="1" name=""/>
+        <p:cNvGrpSpPr/>
+        <p:nvPr/>
+      </p:nvGrpSpPr>
+      <p:grpSpPr>
+        <a:xfrm>
+          <a:off x="0" y="0"/>
+          <a:ext cx="0" cy="0"/>
+          <a:chOff x="0" y="0"/>
+          <a:chExt cx="0" cy="0"/>
+        </a:xfrm>
+      </p:grpSpPr>
+      <p:sp>
+        <p:nvSpPr>
           <p:cNvPr id="4" name="Rubrik 3">
             <a:extLst>
               <a:ext uri="{FF2B5EF4-FFF2-40B4-BE49-F238E27FC236}">
@@ -10032,6 +11222,233 @@
     <p:extLst>
       <p:ext uri="{BB962C8B-B14F-4D97-AF65-F5344CB8AC3E}">
         <p14:creationId xmlns:p14="http://schemas.microsoft.com/office/powerpoint/2010/main" val="4103121024"/>
+      </p:ext>
+    </p:extLst>
+  </p:cSld>
+  <p:clrMapOvr>
+    <a:masterClrMapping/>
+  </p:clrMapOvr>
+</p:sld>
+</file>
+
+<file path=ppt/slides/slide14.xml><?xml version="1.0" encoding="utf-8"?>
+<p:sld xmlns:a="http://schemas.openxmlformats.org/drawingml/2006/main" xmlns:r="http://schemas.openxmlformats.org/officeDocument/2006/relationships" xmlns:p="http://schemas.openxmlformats.org/presentationml/2006/main">
+  <p:cSld>
+    <p:spTree>
+      <p:nvGrpSpPr>
+        <p:cNvPr id="1" name=""/>
+        <p:cNvGrpSpPr/>
+        <p:nvPr/>
+      </p:nvGrpSpPr>
+      <p:grpSpPr>
+        <a:xfrm>
+          <a:off x="0" y="0"/>
+          <a:ext cx="0" cy="0"/>
+          <a:chOff x="0" y="0"/>
+          <a:chExt cx="0" cy="0"/>
+        </a:xfrm>
+      </p:grpSpPr>
+      <p:sp>
+        <p:nvSpPr>
+          <p:cNvPr id="2" name="Rubrik 1">
+            <a:extLst>
+              <a:ext uri="{FF2B5EF4-FFF2-40B4-BE49-F238E27FC236}">
+                <a16:creationId xmlns:a16="http://schemas.microsoft.com/office/drawing/2014/main" id="{B3805D9D-DD4A-4670-8E58-996171E39FD1}"/>
+              </a:ext>
+            </a:extLst>
+          </p:cNvPr>
+          <p:cNvSpPr>
+            <a:spLocks noGrp="1"/>
+          </p:cNvSpPr>
+          <p:nvPr>
+            <p:ph type="title"/>
+          </p:nvPr>
+        </p:nvSpPr>
+        <p:spPr/>
+        <p:txBody>
+          <a:bodyPr/>
+          <a:lstStyle/>
+          <a:p>
+            <a:r>
+              <a:rPr lang="sv-SE" dirty="0" err="1"/>
+              <a:t>Famous</a:t>
+            </a:r>
+            <a:r>
+              <a:rPr lang="sv-SE" dirty="0"/>
+              <a:t> last </a:t>
+            </a:r>
+            <a:r>
+              <a:rPr lang="sv-SE" dirty="0" err="1"/>
+              <a:t>words</a:t>
+            </a:r>
+            <a:endParaRPr lang="sv-SE" dirty="0"/>
+          </a:p>
+        </p:txBody>
+      </p:sp>
+      <p:sp>
+        <p:nvSpPr>
+          <p:cNvPr id="3" name="Platshållare för innehåll 2">
+            <a:extLst>
+              <a:ext uri="{FF2B5EF4-FFF2-40B4-BE49-F238E27FC236}">
+                <a16:creationId xmlns:a16="http://schemas.microsoft.com/office/drawing/2014/main" id="{281A2D6A-F5C1-4733-9185-7D4F9AAFCC4F}"/>
+              </a:ext>
+            </a:extLst>
+          </p:cNvPr>
+          <p:cNvSpPr>
+            <a:spLocks noGrp="1"/>
+          </p:cNvSpPr>
+          <p:nvPr>
+            <p:ph idx="1"/>
+          </p:nvPr>
+        </p:nvSpPr>
+        <p:spPr/>
+        <p:txBody>
+          <a:bodyPr/>
+          <a:lstStyle/>
+          <a:p>
+            <a:pPr marL="0" indent="0">
+              <a:buNone/>
+            </a:pPr>
+            <a:r>
+              <a:rPr lang="sv-SE" dirty="0" err="1"/>
+              <a:t>Thank</a:t>
+            </a:r>
+            <a:r>
+              <a:rPr lang="sv-SE" dirty="0"/>
+              <a:t> you GroupBy!</a:t>
+            </a:r>
+          </a:p>
+          <a:p>
+            <a:pPr marL="0" indent="0">
+              <a:buNone/>
+            </a:pPr>
+            <a:endParaRPr lang="sv-SE" dirty="0"/>
+          </a:p>
+          <a:p>
+            <a:pPr marL="0" indent="0">
+              <a:buNone/>
+            </a:pPr>
+            <a:r>
+              <a:rPr lang="sv-SE" dirty="0"/>
+              <a:t>❤❤❤❤❤❤❤</a:t>
+            </a:r>
+            <a:r>
+              <a:rPr lang="sv-SE" dirty="0" err="1"/>
+              <a:t>Thank</a:t>
+            </a:r>
+            <a:r>
+              <a:rPr lang="sv-SE" dirty="0"/>
+              <a:t> you </a:t>
+            </a:r>
+            <a:r>
+              <a:rPr lang="sv-SE" dirty="0" err="1"/>
+              <a:t>contributors</a:t>
+            </a:r>
+            <a:r>
+              <a:rPr lang="sv-SE" dirty="0"/>
+              <a:t> </a:t>
+            </a:r>
+            <a:r>
+              <a:rPr lang="sv-SE" dirty="0" err="1"/>
+              <a:t>of</a:t>
+            </a:r>
+            <a:r>
+              <a:rPr lang="sv-SE" dirty="0"/>
+              <a:t> </a:t>
+            </a:r>
+            <a:r>
+              <a:rPr lang="sv-SE" dirty="0" err="1"/>
+              <a:t>DBATools</a:t>
+            </a:r>
+            <a:r>
+              <a:rPr lang="sv-SE" dirty="0"/>
+              <a:t> ❤❤❤❤❤❤❤</a:t>
+            </a:r>
+          </a:p>
+          <a:p>
+            <a:pPr marL="0" indent="0">
+              <a:buNone/>
+            </a:pPr>
+            <a:endParaRPr lang="sv-SE" dirty="0"/>
+          </a:p>
+          <a:p>
+            <a:pPr marL="0" indent="0">
+              <a:buNone/>
+            </a:pPr>
+            <a:r>
+              <a:rPr lang="sv-SE" dirty="0"/>
+              <a:t>Automation </a:t>
+            </a:r>
+            <a:r>
+              <a:rPr lang="sv-SE" dirty="0" err="1"/>
+              <a:t>replaces</a:t>
+            </a:r>
+            <a:r>
+              <a:rPr lang="sv-SE" dirty="0"/>
+              <a:t> </a:t>
+            </a:r>
+            <a:r>
+              <a:rPr lang="sv-SE" dirty="0" err="1"/>
+              <a:t>random</a:t>
+            </a:r>
+            <a:r>
+              <a:rPr lang="sv-SE" dirty="0"/>
+              <a:t> </a:t>
+            </a:r>
+            <a:r>
+              <a:rPr lang="sv-SE" dirty="0" err="1"/>
+              <a:t>mistakes</a:t>
+            </a:r>
+            <a:r>
+              <a:rPr lang="sv-SE" dirty="0"/>
+              <a:t> with </a:t>
+            </a:r>
+            <a:r>
+              <a:rPr lang="sv-SE" dirty="0" err="1"/>
+              <a:t>consistent</a:t>
+            </a:r>
+            <a:r>
+              <a:rPr lang="sv-SE" dirty="0"/>
+              <a:t> </a:t>
+            </a:r>
+            <a:r>
+              <a:rPr lang="sv-SE" dirty="0" err="1"/>
+              <a:t>errors</a:t>
+            </a:r>
+            <a:r>
+              <a:rPr lang="sv-SE" dirty="0"/>
+              <a:t>. That you </a:t>
+            </a:r>
+            <a:r>
+              <a:rPr lang="sv-SE" dirty="0" err="1"/>
+              <a:t>can</a:t>
+            </a:r>
+            <a:r>
+              <a:rPr lang="sv-SE" dirty="0"/>
+              <a:t> fix </a:t>
+            </a:r>
+            <a:r>
+              <a:rPr lang="sv-SE" dirty="0" err="1"/>
+              <a:t>once</a:t>
+            </a:r>
+            <a:r>
+              <a:rPr lang="sv-SE"/>
+              <a:t>.</a:t>
+            </a:r>
+            <a:endParaRPr lang="sv-SE" dirty="0"/>
+          </a:p>
+          <a:p>
+            <a:endParaRPr lang="sv-SE" dirty="0"/>
+          </a:p>
+          <a:p>
+            <a:endParaRPr lang="sv-SE" dirty="0"/>
+          </a:p>
+        </p:txBody>
+      </p:sp>
+    </p:spTree>
+    <p:extLst>
+      <p:ext uri="{BB962C8B-B14F-4D97-AF65-F5344CB8AC3E}">
+        <p14:creationId xmlns:p14="http://schemas.microsoft.com/office/powerpoint/2010/main" val="3242574839"/>
       </p:ext>
     </p:extLst>
   </p:cSld>
@@ -10060,329 +11477,52 @@
       </p:grpSpPr>
       <p:sp>
         <p:nvSpPr>
-          <p:cNvPr id="2" name="Rubrik 1"/>
-          <p:cNvSpPr>
-            <a:spLocks noGrp="1"/>
-          </p:cNvSpPr>
-          <p:nvPr>
-            <p:ph type="title"/>
-          </p:nvPr>
-        </p:nvSpPr>
-        <p:spPr/>
-        <p:txBody>
-          <a:bodyPr/>
-          <a:lstStyle/>
-          <a:p>
-            <a:r>
-              <a:rPr lang="sv-SE" dirty="0" err="1"/>
-              <a:t>About</a:t>
-            </a:r>
-            <a:r>
-              <a:rPr lang="sv-SE" dirty="0"/>
-              <a:t> Magnus</a:t>
-            </a:r>
-          </a:p>
-        </p:txBody>
-      </p:sp>
-      <p:sp>
-        <p:nvSpPr>
-          <p:cNvPr id="3" name="Platshållare för innehåll 2"/>
-          <p:cNvSpPr>
-            <a:spLocks noGrp="1"/>
-          </p:cNvSpPr>
-          <p:nvPr>
-            <p:ph idx="1"/>
-          </p:nvPr>
-        </p:nvSpPr>
-        <p:spPr/>
-        <p:txBody>
-          <a:bodyPr>
-            <a:normAutofit fontScale="92500" lnSpcReduction="10000"/>
-          </a:bodyPr>
-          <a:lstStyle/>
-          <a:p>
-            <a:r>
-              <a:rPr lang="sv-SE" dirty="0"/>
-              <a:t>Magnus Ahlkvist</a:t>
-            </a:r>
-          </a:p>
-          <a:p>
-            <a:r>
-              <a:rPr lang="sv-SE" dirty="0"/>
-              <a:t>Transmokopter SQL AB – database </a:t>
-            </a:r>
-            <a:r>
-              <a:rPr lang="sv-SE" dirty="0" err="1"/>
-              <a:t>consultant</a:t>
-            </a:r>
-            <a:endParaRPr lang="sv-SE" dirty="0"/>
-          </a:p>
-          <a:p>
-            <a:r>
-              <a:rPr lang="sv-SE" dirty="0"/>
-              <a:t>Community speaker, Community </a:t>
-            </a:r>
-            <a:r>
-              <a:rPr lang="sv-SE" dirty="0" err="1"/>
-              <a:t>organizer</a:t>
-            </a:r>
-            <a:endParaRPr lang="sv-SE" dirty="0"/>
-          </a:p>
-          <a:p>
-            <a:pPr lvl="1"/>
-            <a:r>
-              <a:rPr lang="sv-SE" dirty="0"/>
-              <a:t>#</a:t>
-            </a:r>
-            <a:r>
-              <a:rPr lang="sv-SE" dirty="0" err="1"/>
-              <a:t>DataWeekender</a:t>
-            </a:r>
-            <a:r>
-              <a:rPr lang="sv-SE" dirty="0"/>
-              <a:t> May 2nd </a:t>
-            </a:r>
-            <a:br>
-              <a:rPr lang="sv-SE" dirty="0"/>
-            </a:br>
-            <a:r>
-              <a:rPr lang="sv-SE" dirty="0"/>
-              <a:t>Call for speakers: https://sessionize.com/data-community-weekender-europe/</a:t>
-            </a:r>
-            <a:br>
-              <a:rPr lang="sv-SE" dirty="0"/>
-            </a:br>
-            <a:r>
-              <a:rPr lang="sv-SE" dirty="0" err="1"/>
-              <a:t>Follow</a:t>
-            </a:r>
-            <a:r>
-              <a:rPr lang="sv-SE" dirty="0"/>
-              <a:t> @</a:t>
-            </a:r>
-            <a:r>
-              <a:rPr lang="sv-SE" dirty="0" err="1"/>
-              <a:t>DataWeekender</a:t>
-            </a:r>
-            <a:r>
-              <a:rPr lang="sv-SE" dirty="0"/>
-              <a:t> on Twitter</a:t>
-            </a:r>
-            <a:br>
-              <a:rPr lang="sv-SE" dirty="0"/>
-            </a:br>
-            <a:r>
-              <a:rPr lang="sv-SE" dirty="0" err="1"/>
-              <a:t>Meetup</a:t>
-            </a:r>
-            <a:r>
-              <a:rPr lang="sv-SE" dirty="0"/>
-              <a:t>: https://www.meetup.com/Data-Community-Weekender-Europe/events/269951016/</a:t>
-            </a:r>
-          </a:p>
-          <a:p>
-            <a:r>
-              <a:rPr lang="sv-SE" dirty="0"/>
-              <a:t>Go </a:t>
-            </a:r>
-            <a:r>
-              <a:rPr lang="sv-SE" dirty="0" err="1"/>
-              <a:t>Niners</a:t>
-            </a:r>
-            <a:endParaRPr lang="sv-SE" dirty="0"/>
-          </a:p>
-          <a:p>
-            <a:r>
-              <a:rPr lang="sv-SE" dirty="0"/>
-              <a:t>Covid-19 </a:t>
-            </a:r>
-            <a:r>
-              <a:rPr lang="sv-SE" dirty="0" err="1"/>
-              <a:t>made</a:t>
-            </a:r>
-            <a:r>
-              <a:rPr lang="sv-SE" dirty="0"/>
-              <a:t> </a:t>
-            </a:r>
-            <a:r>
-              <a:rPr lang="sv-SE" dirty="0" err="1"/>
-              <a:t>me</a:t>
-            </a:r>
-            <a:r>
-              <a:rPr lang="sv-SE" dirty="0"/>
-              <a:t> scout </a:t>
-            </a:r>
-            <a:r>
-              <a:rPr lang="sv-SE" dirty="0" err="1"/>
-              <a:t>troop</a:t>
-            </a:r>
-            <a:r>
-              <a:rPr lang="sv-SE" dirty="0"/>
-              <a:t> </a:t>
-            </a:r>
-            <a:r>
-              <a:rPr lang="sv-SE" dirty="0" err="1"/>
-              <a:t>leader</a:t>
-            </a:r>
-            <a:endParaRPr lang="sv-SE" dirty="0"/>
-          </a:p>
-          <a:p>
-            <a:r>
-              <a:rPr lang="sv-SE" dirty="0" err="1"/>
-              <a:t>Football</a:t>
-            </a:r>
-            <a:r>
-              <a:rPr lang="sv-SE" dirty="0"/>
-              <a:t> coach</a:t>
-            </a:r>
-          </a:p>
-          <a:p>
-            <a:r>
-              <a:rPr lang="sv-SE" dirty="0" err="1"/>
-              <a:t>Picking</a:t>
-            </a:r>
-            <a:r>
-              <a:rPr lang="sv-SE" dirty="0"/>
-              <a:t> up </a:t>
-            </a:r>
-            <a:r>
-              <a:rPr lang="sv-SE" dirty="0" err="1"/>
-              <a:t>running</a:t>
-            </a:r>
-            <a:r>
-              <a:rPr lang="sv-SE" dirty="0"/>
-              <a:t> – Look </a:t>
-            </a:r>
-            <a:r>
-              <a:rPr lang="sv-SE" dirty="0" err="1"/>
-              <a:t>me</a:t>
-            </a:r>
-            <a:r>
-              <a:rPr lang="sv-SE" dirty="0"/>
-              <a:t> up on strava.com</a:t>
-            </a:r>
-          </a:p>
-          <a:p>
-            <a:r>
-              <a:rPr lang="sv-SE" dirty="0"/>
-              <a:t>Abbreviations</a:t>
-            </a:r>
-          </a:p>
-          <a:p>
-            <a:endParaRPr lang="sv-SE" dirty="0"/>
-          </a:p>
-        </p:txBody>
-      </p:sp>
-      <p:pic>
-        <p:nvPicPr>
-          <p:cNvPr id="5" name="Bildobjekt 4" descr="En bild som visar fotboll, sitter, spel, ljus&#10;&#10;Automatiskt genererad beskrivning">
+          <p:cNvPr id="2" name="Text Placeholder 1">
             <a:extLst>
               <a:ext uri="{FF2B5EF4-FFF2-40B4-BE49-F238E27FC236}">
-                <a16:creationId xmlns:a16="http://schemas.microsoft.com/office/drawing/2014/main" id="{1268A56F-28EF-4F25-A019-10D5AD3D0098}"/>
+                <a16:creationId xmlns:a16="http://schemas.microsoft.com/office/drawing/2014/main" id="{EDA01322-AA71-4E71-B9AC-BDB45E4E5716}"/>
               </a:ext>
             </a:extLst>
           </p:cNvPr>
-          <p:cNvPicPr>
-            <a:picLocks noChangeAspect="1"/>
-          </p:cNvPicPr>
-          <p:nvPr/>
-        </p:nvPicPr>
-        <p:blipFill>
-          <a:blip r:embed="rId2">
-            <a:extLst>
-              <a:ext uri="{837473B0-CC2E-450A-ABE3-18F120FF3D39}">
-                <a1611:picAttrSrcUrl xmlns:a1611="http://schemas.microsoft.com/office/drawing/2016/11/main" r:id="rId3"/>
-              </a:ext>
-            </a:extLst>
-          </a:blip>
-          <a:stretch>
-            <a:fillRect/>
-          </a:stretch>
-        </p:blipFill>
-        <p:spPr>
-          <a:xfrm>
-            <a:off x="2753727" y="4920590"/>
-            <a:ext cx="328541" cy="328541"/>
-          </a:xfrm>
-          <a:prstGeom prst="rect">
-            <a:avLst/>
-          </a:prstGeom>
-        </p:spPr>
-      </p:pic>
-      <p:sp>
-        <p:nvSpPr>
-          <p:cNvPr id="6" name="textruta 5">
-            <a:extLst>
-              <a:ext uri="{FF2B5EF4-FFF2-40B4-BE49-F238E27FC236}">
-                <a16:creationId xmlns:a16="http://schemas.microsoft.com/office/drawing/2014/main" id="{E7DCA6E0-1CB4-4729-9F7F-F2968708EDBE}"/>
-              </a:ext>
-            </a:extLst>
-          </p:cNvPr>
-          <p:cNvSpPr txBox="1"/>
-          <p:nvPr/>
-        </p:nvSpPr>
-        <p:spPr>
-          <a:xfrm>
-            <a:off x="3082268" y="4969444"/>
-            <a:ext cx="2777952" cy="230832"/>
-          </a:xfrm>
-          <a:prstGeom prst="rect">
-            <a:avLst/>
-          </a:prstGeom>
-          <a:noFill/>
-        </p:spPr>
-        <p:txBody>
-          <a:bodyPr wrap="square" rtlCol="0">
-            <a:spAutoFit/>
-          </a:bodyPr>
-          <a:lstStyle/>
-          <a:p>
-            <a:r>
-              <a:rPr lang="sv-SE" sz="900" dirty="0">
-                <a:hlinkClick r:id="rId3" tooltip="https://en.wikipedia.org/wiki/File:Soccerball_mask2.svg"/>
-              </a:rPr>
-              <a:t>This </a:t>
-            </a:r>
-            <a:r>
-              <a:rPr lang="sv-SE" sz="900" dirty="0" err="1">
-                <a:hlinkClick r:id="rId3" tooltip="https://en.wikipedia.org/wiki/File:Soccerball_mask2.svg"/>
-              </a:rPr>
-              <a:t>picture</a:t>
-            </a:r>
-            <a:r>
-              <a:rPr lang="sv-SE" sz="900" dirty="0"/>
-              <a:t> </a:t>
-            </a:r>
-            <a:r>
-              <a:rPr lang="sv-SE" sz="900" dirty="0" err="1"/>
-              <a:t>licensed</a:t>
-            </a:r>
-            <a:r>
-              <a:rPr lang="sv-SE" sz="900" dirty="0"/>
-              <a:t> </a:t>
-            </a:r>
-            <a:r>
-              <a:rPr lang="sv-SE" sz="900" dirty="0" err="1"/>
-              <a:t>according</a:t>
-            </a:r>
-            <a:r>
-              <a:rPr lang="sv-SE" sz="900" dirty="0"/>
-              <a:t> with  </a:t>
-            </a:r>
-            <a:r>
-              <a:rPr lang="sv-SE" sz="900" dirty="0">
-                <a:hlinkClick r:id="rId4" tooltip="https://creativecommons.org/licenses/by-sa/3.0/"/>
-              </a:rPr>
-              <a:t>CC BY-SA</a:t>
-            </a:r>
-            <a:endParaRPr lang="sv-SE" sz="900" dirty="0"/>
+          <p:cNvSpPr>
+            <a:spLocks noGrp="1"/>
+          </p:cNvSpPr>
+          <p:nvPr>
+            <p:ph type="body" sz="quarter" idx="10"/>
+          </p:nvPr>
+        </p:nvSpPr>
+        <p:spPr/>
+        <p:txBody>
+          <a:bodyPr/>
+          <a:lstStyle/>
+          <a:p>
+            <a:r>
+              <a:rPr lang="en-CA" dirty="0"/>
+              <a:t>My romantic relation with </a:t>
+            </a:r>
+            <a:r>
+              <a:rPr lang="en-CA" dirty="0" err="1"/>
+              <a:t>Powershell</a:t>
+            </a:r>
+            <a:r>
+              <a:rPr lang="en-CA" dirty="0"/>
+              <a:t> generally and </a:t>
+            </a:r>
+            <a:r>
+              <a:rPr lang="en-CA" dirty="0" err="1"/>
+              <a:t>DBATools</a:t>
+            </a:r>
+            <a:r>
+              <a:rPr lang="en-CA" dirty="0"/>
+              <a:t> especially</a:t>
+            </a:r>
           </a:p>
         </p:txBody>
       </p:sp>
     </p:spTree>
     <p:extLst>
       <p:ext uri="{BB962C8B-B14F-4D97-AF65-F5344CB8AC3E}">
-        <p14:creationId xmlns:p14="http://schemas.microsoft.com/office/powerpoint/2010/main" val="6683241"/>
+        <p14:creationId xmlns:p14="http://schemas.microsoft.com/office/powerpoint/2010/main" val="2532954222"/>
       </p:ext>
     </p:extLst>
   </p:cSld>
@@ -10411,10 +11551,10 @@
       </p:grpSpPr>
       <p:sp>
         <p:nvSpPr>
-          <p:cNvPr id="2" name="Rubrik 1">
+          <p:cNvPr id="3" name="Text Placeholder 2">
             <a:extLst>
               <a:ext uri="{FF2B5EF4-FFF2-40B4-BE49-F238E27FC236}">
-                <a16:creationId xmlns:a16="http://schemas.microsoft.com/office/drawing/2014/main" id="{70C438DB-20F7-4B34-8E2C-4BF45E7293A3}"/>
+                <a16:creationId xmlns:a16="http://schemas.microsoft.com/office/drawing/2014/main" id="{AC667769-E8A3-4E62-B543-EE19CD9D28EE}"/>
               </a:ext>
             </a:extLst>
           </p:cNvPr>
@@ -10422,7 +11562,7 @@
             <a:spLocks noGrp="1"/>
           </p:cNvSpPr>
           <p:nvPr>
-            <p:ph type="title"/>
+            <p:ph type="body" sz="quarter" idx="11"/>
           </p:nvPr>
         </p:nvSpPr>
         <p:spPr/>
@@ -10431,23 +11571,18 @@
           <a:lstStyle/>
           <a:p>
             <a:r>
-              <a:rPr lang="sv-SE" dirty="0"/>
-              <a:t>Session </a:t>
-            </a:r>
-            <a:r>
-              <a:rPr lang="sv-SE" dirty="0" err="1"/>
-              <a:t>contents</a:t>
-            </a:r>
-            <a:endParaRPr lang="sv-SE" dirty="0"/>
-          </a:p>
-        </p:txBody>
-      </p:sp>
-      <p:sp>
-        <p:nvSpPr>
-          <p:cNvPr id="3" name="Platshållare för innehåll 2">
+              <a:rPr lang="en-CA" dirty="0"/>
+              <a:t>Magnus Ahlkvist</a:t>
+            </a:r>
+          </a:p>
+        </p:txBody>
+      </p:sp>
+      <p:sp>
+        <p:nvSpPr>
+          <p:cNvPr id="4" name="Text Placeholder 3">
             <a:extLst>
               <a:ext uri="{FF2B5EF4-FFF2-40B4-BE49-F238E27FC236}">
-                <a16:creationId xmlns:a16="http://schemas.microsoft.com/office/drawing/2014/main" id="{3308BB25-8932-48AF-AEB6-FF932D5D492F}"/>
+                <a16:creationId xmlns:a16="http://schemas.microsoft.com/office/drawing/2014/main" id="{C40A4A63-C530-4F3D-B9B4-8620D37ACD0E}"/>
               </a:ext>
             </a:extLst>
           </p:cNvPr>
@@ -10455,7 +11590,7 @@
             <a:spLocks noGrp="1"/>
           </p:cNvSpPr>
           <p:nvPr>
-            <p:ph idx="1"/>
+            <p:ph type="body" sz="quarter" idx="12"/>
           </p:nvPr>
         </p:nvSpPr>
         <p:spPr/>
@@ -10464,42 +11599,140 @@
           <a:lstStyle/>
           <a:p>
             <a:r>
-              <a:rPr lang="sv-SE" dirty="0"/>
-              <a:t>My powershell </a:t>
-            </a:r>
-            <a:r>
-              <a:rPr lang="sv-SE" dirty="0" err="1"/>
-              <a:t>journey</a:t>
-            </a:r>
-            <a:endParaRPr lang="sv-SE" dirty="0"/>
-          </a:p>
-          <a:p>
-            <a:r>
-              <a:rPr lang="sv-SE" dirty="0" err="1"/>
-              <a:t>DBATools</a:t>
-            </a:r>
-            <a:endParaRPr lang="sv-SE" dirty="0"/>
-          </a:p>
-          <a:p>
-            <a:r>
-              <a:rPr lang="sv-SE" dirty="0"/>
-              <a:t>Migration – log shipping and more with </a:t>
-            </a:r>
-            <a:r>
-              <a:rPr lang="sv-SE" dirty="0" err="1"/>
-              <a:t>DBATools</a:t>
-            </a:r>
-            <a:endParaRPr lang="sv-SE" dirty="0"/>
-          </a:p>
-          <a:p>
-            <a:endParaRPr lang="sv-SE" dirty="0"/>
-          </a:p>
-        </p:txBody>
-      </p:sp>
+              <a:rPr lang="en-CA" dirty="0"/>
+              <a:t>Consultant, </a:t>
+            </a:r>
+            <a:r>
+              <a:rPr lang="en-CA" dirty="0" err="1"/>
+              <a:t>Transmokopter</a:t>
+            </a:r>
+            <a:r>
+              <a:rPr lang="en-CA" dirty="0"/>
+              <a:t> SQL AB</a:t>
+            </a:r>
+          </a:p>
+        </p:txBody>
+      </p:sp>
+      <p:sp>
+        <p:nvSpPr>
+          <p:cNvPr id="5" name="Text Placeholder 4">
+            <a:extLst>
+              <a:ext uri="{FF2B5EF4-FFF2-40B4-BE49-F238E27FC236}">
+                <a16:creationId xmlns:a16="http://schemas.microsoft.com/office/drawing/2014/main" id="{AFDA0A56-26F1-4364-80F9-80EFF781AE7B}"/>
+              </a:ext>
+            </a:extLst>
+          </p:cNvPr>
+          <p:cNvSpPr>
+            <a:spLocks noGrp="1"/>
+          </p:cNvSpPr>
+          <p:nvPr>
+            <p:ph type="body" sz="quarter" idx="13"/>
+          </p:nvPr>
+        </p:nvSpPr>
+        <p:spPr/>
+        <p:txBody>
+          <a:bodyPr/>
+          <a:lstStyle/>
+          <a:p>
+            <a:r>
+              <a:rPr lang="en-CA" dirty="0"/>
+              <a:t>https://www.tsql.nu</a:t>
+            </a:r>
+          </a:p>
+        </p:txBody>
+      </p:sp>
+      <p:sp>
+        <p:nvSpPr>
+          <p:cNvPr id="6" name="Text Placeholder 5">
+            <a:extLst>
+              <a:ext uri="{FF2B5EF4-FFF2-40B4-BE49-F238E27FC236}">
+                <a16:creationId xmlns:a16="http://schemas.microsoft.com/office/drawing/2014/main" id="{5A72EB7D-BAB6-41A7-98BC-997F6F489D2A}"/>
+              </a:ext>
+            </a:extLst>
+          </p:cNvPr>
+          <p:cNvSpPr>
+            <a:spLocks noGrp="1"/>
+          </p:cNvSpPr>
+          <p:nvPr>
+            <p:ph type="body" sz="quarter" idx="14"/>
+          </p:nvPr>
+        </p:nvSpPr>
+        <p:spPr/>
+        <p:txBody>
+          <a:bodyPr/>
+          <a:lstStyle/>
+          <a:p>
+            <a:r>
+              <a:rPr lang="en-CA" dirty="0"/>
+              <a:t>https://twitter.com/transmokopter</a:t>
+            </a:r>
+          </a:p>
+        </p:txBody>
+      </p:sp>
+      <p:sp>
+        <p:nvSpPr>
+          <p:cNvPr id="7" name="Text Placeholder 6">
+            <a:extLst>
+              <a:ext uri="{FF2B5EF4-FFF2-40B4-BE49-F238E27FC236}">
+                <a16:creationId xmlns:a16="http://schemas.microsoft.com/office/drawing/2014/main" id="{B7C10483-85BC-403C-826F-B567E78CC285}"/>
+              </a:ext>
+            </a:extLst>
+          </p:cNvPr>
+          <p:cNvSpPr>
+            <a:spLocks noGrp="1"/>
+          </p:cNvSpPr>
+          <p:nvPr>
+            <p:ph type="body" sz="quarter" idx="15"/>
+          </p:nvPr>
+        </p:nvSpPr>
+        <p:spPr/>
+        <p:txBody>
+          <a:bodyPr/>
+          <a:lstStyle/>
+          <a:p>
+            <a:r>
+              <a:rPr lang="en-CA" dirty="0"/>
+              <a:t>SQL Server specialist, trainer, community organizer, speaker, football coach, scout leader, city council member, (slow) runner.</a:t>
+            </a:r>
+          </a:p>
+        </p:txBody>
+      </p:sp>
+      <p:pic>
+        <p:nvPicPr>
+          <p:cNvPr id="8" name="Picture 4" descr="A picture containing person, looking, cellphone, phone&#10;&#10;Description automatically generated">
+            <a:extLst>
+              <a:ext uri="{FF2B5EF4-FFF2-40B4-BE49-F238E27FC236}">
+                <a16:creationId xmlns:a16="http://schemas.microsoft.com/office/drawing/2014/main" id="{AA9DE696-5479-4BF4-8B2C-77F6C6BB396A}"/>
+              </a:ext>
+            </a:extLst>
+          </p:cNvPr>
+          <p:cNvPicPr>
+            <a:picLocks noGrp="1" noChangeAspect="1"/>
+          </p:cNvPicPr>
+          <p:nvPr>
+            <p:ph type="pic" sz="quarter" idx="10"/>
+          </p:nvPr>
+        </p:nvPicPr>
+        <p:blipFill rotWithShape="1">
+          <a:blip r:embed="rId2"/>
+          <a:srcRect t="2544" b="2544"/>
+          <a:stretch/>
+        </p:blipFill>
+        <p:spPr>
+          <a:xfrm>
+            <a:off x="1036638" y="682625"/>
+            <a:ext cx="3344862" cy="3028950"/>
+          </a:xfrm>
+          <a:prstGeom prst="rect">
+            <a:avLst/>
+          </a:prstGeom>
+          <a:noFill/>
+        </p:spPr>
+      </p:pic>
     </p:spTree>
     <p:extLst>
       <p:ext uri="{BB962C8B-B14F-4D97-AF65-F5344CB8AC3E}">
-        <p14:creationId xmlns:p14="http://schemas.microsoft.com/office/powerpoint/2010/main" val="7591363"/>
+        <p14:creationId xmlns:p14="http://schemas.microsoft.com/office/powerpoint/2010/main" val="3942097748"/>
       </p:ext>
     </p:extLst>
   </p:cSld>
@@ -10531,7 +11764,7 @@
           <p:cNvPr id="2" name="Rubrik 1">
             <a:extLst>
               <a:ext uri="{FF2B5EF4-FFF2-40B4-BE49-F238E27FC236}">
-                <a16:creationId xmlns:a16="http://schemas.microsoft.com/office/drawing/2014/main" id="{478F6037-37E7-4F68-BEEC-93A99E283B70}"/>
+                <a16:creationId xmlns:a16="http://schemas.microsoft.com/office/drawing/2014/main" id="{70C438DB-20F7-4B34-8E2C-4BF45E7293A3}"/>
               </a:ext>
             </a:extLst>
           </p:cNvPr>
@@ -10548,21 +11781,14 @@
           <a:lstStyle/>
           <a:p>
             <a:r>
+              <a:rPr lang="sv-SE" dirty="0"/>
+              <a:t>Session </a:t>
+            </a:r>
+            <a:r>
               <a:rPr lang="sv-SE" dirty="0" err="1"/>
-              <a:t>Why</a:t>
-            </a:r>
-            <a:r>
-              <a:rPr lang="sv-SE" dirty="0"/>
-              <a:t> did I make </a:t>
-            </a:r>
-            <a:r>
-              <a:rPr lang="sv-SE" dirty="0" err="1"/>
-              <a:t>this</a:t>
-            </a:r>
-            <a:r>
-              <a:rPr lang="sv-SE" dirty="0"/>
-              <a:t> presentation?</a:t>
-            </a:r>
+              <a:t>contents</a:t>
+            </a:r>
+            <a:endParaRPr lang="sv-SE" dirty="0"/>
           </a:p>
         </p:txBody>
       </p:sp>
@@ -10571,7 +11797,7 @@
           <p:cNvPr id="3" name="Platshållare för innehåll 2">
             <a:extLst>
               <a:ext uri="{FF2B5EF4-FFF2-40B4-BE49-F238E27FC236}">
-                <a16:creationId xmlns:a16="http://schemas.microsoft.com/office/drawing/2014/main" id="{F6C68B1F-FCAB-447B-9599-F74CDF1EDDA5}"/>
+                <a16:creationId xmlns:a16="http://schemas.microsoft.com/office/drawing/2014/main" id="{3308BB25-8932-48AF-AEB6-FF932D5D492F}"/>
               </a:ext>
             </a:extLst>
           </p:cNvPr>
@@ -10588,54 +11814,42 @@
           <a:lstStyle/>
           <a:p>
             <a:r>
+              <a:rPr lang="sv-SE" dirty="0"/>
+              <a:t>My powershell </a:t>
+            </a:r>
+            <a:r>
               <a:rPr lang="sv-SE" dirty="0" err="1"/>
-              <a:t>Sharing</a:t>
-            </a:r>
+              <a:t>journey</a:t>
+            </a:r>
+            <a:endParaRPr lang="sv-SE" dirty="0"/>
+          </a:p>
+          <a:p>
+            <a:r>
+              <a:rPr lang="sv-SE" dirty="0" err="1"/>
+              <a:t>DBATools</a:t>
+            </a:r>
+            <a:endParaRPr lang="sv-SE" dirty="0"/>
+          </a:p>
+          <a:p>
             <a:r>
               <a:rPr lang="sv-SE" dirty="0"/>
-              <a:t> is </a:t>
+              <a:t>Migration – log shipping and more with </a:t>
             </a:r>
             <a:r>
               <a:rPr lang="sv-SE" dirty="0" err="1"/>
-              <a:t>caring</a:t>
+              <a:t>DBATools</a:t>
             </a:r>
             <a:endParaRPr lang="sv-SE" dirty="0"/>
           </a:p>
           <a:p>
-            <a:r>
-              <a:rPr lang="sv-SE" dirty="0"/>
-              <a:t>Powershell, so </a:t>
-            </a:r>
-            <a:r>
-              <a:rPr lang="sv-SE" dirty="0" err="1"/>
-              <a:t>much</a:t>
-            </a:r>
-            <a:r>
-              <a:rPr lang="sv-SE" dirty="0"/>
-              <a:t> more than </a:t>
-            </a:r>
-            <a:r>
-              <a:rPr lang="sv-SE" dirty="0" err="1"/>
-              <a:t>bash</a:t>
-            </a:r>
             <a:endParaRPr lang="sv-SE" dirty="0"/>
-          </a:p>
-          <a:p>
-            <a:r>
-              <a:rPr lang="sv-SE" dirty="0" err="1"/>
-              <a:t>Everyone</a:t>
-            </a:r>
-            <a:r>
-              <a:rPr lang="sv-SE" dirty="0"/>
-              <a:t> should use DBA Tools.</a:t>
-            </a:r>
           </a:p>
         </p:txBody>
       </p:sp>
     </p:spTree>
     <p:extLst>
       <p:ext uri="{BB962C8B-B14F-4D97-AF65-F5344CB8AC3E}">
-        <p14:creationId xmlns:p14="http://schemas.microsoft.com/office/powerpoint/2010/main" val="724312294"/>
+        <p14:creationId xmlns:p14="http://schemas.microsoft.com/office/powerpoint/2010/main" val="7591363"/>
       </p:ext>
     </p:extLst>
   </p:cSld>
@@ -10667,7 +11881,7 @@
           <p:cNvPr id="2" name="Rubrik 1">
             <a:extLst>
               <a:ext uri="{FF2B5EF4-FFF2-40B4-BE49-F238E27FC236}">
-                <a16:creationId xmlns:a16="http://schemas.microsoft.com/office/drawing/2014/main" id="{DF035DBA-691F-4721-896A-CAEA20A027DA}"/>
+                <a16:creationId xmlns:a16="http://schemas.microsoft.com/office/drawing/2014/main" id="{478F6037-37E7-4F68-BEEC-93A99E283B70}"/>
               </a:ext>
             </a:extLst>
           </p:cNvPr>
@@ -10684,142 +11898,132 @@
           <a:lstStyle/>
           <a:p>
             <a:r>
+              <a:rPr lang="sv-SE" dirty="0" err="1"/>
+              <a:t>Why</a:t>
+            </a:r>
+            <a:r>
               <a:rPr lang="sv-SE" dirty="0"/>
-              <a:t>My Powershell </a:t>
+              <a:t> did I make </a:t>
             </a:r>
             <a:r>
               <a:rPr lang="sv-SE" dirty="0" err="1"/>
-              <a:t>journey</a:t>
-            </a:r>
-            <a:endParaRPr lang="sv-SE" dirty="0"/>
-          </a:p>
-        </p:txBody>
-      </p:sp>
-      <p:pic>
-        <p:nvPicPr>
-          <p:cNvPr id="5" name="Platshållare för innehåll 4" descr="En bild som visar gräs, utomhus, väg, tåg&#10;&#10;Automatiskt genererad beskrivning">
+              <a:t>this</a:t>
+            </a:r>
+            <a:r>
+              <a:rPr lang="sv-SE" dirty="0"/>
+              <a:t> presentation?</a:t>
+            </a:r>
+          </a:p>
+        </p:txBody>
+      </p:sp>
+      <p:sp>
+        <p:nvSpPr>
+          <p:cNvPr id="3" name="Platshållare för innehåll 2">
             <a:extLst>
               <a:ext uri="{FF2B5EF4-FFF2-40B4-BE49-F238E27FC236}">
-                <a16:creationId xmlns:a16="http://schemas.microsoft.com/office/drawing/2014/main" id="{E54B2FB3-EFD3-4B9B-A075-A2DDBF92EF99}"/>
+                <a16:creationId xmlns:a16="http://schemas.microsoft.com/office/drawing/2014/main" id="{F6C68B1F-FCAB-447B-9599-F74CDF1EDDA5}"/>
               </a:ext>
             </a:extLst>
           </p:cNvPr>
-          <p:cNvPicPr>
-            <a:picLocks noGrp="1" noChangeAspect="1"/>
-          </p:cNvPicPr>
+          <p:cNvSpPr>
+            <a:spLocks noGrp="1"/>
+          </p:cNvSpPr>
           <p:nvPr>
             <p:ph idx="1"/>
           </p:nvPr>
-        </p:nvPicPr>
-        <p:blipFill>
-          <a:blip r:embed="rId2">
-            <a:extLst>
-              <a:ext uri="{837473B0-CC2E-450A-ABE3-18F120FF3D39}">
-                <a1611:picAttrSrcUrl xmlns:a1611="http://schemas.microsoft.com/office/drawing/2016/11/main" r:id="rId3"/>
-              </a:ext>
-            </a:extLst>
-          </a:blip>
-          <a:stretch>
-            <a:fillRect/>
-          </a:stretch>
-        </p:blipFill>
-        <p:spPr>
-          <a:xfrm>
-            <a:off x="3035300" y="2160588"/>
-            <a:ext cx="3881437" cy="3881437"/>
-          </a:xfrm>
-        </p:spPr>
-      </p:pic>
-      <p:sp>
-        <p:nvSpPr>
-          <p:cNvPr id="6" name="textruta 5">
-            <a:extLst>
-              <a:ext uri="{FF2B5EF4-FFF2-40B4-BE49-F238E27FC236}">
-                <a16:creationId xmlns:a16="http://schemas.microsoft.com/office/drawing/2014/main" id="{1BAD3EB1-4924-47AE-984B-646272857433}"/>
-              </a:ext>
-            </a:extLst>
-          </p:cNvPr>
-          <p:cNvSpPr txBox="1"/>
-          <p:nvPr/>
-        </p:nvSpPr>
-        <p:spPr>
-          <a:xfrm>
-            <a:off x="3035300" y="6042025"/>
-            <a:ext cx="3881437" cy="369332"/>
-          </a:xfrm>
-          <a:prstGeom prst="rect">
-            <a:avLst/>
-          </a:prstGeom>
-          <a:noFill/>
-        </p:spPr>
-        <p:txBody>
-          <a:bodyPr wrap="square" rtlCol="0">
-            <a:spAutoFit/>
-          </a:bodyPr>
-          <a:lstStyle/>
-          <a:p>
-            <a:r>
-              <a:rPr lang="sv-SE" sz="900" dirty="0">
-                <a:hlinkClick r:id="rId3" tooltip="http://epitemnein-epitomic.blogspot.com/2013/11/3-cogently-relevant-journey-metaphors.html"/>
-              </a:rPr>
-              <a:t>This </a:t>
-            </a:r>
-            <a:r>
-              <a:rPr lang="sv-SE" sz="900" dirty="0" err="1">
-                <a:hlinkClick r:id="rId3" tooltip="http://epitemnein-epitomic.blogspot.com/2013/11/3-cogently-relevant-journey-metaphors.html"/>
-              </a:rPr>
-              <a:t>picture</a:t>
-            </a:r>
-            <a:r>
-              <a:rPr lang="sv-SE" sz="900" dirty="0"/>
-              <a:t> from </a:t>
-            </a:r>
-            <a:r>
-              <a:rPr lang="sv-SE" sz="900" dirty="0" err="1"/>
-              <a:t>unknown</a:t>
-            </a:r>
-            <a:r>
-              <a:rPr lang="sv-SE" sz="900" dirty="0"/>
+        </p:nvSpPr>
+        <p:spPr/>
+        <p:txBody>
+          <a:bodyPr/>
+          <a:lstStyle/>
+          <a:p>
+            <a:r>
+              <a:rPr lang="sv-SE" dirty="0" err="1"/>
+              <a:t>Sharing</a:t>
+            </a:r>
+            <a:r>
+              <a:rPr lang="sv-SE" dirty="0"/>
+              <a:t> is </a:t>
+            </a:r>
+            <a:r>
+              <a:rPr lang="sv-SE" dirty="0" err="1"/>
+              <a:t>caring</a:t>
+            </a:r>
+            <a:endParaRPr lang="sv-SE" dirty="0"/>
+          </a:p>
+          <a:p>
+            <a:r>
+              <a:rPr lang="sv-SE" dirty="0"/>
+              <a:t>Automation =&gt; Focus on </a:t>
+            </a:r>
+            <a:r>
+              <a:rPr lang="sv-SE" dirty="0" err="1"/>
+              <a:t>fun</a:t>
+            </a:r>
+            <a:r>
+              <a:rPr lang="sv-SE" dirty="0"/>
+              <a:t> stuff</a:t>
+            </a:r>
+          </a:p>
+          <a:p>
+            <a:pPr lvl="1"/>
+            <a:r>
+              <a:rPr lang="sv-SE" dirty="0"/>
+              <a:t>”</a:t>
+            </a:r>
+            <a:r>
+              <a:rPr lang="sv-SE" dirty="0" err="1"/>
+              <a:t>Let’s</a:t>
+            </a:r>
+            <a:r>
+              <a:rPr lang="sv-SE" dirty="0"/>
               <a:t> </a:t>
             </a:r>
             <a:r>
-              <a:rPr lang="sv-SE" sz="900" dirty="0" err="1"/>
-              <a:t>author</a:t>
-            </a:r>
-            <a:r>
-              <a:rPr lang="sv-SE" sz="900" dirty="0"/>
+              <a:rPr lang="sv-SE" dirty="0" err="1"/>
+              <a:t>spend</a:t>
+            </a:r>
+            <a:r>
+              <a:rPr lang="sv-SE" dirty="0"/>
+              <a:t> half a </a:t>
+            </a:r>
+            <a:r>
+              <a:rPr lang="sv-SE" dirty="0" err="1"/>
+              <a:t>day</a:t>
+            </a:r>
+            <a:r>
+              <a:rPr lang="sv-SE" dirty="0"/>
               <a:t> </a:t>
             </a:r>
             <a:r>
-              <a:rPr lang="sv-SE" sz="900" dirty="0" err="1"/>
-              <a:t>licensed</a:t>
-            </a:r>
-            <a:r>
-              <a:rPr lang="sv-SE" sz="900" dirty="0"/>
-              <a:t> </a:t>
-            </a:r>
-            <a:r>
-              <a:rPr lang="sv-SE" sz="900" dirty="0" err="1"/>
-              <a:t>according</a:t>
-            </a:r>
-            <a:r>
-              <a:rPr lang="sv-SE" sz="900" dirty="0"/>
-              <a:t> with </a:t>
-            </a:r>
-            <a:r>
-              <a:rPr lang="sv-SE" sz="900" dirty="0">
-                <a:hlinkClick r:id="rId4" tooltip="https://creativecommons.org/licenses/by-nc-nd/3.0/"/>
-              </a:rPr>
-              <a:t>CC BY-NC-ND</a:t>
-            </a:r>
-            <a:endParaRPr lang="sv-SE" sz="900" dirty="0"/>
+              <a:rPr lang="sv-SE" dirty="0" err="1"/>
+              <a:t>automating</a:t>
+            </a:r>
+            <a:r>
+              <a:rPr lang="sv-SE" dirty="0"/>
+              <a:t> a 15 </a:t>
+            </a:r>
+            <a:r>
+              <a:rPr lang="sv-SE" dirty="0" err="1"/>
+              <a:t>minute</a:t>
+            </a:r>
+            <a:r>
+              <a:rPr lang="sv-SE" dirty="0"/>
+              <a:t> manual task”</a:t>
+            </a:r>
+          </a:p>
+          <a:p>
+            <a:endParaRPr lang="sv-SE" dirty="0"/>
+          </a:p>
+          <a:p>
+            <a:endParaRPr lang="sv-SE" dirty="0"/>
           </a:p>
         </p:txBody>
       </p:sp>
     </p:spTree>
     <p:extLst>
       <p:ext uri="{BB962C8B-B14F-4D97-AF65-F5344CB8AC3E}">
-        <p14:creationId xmlns:p14="http://schemas.microsoft.com/office/powerpoint/2010/main" val="3654011242"/>
+        <p14:creationId xmlns:p14="http://schemas.microsoft.com/office/powerpoint/2010/main" val="724312294"/>
       </p:ext>
     </p:extLst>
   </p:cSld>
@@ -10848,10 +12052,10 @@
       </p:grpSpPr>
       <p:sp>
         <p:nvSpPr>
-          <p:cNvPr id="2" name="Title 1">
+          <p:cNvPr id="2" name="Rubrik 1">
             <a:extLst>
               <a:ext uri="{FF2B5EF4-FFF2-40B4-BE49-F238E27FC236}">
-                <a16:creationId xmlns:a16="http://schemas.microsoft.com/office/drawing/2014/main" id="{3A9EEC31-E066-4E62-BAAB-C170893FFE25}"/>
+                <a16:creationId xmlns:a16="http://schemas.microsoft.com/office/drawing/2014/main" id="{DF035DBA-691F-4721-896A-CAEA20A027DA}"/>
               </a:ext>
             </a:extLst>
           </p:cNvPr>
@@ -10862,44 +12066,45 @@
             <p:ph type="title"/>
           </p:nvPr>
         </p:nvSpPr>
-        <p:spPr/>
-        <p:txBody>
-          <a:bodyPr/>
-          <a:lstStyle/>
-          <a:p>
-            <a:pPr algn="l"/>
-            <a:r>
-              <a:rPr lang="en-US" sz="3200" dirty="0"/>
-              <a:t>My </a:t>
-            </a:r>
-            <a:r>
-              <a:rPr lang="en-US" sz="3200" dirty="0" err="1"/>
-              <a:t>Powershell</a:t>
-            </a:r>
-            <a:r>
-              <a:rPr lang="en-US" sz="3200" dirty="0"/>
-              <a:t> journey, first iteration</a:t>
-            </a:r>
+        <p:spPr>
+          <a:xfrm>
+            <a:off x="677334" y="609600"/>
+            <a:ext cx="8596668" cy="1320800"/>
+          </a:xfrm>
+        </p:spPr>
+        <p:txBody>
+          <a:bodyPr anchor="t">
+            <a:normAutofit/>
+          </a:bodyPr>
+          <a:lstStyle/>
+          <a:p>
+            <a:r>
+              <a:rPr lang="sv-SE" dirty="0"/>
+              <a:t>My Powershell </a:t>
+            </a:r>
+            <a:r>
+              <a:rPr lang="sv-SE" dirty="0" err="1"/>
+              <a:t>journey</a:t>
+            </a:r>
+            <a:endParaRPr lang="sv-SE" dirty="0"/>
           </a:p>
         </p:txBody>
       </p:sp>
       <p:pic>
         <p:nvPicPr>
-          <p:cNvPr id="10" name="Platshållare för innehåll 9" descr="En bild som visar skärmbild, orange, sitter, solnedgång&#10;&#10;Automatiskt genererad beskrivning">
+          <p:cNvPr id="4" name="Bildobjekt 3" descr="En bild som visar utomhus, gräs, grön, jord&#10;&#10;Automatiskt genererad beskrivning">
             <a:extLst>
               <a:ext uri="{FF2B5EF4-FFF2-40B4-BE49-F238E27FC236}">
-                <a16:creationId xmlns:a16="http://schemas.microsoft.com/office/drawing/2014/main" id="{A28CDC4B-3539-4879-91A5-8438A510BCC7}"/>
+                <a16:creationId xmlns:a16="http://schemas.microsoft.com/office/drawing/2014/main" id="{04FDDE93-6F5B-49AA-A4F1-D55CA876C3D0}"/>
               </a:ext>
             </a:extLst>
           </p:cNvPr>
           <p:cNvPicPr>
-            <a:picLocks noGrp="1" noChangeAspect="1"/>
+            <a:picLocks noChangeAspect="1"/>
           </p:cNvPicPr>
-          <p:nvPr>
-            <p:ph idx="1"/>
-          </p:nvPr>
+          <p:nvPr/>
         </p:nvPicPr>
-        <p:blipFill>
+        <p:blipFill rotWithShape="1">
           <a:blip r:embed="rId2">
             <a:extLst>
               <a:ext uri="{837473B0-CC2E-450A-ABE3-18F120FF3D39}">
@@ -10907,107 +12112,105 @@
               </a:ext>
             </a:extLst>
           </a:blip>
-          <a:stretch>
-            <a:fillRect/>
-          </a:stretch>
+          <a:srcRect l="6646" r="7843" b="-4"/>
+          <a:stretch/>
         </p:blipFill>
         <p:spPr>
           <a:xfrm>
-            <a:off x="932092" y="2567567"/>
-            <a:ext cx="8087854" cy="3067478"/>
-          </a:xfrm>
-        </p:spPr>
-      </p:pic>
-      <p:sp>
-        <p:nvSpPr>
-          <p:cNvPr id="11" name="textruta 10">
-            <a:extLst>
-              <a:ext uri="{FF2B5EF4-FFF2-40B4-BE49-F238E27FC236}">
-                <a16:creationId xmlns:a16="http://schemas.microsoft.com/office/drawing/2014/main" id="{0994B5B1-0439-418A-88E2-85F119ECFB6C}"/>
-              </a:ext>
-            </a:extLst>
-          </p:cNvPr>
-          <p:cNvSpPr txBox="1"/>
-          <p:nvPr/>
-        </p:nvSpPr>
-        <p:spPr>
-          <a:xfrm>
-            <a:off x="932092" y="5635045"/>
-            <a:ext cx="8087854" cy="230832"/>
+            <a:off x="675745" y="1508656"/>
+            <a:ext cx="6776496" cy="5349343"/>
           </a:xfrm>
           <a:prstGeom prst="rect">
             <a:avLst/>
           </a:prstGeom>
           <a:noFill/>
         </p:spPr>
-        <p:txBody>
-          <a:bodyPr wrap="square" rtlCol="0">
+      </p:pic>
+      <p:sp>
+        <p:nvSpPr>
+          <p:cNvPr id="7" name="textruta 6">
+            <a:extLst>
+              <a:ext uri="{FF2B5EF4-FFF2-40B4-BE49-F238E27FC236}">
+                <a16:creationId xmlns:a16="http://schemas.microsoft.com/office/drawing/2014/main" id="{38DE2DAF-55BD-4D2F-8302-2D4CA2450165}"/>
+              </a:ext>
+            </a:extLst>
+          </p:cNvPr>
+          <p:cNvSpPr txBox="1"/>
+          <p:nvPr/>
+        </p:nvSpPr>
+        <p:spPr>
+          <a:xfrm>
+            <a:off x="2060601" y="5841307"/>
+            <a:ext cx="2800767" cy="200055"/>
+          </a:xfrm>
+          <a:prstGeom prst="rect">
+            <a:avLst/>
+          </a:prstGeom>
+          <a:solidFill>
+            <a:srgbClr val="000000"/>
+          </a:solidFill>
+        </p:spPr>
+        <p:txBody>
+          <a:bodyPr wrap="none" rtlCol="0">
             <a:spAutoFit/>
           </a:bodyPr>
           <a:lstStyle/>
           <a:p>
-            <a:r>
-              <a:rPr lang="sv-SE" sz="900" dirty="0">
-                <a:hlinkClick r:id="rId3" tooltip="https://stackoverflow.com/questions/41130310/change-directory-in-powershell"/>
+            <a:pPr algn="r">
+              <a:spcAft>
+                <a:spcPts val="600"/>
+              </a:spcAft>
+            </a:pPr>
+            <a:r>
+              <a:rPr lang="sv-SE" sz="700" dirty="0">
+                <a:solidFill>
+                  <a:srgbClr val="FFFFFF"/>
+                </a:solidFill>
+                <a:hlinkClick r:id="rId3" tooltip="http://arvindpariti.blogspot.com/2012/02/some-great-snapshots-in-2012.html">
+                  <a:extLst>
+                    <a:ext uri="{A12FA001-AC4F-418D-AE19-62706E023703}">
+                      <ahyp:hlinkClr xmlns:ahyp="http://schemas.microsoft.com/office/drawing/2018/hyperlinkcolor" val="tx"/>
+                    </a:ext>
+                  </a:extLst>
+                </a:hlinkClick>
               </a:rPr>
-              <a:t>This </a:t>
-            </a:r>
-            <a:r>
-              <a:rPr lang="sv-SE" sz="900" dirty="0" err="1">
-                <a:hlinkClick r:id="rId3" tooltip="https://stackoverflow.com/questions/41130310/change-directory-in-powershell"/>
+              <a:t>Det här fotot</a:t>
+            </a:r>
+            <a:r>
+              <a:rPr lang="sv-SE" sz="700" dirty="0">
+                <a:solidFill>
+                  <a:srgbClr val="FFFFFF"/>
+                </a:solidFill>
               </a:rPr>
-              <a:t>picture</a:t>
-            </a:r>
-            <a:r>
-              <a:rPr lang="sv-SE" sz="900" dirty="0"/>
-              <a:t> from </a:t>
-            </a:r>
-            <a:r>
-              <a:rPr lang="sv-SE" sz="900" dirty="0" err="1"/>
-              <a:t>unknown</a:t>
-            </a:r>
-            <a:r>
-              <a:rPr lang="sv-SE" sz="900" dirty="0"/>
-              <a:t> </a:t>
-            </a:r>
-            <a:r>
-              <a:rPr lang="sv-SE" sz="900" dirty="0" err="1"/>
-              <a:t>author</a:t>
-            </a:r>
-            <a:r>
-              <a:rPr lang="sv-SE" sz="900" dirty="0"/>
-              <a:t> </a:t>
-            </a:r>
-            <a:r>
-              <a:rPr lang="sv-SE" sz="900" dirty="0" err="1"/>
-              <a:t>licensed</a:t>
-            </a:r>
-            <a:r>
-              <a:rPr lang="sv-SE" sz="900" dirty="0"/>
-              <a:t> </a:t>
-            </a:r>
-            <a:r>
-              <a:rPr lang="sv-SE" sz="900" dirty="0" err="1"/>
-              <a:t>according</a:t>
-            </a:r>
-            <a:r>
-              <a:rPr lang="sv-SE" sz="900" dirty="0"/>
-              <a:t> with </a:t>
-            </a:r>
-            <a:r>
-              <a:rPr lang="sv-SE" sz="900" dirty="0">
-                <a:hlinkClick r:id="rId4" tooltip="https://creativecommons.org/licenses/by-sa/3.0/"/>
+              <a:t> av Okänd författare licensieras enligt </a:t>
+            </a:r>
+            <a:r>
+              <a:rPr lang="sv-SE" sz="700" dirty="0">
+                <a:solidFill>
+                  <a:srgbClr val="FFFFFF"/>
+                </a:solidFill>
+                <a:hlinkClick r:id="rId4" tooltip="https://creativecommons.org/licenses/by-nc-nd/3.0/">
+                  <a:extLst>
+                    <a:ext uri="{A12FA001-AC4F-418D-AE19-62706E023703}">
+                      <ahyp:hlinkClr xmlns:ahyp="http://schemas.microsoft.com/office/drawing/2018/hyperlinkcolor" val="tx"/>
+                    </a:ext>
+                  </a:extLst>
+                </a:hlinkClick>
               </a:rPr>
-              <a:t>CC BY-SA</a:t>
-            </a:r>
-            <a:endParaRPr lang="sv-SE" sz="900" dirty="0"/>
+              <a:t>CC BY-NC-ND</a:t>
+            </a:r>
+            <a:endParaRPr lang="sv-SE" sz="700" dirty="0">
+              <a:solidFill>
+                <a:srgbClr val="FFFFFF"/>
+              </a:solidFill>
+            </a:endParaRPr>
           </a:p>
         </p:txBody>
       </p:sp>
     </p:spTree>
     <p:extLst>
       <p:ext uri="{BB962C8B-B14F-4D97-AF65-F5344CB8AC3E}">
-        <p14:creationId xmlns:p14="http://schemas.microsoft.com/office/powerpoint/2010/main" val="3822221816"/>
+        <p14:creationId xmlns:p14="http://schemas.microsoft.com/office/powerpoint/2010/main" val="3654011242"/>
       </p:ext>
     </p:extLst>
   </p:cSld>
@@ -11066,17 +12269,17 @@
             </a:r>
             <a:r>
               <a:rPr lang="en-US" sz="3200" dirty="0"/>
-              <a:t> journey, second iteration</a:t>
+              <a:t> journey, first iteration</a:t>
             </a:r>
           </a:p>
         </p:txBody>
       </p:sp>
       <p:pic>
         <p:nvPicPr>
-          <p:cNvPr id="5" name="Platshållare för innehåll 4" descr="En bild som visar skärmbild&#10;&#10;Automatiskt genererad beskrivning">
+          <p:cNvPr id="10" name="Platshållare för innehåll 9" descr="En bild som visar skärmbild, orange, sitter, solnedgång&#10;&#10;Automatiskt genererad beskrivning">
             <a:extLst>
               <a:ext uri="{FF2B5EF4-FFF2-40B4-BE49-F238E27FC236}">
-                <a16:creationId xmlns:a16="http://schemas.microsoft.com/office/drawing/2014/main" id="{A6511893-1401-4B11-86C1-87D176AF21B5}"/>
+                <a16:creationId xmlns:a16="http://schemas.microsoft.com/office/drawing/2014/main" id="{A28CDC4B-3539-4879-91A5-8438A510BCC7}"/>
               </a:ext>
             </a:extLst>
           </p:cNvPr>
@@ -11101,17 +12304,17 @@
         </p:blipFill>
         <p:spPr>
           <a:xfrm>
-            <a:off x="3619923" y="3126184"/>
-            <a:ext cx="4323291" cy="1945481"/>
+            <a:off x="932092" y="1942510"/>
+            <a:ext cx="9735908" cy="3692535"/>
           </a:xfrm>
         </p:spPr>
       </p:pic>
       <p:sp>
         <p:nvSpPr>
-          <p:cNvPr id="6" name="textruta 5">
+          <p:cNvPr id="11" name="textruta 10">
             <a:extLst>
               <a:ext uri="{FF2B5EF4-FFF2-40B4-BE49-F238E27FC236}">
-                <a16:creationId xmlns:a16="http://schemas.microsoft.com/office/drawing/2014/main" id="{2367372C-C324-4564-A18A-117C4263FDEB}"/>
+                <a16:creationId xmlns:a16="http://schemas.microsoft.com/office/drawing/2014/main" id="{0994B5B1-0439-418A-88E2-85F119ECFB6C}"/>
               </a:ext>
             </a:extLst>
           </p:cNvPr>
@@ -11120,8 +12323,8 @@
         </p:nvSpPr>
         <p:spPr>
           <a:xfrm>
-            <a:off x="3619923" y="5119329"/>
-            <a:ext cx="4323291" cy="230832"/>
+            <a:off x="932092" y="5635045"/>
+            <a:ext cx="8087854" cy="230832"/>
           </a:xfrm>
           <a:prstGeom prst="rect">
             <a:avLst/>
@@ -11136,25 +12339,19 @@
           <a:p>
             <a:r>
               <a:rPr lang="sv-SE" sz="900" dirty="0">
-                <a:hlinkClick r:id="rId3" tooltip="https://en.wikipedia.org/wiki/Cut,_copy,_and_paste"/>
+                <a:hlinkClick r:id="rId3" tooltip="https://stackoverflow.com/questions/41130310/change-directory-in-powershell"/>
               </a:rPr>
               <a:t>This </a:t>
             </a:r>
             <a:r>
               <a:rPr lang="sv-SE" sz="900" dirty="0" err="1">
-                <a:hlinkClick r:id="rId3" tooltip="https://en.wikipedia.org/wiki/Cut,_copy,_and_paste"/>
+                <a:hlinkClick r:id="rId3" tooltip="https://stackoverflow.com/questions/41130310/change-directory-in-powershell"/>
               </a:rPr>
               <a:t>picture</a:t>
             </a:r>
             <a:r>
-              <a:rPr lang="sv-SE" sz="900" dirty="0">
-                <a:hlinkClick r:id="rId3" tooltip="https://en.wikipedia.org/wiki/Cut,_copy,_and_paste"/>
-              </a:rPr>
-              <a:t> </a:t>
-            </a:r>
-            <a:r>
               <a:rPr lang="sv-SE" sz="900" dirty="0"/>
-              <a:t>from </a:t>
+              <a:t> from </a:t>
             </a:r>
             <a:r>
               <a:rPr lang="sv-SE" sz="900" dirty="0" err="1"/>
@@ -11198,266 +12395,10 @@
           </a:p>
         </p:txBody>
       </p:sp>
-      <p:pic>
-        <p:nvPicPr>
-          <p:cNvPr id="8" name="Bildobjekt 7" descr="En bild som visar ritning&#10;&#10;Automatiskt genererad beskrivning">
-            <a:extLst>
-              <a:ext uri="{FF2B5EF4-FFF2-40B4-BE49-F238E27FC236}">
-                <a16:creationId xmlns:a16="http://schemas.microsoft.com/office/drawing/2014/main" id="{2A7C222B-B45F-456C-9773-49C2198CE4A5}"/>
-              </a:ext>
-            </a:extLst>
-          </p:cNvPr>
-          <p:cNvPicPr>
-            <a:picLocks noChangeAspect="1"/>
-          </p:cNvPicPr>
-          <p:nvPr/>
-        </p:nvPicPr>
-        <p:blipFill>
-          <a:blip r:embed="rId5">
-            <a:extLst>
-              <a:ext uri="{837473B0-CC2E-450A-ABE3-18F120FF3D39}">
-                <a1611:picAttrSrcUrl xmlns:a1611="http://schemas.microsoft.com/office/drawing/2016/11/main" r:id="rId6"/>
-              </a:ext>
-            </a:extLst>
-          </a:blip>
-          <a:stretch>
-            <a:fillRect/>
-          </a:stretch>
-        </p:blipFill>
-        <p:spPr>
-          <a:xfrm>
-            <a:off x="8295780" y="1149350"/>
-            <a:ext cx="2324507" cy="2917825"/>
-          </a:xfrm>
-          <a:prstGeom prst="rect">
-            <a:avLst/>
-          </a:prstGeom>
-        </p:spPr>
-      </p:pic>
-      <p:sp>
-        <p:nvSpPr>
-          <p:cNvPr id="9" name="textruta 8">
-            <a:extLst>
-              <a:ext uri="{FF2B5EF4-FFF2-40B4-BE49-F238E27FC236}">
-                <a16:creationId xmlns:a16="http://schemas.microsoft.com/office/drawing/2014/main" id="{4DF4DFDA-17FC-4372-A52B-1CEAC295D762}"/>
-              </a:ext>
-            </a:extLst>
-          </p:cNvPr>
-          <p:cNvSpPr txBox="1"/>
-          <p:nvPr/>
-        </p:nvSpPr>
-        <p:spPr>
-          <a:xfrm>
-            <a:off x="8295780" y="4098925"/>
-            <a:ext cx="2324507" cy="369332"/>
-          </a:xfrm>
-          <a:prstGeom prst="rect">
-            <a:avLst/>
-          </a:prstGeom>
-          <a:noFill/>
-        </p:spPr>
-        <p:txBody>
-          <a:bodyPr wrap="square" rtlCol="0">
-            <a:spAutoFit/>
-          </a:bodyPr>
-          <a:lstStyle/>
-          <a:p>
-            <a:r>
-              <a:rPr lang="sv-SE" sz="900" dirty="0">
-                <a:hlinkClick r:id="rId6" tooltip="https://jojofeelings.wordpress.com/2012/02/01/romantic-songs/"/>
-              </a:rPr>
-              <a:t>This </a:t>
-            </a:r>
-            <a:r>
-              <a:rPr lang="sv-SE" sz="900" dirty="0" err="1">
-                <a:hlinkClick r:id="rId6" tooltip="https://jojofeelings.wordpress.com/2012/02/01/romantic-songs/"/>
-              </a:rPr>
-              <a:t>picture</a:t>
-            </a:r>
-            <a:r>
-              <a:rPr lang="sv-SE" sz="900" dirty="0">
-                <a:hlinkClick r:id="rId6" tooltip="https://jojofeelings.wordpress.com/2012/02/01/romantic-songs/"/>
-              </a:rPr>
-              <a:t> </a:t>
-            </a:r>
-            <a:r>
-              <a:rPr lang="sv-SE" sz="900" dirty="0"/>
-              <a:t>from </a:t>
-            </a:r>
-            <a:r>
-              <a:rPr lang="sv-SE" sz="900" dirty="0" err="1"/>
-              <a:t>unknown</a:t>
-            </a:r>
-            <a:r>
-              <a:rPr lang="sv-SE" sz="900" dirty="0"/>
-              <a:t> </a:t>
-            </a:r>
-            <a:r>
-              <a:rPr lang="sv-SE" sz="900" dirty="0" err="1"/>
-              <a:t>author</a:t>
-            </a:r>
-            <a:r>
-              <a:rPr lang="sv-SE" sz="900" dirty="0"/>
-              <a:t> </a:t>
-            </a:r>
-            <a:r>
-              <a:rPr lang="sv-SE" sz="900" dirty="0" err="1"/>
-              <a:t>licensed</a:t>
-            </a:r>
-            <a:r>
-              <a:rPr lang="sv-SE" sz="900" dirty="0"/>
-              <a:t> </a:t>
-            </a:r>
-            <a:r>
-              <a:rPr lang="sv-SE" sz="900" dirty="0" err="1"/>
-              <a:t>according</a:t>
-            </a:r>
-            <a:r>
-              <a:rPr lang="sv-SE" sz="900" dirty="0"/>
-              <a:t> with </a:t>
-            </a:r>
-            <a:r>
-              <a:rPr lang="sv-SE" sz="900" dirty="0">
-                <a:hlinkClick r:id="rId7" tooltip="https://creativecommons.org/licenses/by-nc-nd/3.0/"/>
-              </a:rPr>
-              <a:t>CC BY-NC-ND</a:t>
-            </a:r>
-            <a:endParaRPr lang="sv-SE" sz="900" dirty="0"/>
-          </a:p>
-        </p:txBody>
-      </p:sp>
-      <p:pic>
-        <p:nvPicPr>
-          <p:cNvPr id="11" name="Bildobjekt 10" descr="En bild som visar objekt, bord, gul, sitter&#10;&#10;Automatiskt genererad beskrivning">
-            <a:extLst>
-              <a:ext uri="{FF2B5EF4-FFF2-40B4-BE49-F238E27FC236}">
-                <a16:creationId xmlns:a16="http://schemas.microsoft.com/office/drawing/2014/main" id="{478A31E7-B3FC-4EF5-A2D2-0A5AA0DE761E}"/>
-              </a:ext>
-            </a:extLst>
-          </p:cNvPr>
-          <p:cNvPicPr>
-            <a:picLocks noChangeAspect="1"/>
-          </p:cNvPicPr>
-          <p:nvPr/>
-        </p:nvPicPr>
-        <p:blipFill>
-          <a:blip r:embed="rId8">
-            <a:extLst>
-              <a:ext uri="{837473B0-CC2E-450A-ABE3-18F120FF3D39}">
-                <a1611:picAttrSrcUrl xmlns:a1611="http://schemas.microsoft.com/office/drawing/2016/11/main" r:id="rId9"/>
-              </a:ext>
-            </a:extLst>
-          </a:blip>
-          <a:stretch>
-            <a:fillRect/>
-          </a:stretch>
-        </p:blipFill>
-        <p:spPr>
-          <a:xfrm>
-            <a:off x="828957" y="1342876"/>
-            <a:ext cx="2438400" cy="2438400"/>
-          </a:xfrm>
-          <a:prstGeom prst="rect">
-            <a:avLst/>
-          </a:prstGeom>
-        </p:spPr>
-      </p:pic>
-      <p:sp>
-        <p:nvSpPr>
-          <p:cNvPr id="12" name="textruta 11">
-            <a:extLst>
-              <a:ext uri="{FF2B5EF4-FFF2-40B4-BE49-F238E27FC236}">
-                <a16:creationId xmlns:a16="http://schemas.microsoft.com/office/drawing/2014/main" id="{437AF3A7-69D5-4171-BF17-096B68F43217}"/>
-              </a:ext>
-            </a:extLst>
-          </p:cNvPr>
-          <p:cNvSpPr txBox="1"/>
-          <p:nvPr/>
-        </p:nvSpPr>
-        <p:spPr>
-          <a:xfrm>
-            <a:off x="828957" y="4098924"/>
-            <a:ext cx="2438400" cy="369332"/>
-          </a:xfrm>
-          <a:prstGeom prst="rect">
-            <a:avLst/>
-          </a:prstGeom>
-          <a:noFill/>
-        </p:spPr>
-        <p:txBody>
-          <a:bodyPr wrap="square" rtlCol="0">
-            <a:spAutoFit/>
-          </a:bodyPr>
-          <a:lstStyle/>
-          <a:p>
-            <a:r>
-              <a:rPr lang="sv-SE" sz="900" dirty="0">
-                <a:hlinkClick r:id="rId9" tooltip="http://showmelibrarian.blogspot.com/2012/09/where-do-you-get-your-program.html"/>
-              </a:rPr>
-              <a:t>This </a:t>
-            </a:r>
-            <a:r>
-              <a:rPr lang="sv-SE" sz="900" dirty="0" err="1">
-                <a:hlinkClick r:id="rId9" tooltip="http://showmelibrarian.blogspot.com/2012/09/where-do-you-get-your-program.html"/>
-              </a:rPr>
-              <a:t>picure</a:t>
-            </a:r>
-            <a:r>
-              <a:rPr lang="sv-SE" sz="900" dirty="0">
-                <a:hlinkClick r:id="rId9" tooltip="http://showmelibrarian.blogspot.com/2012/09/where-do-you-get-your-program.html"/>
-              </a:rPr>
-              <a:t> </a:t>
-            </a:r>
-            <a:r>
-              <a:rPr lang="sv-SE" sz="900" dirty="0"/>
-              <a:t>from </a:t>
-            </a:r>
-            <a:r>
-              <a:rPr lang="sv-SE" sz="900" dirty="0" err="1"/>
-              <a:t>unknown</a:t>
-            </a:r>
-            <a:r>
-              <a:rPr lang="sv-SE" sz="900" dirty="0"/>
-              <a:t> </a:t>
-            </a:r>
-            <a:r>
-              <a:rPr lang="sv-SE" sz="900" dirty="0" err="1"/>
-              <a:t>author</a:t>
-            </a:r>
-            <a:r>
-              <a:rPr lang="sv-SE" sz="900" dirty="0"/>
-              <a:t> </a:t>
-            </a:r>
-            <a:r>
-              <a:rPr lang="sv-SE" sz="900" dirty="0" err="1"/>
-              <a:t>licensed</a:t>
-            </a:r>
-            <a:r>
-              <a:rPr lang="sv-SE" sz="900" dirty="0"/>
-              <a:t> </a:t>
-            </a:r>
-            <a:r>
-              <a:rPr lang="sv-SE" sz="900" dirty="0" err="1"/>
-              <a:t>according</a:t>
-            </a:r>
-            <a:r>
-              <a:rPr lang="sv-SE" sz="900" dirty="0"/>
-              <a:t> with </a:t>
-            </a:r>
-            <a:r>
-              <a:rPr lang="sv-SE" sz="900" dirty="0">
-                <a:hlinkClick r:id="rId4" tooltip="https://creativecommons.org/licenses/by-sa/3.0/"/>
-              </a:rPr>
-              <a:t>CC BY-SA</a:t>
-            </a:r>
-            <a:endParaRPr lang="sv-SE" sz="900" dirty="0"/>
-          </a:p>
-        </p:txBody>
-      </p:sp>
     </p:spTree>
     <p:extLst>
       <p:ext uri="{BB962C8B-B14F-4D97-AF65-F5344CB8AC3E}">
-        <p14:creationId xmlns:p14="http://schemas.microsoft.com/office/powerpoint/2010/main" val="2109321193"/>
+        <p14:creationId xmlns:p14="http://schemas.microsoft.com/office/powerpoint/2010/main" val="3822221816"/>
       </p:ext>
     </p:extLst>
   </p:cSld>
@@ -11486,10 +12427,10 @@
       </p:grpSpPr>
       <p:sp>
         <p:nvSpPr>
-          <p:cNvPr id="2" name="Rubrik 1">
+          <p:cNvPr id="2" name="Title 1">
             <a:extLst>
               <a:ext uri="{FF2B5EF4-FFF2-40B4-BE49-F238E27FC236}">
-                <a16:creationId xmlns:a16="http://schemas.microsoft.com/office/drawing/2014/main" id="{C3C68CBF-126E-4672-92BD-E421E735BEEB}"/>
+                <a16:creationId xmlns:a16="http://schemas.microsoft.com/office/drawing/2014/main" id="{3A9EEC31-E066-4E62-BAAB-C170893FFE25}"/>
               </a:ext>
             </a:extLst>
           </p:cNvPr>
@@ -11505,64 +12446,64 @@
           <a:bodyPr/>
           <a:lstStyle/>
           <a:p>
-            <a:r>
-              <a:rPr lang="sv-SE" dirty="0"/>
-              <a:t>My powershell </a:t>
-            </a:r>
-            <a:r>
-              <a:rPr lang="sv-SE" dirty="0" err="1"/>
-              <a:t>journe</a:t>
-            </a:r>
-            <a:r>
-              <a:rPr lang="sv-SE" dirty="0"/>
-              <a:t>, </a:t>
-            </a:r>
-            <a:r>
-              <a:rPr lang="sv-SE" dirty="0" err="1"/>
-              <a:t>Nth</a:t>
-            </a:r>
-            <a:r>
-              <a:rPr lang="sv-SE" dirty="0"/>
-              <a:t> iteration</a:t>
+            <a:pPr algn="l"/>
+            <a:r>
+              <a:rPr lang="en-US" sz="3200" dirty="0"/>
+              <a:t>My </a:t>
+            </a:r>
+            <a:r>
+              <a:rPr lang="en-US" sz="3200" dirty="0" err="1"/>
+              <a:t>Powershell</a:t>
+            </a:r>
+            <a:r>
+              <a:rPr lang="en-US" sz="3200" dirty="0"/>
+              <a:t> journey, second iteration</a:t>
             </a:r>
           </a:p>
         </p:txBody>
       </p:sp>
       <p:pic>
         <p:nvPicPr>
-          <p:cNvPr id="5" name="Platshållare för innehåll 4" descr="En bild som visar tecken, ritning&#10;&#10;Automatiskt genererad beskrivning">
+          <p:cNvPr id="8" name="Bildobjekt 7" descr="En bild som visar ritning&#10;&#10;Automatiskt genererad beskrivning">
             <a:extLst>
               <a:ext uri="{FF2B5EF4-FFF2-40B4-BE49-F238E27FC236}">
-                <a16:creationId xmlns:a16="http://schemas.microsoft.com/office/drawing/2014/main" id="{FFBB1DD4-A052-46B7-AB00-EA35FCCF3A26}"/>
+                <a16:creationId xmlns:a16="http://schemas.microsoft.com/office/drawing/2014/main" id="{2A7C222B-B45F-456C-9773-49C2198CE4A5}"/>
               </a:ext>
             </a:extLst>
           </p:cNvPr>
           <p:cNvPicPr>
-            <a:picLocks noGrp="1" noChangeAspect="1"/>
+            <a:picLocks noChangeAspect="1"/>
           </p:cNvPicPr>
-          <p:nvPr>
-            <p:ph idx="1"/>
-          </p:nvPr>
+          <p:nvPr/>
         </p:nvPicPr>
         <p:blipFill>
-          <a:blip r:embed="rId2"/>
+          <a:blip r:embed="rId2">
+            <a:extLst>
+              <a:ext uri="{837473B0-CC2E-450A-ABE3-18F120FF3D39}">
+                <a1611:picAttrSrcUrl xmlns:a1611="http://schemas.microsoft.com/office/drawing/2016/11/main" r:id="rId3"/>
+              </a:ext>
+            </a:extLst>
+          </a:blip>
           <a:stretch>
             <a:fillRect/>
           </a:stretch>
         </p:blipFill>
         <p:spPr>
           <a:xfrm>
-            <a:off x="677334" y="1930400"/>
-            <a:ext cx="2833745" cy="813272"/>
+            <a:off x="8295780" y="1149350"/>
+            <a:ext cx="2324507" cy="2917825"/>
           </a:xfrm>
+          <a:prstGeom prst="rect">
+            <a:avLst/>
+          </a:prstGeom>
         </p:spPr>
       </p:pic>
       <p:sp>
         <p:nvSpPr>
-          <p:cNvPr id="6" name="textruta 5">
+          <p:cNvPr id="9" name="textruta 8">
             <a:extLst>
               <a:ext uri="{FF2B5EF4-FFF2-40B4-BE49-F238E27FC236}">
-                <a16:creationId xmlns:a16="http://schemas.microsoft.com/office/drawing/2014/main" id="{20083EBD-9CAC-44D3-B6CC-EB14696096B7}"/>
+                <a16:creationId xmlns:a16="http://schemas.microsoft.com/office/drawing/2014/main" id="{4DF4DFDA-17FC-4372-A52B-1CEAC295D762}"/>
               </a:ext>
             </a:extLst>
           </p:cNvPr>
@@ -11571,8 +12512,8 @@
         </p:nvSpPr>
         <p:spPr>
           <a:xfrm>
-            <a:off x="677334" y="2743672"/>
-            <a:ext cx="2833745" cy="230832"/>
+            <a:off x="8295780" y="4098925"/>
+            <a:ext cx="2324507" cy="369332"/>
           </a:xfrm>
           <a:prstGeom prst="rect">
             <a:avLst/>
@@ -11586,12 +12527,30 @@
           <a:lstStyle/>
           <a:p>
             <a:r>
+              <a:rPr lang="sv-SE" sz="900" dirty="0">
+                <a:hlinkClick r:id="rId3" tooltip="https://jojofeelings.wordpress.com/2012/02/01/romantic-songs/"/>
+              </a:rPr>
+              <a:t>This </a:t>
+            </a:r>
+            <a:r>
+              <a:rPr lang="sv-SE" sz="900" dirty="0" err="1">
+                <a:hlinkClick r:id="rId3" tooltip="https://jojofeelings.wordpress.com/2012/02/01/romantic-songs/"/>
+              </a:rPr>
+              <a:t>picture</a:t>
+            </a:r>
+            <a:r>
+              <a:rPr lang="sv-SE" sz="900" dirty="0">
+                <a:hlinkClick r:id="rId3" tooltip="https://jojofeelings.wordpress.com/2012/02/01/romantic-songs/"/>
+              </a:rPr>
+              <a:t> </a:t>
+            </a:r>
+            <a:r>
               <a:rPr lang="sv-SE" sz="900" dirty="0"/>
-              <a:t>Used with permission from </a:t>
+              <a:t>from </a:t>
             </a:r>
             <a:r>
               <a:rPr lang="sv-SE" sz="900" dirty="0" err="1"/>
-              <a:t>Chrissy</a:t>
+              <a:t>unknown</a:t>
             </a:r>
             <a:r>
               <a:rPr lang="sv-SE" sz="900" dirty="0"/>
@@ -11599,16 +12558,254 @@
             </a:r>
             <a:r>
               <a:rPr lang="sv-SE" sz="900" dirty="0" err="1"/>
-              <a:t>LeMaire</a:t>
+              <a:t>author</a:t>
+            </a:r>
+            <a:r>
+              <a:rPr lang="sv-SE" sz="900" dirty="0"/>
+              <a:t> </a:t>
+            </a:r>
+            <a:r>
+              <a:rPr lang="sv-SE" sz="900" dirty="0" err="1"/>
+              <a:t>licensed</a:t>
+            </a:r>
+            <a:r>
+              <a:rPr lang="sv-SE" sz="900" dirty="0"/>
+              <a:t> </a:t>
+            </a:r>
+            <a:r>
+              <a:rPr lang="sv-SE" sz="900" dirty="0" err="1"/>
+              <a:t>according</a:t>
+            </a:r>
+            <a:r>
+              <a:rPr lang="sv-SE" sz="900" dirty="0"/>
+              <a:t> with </a:t>
+            </a:r>
+            <a:r>
+              <a:rPr lang="sv-SE" sz="900" dirty="0">
+                <a:hlinkClick r:id="rId4" tooltip="https://creativecommons.org/licenses/by-nc-nd/3.0/"/>
+              </a:rPr>
+              <a:t>CC BY-NC-ND</a:t>
             </a:r>
             <a:endParaRPr lang="sv-SE" sz="900" dirty="0"/>
+          </a:p>
+        </p:txBody>
+      </p:sp>
+      <p:pic>
+        <p:nvPicPr>
+          <p:cNvPr id="11" name="Bildobjekt 10" descr="En bild som visar objekt, bord, gul, sitter&#10;&#10;Automatiskt genererad beskrivning">
+            <a:extLst>
+              <a:ext uri="{FF2B5EF4-FFF2-40B4-BE49-F238E27FC236}">
+                <a16:creationId xmlns:a16="http://schemas.microsoft.com/office/drawing/2014/main" id="{478A31E7-B3FC-4EF5-A2D2-0A5AA0DE761E}"/>
+              </a:ext>
+            </a:extLst>
+          </p:cNvPr>
+          <p:cNvPicPr>
+            <a:picLocks noChangeAspect="1"/>
+          </p:cNvPicPr>
+          <p:nvPr/>
+        </p:nvPicPr>
+        <p:blipFill>
+          <a:blip r:embed="rId5">
+            <a:extLst>
+              <a:ext uri="{837473B0-CC2E-450A-ABE3-18F120FF3D39}">
+                <a1611:picAttrSrcUrl xmlns:a1611="http://schemas.microsoft.com/office/drawing/2016/11/main" r:id="rId6"/>
+              </a:ext>
+            </a:extLst>
+          </a:blip>
+          <a:stretch>
+            <a:fillRect/>
+          </a:stretch>
+        </p:blipFill>
+        <p:spPr>
+          <a:xfrm>
+            <a:off x="828957" y="1342876"/>
+            <a:ext cx="2438400" cy="2438400"/>
+          </a:xfrm>
+          <a:prstGeom prst="rect">
+            <a:avLst/>
+          </a:prstGeom>
+        </p:spPr>
+      </p:pic>
+      <p:sp>
+        <p:nvSpPr>
+          <p:cNvPr id="12" name="textruta 11">
+            <a:extLst>
+              <a:ext uri="{FF2B5EF4-FFF2-40B4-BE49-F238E27FC236}">
+                <a16:creationId xmlns:a16="http://schemas.microsoft.com/office/drawing/2014/main" id="{437AF3A7-69D5-4171-BF17-096B68F43217}"/>
+              </a:ext>
+            </a:extLst>
+          </p:cNvPr>
+          <p:cNvSpPr txBox="1"/>
+          <p:nvPr/>
+        </p:nvSpPr>
+        <p:spPr>
+          <a:xfrm>
+            <a:off x="828957" y="4098924"/>
+            <a:ext cx="2438400" cy="369332"/>
+          </a:xfrm>
+          <a:prstGeom prst="rect">
+            <a:avLst/>
+          </a:prstGeom>
+          <a:noFill/>
+        </p:spPr>
+        <p:txBody>
+          <a:bodyPr wrap="square" rtlCol="0">
+            <a:spAutoFit/>
+          </a:bodyPr>
+          <a:lstStyle/>
+          <a:p>
+            <a:r>
+              <a:rPr lang="sv-SE" sz="900" dirty="0">
+                <a:hlinkClick r:id="rId6" tooltip="http://showmelibrarian.blogspot.com/2012/09/where-do-you-get-your-program.html"/>
+              </a:rPr>
+              <a:t>This </a:t>
+            </a:r>
+            <a:r>
+              <a:rPr lang="sv-SE" sz="900" dirty="0" err="1">
+                <a:hlinkClick r:id="rId6" tooltip="http://showmelibrarian.blogspot.com/2012/09/where-do-you-get-your-program.html"/>
+              </a:rPr>
+              <a:t>picure</a:t>
+            </a:r>
+            <a:r>
+              <a:rPr lang="sv-SE" sz="900" dirty="0">
+                <a:hlinkClick r:id="rId6" tooltip="http://showmelibrarian.blogspot.com/2012/09/where-do-you-get-your-program.html"/>
+              </a:rPr>
+              <a:t> </a:t>
+            </a:r>
+            <a:r>
+              <a:rPr lang="sv-SE" sz="900" dirty="0"/>
+              <a:t>from </a:t>
+            </a:r>
+            <a:r>
+              <a:rPr lang="sv-SE" sz="900" dirty="0" err="1"/>
+              <a:t>unknown</a:t>
+            </a:r>
+            <a:r>
+              <a:rPr lang="sv-SE" sz="900" dirty="0"/>
+              <a:t> </a:t>
+            </a:r>
+            <a:r>
+              <a:rPr lang="sv-SE" sz="900" dirty="0" err="1"/>
+              <a:t>author</a:t>
+            </a:r>
+            <a:r>
+              <a:rPr lang="sv-SE" sz="900" dirty="0"/>
+              <a:t> </a:t>
+            </a:r>
+            <a:r>
+              <a:rPr lang="sv-SE" sz="900" dirty="0" err="1"/>
+              <a:t>licensed</a:t>
+            </a:r>
+            <a:r>
+              <a:rPr lang="sv-SE" sz="900" dirty="0"/>
+              <a:t> </a:t>
+            </a:r>
+            <a:r>
+              <a:rPr lang="sv-SE" sz="900" dirty="0" err="1"/>
+              <a:t>according</a:t>
+            </a:r>
+            <a:r>
+              <a:rPr lang="sv-SE" sz="900" dirty="0"/>
+              <a:t> with </a:t>
+            </a:r>
+            <a:r>
+              <a:rPr lang="sv-SE" sz="900" dirty="0">
+                <a:hlinkClick r:id="rId7" tooltip="https://creativecommons.org/licenses/by-sa/3.0/"/>
+              </a:rPr>
+              <a:t>CC BY-SA</a:t>
+            </a:r>
+            <a:endParaRPr lang="sv-SE" sz="900" dirty="0"/>
+          </a:p>
+        </p:txBody>
+      </p:sp>
+      <p:pic>
+        <p:nvPicPr>
+          <p:cNvPr id="10" name="Bildobjekt 9" descr="En bild som visar text, bok&#10;&#10;Automatiskt genererad beskrivning">
+            <a:extLst>
+              <a:ext uri="{FF2B5EF4-FFF2-40B4-BE49-F238E27FC236}">
+                <a16:creationId xmlns:a16="http://schemas.microsoft.com/office/drawing/2014/main" id="{C6B2E92F-F292-4200-8702-E3DB1CEE3854}"/>
+              </a:ext>
+            </a:extLst>
+          </p:cNvPr>
+          <p:cNvPicPr>
+            <a:picLocks noChangeAspect="1"/>
+          </p:cNvPicPr>
+          <p:nvPr/>
+        </p:nvPicPr>
+        <p:blipFill>
+          <a:blip r:embed="rId8">
+            <a:extLst>
+              <a:ext uri="{837473B0-CC2E-450A-ABE3-18F120FF3D39}">
+                <a1611:picAttrSrcUrl xmlns:a1611="http://schemas.microsoft.com/office/drawing/2016/11/main" r:id="rId9"/>
+              </a:ext>
+            </a:extLst>
+          </a:blip>
+          <a:stretch>
+            <a:fillRect/>
+          </a:stretch>
+        </p:blipFill>
+        <p:spPr>
+          <a:xfrm>
+            <a:off x="3729037" y="2116667"/>
+            <a:ext cx="3973439" cy="3245908"/>
+          </a:xfrm>
+          <a:prstGeom prst="rect">
+            <a:avLst/>
+          </a:prstGeom>
+        </p:spPr>
+      </p:pic>
+      <p:sp>
+        <p:nvSpPr>
+          <p:cNvPr id="13" name="textruta 12">
+            <a:extLst>
+              <a:ext uri="{FF2B5EF4-FFF2-40B4-BE49-F238E27FC236}">
+                <a16:creationId xmlns:a16="http://schemas.microsoft.com/office/drawing/2014/main" id="{25FD1F58-765C-4D4F-A31D-80994D6D3936}"/>
+              </a:ext>
+            </a:extLst>
+          </p:cNvPr>
+          <p:cNvSpPr txBox="1"/>
+          <p:nvPr/>
+        </p:nvSpPr>
+        <p:spPr>
+          <a:xfrm>
+            <a:off x="3729038" y="5399657"/>
+            <a:ext cx="3874030" cy="230832"/>
+          </a:xfrm>
+          <a:prstGeom prst="rect">
+            <a:avLst/>
+          </a:prstGeom>
+          <a:noFill/>
+        </p:spPr>
+        <p:txBody>
+          <a:bodyPr wrap="square" rtlCol="0">
+            <a:spAutoFit/>
+          </a:bodyPr>
+          <a:lstStyle/>
+          <a:p>
+            <a:r>
+              <a:rPr lang="sv-SE" sz="900">
+                <a:hlinkClick r:id="rId9" tooltip="http://gerentedemediado.blogspot.com/2013/03/copia-y-pega.html"/>
+              </a:rPr>
+              <a:t>Det här fotot</a:t>
+            </a:r>
+            <a:r>
+              <a:rPr lang="sv-SE" sz="900"/>
+              <a:t> av Okänd författare licensieras enligt </a:t>
+            </a:r>
+            <a:r>
+              <a:rPr lang="sv-SE" sz="900">
+                <a:hlinkClick r:id="rId10" tooltip="https://creativecommons.org/licenses/by-nc-sa/3.0/"/>
+              </a:rPr>
+              <a:t>CC BY-SA-NC</a:t>
+            </a:r>
+            <a:endParaRPr lang="sv-SE" sz="900"/>
           </a:p>
         </p:txBody>
       </p:sp>
     </p:spTree>
     <p:extLst>
       <p:ext uri="{BB962C8B-B14F-4D97-AF65-F5344CB8AC3E}">
-        <p14:creationId xmlns:p14="http://schemas.microsoft.com/office/powerpoint/2010/main" val="3066192018"/>
+        <p14:creationId xmlns:p14="http://schemas.microsoft.com/office/powerpoint/2010/main" val="2109321193"/>
       </p:ext>
     </p:extLst>
   </p:cSld>
@@ -11640,7 +12837,7 @@
           <p:cNvPr id="2" name="Rubrik 1">
             <a:extLst>
               <a:ext uri="{FF2B5EF4-FFF2-40B4-BE49-F238E27FC236}">
-                <a16:creationId xmlns:a16="http://schemas.microsoft.com/office/drawing/2014/main" id="{B27421CA-D06E-432D-BBB0-72002BD27D88}"/>
+                <a16:creationId xmlns:a16="http://schemas.microsoft.com/office/drawing/2014/main" id="{C3C68CBF-126E-4672-92BD-E421E735BEEB}"/>
               </a:ext>
             </a:extLst>
           </p:cNvPr>
@@ -11658,164 +12855,108 @@
           <a:p>
             <a:r>
               <a:rPr lang="sv-SE" dirty="0"/>
-              <a:t>What is </a:t>
+              <a:t>My powershell </a:t>
             </a:r>
             <a:r>
               <a:rPr lang="sv-SE" dirty="0" err="1"/>
-              <a:t>DBATools</a:t>
-            </a:r>
-            <a:endParaRPr lang="sv-SE" dirty="0"/>
-          </a:p>
-        </p:txBody>
-      </p:sp>
-      <p:sp>
-        <p:nvSpPr>
-          <p:cNvPr id="3" name="Platshållare för innehåll 2">
+              <a:t>journey</a:t>
+            </a:r>
+            <a:r>
+              <a:rPr lang="sv-SE" dirty="0"/>
+              <a:t>, </a:t>
+            </a:r>
+            <a:r>
+              <a:rPr lang="sv-SE" dirty="0" err="1"/>
+              <a:t>Nth</a:t>
+            </a:r>
+            <a:r>
+              <a:rPr lang="sv-SE" dirty="0"/>
+              <a:t> iteration</a:t>
+            </a:r>
+          </a:p>
+        </p:txBody>
+      </p:sp>
+      <p:pic>
+        <p:nvPicPr>
+          <p:cNvPr id="5" name="Platshållare för innehåll 4" descr="En bild som visar tecken, ritning&#10;&#10;Automatiskt genererad beskrivning">
             <a:extLst>
               <a:ext uri="{FF2B5EF4-FFF2-40B4-BE49-F238E27FC236}">
-                <a16:creationId xmlns:a16="http://schemas.microsoft.com/office/drawing/2014/main" id="{E0DC4934-1C7B-4A0E-8FD1-E96F78641DBF}"/>
+                <a16:creationId xmlns:a16="http://schemas.microsoft.com/office/drawing/2014/main" id="{FFBB1DD4-A052-46B7-AB00-EA35FCCF3A26}"/>
               </a:ext>
             </a:extLst>
           </p:cNvPr>
-          <p:cNvSpPr>
-            <a:spLocks noGrp="1"/>
-          </p:cNvSpPr>
+          <p:cNvPicPr>
+            <a:picLocks noGrp="1" noChangeAspect="1"/>
+          </p:cNvPicPr>
           <p:nvPr>
             <p:ph idx="1"/>
           </p:nvPr>
-        </p:nvSpPr>
-        <p:spPr/>
-        <p:txBody>
-          <a:bodyPr/>
-          <a:lstStyle/>
-          <a:p>
-            <a:r>
-              <a:rPr lang="sv-SE" dirty="0"/>
-              <a:t>Powershell </a:t>
-            </a:r>
-            <a:r>
-              <a:rPr lang="sv-SE" dirty="0" err="1"/>
-              <a:t>module</a:t>
-            </a:r>
-            <a:endParaRPr lang="sv-SE" dirty="0"/>
-          </a:p>
-          <a:p>
-            <a:r>
-              <a:rPr lang="sv-SE" dirty="0" err="1"/>
-              <a:t>Available</a:t>
-            </a:r>
-            <a:r>
-              <a:rPr lang="sv-SE" dirty="0"/>
-              <a:t> on </a:t>
-            </a:r>
-            <a:r>
-              <a:rPr lang="sv-SE" dirty="0" err="1"/>
-              <a:t>PowershellGallery</a:t>
-            </a:r>
-            <a:endParaRPr lang="sv-SE" dirty="0"/>
-          </a:p>
-          <a:p>
-            <a:r>
-              <a:rPr lang="sv-SE" dirty="0" err="1"/>
-              <a:t>Command</a:t>
-            </a:r>
-            <a:r>
-              <a:rPr lang="sv-SE" dirty="0"/>
+        </p:nvPicPr>
+        <p:blipFill>
+          <a:blip r:embed="rId2"/>
+          <a:stretch>
+            <a:fillRect/>
+          </a:stretch>
+        </p:blipFill>
+        <p:spPr>
+          <a:xfrm>
+            <a:off x="1007532" y="1930399"/>
+            <a:ext cx="10177867" cy="2921001"/>
+          </a:xfrm>
+        </p:spPr>
+      </p:pic>
+      <p:sp>
+        <p:nvSpPr>
+          <p:cNvPr id="6" name="textruta 5">
+            <a:extLst>
+              <a:ext uri="{FF2B5EF4-FFF2-40B4-BE49-F238E27FC236}">
+                <a16:creationId xmlns:a16="http://schemas.microsoft.com/office/drawing/2014/main" id="{20083EBD-9CAC-44D3-B6CC-EB14696096B7}"/>
+              </a:ext>
+            </a:extLst>
+          </p:cNvPr>
+          <p:cNvSpPr txBox="1"/>
+          <p:nvPr/>
+        </p:nvSpPr>
+        <p:spPr>
+          <a:xfrm>
+            <a:off x="4679127" y="5707006"/>
+            <a:ext cx="2833745" cy="230832"/>
+          </a:xfrm>
+          <a:prstGeom prst="rect">
+            <a:avLst/>
+          </a:prstGeom>
+          <a:noFill/>
+        </p:spPr>
+        <p:txBody>
+          <a:bodyPr wrap="square" rtlCol="0">
+            <a:spAutoFit/>
+          </a:bodyPr>
+          <a:lstStyle/>
+          <a:p>
+            <a:r>
+              <a:rPr lang="sv-SE" sz="900" dirty="0"/>
+              <a:t>Used with permission from </a:t>
+            </a:r>
+            <a:r>
+              <a:rPr lang="sv-SE" sz="900" dirty="0" err="1"/>
+              <a:t>Chrissy</a:t>
+            </a:r>
+            <a:r>
+              <a:rPr lang="sv-SE" sz="900" dirty="0"/>
               <a:t> </a:t>
             </a:r>
             <a:r>
-              <a:rPr lang="sv-SE" dirty="0" err="1"/>
-              <a:t>reference</a:t>
-            </a:r>
-            <a:r>
-              <a:rPr lang="sv-SE" dirty="0"/>
-              <a:t> on dbatools.io/</a:t>
-            </a:r>
-            <a:r>
-              <a:rPr lang="sv-SE" dirty="0" err="1"/>
-              <a:t>commands</a:t>
-            </a:r>
-            <a:endParaRPr lang="sv-SE" dirty="0"/>
-          </a:p>
-          <a:p>
-            <a:r>
-              <a:rPr lang="sv-SE" dirty="0"/>
-              <a:t>Community driven</a:t>
-            </a:r>
-          </a:p>
-          <a:p>
-            <a:pPr lvl="1"/>
-            <a:r>
-              <a:rPr lang="sv-SE" dirty="0"/>
-              <a:t>Use it</a:t>
-            </a:r>
-          </a:p>
-          <a:p>
-            <a:pPr lvl="1"/>
-            <a:r>
-              <a:rPr lang="sv-SE" dirty="0" err="1"/>
-              <a:t>Contribute</a:t>
-            </a:r>
-            <a:endParaRPr lang="sv-SE" dirty="0"/>
-          </a:p>
-          <a:p>
-            <a:pPr lvl="2"/>
-            <a:r>
-              <a:rPr lang="sv-SE" dirty="0" err="1"/>
-              <a:t>Write</a:t>
-            </a:r>
-            <a:r>
-              <a:rPr lang="sv-SE" dirty="0"/>
-              <a:t> code</a:t>
-            </a:r>
-          </a:p>
-          <a:p>
-            <a:pPr lvl="2"/>
-            <a:r>
-              <a:rPr lang="sv-SE" dirty="0" err="1"/>
-              <a:t>Report</a:t>
-            </a:r>
-            <a:r>
-              <a:rPr lang="sv-SE" dirty="0"/>
-              <a:t> </a:t>
-            </a:r>
-            <a:r>
-              <a:rPr lang="sv-SE" dirty="0" err="1"/>
-              <a:t>bugs</a:t>
-            </a:r>
-            <a:endParaRPr lang="sv-SE" dirty="0"/>
-          </a:p>
-          <a:p>
-            <a:pPr lvl="2"/>
-            <a:r>
-              <a:rPr lang="sv-SE" dirty="0" err="1"/>
-              <a:t>Suggest</a:t>
-            </a:r>
-            <a:r>
-              <a:rPr lang="sv-SE" dirty="0"/>
-              <a:t> features</a:t>
-            </a:r>
-          </a:p>
-          <a:p>
-            <a:pPr lvl="1"/>
-            <a:r>
-              <a:rPr lang="sv-SE" dirty="0" err="1"/>
-              <a:t>Donate</a:t>
-            </a:r>
-            <a:r>
-              <a:rPr lang="sv-SE" dirty="0"/>
-              <a:t> $$$</a:t>
-            </a:r>
-          </a:p>
-          <a:p>
-            <a:endParaRPr lang="sv-SE" dirty="0"/>
+              <a:rPr lang="sv-SE" sz="900" dirty="0" err="1"/>
+              <a:t>LeMaire</a:t>
+            </a:r>
+            <a:endParaRPr lang="sv-SE" sz="900" dirty="0"/>
           </a:p>
         </p:txBody>
       </p:sp>
     </p:spTree>
     <p:extLst>
       <p:ext uri="{BB962C8B-B14F-4D97-AF65-F5344CB8AC3E}">
-        <p14:creationId xmlns:p14="http://schemas.microsoft.com/office/powerpoint/2010/main" val="290540475"/>
+        <p14:creationId xmlns:p14="http://schemas.microsoft.com/office/powerpoint/2010/main" val="3066192018"/>
       </p:ext>
     </p:extLst>
   </p:cSld>
@@ -12423,6 +13564,301 @@
         <a:latin typeface="Calibri Light" panose="020F0302020204030204"/>
         <a:ea typeface=""/>
         <a:cs typeface=""/>
+        <a:font script="Jpan" typeface="游ゴシック Light"/>
+        <a:font script="Hang" typeface="맑은 고딕"/>
+        <a:font script="Hans" typeface="等线 Light"/>
+        <a:font script="Hant" typeface="新細明體"/>
+        <a:font script="Arab" typeface="Times New Roman"/>
+        <a:font script="Hebr" typeface="Times New Roman"/>
+        <a:font script="Thai" typeface="Angsana New"/>
+        <a:font script="Ethi" typeface="Nyala"/>
+        <a:font script="Beng" typeface="Vrinda"/>
+        <a:font script="Gujr" typeface="Shruti"/>
+        <a:font script="Khmr" typeface="MoolBoran"/>
+        <a:font script="Knda" typeface="Tunga"/>
+        <a:font script="Guru" typeface="Raavi"/>
+        <a:font script="Cans" typeface="Euphemia"/>
+        <a:font script="Cher" typeface="Plantagenet Cherokee"/>
+        <a:font script="Yiii" typeface="Microsoft Yi Baiti"/>
+        <a:font script="Tibt" typeface="Microsoft Himalaya"/>
+        <a:font script="Thaa" typeface="MV Boli"/>
+        <a:font script="Deva" typeface="Mangal"/>
+        <a:font script="Telu" typeface="Gautami"/>
+        <a:font script="Taml" typeface="Latha"/>
+        <a:font script="Syrc" typeface="Estrangelo Edessa"/>
+        <a:font script="Orya" typeface="Kalinga"/>
+        <a:font script="Mlym" typeface="Kartika"/>
+        <a:font script="Laoo" typeface="DokChampa"/>
+        <a:font script="Sinh" typeface="Iskoola Pota"/>
+        <a:font script="Mong" typeface="Mongolian Baiti"/>
+        <a:font script="Viet" typeface="Times New Roman"/>
+        <a:font script="Uigh" typeface="Microsoft Uighur"/>
+        <a:font script="Geor" typeface="Sylfaen"/>
+        <a:font script="Armn" typeface="Arial"/>
+        <a:font script="Bugi" typeface="Leelawadee UI"/>
+        <a:font script="Bopo" typeface="Microsoft JhengHei"/>
+        <a:font script="Java" typeface="Javanese Text"/>
+        <a:font script="Lisu" typeface="Segoe UI"/>
+        <a:font script="Mymr" typeface="Myanmar Text"/>
+        <a:font script="Nkoo" typeface="Ebrima"/>
+        <a:font script="Olck" typeface="Nirmala UI"/>
+        <a:font script="Osma" typeface="Ebrima"/>
+        <a:font script="Phag" typeface="Phagspa"/>
+        <a:font script="Syrn" typeface="Estrangelo Edessa"/>
+        <a:font script="Syrj" typeface="Estrangelo Edessa"/>
+        <a:font script="Syre" typeface="Estrangelo Edessa"/>
+        <a:font script="Sora" typeface="Nirmala UI"/>
+        <a:font script="Tale" typeface="Microsoft Tai Le"/>
+        <a:font script="Talu" typeface="Microsoft New Tai Lue"/>
+        <a:font script="Tfng" typeface="Ebrima"/>
+      </a:majorFont>
+      <a:minorFont>
+        <a:latin typeface="Calibri" panose="020F0502020204030204"/>
+        <a:ea typeface=""/>
+        <a:cs typeface=""/>
+        <a:font script="Jpan" typeface="游ゴシック"/>
+        <a:font script="Hang" typeface="맑은 고딕"/>
+        <a:font script="Hans" typeface="等线"/>
+        <a:font script="Hant" typeface="新細明體"/>
+        <a:font script="Arab" typeface="Arial"/>
+        <a:font script="Hebr" typeface="Arial"/>
+        <a:font script="Thai" typeface="Cordia New"/>
+        <a:font script="Ethi" typeface="Nyala"/>
+        <a:font script="Beng" typeface="Vrinda"/>
+        <a:font script="Gujr" typeface="Shruti"/>
+        <a:font script="Khmr" typeface="DaunPenh"/>
+        <a:font script="Knda" typeface="Tunga"/>
+        <a:font script="Guru" typeface="Raavi"/>
+        <a:font script="Cans" typeface="Euphemia"/>
+        <a:font script="Cher" typeface="Plantagenet Cherokee"/>
+        <a:font script="Yiii" typeface="Microsoft Yi Baiti"/>
+        <a:font script="Tibt" typeface="Microsoft Himalaya"/>
+        <a:font script="Thaa" typeface="MV Boli"/>
+        <a:font script="Deva" typeface="Mangal"/>
+        <a:font script="Telu" typeface="Gautami"/>
+        <a:font script="Taml" typeface="Latha"/>
+        <a:font script="Syrc" typeface="Estrangelo Edessa"/>
+        <a:font script="Orya" typeface="Kalinga"/>
+        <a:font script="Mlym" typeface="Kartika"/>
+        <a:font script="Laoo" typeface="DokChampa"/>
+        <a:font script="Sinh" typeface="Iskoola Pota"/>
+        <a:font script="Mong" typeface="Mongolian Baiti"/>
+        <a:font script="Viet" typeface="Arial"/>
+        <a:font script="Uigh" typeface="Microsoft Uighur"/>
+        <a:font script="Geor" typeface="Sylfaen"/>
+        <a:font script="Armn" typeface="Arial"/>
+        <a:font script="Bugi" typeface="Leelawadee UI"/>
+        <a:font script="Bopo" typeface="Microsoft JhengHei"/>
+        <a:font script="Java" typeface="Javanese Text"/>
+        <a:font script="Lisu" typeface="Segoe UI"/>
+        <a:font script="Mymr" typeface="Myanmar Text"/>
+        <a:font script="Nkoo" typeface="Ebrima"/>
+        <a:font script="Olck" typeface="Nirmala UI"/>
+        <a:font script="Osma" typeface="Ebrima"/>
+        <a:font script="Phag" typeface="Phagspa"/>
+        <a:font script="Syrn" typeface="Estrangelo Edessa"/>
+        <a:font script="Syrj" typeface="Estrangelo Edessa"/>
+        <a:font script="Syre" typeface="Estrangelo Edessa"/>
+        <a:font script="Sora" typeface="Nirmala UI"/>
+        <a:font script="Tale" typeface="Microsoft Tai Le"/>
+        <a:font script="Talu" typeface="Microsoft New Tai Lue"/>
+        <a:font script="Tfng" typeface="Ebrima"/>
+      </a:minorFont>
+    </a:fontScheme>
+    <a:fmtScheme name="Office">
+      <a:fillStyleLst>
+        <a:solidFill>
+          <a:schemeClr val="phClr"/>
+        </a:solidFill>
+        <a:gradFill rotWithShape="1">
+          <a:gsLst>
+            <a:gs pos="0">
+              <a:schemeClr val="phClr">
+                <a:lumMod val="110000"/>
+                <a:satMod val="105000"/>
+                <a:tint val="67000"/>
+              </a:schemeClr>
+            </a:gs>
+            <a:gs pos="50000">
+              <a:schemeClr val="phClr">
+                <a:lumMod val="105000"/>
+                <a:satMod val="103000"/>
+                <a:tint val="73000"/>
+              </a:schemeClr>
+            </a:gs>
+            <a:gs pos="100000">
+              <a:schemeClr val="phClr">
+                <a:lumMod val="105000"/>
+                <a:satMod val="109000"/>
+                <a:tint val="81000"/>
+              </a:schemeClr>
+            </a:gs>
+          </a:gsLst>
+          <a:lin ang="5400000" scaled="0"/>
+        </a:gradFill>
+        <a:gradFill rotWithShape="1">
+          <a:gsLst>
+            <a:gs pos="0">
+              <a:schemeClr val="phClr">
+                <a:satMod val="103000"/>
+                <a:lumMod val="102000"/>
+                <a:tint val="94000"/>
+              </a:schemeClr>
+            </a:gs>
+            <a:gs pos="50000">
+              <a:schemeClr val="phClr">
+                <a:satMod val="110000"/>
+                <a:lumMod val="100000"/>
+                <a:shade val="100000"/>
+              </a:schemeClr>
+            </a:gs>
+            <a:gs pos="100000">
+              <a:schemeClr val="phClr">
+                <a:lumMod val="99000"/>
+                <a:satMod val="120000"/>
+                <a:shade val="78000"/>
+              </a:schemeClr>
+            </a:gs>
+          </a:gsLst>
+          <a:lin ang="5400000" scaled="0"/>
+        </a:gradFill>
+      </a:fillStyleLst>
+      <a:lnStyleLst>
+        <a:ln w="6350" cap="flat" cmpd="sng" algn="ctr">
+          <a:solidFill>
+            <a:schemeClr val="phClr"/>
+          </a:solidFill>
+          <a:prstDash val="solid"/>
+          <a:miter lim="800000"/>
+        </a:ln>
+        <a:ln w="12700" cap="flat" cmpd="sng" algn="ctr">
+          <a:solidFill>
+            <a:schemeClr val="phClr"/>
+          </a:solidFill>
+          <a:prstDash val="solid"/>
+          <a:miter lim="800000"/>
+        </a:ln>
+        <a:ln w="19050" cap="flat" cmpd="sng" algn="ctr">
+          <a:solidFill>
+            <a:schemeClr val="phClr"/>
+          </a:solidFill>
+          <a:prstDash val="solid"/>
+          <a:miter lim="800000"/>
+        </a:ln>
+      </a:lnStyleLst>
+      <a:effectStyleLst>
+        <a:effectStyle>
+          <a:effectLst/>
+        </a:effectStyle>
+        <a:effectStyle>
+          <a:effectLst/>
+        </a:effectStyle>
+        <a:effectStyle>
+          <a:effectLst>
+            <a:outerShdw blurRad="57150" dist="19050" dir="5400000" algn="ctr" rotWithShape="0">
+              <a:srgbClr val="000000">
+                <a:alpha val="63000"/>
+              </a:srgbClr>
+            </a:outerShdw>
+          </a:effectLst>
+        </a:effectStyle>
+      </a:effectStyleLst>
+      <a:bgFillStyleLst>
+        <a:solidFill>
+          <a:schemeClr val="phClr"/>
+        </a:solidFill>
+        <a:solidFill>
+          <a:schemeClr val="phClr">
+            <a:tint val="95000"/>
+            <a:satMod val="170000"/>
+          </a:schemeClr>
+        </a:solidFill>
+        <a:gradFill rotWithShape="1">
+          <a:gsLst>
+            <a:gs pos="0">
+              <a:schemeClr val="phClr">
+                <a:tint val="93000"/>
+                <a:satMod val="150000"/>
+                <a:shade val="98000"/>
+                <a:lumMod val="102000"/>
+              </a:schemeClr>
+            </a:gs>
+            <a:gs pos="50000">
+              <a:schemeClr val="phClr">
+                <a:tint val="98000"/>
+                <a:satMod val="130000"/>
+                <a:shade val="90000"/>
+                <a:lumMod val="103000"/>
+              </a:schemeClr>
+            </a:gs>
+            <a:gs pos="100000">
+              <a:schemeClr val="phClr">
+                <a:shade val="63000"/>
+                <a:satMod val="120000"/>
+              </a:schemeClr>
+            </a:gs>
+          </a:gsLst>
+          <a:lin ang="5400000" scaled="0"/>
+        </a:gradFill>
+      </a:bgFillStyleLst>
+    </a:fmtScheme>
+  </a:themeElements>
+  <a:objectDefaults/>
+  <a:extraClrSchemeLst/>
+  <a:extLst>
+    <a:ext uri="{05A4C25C-085E-4340-85A3-A5531E510DB2}">
+      <thm15:themeFamily xmlns:thm15="http://schemas.microsoft.com/office/thememl/2012/main" name="Office Theme" id="{62F939B6-93AF-4DB8-9C6B-D6C7DFDC589F}" vid="{4A3C46E8-61CC-4603-A589-7422A47A8E4A}"/>
+    </a:ext>
+  </a:extLst>
+</a:theme>
+</file>
+
+<file path=ppt/theme/theme4.xml><?xml version="1.0" encoding="utf-8"?>
+<a:theme xmlns:a="http://schemas.openxmlformats.org/drawingml/2006/main" name="Office Theme">
+  <a:themeElements>
+    <a:clrScheme name="Office">
+      <a:dk1>
+        <a:sysClr val="windowText" lastClr="000000"/>
+      </a:dk1>
+      <a:lt1>
+        <a:sysClr val="window" lastClr="FFFFFF"/>
+      </a:lt1>
+      <a:dk2>
+        <a:srgbClr val="44546A"/>
+      </a:dk2>
+      <a:lt2>
+        <a:srgbClr val="E7E6E6"/>
+      </a:lt2>
+      <a:accent1>
+        <a:srgbClr val="4472C4"/>
+      </a:accent1>
+      <a:accent2>
+        <a:srgbClr val="ED7D31"/>
+      </a:accent2>
+      <a:accent3>
+        <a:srgbClr val="A5A5A5"/>
+      </a:accent3>
+      <a:accent4>
+        <a:srgbClr val="FFC000"/>
+      </a:accent4>
+      <a:accent5>
+        <a:srgbClr val="5B9BD5"/>
+      </a:accent5>
+      <a:accent6>
+        <a:srgbClr val="70AD47"/>
+      </a:accent6>
+      <a:hlink>
+        <a:srgbClr val="0563C1"/>
+      </a:hlink>
+      <a:folHlink>
+        <a:srgbClr val="954F72"/>
+      </a:folHlink>
+    </a:clrScheme>
+    <a:fontScheme name="Office">
+      <a:majorFont>
+        <a:latin typeface="Calibri Light" panose="020F0302020204030204"/>
+        <a:ea typeface=""/>
+        <a:cs typeface=""/>
         <a:font script="Jpan" typeface="Yu Gothic Light"/>
         <a:font script="Hang" typeface="맑은 고딕"/>
         <a:font script="Hans" typeface="DengXian Light"/>
@@ -12639,6 +14075,21 @@
 </file>
 
 <file path=customXml/item1.xml><?xml version="1.0" encoding="utf-8"?>
+<p:properties xmlns:p="http://schemas.microsoft.com/office/2006/metadata/properties" xmlns:xsi="http://www.w3.org/2001/XMLSchema-instance" xmlns:pc="http://schemas.microsoft.com/office/infopath/2007/PartnerControls">
+  <documentManagement/>
+</p:properties>
+</file>
+
+<file path=customXml/item2.xml><?xml version="1.0" encoding="utf-8"?>
+<?mso-contentType ?>
+<FormTemplates xmlns="http://schemas.microsoft.com/sharepoint/v3/contenttype/forms">
+  <Display>DocumentLibraryForm</Display>
+  <Edit>DocumentLibraryForm</Edit>
+  <New>DocumentLibraryForm</New>
+</FormTemplates>
+</file>
+
+<file path=customXml/item3.xml><?xml version="1.0" encoding="utf-8"?>
 <ct:contentTypeSchema xmlns:ct="http://schemas.microsoft.com/office/2006/metadata/contentType" xmlns:ma="http://schemas.microsoft.com/office/2006/metadata/properties/metaAttributes" ct:_="" ma:_="" ma:contentTypeName="Document" ma:contentTypeID="0x010100BE9DF362DDD05A45B86D781376AAC476" ma:contentTypeVersion="7" ma:contentTypeDescription="Create a new document." ma:contentTypeScope="" ma:versionID="3a57987203f074c548de98d113b4286b">
   <xsd:schema xmlns:xsd="http://www.w3.org/2001/XMLSchema" xmlns:xs="http://www.w3.org/2001/XMLSchema" xmlns:p="http://schemas.microsoft.com/office/2006/metadata/properties" xmlns:ns2="d199752a-3aa5-47db-8ae7-beef1561cea0" targetNamespace="http://schemas.microsoft.com/office/2006/metadata/properties" ma:root="true" ma:fieldsID="70b53b01044eee4a42e00434b4075c16" ns2:_="">
     <xsd:import namespace="d199752a-3aa5-47db-8ae7-beef1561cea0"/>
@@ -12802,22 +14253,24 @@
 </ct:contentTypeSchema>
 </file>
 
-<file path=customXml/item2.xml><?xml version="1.0" encoding="utf-8"?>
-<?mso-contentType ?>
-<FormTemplates xmlns="http://schemas.microsoft.com/sharepoint/v3/contenttype/forms">
-  <Display>DocumentLibraryForm</Display>
-  <Edit>DocumentLibraryForm</Edit>
-  <New>DocumentLibraryForm</New>
-</FormTemplates>
+<file path=customXml/itemProps1.xml><?xml version="1.0" encoding="utf-8"?>
+<ds:datastoreItem xmlns:ds="http://schemas.openxmlformats.org/officeDocument/2006/customXml" ds:itemID="{A5AA9653-386D-4377-A986-DC4A02C60CD5}">
+  <ds:schemaRefs>
+    <ds:schemaRef ds:uri="http://schemas.microsoft.com/office/2006/metadata/properties"/>
+    <ds:schemaRef ds:uri="http://schemas.microsoft.com/office/infopath/2007/PartnerControls"/>
+  </ds:schemaRefs>
+</ds:datastoreItem>
 </file>
 
-<file path=customXml/item3.xml><?xml version="1.0" encoding="utf-8"?>
-<p:properties xmlns:p="http://schemas.microsoft.com/office/2006/metadata/properties" xmlns:xsi="http://www.w3.org/2001/XMLSchema-instance" xmlns:pc="http://schemas.microsoft.com/office/infopath/2007/PartnerControls">
-  <documentManagement/>
-</p:properties>
+<file path=customXml/itemProps2.xml><?xml version="1.0" encoding="utf-8"?>
+<ds:datastoreItem xmlns:ds="http://schemas.openxmlformats.org/officeDocument/2006/customXml" ds:itemID="{C542A527-91EE-49D6-AF42-393E29B98637}">
+  <ds:schemaRefs>
+    <ds:schemaRef ds:uri="http://schemas.microsoft.com/sharepoint/v3/contenttype/forms"/>
+  </ds:schemaRefs>
+</ds:datastoreItem>
 </file>
 
-<file path=customXml/itemProps1.xml><?xml version="1.0" encoding="utf-8"?>
+<file path=customXml/itemProps3.xml><?xml version="1.0" encoding="utf-8"?>
 <ds:datastoreItem xmlns:ds="http://schemas.openxmlformats.org/officeDocument/2006/customXml" ds:itemID="{876C713D-8D2B-492D-A52A-375696712CF8}">
   <ds:schemaRefs>
     <ds:schemaRef ds:uri="http://schemas.microsoft.com/office/2006/metadata/contentType"/>
@@ -12833,21 +14286,4 @@
     <ds:schemaRef ds:uri="http://schemas.microsoft.com/internal/obd"/>
   </ds:schemaRefs>
 </ds:datastoreItem>
-</file>
-
-<file path=customXml/itemProps2.xml><?xml version="1.0" encoding="utf-8"?>
-<ds:datastoreItem xmlns:ds="http://schemas.openxmlformats.org/officeDocument/2006/customXml" ds:itemID="{C542A527-91EE-49D6-AF42-393E29B98637}">
-  <ds:schemaRefs>
-    <ds:schemaRef ds:uri="http://schemas.microsoft.com/sharepoint/v3/contenttype/forms"/>
-  </ds:schemaRefs>
-</ds:datastoreItem>
-</file>
-
-<file path=customXml/itemProps3.xml><?xml version="1.0" encoding="utf-8"?>
-<ds:datastoreItem xmlns:ds="http://schemas.openxmlformats.org/officeDocument/2006/customXml" ds:itemID="{A5AA9653-386D-4377-A986-DC4A02C60CD5}">
-  <ds:schemaRefs>
-    <ds:schemaRef ds:uri="http://schemas.microsoft.com/office/2006/metadata/properties"/>
-    <ds:schemaRef ds:uri="http://schemas.microsoft.com/office/infopath/2007/PartnerControls"/>
-  </ds:schemaRefs>
-</ds:datastoreItem>
 </file>
--- a/ILoveDBATools/ILoveDBATools.pptx
+++ b/ILoveDBATools/ILoveDBATools.pptx
@@ -11417,7 +11417,16 @@
             </a:r>
             <a:r>
               <a:rPr lang="sv-SE" dirty="0"/>
-              <a:t>. That you </a:t>
+              <a:t>. </a:t>
+            </a:r>
+          </a:p>
+          <a:p>
+            <a:pPr marL="0" indent="0">
+              <a:buNone/>
+            </a:pPr>
+            <a:r>
+              <a:rPr lang="sv-SE" dirty="0"/>
+              <a:t>That you </a:t>
             </a:r>
             <a:r>
               <a:rPr lang="sv-SE" dirty="0" err="1"/>
@@ -11432,10 +11441,9 @@
               <a:t>once</a:t>
             </a:r>
             <a:r>
-              <a:rPr lang="sv-SE"/>
+              <a:rPr lang="sv-SE" dirty="0"/>
               <a:t>.</a:t>
             </a:r>
-            <a:endParaRPr lang="sv-SE" dirty="0"/>
           </a:p>
           <a:p>
             <a:endParaRPr lang="sv-SE" dirty="0"/>
@@ -11455,6 +11463,85 @@
   <p:clrMapOvr>
     <a:masterClrMapping/>
   </p:clrMapOvr>
+  <p:timing>
+    <p:tnLst>
+      <p:par>
+        <p:cTn id="1" dur="indefinite" restart="never" nodeType="tmRoot">
+          <p:childTnLst>
+            <p:seq concurrent="1" nextAc="seek">
+              <p:cTn id="2" dur="indefinite" nodeType="mainSeq">
+                <p:childTnLst>
+                  <p:par>
+                    <p:cTn id="3" fill="hold">
+                      <p:stCondLst>
+                        <p:cond delay="indefinite"/>
+                      </p:stCondLst>
+                      <p:childTnLst>
+                        <p:par>
+                          <p:cTn id="4" fill="hold">
+                            <p:stCondLst>
+                              <p:cond delay="0"/>
+                            </p:stCondLst>
+                            <p:childTnLst>
+                              <p:par>
+                                <p:cTn id="5" presetID="1" presetClass="entr" presetSubtype="0" fill="hold" nodeType="clickEffect">
+                                  <p:stCondLst>
+                                    <p:cond delay="0"/>
+                                  </p:stCondLst>
+                                  <p:childTnLst>
+                                    <p:set>
+                                      <p:cBhvr>
+                                        <p:cTn id="6" dur="1" fill="hold">
+                                          <p:stCondLst>
+                                            <p:cond delay="0"/>
+                                          </p:stCondLst>
+                                        </p:cTn>
+                                        <p:tgtEl>
+                                          <p:spTgt spid="3">
+                                            <p:txEl>
+                                              <p:pRg st="5" end="5"/>
+                                            </p:txEl>
+                                          </p:spTgt>
+                                        </p:tgtEl>
+                                        <p:attrNameLst>
+                                          <p:attrName>style.visibility</p:attrName>
+                                        </p:attrNameLst>
+                                      </p:cBhvr>
+                                      <p:to>
+                                        <p:strVal val="visible"/>
+                                      </p:to>
+                                    </p:set>
+                                  </p:childTnLst>
+                                </p:cTn>
+                              </p:par>
+                            </p:childTnLst>
+                          </p:cTn>
+                        </p:par>
+                      </p:childTnLst>
+                    </p:cTn>
+                  </p:par>
+                </p:childTnLst>
+              </p:cTn>
+              <p:prevCondLst>
+                <p:cond evt="onPrev" delay="0">
+                  <p:tgtEl>
+                    <p:sldTgt/>
+                  </p:tgtEl>
+                </p:cond>
+              </p:prevCondLst>
+              <p:nextCondLst>
+                <p:cond evt="onNext" delay="0">
+                  <p:tgtEl>
+                    <p:sldTgt/>
+                  </p:tgtEl>
+                </p:cond>
+              </p:nextCondLst>
+            </p:seq>
+          </p:childTnLst>
+        </p:cTn>
+      </p:par>
+    </p:tnLst>
+  </p:timing>
 </p:sld>
 </file>
 

--- a/ILoveDBATools/ILoveDBATools.pptx
+++ b/ILoveDBATools/ILoveDBATools.pptx
@@ -4,26 +4,23 @@
   <p:sldMasterIdLst>
     <p:sldMasterId id="2147483648" r:id="rId4"/>
     <p:sldMasterId id="2147483668" r:id="rId5"/>
-    <p:sldMasterId id="2147483680" r:id="rId6"/>
   </p:sldMasterIdLst>
   <p:notesMasterIdLst>
-    <p:notesMasterId r:id="rId21"/>
+    <p:notesMasterId r:id="rId18"/>
   </p:notesMasterIdLst>
   <p:sldIdLst>
-    <p:sldId id="256" r:id="rId7"/>
-    <p:sldId id="259" r:id="rId8"/>
-    <p:sldId id="258" r:id="rId9"/>
-    <p:sldId id="261" r:id="rId10"/>
-    <p:sldId id="274" r:id="rId11"/>
-    <p:sldId id="286" r:id="rId12"/>
-    <p:sldId id="269" r:id="rId13"/>
-    <p:sldId id="270" r:id="rId14"/>
-    <p:sldId id="285" r:id="rId15"/>
-    <p:sldId id="289" r:id="rId16"/>
-    <p:sldId id="291" r:id="rId17"/>
-    <p:sldId id="287" r:id="rId18"/>
-    <p:sldId id="292" r:id="rId19"/>
-    <p:sldId id="293" r:id="rId20"/>
+    <p:sldId id="260" r:id="rId6"/>
+    <p:sldId id="257" r:id="rId7"/>
+    <p:sldId id="261" r:id="rId8"/>
+    <p:sldId id="274" r:id="rId9"/>
+    <p:sldId id="286" r:id="rId10"/>
+    <p:sldId id="269" r:id="rId11"/>
+    <p:sldId id="270" r:id="rId12"/>
+    <p:sldId id="285" r:id="rId13"/>
+    <p:sldId id="289" r:id="rId14"/>
+    <p:sldId id="291" r:id="rId15"/>
+    <p:sldId id="287" r:id="rId16"/>
+    <p:sldId id="292" r:id="rId17"/>
   </p:sldIdLst>
   <p:sldSz cx="12192000" cy="6858000"/>
   <p:notesSz cx="6858000" cy="9144000"/>
@@ -1400,7 +1397,7 @@
           <a:p>
             <a:fld id="{896D3B2D-3924-0B48-B558-93C031AA9A06}" type="datetimeFigureOut">
               <a:rPr lang="en-US" smtClean="0"/>
-              <a:t>5/12/2020</a:t>
+              <a:t>4/15/2020</a:t>
             </a:fld>
             <a:endParaRPr lang="en-US"/>
           </a:p>
@@ -1860,7 +1857,7 @@
             <a:fld id="{B61BEF0D-F0BB-DE4B-95CE-6DB70DBA9567}" type="datetimeFigureOut">
               <a:rPr lang="en-US"/>
               <a:pPr/>
-              <a:t>5/12/2020</a:t>
+              <a:t>4/15/2020</a:t>
             </a:fld>
             <a:endParaRPr lang="en-US"/>
           </a:p>
@@ -2144,7 +2141,7 @@
             <a:fld id="{B61BEF0D-F0BB-DE4B-95CE-6DB70DBA9567}" type="datetimeFigureOut">
               <a:rPr lang="en-US"/>
               <a:pPr/>
-              <a:t>5/12/2020</a:t>
+              <a:t>4/15/2020</a:t>
             </a:fld>
             <a:endParaRPr lang="en-US"/>
           </a:p>
@@ -2455,7 +2452,7 @@
             <a:fld id="{B61BEF0D-F0BB-DE4B-95CE-6DB70DBA9567}" type="datetimeFigureOut">
               <a:rPr lang="en-US"/>
               <a:pPr/>
-              <a:t>5/12/2020</a:t>
+              <a:t>4/15/2020</a:t>
             </a:fld>
             <a:endParaRPr lang="en-US"/>
           </a:p>
@@ -2793,7 +2790,7 @@
             <a:fld id="{B61BEF0D-F0BB-DE4B-95CE-6DB70DBA9567}" type="datetimeFigureOut">
               <a:rPr lang="en-US"/>
               <a:pPr/>
-              <a:t>5/12/2020</a:t>
+              <a:t>4/15/2020</a:t>
             </a:fld>
             <a:endParaRPr lang="en-US"/>
           </a:p>
@@ -3104,7 +3101,7 @@
             <a:fld id="{B61BEF0D-F0BB-DE4B-95CE-6DB70DBA9567}" type="datetimeFigureOut">
               <a:rPr lang="en-US"/>
               <a:pPr/>
-              <a:t>5/12/2020</a:t>
+              <a:t>4/15/2020</a:t>
             </a:fld>
             <a:endParaRPr lang="en-US"/>
           </a:p>
@@ -3494,7 +3491,7 @@
             <a:fld id="{B61BEF0D-F0BB-DE4B-95CE-6DB70DBA9567}" type="datetimeFigureOut">
               <a:rPr lang="en-US"/>
               <a:pPr/>
-              <a:t>5/12/2020</a:t>
+              <a:t>4/15/2020</a:t>
             </a:fld>
             <a:endParaRPr lang="en-US"/>
           </a:p>
@@ -3660,7 +3657,7 @@
           <a:p>
             <a:fld id="{55C6B4A9-1611-4792-9094-5F34BCA07E0B}" type="datetimeFigureOut">
               <a:rPr lang="en-US"/>
-              <a:t>5/12/2020</a:t>
+              <a:t>4/15/2020</a:t>
             </a:fld>
             <a:endParaRPr lang="en-US"/>
           </a:p>
@@ -3836,7 +3833,7 @@
             <a:fld id="{B61BEF0D-F0BB-DE4B-95CE-6DB70DBA9567}" type="datetimeFigureOut">
               <a:rPr lang="en-US"/>
               <a:pPr/>
-              <a:t>5/12/2020</a:t>
+              <a:t>4/15/2020</a:t>
             </a:fld>
             <a:endParaRPr lang="en-US"/>
           </a:p>
@@ -4040,7 +4037,7 @@
           <a:p>
             <a:fld id="{C2231AF4-6FC1-4460-BBC9-D7CD0B6E11EF}" type="datetimeFigureOut">
               <a:rPr lang="sv-SE" smtClean="0"/>
-              <a:t>2020-05-12</a:t>
+              <a:t>2020-04-15</a:t>
             </a:fld>
             <a:endParaRPr lang="sv-SE"/>
           </a:p>
@@ -4238,7 +4235,7 @@
           <a:p>
             <a:fld id="{C2231AF4-6FC1-4460-BBC9-D7CD0B6E11EF}" type="datetimeFigureOut">
               <a:rPr lang="sv-SE" smtClean="0"/>
-              <a:t>2020-05-12</a:t>
+              <a:t>2020-04-15</a:t>
             </a:fld>
             <a:endParaRPr lang="sv-SE"/>
           </a:p>
@@ -4513,7 +4510,7 @@
           <a:p>
             <a:fld id="{C2231AF4-6FC1-4460-BBC9-D7CD0B6E11EF}" type="datetimeFigureOut">
               <a:rPr lang="sv-SE" smtClean="0"/>
-              <a:t>2020-05-12</a:t>
+              <a:t>2020-04-15</a:t>
             </a:fld>
             <a:endParaRPr lang="sv-SE"/>
           </a:p>
@@ -4702,7 +4699,7 @@
             <a:fld id="{B61BEF0D-F0BB-DE4B-95CE-6DB70DBA9567}" type="datetimeFigureOut">
               <a:rPr lang="en-US"/>
               <a:pPr/>
-              <a:t>5/12/2020</a:t>
+              <a:t>4/15/2020</a:t>
             </a:fld>
             <a:endParaRPr lang="en-US"/>
           </a:p>
@@ -4951,7 +4948,7 @@
           <a:p>
             <a:fld id="{C2231AF4-6FC1-4460-BBC9-D7CD0B6E11EF}" type="datetimeFigureOut">
               <a:rPr lang="sv-SE" smtClean="0"/>
-              <a:t>2020-05-12</a:t>
+              <a:t>2020-04-15</a:t>
             </a:fld>
             <a:endParaRPr lang="sv-SE"/>
           </a:p>
@@ -5363,7 +5360,7 @@
           <a:p>
             <a:fld id="{C2231AF4-6FC1-4460-BBC9-D7CD0B6E11EF}" type="datetimeFigureOut">
               <a:rPr lang="sv-SE" smtClean="0"/>
-              <a:t>2020-05-12</a:t>
+              <a:t>2020-04-15</a:t>
             </a:fld>
             <a:endParaRPr lang="sv-SE"/>
           </a:p>
@@ -5504,7 +5501,7 @@
           <a:p>
             <a:fld id="{C2231AF4-6FC1-4460-BBC9-D7CD0B6E11EF}" type="datetimeFigureOut">
               <a:rPr lang="sv-SE" smtClean="0"/>
-              <a:t>2020-05-12</a:t>
+              <a:t>2020-04-15</a:t>
             </a:fld>
             <a:endParaRPr lang="sv-SE"/>
           </a:p>
@@ -5617,7 +5614,7 @@
           <a:p>
             <a:fld id="{C2231AF4-6FC1-4460-BBC9-D7CD0B6E11EF}" type="datetimeFigureOut">
               <a:rPr lang="sv-SE" smtClean="0"/>
-              <a:t>2020-05-12</a:t>
+              <a:t>2020-04-15</a:t>
             </a:fld>
             <a:endParaRPr lang="sv-SE"/>
           </a:p>
@@ -5928,7 +5925,7 @@
           <a:p>
             <a:fld id="{C2231AF4-6FC1-4460-BBC9-D7CD0B6E11EF}" type="datetimeFigureOut">
               <a:rPr lang="sv-SE" smtClean="0"/>
-              <a:t>2020-05-12</a:t>
+              <a:t>2020-04-15</a:t>
             </a:fld>
             <a:endParaRPr lang="sv-SE"/>
           </a:p>
@@ -6216,7 +6213,7 @@
           <a:p>
             <a:fld id="{C2231AF4-6FC1-4460-BBC9-D7CD0B6E11EF}" type="datetimeFigureOut">
               <a:rPr lang="sv-SE" smtClean="0"/>
-              <a:t>2020-05-12</a:t>
+              <a:t>2020-04-15</a:t>
             </a:fld>
             <a:endParaRPr lang="sv-SE"/>
           </a:p>
@@ -6414,7 +6411,7 @@
           <a:p>
             <a:fld id="{C2231AF4-6FC1-4460-BBC9-D7CD0B6E11EF}" type="datetimeFigureOut">
               <a:rPr lang="sv-SE" smtClean="0"/>
-              <a:t>2020-05-12</a:t>
+              <a:t>2020-04-15</a:t>
             </a:fld>
             <a:endParaRPr lang="sv-SE"/>
           </a:p>
@@ -6622,7 +6619,7 @@
           <a:p>
             <a:fld id="{C2231AF4-6FC1-4460-BBC9-D7CD0B6E11EF}" type="datetimeFigureOut">
               <a:rPr lang="sv-SE" smtClean="0"/>
-              <a:t>2020-05-12</a:t>
+              <a:t>2020-04-15</a:t>
             </a:fld>
             <a:endParaRPr lang="sv-SE"/>
           </a:p>
@@ -6686,382 +6683,6 @@
     <p:extLst>
       <p:ext uri="{BB962C8B-B14F-4D97-AF65-F5344CB8AC3E}">
         <p14:creationId xmlns:p14="http://schemas.microsoft.com/office/powerpoint/2010/main" val="1712379941"/>
-      </p:ext>
-    </p:extLst>
-  </p:cSld>
-  <p:clrMapOvr>
-    <a:masterClrMapping/>
-  </p:clrMapOvr>
-</p:sldLayout>
-</file>
-
-<file path=ppt/slideLayouts/slideLayout28.xml><?xml version="1.0" encoding="utf-8"?>
-<p:sldLayout xmlns:a="http://schemas.openxmlformats.org/drawingml/2006/main" xmlns:r="http://schemas.openxmlformats.org/officeDocument/2006/relationships" xmlns:p="http://schemas.openxmlformats.org/presentationml/2006/main" preserve="1" userDrawn="1">
-  <p:cSld name="Title Slide">
-    <p:spTree>
-      <p:nvGrpSpPr>
-        <p:cNvPr id="1" name=""/>
-        <p:cNvGrpSpPr/>
-        <p:nvPr/>
-      </p:nvGrpSpPr>
-      <p:grpSpPr>
-        <a:xfrm>
-          <a:off x="0" y="0"/>
-          <a:ext cx="0" cy="0"/>
-          <a:chOff x="0" y="0"/>
-          <a:chExt cx="0" cy="0"/>
-        </a:xfrm>
-      </p:grpSpPr>
-      <p:sp>
-        <p:nvSpPr>
-          <p:cNvPr id="10" name="TextBox 9">
-            <a:extLst>
-              <a:ext uri="{FF2B5EF4-FFF2-40B4-BE49-F238E27FC236}">
-                <a16:creationId xmlns:a16="http://schemas.microsoft.com/office/drawing/2014/main" id="{E83E6DCD-0925-492B-B952-87A34542FCA4}"/>
-              </a:ext>
-            </a:extLst>
-          </p:cNvPr>
-          <p:cNvSpPr txBox="1"/>
-          <p:nvPr userDrawn="1"/>
-        </p:nvSpPr>
-        <p:spPr>
-          <a:xfrm>
-            <a:off x="368489" y="382137"/>
-            <a:ext cx="11354937" cy="1107996"/>
-          </a:xfrm>
-          <a:prstGeom prst="rect">
-            <a:avLst/>
-          </a:prstGeom>
-          <a:noFill/>
-        </p:spPr>
-        <p:txBody>
-          <a:bodyPr wrap="square" rtlCol="0">
-            <a:spAutoFit/>
-          </a:bodyPr>
-          <a:lstStyle/>
-          <a:p>
-            <a:r>
-              <a:rPr lang="en-CA" sz="6600" dirty="0">
-                <a:solidFill>
-                  <a:schemeClr val="bg1"/>
-                </a:solidFill>
-                <a:latin typeface="Roboto Bk" pitchFamily="2" charset="0"/>
-                <a:ea typeface="Roboto Bk" pitchFamily="2" charset="0"/>
-              </a:rPr>
-              <a:t>GROUPBY 2020 | MAY 12-13</a:t>
-            </a:r>
-          </a:p>
-        </p:txBody>
-      </p:sp>
-      <p:sp>
-        <p:nvSpPr>
-          <p:cNvPr id="11" name="Rectangle 10">
-            <a:extLst>
-              <a:ext uri="{FF2B5EF4-FFF2-40B4-BE49-F238E27FC236}">
-                <a16:creationId xmlns:a16="http://schemas.microsoft.com/office/drawing/2014/main" id="{A680A0A8-FC9F-4BA7-8F81-FC4F1418F28C}"/>
-              </a:ext>
-            </a:extLst>
-          </p:cNvPr>
-          <p:cNvSpPr/>
-          <p:nvPr userDrawn="1"/>
-        </p:nvSpPr>
-        <p:spPr>
-          <a:xfrm>
-            <a:off x="545911" y="1572021"/>
-            <a:ext cx="5827594" cy="93005"/>
-          </a:xfrm>
-          <a:prstGeom prst="rect">
-            <a:avLst/>
-          </a:prstGeom>
-          <a:solidFill>
-            <a:srgbClr val="FF3333"/>
-          </a:solidFill>
-          <a:ln>
-            <a:noFill/>
-          </a:ln>
-        </p:spPr>
-        <p:style>
-          <a:lnRef idx="2">
-            <a:schemeClr val="accent1">
-              <a:shade val="50000"/>
-            </a:schemeClr>
-          </a:lnRef>
-          <a:fillRef idx="1">
-            <a:schemeClr val="accent1"/>
-          </a:fillRef>
-          <a:effectRef idx="0">
-            <a:schemeClr val="accent1"/>
-          </a:effectRef>
-          <a:fontRef idx="minor">
-            <a:schemeClr val="lt1"/>
-          </a:fontRef>
-        </p:style>
-        <p:txBody>
-          <a:bodyPr rtlCol="0" anchor="ctr"/>
-          <a:lstStyle/>
-          <a:p>
-            <a:pPr algn="ctr"/>
-            <a:endParaRPr lang="en-CA"/>
-          </a:p>
-        </p:txBody>
-      </p:sp>
-      <p:sp>
-        <p:nvSpPr>
-          <p:cNvPr id="12" name="TextBox 11">
-            <a:extLst>
-              <a:ext uri="{FF2B5EF4-FFF2-40B4-BE49-F238E27FC236}">
-                <a16:creationId xmlns:a16="http://schemas.microsoft.com/office/drawing/2014/main" id="{3BF91502-CA6E-4E7E-8CB9-3F1F0850ADB3}"/>
-              </a:ext>
-            </a:extLst>
-          </p:cNvPr>
-          <p:cNvSpPr txBox="1"/>
-          <p:nvPr userDrawn="1"/>
-        </p:nvSpPr>
-        <p:spPr>
-          <a:xfrm>
-            <a:off x="409432" y="2169994"/>
-            <a:ext cx="10031105" cy="1384995"/>
-          </a:xfrm>
-          <a:prstGeom prst="rect">
-            <a:avLst/>
-          </a:prstGeom>
-          <a:noFill/>
-        </p:spPr>
-        <p:txBody>
-          <a:bodyPr wrap="square" rtlCol="0">
-            <a:spAutoFit/>
-          </a:bodyPr>
-          <a:lstStyle/>
-          <a:p>
-            <a:r>
-              <a:rPr lang="en-US" sz="3600" dirty="0">
-                <a:solidFill>
-                  <a:schemeClr val="bg1"/>
-                </a:solidFill>
-                <a:latin typeface="Roboto Bk" pitchFamily="2" charset="0"/>
-                <a:ea typeface="Roboto Bk" pitchFamily="2" charset="0"/>
-              </a:rPr>
-              <a:t>Free Online Training for Data Professionals.</a:t>
-            </a:r>
-          </a:p>
-          <a:p>
-            <a:endParaRPr lang="en-US" sz="1000" dirty="0">
-              <a:solidFill>
-                <a:schemeClr val="bg1"/>
-              </a:solidFill>
-              <a:latin typeface="Roboto Bk" pitchFamily="2" charset="0"/>
-              <a:ea typeface="Roboto Bk" pitchFamily="2" charset="0"/>
-            </a:endParaRPr>
-          </a:p>
-          <a:p>
-            <a:r>
-              <a:rPr lang="en-US" sz="3600" dirty="0">
-                <a:solidFill>
-                  <a:schemeClr val="bg1"/>
-                </a:solidFill>
-                <a:latin typeface="Roboto Bk" pitchFamily="2" charset="0"/>
-                <a:ea typeface="Roboto Bk" pitchFamily="2" charset="0"/>
-              </a:rPr>
-              <a:t>By the Community, for the Community.</a:t>
-            </a:r>
-            <a:endParaRPr lang="en-CA" sz="3600" dirty="0">
-              <a:solidFill>
-                <a:schemeClr val="bg1"/>
-              </a:solidFill>
-              <a:latin typeface="Roboto Bk" pitchFamily="2" charset="0"/>
-              <a:ea typeface="Roboto Bk" pitchFamily="2" charset="0"/>
-            </a:endParaRPr>
-          </a:p>
-        </p:txBody>
-      </p:sp>
-    </p:spTree>
-    <p:extLst>
-      <p:ext uri="{BB962C8B-B14F-4D97-AF65-F5344CB8AC3E}">
-        <p14:creationId xmlns:p14="http://schemas.microsoft.com/office/powerpoint/2010/main" val="1722687445"/>
-      </p:ext>
-    </p:extLst>
-  </p:cSld>
-  <p:clrMapOvr>
-    <a:masterClrMapping/>
-  </p:clrMapOvr>
-</p:sldLayout>
-</file>
-
-<file path=ppt/slideLayouts/slideLayout29.xml><?xml version="1.0" encoding="utf-8"?>
-<p:sldLayout xmlns:a="http://schemas.openxmlformats.org/drawingml/2006/main" xmlns:r="http://schemas.openxmlformats.org/officeDocument/2006/relationships" xmlns:p="http://schemas.openxmlformats.org/presentationml/2006/main" preserve="1" userDrawn="1">
-  <p:cSld name="2_Title Slide">
-    <p:spTree>
-      <p:nvGrpSpPr>
-        <p:cNvPr id="1" name=""/>
-        <p:cNvGrpSpPr/>
-        <p:nvPr/>
-      </p:nvGrpSpPr>
-      <p:grpSpPr>
-        <a:xfrm>
-          <a:off x="0" y="0"/>
-          <a:ext cx="0" cy="0"/>
-          <a:chOff x="0" y="0"/>
-          <a:chExt cx="0" cy="0"/>
-        </a:xfrm>
-      </p:grpSpPr>
-      <p:sp>
-        <p:nvSpPr>
-          <p:cNvPr id="10" name="TextBox 9">
-            <a:extLst>
-              <a:ext uri="{FF2B5EF4-FFF2-40B4-BE49-F238E27FC236}">
-                <a16:creationId xmlns:a16="http://schemas.microsoft.com/office/drawing/2014/main" id="{E83E6DCD-0925-492B-B952-87A34542FCA4}"/>
-              </a:ext>
-            </a:extLst>
-          </p:cNvPr>
-          <p:cNvSpPr txBox="1"/>
-          <p:nvPr userDrawn="1"/>
-        </p:nvSpPr>
-        <p:spPr>
-          <a:xfrm>
-            <a:off x="368489" y="382137"/>
-            <a:ext cx="11354937" cy="1107996"/>
-          </a:xfrm>
-          <a:prstGeom prst="rect">
-            <a:avLst/>
-          </a:prstGeom>
-          <a:noFill/>
-        </p:spPr>
-        <p:txBody>
-          <a:bodyPr wrap="square" rtlCol="0">
-            <a:spAutoFit/>
-          </a:bodyPr>
-          <a:lstStyle/>
-          <a:p>
-            <a:r>
-              <a:rPr lang="en-CA" sz="6600" dirty="0">
-                <a:solidFill>
-                  <a:schemeClr val="bg1"/>
-                </a:solidFill>
-                <a:latin typeface="Roboto Bk" pitchFamily="2" charset="0"/>
-                <a:ea typeface="Roboto Bk" pitchFamily="2" charset="0"/>
-              </a:rPr>
-              <a:t>GROUPBY 2020 | MAY 12-13</a:t>
-            </a:r>
-          </a:p>
-        </p:txBody>
-      </p:sp>
-      <p:sp>
-        <p:nvSpPr>
-          <p:cNvPr id="11" name="Rectangle 10">
-            <a:extLst>
-              <a:ext uri="{FF2B5EF4-FFF2-40B4-BE49-F238E27FC236}">
-                <a16:creationId xmlns:a16="http://schemas.microsoft.com/office/drawing/2014/main" id="{A680A0A8-FC9F-4BA7-8F81-FC4F1418F28C}"/>
-              </a:ext>
-            </a:extLst>
-          </p:cNvPr>
-          <p:cNvSpPr/>
-          <p:nvPr userDrawn="1"/>
-        </p:nvSpPr>
-        <p:spPr>
-          <a:xfrm>
-            <a:off x="545911" y="1572021"/>
-            <a:ext cx="5827594" cy="93005"/>
-          </a:xfrm>
-          <a:prstGeom prst="rect">
-            <a:avLst/>
-          </a:prstGeom>
-          <a:solidFill>
-            <a:srgbClr val="FF3333"/>
-          </a:solidFill>
-          <a:ln>
-            <a:noFill/>
-          </a:ln>
-        </p:spPr>
-        <p:style>
-          <a:lnRef idx="2">
-            <a:schemeClr val="accent1">
-              <a:shade val="50000"/>
-            </a:schemeClr>
-          </a:lnRef>
-          <a:fillRef idx="1">
-            <a:schemeClr val="accent1"/>
-          </a:fillRef>
-          <a:effectRef idx="0">
-            <a:schemeClr val="accent1"/>
-          </a:effectRef>
-          <a:fontRef idx="minor">
-            <a:schemeClr val="lt1"/>
-          </a:fontRef>
-        </p:style>
-        <p:txBody>
-          <a:bodyPr rtlCol="0" anchor="ctr"/>
-          <a:lstStyle/>
-          <a:p>
-            <a:pPr algn="ctr"/>
-            <a:endParaRPr lang="en-CA"/>
-          </a:p>
-        </p:txBody>
-      </p:sp>
-      <p:sp>
-        <p:nvSpPr>
-          <p:cNvPr id="3" name="Text Placeholder 2">
-            <a:extLst>
-              <a:ext uri="{FF2B5EF4-FFF2-40B4-BE49-F238E27FC236}">
-                <a16:creationId xmlns:a16="http://schemas.microsoft.com/office/drawing/2014/main" id="{DA4ED215-C73F-4520-996B-0CDE957D1477}"/>
-              </a:ext>
-            </a:extLst>
-          </p:cNvPr>
-          <p:cNvSpPr>
-            <a:spLocks noGrp="1"/>
-          </p:cNvSpPr>
-          <p:nvPr>
-            <p:ph type="body" sz="quarter" idx="10" hasCustomPrompt="1"/>
-          </p:nvPr>
-        </p:nvSpPr>
-        <p:spPr>
-          <a:xfrm>
-            <a:off x="518804" y="2003956"/>
-            <a:ext cx="10714038" cy="1312449"/>
-          </a:xfrm>
-          <a:prstGeom prst="rect">
-            <a:avLst/>
-          </a:prstGeom>
-        </p:spPr>
-        <p:txBody>
-          <a:bodyPr/>
-          <a:lstStyle>
-            <a:lvl1pPr marL="0" marR="0" indent="0" algn="l" defTabSz="914400" rtl="0" eaLnBrk="1" fontAlgn="auto" latinLnBrk="0" hangingPunct="1">
-              <a:lnSpc>
-                <a:spcPct val="90000"/>
-              </a:lnSpc>
-              <a:spcBef>
-                <a:spcPts val="1000"/>
-              </a:spcBef>
-              <a:spcAft>
-                <a:spcPts val="0"/>
-              </a:spcAft>
-              <a:buClrTx/>
-              <a:buSzTx/>
-              <a:buFont typeface="Arial" panose="020B0604020202020204" pitchFamily="34" charset="0"/>
-              <a:buNone/>
-              <a:tabLst/>
-              <a:defRPr sz="3200">
-                <a:solidFill>
-                  <a:schemeClr val="bg1"/>
-                </a:solidFill>
-                <a:latin typeface="Roboto Bk" pitchFamily="2" charset="0"/>
-                <a:ea typeface="Roboto Bk" pitchFamily="2" charset="0"/>
-              </a:defRPr>
-            </a:lvl1pPr>
-          </a:lstStyle>
-          <a:p>
-            <a:pPr lvl="0"/>
-            <a:r>
-              <a:rPr lang="en-US" dirty="0"/>
-              <a:t>SESSION NAME HERE</a:t>
-            </a:r>
-          </a:p>
-        </p:txBody>
-      </p:sp>
-    </p:spTree>
-    <p:extLst>
-      <p:ext uri="{BB962C8B-B14F-4D97-AF65-F5344CB8AC3E}">
-        <p14:creationId xmlns:p14="http://schemas.microsoft.com/office/powerpoint/2010/main" val="3167893437"/>
       </p:ext>
     </p:extLst>
   </p:cSld>
@@ -7258,7 +6879,7 @@
             <a:fld id="{B61BEF0D-F0BB-DE4B-95CE-6DB70DBA9567}" type="datetimeFigureOut">
               <a:rPr lang="en-US"/>
               <a:pPr/>
-              <a:t>5/12/2020</a:t>
+              <a:t>4/15/2020</a:t>
             </a:fld>
             <a:endParaRPr lang="en-US"/>
           </a:p>
@@ -7308,319 +6929,6 @@
         </p:txBody>
       </p:sp>
     </p:spTree>
-  </p:cSld>
-  <p:clrMapOvr>
-    <a:masterClrMapping/>
-  </p:clrMapOvr>
-</p:sldLayout>
-</file>
-
-<file path=ppt/slideLayouts/slideLayout30.xml><?xml version="1.0" encoding="utf-8"?>
-<p:sldLayout xmlns:a="http://schemas.openxmlformats.org/drawingml/2006/main" xmlns:r="http://schemas.openxmlformats.org/officeDocument/2006/relationships" xmlns:p="http://schemas.openxmlformats.org/presentationml/2006/main" preserve="1" userDrawn="1">
-  <p:cSld name="1_Title Slide">
-    <p:spTree>
-      <p:nvGrpSpPr>
-        <p:cNvPr id="1" name=""/>
-        <p:cNvGrpSpPr/>
-        <p:nvPr/>
-      </p:nvGrpSpPr>
-      <p:grpSpPr>
-        <a:xfrm>
-          <a:off x="0" y="0"/>
-          <a:ext cx="0" cy="0"/>
-          <a:chOff x="0" y="0"/>
-          <a:chExt cx="0" cy="0"/>
-        </a:xfrm>
-      </p:grpSpPr>
-      <p:sp>
-        <p:nvSpPr>
-          <p:cNvPr id="5" name="Picture Placeholder 4">
-            <a:extLst>
-              <a:ext uri="{FF2B5EF4-FFF2-40B4-BE49-F238E27FC236}">
-                <a16:creationId xmlns:a16="http://schemas.microsoft.com/office/drawing/2014/main" id="{F1F74F57-3518-43F1-ABF1-6959897D139C}"/>
-              </a:ext>
-            </a:extLst>
-          </p:cNvPr>
-          <p:cNvSpPr>
-            <a:spLocks noGrp="1"/>
-          </p:cNvSpPr>
-          <p:nvPr>
-            <p:ph type="pic" sz="quarter" idx="10"/>
-          </p:nvPr>
-        </p:nvSpPr>
-        <p:spPr>
-          <a:xfrm>
-            <a:off x="1036638" y="682625"/>
-            <a:ext cx="3344862" cy="3028950"/>
-          </a:xfrm>
-          <a:prstGeom prst="rect">
-            <a:avLst/>
-          </a:prstGeom>
-        </p:spPr>
-        <p:txBody>
-          <a:bodyPr/>
-          <a:lstStyle/>
-          <a:p>
-            <a:endParaRPr lang="en-CA" dirty="0"/>
-          </a:p>
-        </p:txBody>
-      </p:sp>
-      <p:sp>
-        <p:nvSpPr>
-          <p:cNvPr id="16" name="Text Placeholder 15">
-            <a:extLst>
-              <a:ext uri="{FF2B5EF4-FFF2-40B4-BE49-F238E27FC236}">
-                <a16:creationId xmlns:a16="http://schemas.microsoft.com/office/drawing/2014/main" id="{D9916C56-DD4D-4C83-B228-C872E6804A41}"/>
-              </a:ext>
-            </a:extLst>
-          </p:cNvPr>
-          <p:cNvSpPr>
-            <a:spLocks noGrp="1"/>
-          </p:cNvSpPr>
-          <p:nvPr>
-            <p:ph type="body" sz="quarter" idx="11" hasCustomPrompt="1"/>
-          </p:nvPr>
-        </p:nvSpPr>
-        <p:spPr>
-          <a:xfrm>
-            <a:off x="4708525" y="682625"/>
-            <a:ext cx="6754813" cy="463787"/>
-          </a:xfrm>
-          <a:prstGeom prst="rect">
-            <a:avLst/>
-          </a:prstGeom>
-        </p:spPr>
-        <p:txBody>
-          <a:bodyPr/>
-          <a:lstStyle>
-            <a:lvl1pPr marL="0" indent="0">
-              <a:buNone/>
-              <a:defRPr>
-                <a:solidFill>
-                  <a:schemeClr val="bg1"/>
-                </a:solidFill>
-              </a:defRPr>
-            </a:lvl1pPr>
-          </a:lstStyle>
-          <a:p>
-            <a:pPr lvl="0"/>
-            <a:r>
-              <a:rPr lang="en-CA" dirty="0"/>
-              <a:t>SPEAKER NAME</a:t>
-            </a:r>
-          </a:p>
-          <a:p>
-            <a:pPr lvl="0"/>
-            <a:endParaRPr lang="en-CA" dirty="0"/>
-          </a:p>
-        </p:txBody>
-      </p:sp>
-      <p:sp>
-        <p:nvSpPr>
-          <p:cNvPr id="17" name="Text Placeholder 15">
-            <a:extLst>
-              <a:ext uri="{FF2B5EF4-FFF2-40B4-BE49-F238E27FC236}">
-                <a16:creationId xmlns:a16="http://schemas.microsoft.com/office/drawing/2014/main" id="{D7EAC6E4-259D-43D3-A157-4BB04DE0A36D}"/>
-              </a:ext>
-            </a:extLst>
-          </p:cNvPr>
-          <p:cNvSpPr>
-            <a:spLocks noGrp="1"/>
-          </p:cNvSpPr>
-          <p:nvPr>
-            <p:ph type="body" sz="quarter" idx="12" hasCustomPrompt="1"/>
-          </p:nvPr>
-        </p:nvSpPr>
-        <p:spPr>
-          <a:xfrm>
-            <a:off x="4708524" y="1339992"/>
-            <a:ext cx="6754813" cy="463787"/>
-          </a:xfrm>
-          <a:prstGeom prst="rect">
-            <a:avLst/>
-          </a:prstGeom>
-        </p:spPr>
-        <p:txBody>
-          <a:bodyPr/>
-          <a:lstStyle>
-            <a:lvl1pPr marL="0" indent="0">
-              <a:buNone/>
-              <a:defRPr>
-                <a:solidFill>
-                  <a:schemeClr val="bg1"/>
-                </a:solidFill>
-              </a:defRPr>
-            </a:lvl1pPr>
-          </a:lstStyle>
-          <a:p>
-            <a:pPr lvl="0"/>
-            <a:r>
-              <a:rPr lang="en-CA" dirty="0"/>
-              <a:t>JOB TITLE, COMPANY NAME</a:t>
-            </a:r>
-          </a:p>
-          <a:p>
-            <a:pPr lvl="0"/>
-            <a:endParaRPr lang="en-CA" dirty="0"/>
-          </a:p>
-        </p:txBody>
-      </p:sp>
-      <p:sp>
-        <p:nvSpPr>
-          <p:cNvPr id="18" name="Text Placeholder 15">
-            <a:extLst>
-              <a:ext uri="{FF2B5EF4-FFF2-40B4-BE49-F238E27FC236}">
-                <a16:creationId xmlns:a16="http://schemas.microsoft.com/office/drawing/2014/main" id="{DB96F244-1B5E-4EAC-BD2C-7806A5EBC6CC}"/>
-              </a:ext>
-            </a:extLst>
-          </p:cNvPr>
-          <p:cNvSpPr>
-            <a:spLocks noGrp="1"/>
-          </p:cNvSpPr>
-          <p:nvPr>
-            <p:ph type="body" sz="quarter" idx="13" hasCustomPrompt="1"/>
-          </p:nvPr>
-        </p:nvSpPr>
-        <p:spPr>
-          <a:xfrm>
-            <a:off x="4708524" y="1997359"/>
-            <a:ext cx="6754813" cy="463787"/>
-          </a:xfrm>
-          <a:prstGeom prst="rect">
-            <a:avLst/>
-          </a:prstGeom>
-        </p:spPr>
-        <p:txBody>
-          <a:bodyPr/>
-          <a:lstStyle>
-            <a:lvl1pPr marL="0" indent="0">
-              <a:buNone/>
-              <a:defRPr>
-                <a:solidFill>
-                  <a:schemeClr val="bg1"/>
-                </a:solidFill>
-              </a:defRPr>
-            </a:lvl1pPr>
-          </a:lstStyle>
-          <a:p>
-            <a:pPr lvl="0"/>
-            <a:r>
-              <a:rPr lang="en-CA" dirty="0"/>
-              <a:t>WEBSITE</a:t>
-            </a:r>
-          </a:p>
-          <a:p>
-            <a:pPr lvl="0"/>
-            <a:endParaRPr lang="en-CA" dirty="0"/>
-          </a:p>
-        </p:txBody>
-      </p:sp>
-      <p:sp>
-        <p:nvSpPr>
-          <p:cNvPr id="19" name="Text Placeholder 15">
-            <a:extLst>
-              <a:ext uri="{FF2B5EF4-FFF2-40B4-BE49-F238E27FC236}">
-                <a16:creationId xmlns:a16="http://schemas.microsoft.com/office/drawing/2014/main" id="{DD9FDDC2-1088-45B4-AFF9-B006AAA437A1}"/>
-              </a:ext>
-            </a:extLst>
-          </p:cNvPr>
-          <p:cNvSpPr>
-            <a:spLocks noGrp="1"/>
-          </p:cNvSpPr>
-          <p:nvPr>
-            <p:ph type="body" sz="quarter" idx="14" hasCustomPrompt="1"/>
-          </p:nvPr>
-        </p:nvSpPr>
-        <p:spPr>
-          <a:xfrm>
-            <a:off x="4708523" y="2689082"/>
-            <a:ext cx="6754813" cy="463787"/>
-          </a:xfrm>
-          <a:prstGeom prst="rect">
-            <a:avLst/>
-          </a:prstGeom>
-        </p:spPr>
-        <p:txBody>
-          <a:bodyPr/>
-          <a:lstStyle>
-            <a:lvl1pPr marL="0" indent="0">
-              <a:buNone/>
-              <a:defRPr>
-                <a:solidFill>
-                  <a:schemeClr val="bg1"/>
-                </a:solidFill>
-              </a:defRPr>
-            </a:lvl1pPr>
-          </a:lstStyle>
-          <a:p>
-            <a:pPr lvl="0"/>
-            <a:r>
-              <a:rPr lang="en-CA" dirty="0"/>
-              <a:t>TWITTER LINK</a:t>
-            </a:r>
-          </a:p>
-          <a:p>
-            <a:pPr lvl="0"/>
-            <a:endParaRPr lang="en-CA" dirty="0"/>
-          </a:p>
-        </p:txBody>
-      </p:sp>
-      <p:sp>
-        <p:nvSpPr>
-          <p:cNvPr id="20" name="Text Placeholder 15">
-            <a:extLst>
-              <a:ext uri="{FF2B5EF4-FFF2-40B4-BE49-F238E27FC236}">
-                <a16:creationId xmlns:a16="http://schemas.microsoft.com/office/drawing/2014/main" id="{473ABC0F-D641-4DFF-8B9E-C3E9DB9378BF}"/>
-              </a:ext>
-            </a:extLst>
-          </p:cNvPr>
-          <p:cNvSpPr>
-            <a:spLocks noGrp="1"/>
-          </p:cNvSpPr>
-          <p:nvPr>
-            <p:ph type="body" sz="quarter" idx="15" hasCustomPrompt="1"/>
-          </p:nvPr>
-        </p:nvSpPr>
-        <p:spPr>
-          <a:xfrm>
-            <a:off x="1036638" y="4164961"/>
-            <a:ext cx="6754813" cy="2317726"/>
-          </a:xfrm>
-          <a:prstGeom prst="rect">
-            <a:avLst/>
-          </a:prstGeom>
-        </p:spPr>
-        <p:txBody>
-          <a:bodyPr/>
-          <a:lstStyle>
-            <a:lvl1pPr marL="0" indent="0">
-              <a:buNone/>
-              <a:defRPr>
-                <a:solidFill>
-                  <a:schemeClr val="bg1"/>
-                </a:solidFill>
-              </a:defRPr>
-            </a:lvl1pPr>
-          </a:lstStyle>
-          <a:p>
-            <a:pPr lvl="0"/>
-            <a:r>
-              <a:rPr lang="en-CA" dirty="0"/>
-              <a:t>BIO HERE</a:t>
-            </a:r>
-          </a:p>
-          <a:p>
-            <a:pPr lvl="0"/>
-            <a:endParaRPr lang="en-CA" dirty="0"/>
-          </a:p>
-        </p:txBody>
-      </p:sp>
-    </p:spTree>
-    <p:extLst>
-      <p:ext uri="{BB962C8B-B14F-4D97-AF65-F5344CB8AC3E}">
-        <p14:creationId xmlns:p14="http://schemas.microsoft.com/office/powerpoint/2010/main" val="2982405947"/>
-      </p:ext>
-    </p:extLst>
   </p:cSld>
   <p:clrMapOvr>
     <a:masterClrMapping/>
@@ -7799,7 +7107,7 @@
           <a:p>
             <a:fld id="{EB712588-04B1-427B-82EE-E8DB90309F08}" type="datetimeFigureOut">
               <a:rPr lang="en-US"/>
-              <a:t>5/12/2020</a:t>
+              <a:t>4/15/2020</a:t>
             </a:fld>
             <a:endParaRPr lang="en-US"/>
           </a:p>
@@ -8169,7 +7477,7 @@
             <a:fld id="{B61BEF0D-F0BB-DE4B-95CE-6DB70DBA9567}" type="datetimeFigureOut">
               <a:rPr lang="en-US"/>
               <a:pPr/>
-              <a:t>5/12/2020</a:t>
+              <a:t>4/15/2020</a:t>
             </a:fld>
             <a:endParaRPr lang="en-US"/>
           </a:p>
@@ -8289,7 +7597,7 @@
             <a:fld id="{B61BEF0D-F0BB-DE4B-95CE-6DB70DBA9567}" type="datetimeFigureOut">
               <a:rPr lang="en-US"/>
               <a:pPr/>
-              <a:t>5/12/2020</a:t>
+              <a:t>4/15/2020</a:t>
             </a:fld>
             <a:endParaRPr lang="en-US"/>
           </a:p>
@@ -8381,7 +7689,7 @@
             <a:fld id="{B61BEF0D-F0BB-DE4B-95CE-6DB70DBA9567}" type="datetimeFigureOut">
               <a:rPr lang="en-US"/>
               <a:pPr/>
-              <a:t>5/12/2020</a:t>
+              <a:t>4/15/2020</a:t>
             </a:fld>
             <a:endParaRPr lang="en-US"/>
           </a:p>
@@ -8632,7 +7940,7 @@
           <a:p>
             <a:fld id="{42A54C80-263E-416B-A8E0-580EDEADCBDC}" type="datetimeFigureOut">
               <a:rPr lang="en-US"/>
-              <a:t>5/12/2020</a:t>
+              <a:t>4/15/2020</a:t>
             </a:fld>
             <a:endParaRPr lang="en-US"/>
           </a:p>
@@ -8891,7 +8199,7 @@
             <a:fld id="{B61BEF0D-F0BB-DE4B-95CE-6DB70DBA9567}" type="datetimeFigureOut">
               <a:rPr lang="en-US"/>
               <a:pPr/>
-              <a:t>5/12/2020</a:t>
+              <a:t>4/15/2020</a:t>
             </a:fld>
             <a:endParaRPr lang="en-US"/>
           </a:p>
@@ -9116,7 +8424,7 @@
             <a:fld id="{B61BEF0D-F0BB-DE4B-95CE-6DB70DBA9567}" type="datetimeFigureOut">
               <a:rPr lang="en-US"/>
               <a:pPr/>
-              <a:t>5/12/2020</a:t>
+              <a:t>4/15/2020</a:t>
             </a:fld>
             <a:endParaRPr lang="en-US"/>
           </a:p>
@@ -9823,7 +9131,7 @@
           <a:p>
             <a:fld id="{C2231AF4-6FC1-4460-BBC9-D7CD0B6E11EF}" type="datetimeFigureOut">
               <a:rPr lang="sv-SE" smtClean="0"/>
-              <a:t>2020-05-12</a:t>
+              <a:t>2020-04-15</a:t>
             </a:fld>
             <a:endParaRPr lang="sv-SE"/>
           </a:p>
@@ -10223,467 +9531,6 @@
 </p:sldMaster>
 </file>
 
-<file path=ppt/slideMasters/slideMaster3.xml><?xml version="1.0" encoding="utf-8"?>
-<p:sldMaster xmlns:a="http://schemas.openxmlformats.org/drawingml/2006/main" xmlns:r="http://schemas.openxmlformats.org/officeDocument/2006/relationships" xmlns:p="http://schemas.openxmlformats.org/presentationml/2006/main">
-  <p:cSld>
-    <p:bg>
-      <p:bgRef idx="1001">
-        <a:schemeClr val="bg1"/>
-      </p:bgRef>
-    </p:bg>
-    <p:spTree>
-      <p:nvGrpSpPr>
-        <p:cNvPr id="1" name=""/>
-        <p:cNvGrpSpPr/>
-        <p:nvPr/>
-      </p:nvGrpSpPr>
-      <p:grpSpPr>
-        <a:xfrm>
-          <a:off x="0" y="0"/>
-          <a:ext cx="0" cy="0"/>
-          <a:chOff x="0" y="0"/>
-          <a:chExt cx="0" cy="0"/>
-        </a:xfrm>
-      </p:grpSpPr>
-      <p:pic>
-        <p:nvPicPr>
-          <p:cNvPr id="13" name="Picture 2">
-            <a:extLst>
-              <a:ext uri="{FF2B5EF4-FFF2-40B4-BE49-F238E27FC236}">
-                <a16:creationId xmlns:a16="http://schemas.microsoft.com/office/drawing/2014/main" id="{CA351F87-13A5-401E-8733-45E13B608E50}"/>
-              </a:ext>
-            </a:extLst>
-          </p:cNvPr>
-          <p:cNvPicPr>
-            <a:picLocks noChangeAspect="1" noChangeArrowheads="1"/>
-          </p:cNvPicPr>
-          <p:nvPr userDrawn="1"/>
-        </p:nvPicPr>
-        <p:blipFill rotWithShape="1">
-          <a:blip r:embed="rId5">
-            <a:extLst>
-              <a:ext uri="{28A0092B-C50C-407E-A947-70E740481C1C}">
-                <a14:useLocalDpi xmlns:a14="http://schemas.microsoft.com/office/drawing/2010/main" val="0"/>
-              </a:ext>
-            </a:extLst>
-          </a:blip>
-          <a:srcRect t="7812" b="7812"/>
-          <a:stretch/>
-        </p:blipFill>
-        <p:spPr bwMode="auto">
-          <a:xfrm>
-            <a:off x="0" y="0"/>
-            <a:ext cx="12192000" cy="6858000"/>
-          </a:xfrm>
-          <a:prstGeom prst="rect">
-            <a:avLst/>
-          </a:prstGeom>
-          <a:noFill/>
-          <a:extLst>
-            <a:ext uri="{909E8E84-426E-40DD-AFC4-6F175D3DCCD1}">
-              <a14:hiddenFill xmlns:a14="http://schemas.microsoft.com/office/drawing/2010/main">
-                <a:solidFill>
-                  <a:srgbClr val="FFFFFF"/>
-                </a:solidFill>
-              </a14:hiddenFill>
-            </a:ext>
-          </a:extLst>
-        </p:spPr>
-      </p:pic>
-      <p:sp>
-        <p:nvSpPr>
-          <p:cNvPr id="14" name="Rectangle 13">
-            <a:extLst>
-              <a:ext uri="{FF2B5EF4-FFF2-40B4-BE49-F238E27FC236}">
-                <a16:creationId xmlns:a16="http://schemas.microsoft.com/office/drawing/2014/main" id="{9008F3AA-A568-468A-99BC-68B75D550341}"/>
-              </a:ext>
-            </a:extLst>
-          </p:cNvPr>
-          <p:cNvSpPr/>
-          <p:nvPr userDrawn="1"/>
-        </p:nvSpPr>
-        <p:spPr>
-          <a:xfrm>
-            <a:off x="0" y="0"/>
-            <a:ext cx="12192000" cy="6858000"/>
-          </a:xfrm>
-          <a:prstGeom prst="rect">
-            <a:avLst/>
-          </a:prstGeom>
-          <a:solidFill>
-            <a:schemeClr val="tx1">
-              <a:alpha val="66000"/>
-            </a:schemeClr>
-          </a:solidFill>
-        </p:spPr>
-        <p:style>
-          <a:lnRef idx="2">
-            <a:schemeClr val="accent1">
-              <a:shade val="50000"/>
-            </a:schemeClr>
-          </a:lnRef>
-          <a:fillRef idx="1">
-            <a:schemeClr val="accent1"/>
-          </a:fillRef>
-          <a:effectRef idx="0">
-            <a:schemeClr val="accent1"/>
-          </a:effectRef>
-          <a:fontRef idx="minor">
-            <a:schemeClr val="lt1"/>
-          </a:fontRef>
-        </p:style>
-        <p:txBody>
-          <a:bodyPr rtlCol="0" anchor="ctr"/>
-          <a:lstStyle/>
-          <a:p>
-            <a:pPr algn="ctr"/>
-            <a:endParaRPr lang="en-CA"/>
-          </a:p>
-        </p:txBody>
-      </p:sp>
-      <p:pic>
-        <p:nvPicPr>
-          <p:cNvPr id="15" name="Picture 4">
-            <a:extLst>
-              <a:ext uri="{FF2B5EF4-FFF2-40B4-BE49-F238E27FC236}">
-                <a16:creationId xmlns:a16="http://schemas.microsoft.com/office/drawing/2014/main" id="{DD431D21-FA50-44D6-BD71-2FE29091CC48}"/>
-              </a:ext>
-            </a:extLst>
-          </p:cNvPr>
-          <p:cNvPicPr>
-            <a:picLocks noChangeAspect="1" noChangeArrowheads="1"/>
-          </p:cNvPicPr>
-          <p:nvPr userDrawn="1"/>
-        </p:nvPicPr>
-        <p:blipFill>
-          <a:blip r:embed="rId6">
-            <a:extLst>
-              <a:ext uri="{28A0092B-C50C-407E-A947-70E740481C1C}">
-                <a14:useLocalDpi xmlns:a14="http://schemas.microsoft.com/office/drawing/2010/main" val="0"/>
-              </a:ext>
-            </a:extLst>
-          </a:blip>
-          <a:srcRect/>
-          <a:stretch>
-            <a:fillRect/>
-          </a:stretch>
-        </p:blipFill>
-        <p:spPr bwMode="auto">
-          <a:xfrm>
-            <a:off x="8422801" y="3088801"/>
-            <a:ext cx="3769199" cy="3769199"/>
-          </a:xfrm>
-          <a:prstGeom prst="rect">
-            <a:avLst/>
-          </a:prstGeom>
-          <a:noFill/>
-          <a:extLst>
-            <a:ext uri="{909E8E84-426E-40DD-AFC4-6F175D3DCCD1}">
-              <a14:hiddenFill xmlns:a14="http://schemas.microsoft.com/office/drawing/2010/main">
-                <a:solidFill>
-                  <a:srgbClr val="FFFFFF"/>
-                </a:solidFill>
-              </a14:hiddenFill>
-            </a:ext>
-          </a:extLst>
-        </p:spPr>
-      </p:pic>
-    </p:spTree>
-    <p:extLst>
-      <p:ext uri="{BB962C8B-B14F-4D97-AF65-F5344CB8AC3E}">
-        <p14:creationId xmlns:p14="http://schemas.microsoft.com/office/powerpoint/2010/main" val="2008895267"/>
-      </p:ext>
-    </p:extLst>
-  </p:cSld>
-  <p:clrMap bg1="lt1" tx1="dk1" bg2="lt2" tx2="dk2" accent1="accent1" accent2="accent2" accent3="accent3" accent4="accent4" accent5="accent5" accent6="accent6" hlink="hlink" folHlink="folHlink"/>
-  <p:sldLayoutIdLst>
-    <p:sldLayoutId id="2147483681" r:id="rId1"/>
-    <p:sldLayoutId id="2147483682" r:id="rId2"/>
-    <p:sldLayoutId id="2147483683" r:id="rId3"/>
-  </p:sldLayoutIdLst>
-  <p:txStyles>
-    <p:titleStyle>
-      <a:lvl1pPr algn="l" defTabSz="914400" rtl="0" eaLnBrk="1" latinLnBrk="0" hangingPunct="1">
-        <a:lnSpc>
-          <a:spcPct val="90000"/>
-        </a:lnSpc>
-        <a:spcBef>
-          <a:spcPct val="0"/>
-        </a:spcBef>
-        <a:buNone/>
-        <a:defRPr sz="4400" kern="1200">
-          <a:solidFill>
-            <a:schemeClr val="tx1"/>
-          </a:solidFill>
-          <a:latin typeface="+mj-lt"/>
-          <a:ea typeface="+mj-ea"/>
-          <a:cs typeface="+mj-cs"/>
-        </a:defRPr>
-      </a:lvl1pPr>
-    </p:titleStyle>
-    <p:bodyStyle>
-      <a:lvl1pPr marL="228600" indent="-228600" algn="l" defTabSz="914400" rtl="0" eaLnBrk="1" latinLnBrk="0" hangingPunct="1">
-        <a:lnSpc>
-          <a:spcPct val="90000"/>
-        </a:lnSpc>
-        <a:spcBef>
-          <a:spcPts val="1000"/>
-        </a:spcBef>
-        <a:buFont typeface="Arial" panose="020B0604020202020204" pitchFamily="34" charset="0"/>
-        <a:buChar char="•"/>
-        <a:defRPr sz="2800" kern="1200">
-          <a:solidFill>
-            <a:schemeClr val="tx1"/>
-          </a:solidFill>
-          <a:latin typeface="+mn-lt"/>
-          <a:ea typeface="+mn-ea"/>
-          <a:cs typeface="+mn-cs"/>
-        </a:defRPr>
-      </a:lvl1pPr>
-      <a:lvl2pPr marL="685800" indent="-228600" algn="l" defTabSz="914400" rtl="0" eaLnBrk="1" latinLnBrk="0" hangingPunct="1">
-        <a:lnSpc>
-          <a:spcPct val="90000"/>
-        </a:lnSpc>
-        <a:spcBef>
-          <a:spcPts val="500"/>
-        </a:spcBef>
-        <a:buFont typeface="Arial" panose="020B0604020202020204" pitchFamily="34" charset="0"/>
-        <a:buChar char="•"/>
-        <a:defRPr sz="2400" kern="1200">
-          <a:solidFill>
-            <a:schemeClr val="tx1"/>
-          </a:solidFill>
-          <a:latin typeface="+mn-lt"/>
-          <a:ea typeface="+mn-ea"/>
-          <a:cs typeface="+mn-cs"/>
-        </a:defRPr>
-      </a:lvl2pPr>
-      <a:lvl3pPr marL="1143000" indent="-228600" algn="l" defTabSz="914400" rtl="0" eaLnBrk="1" latinLnBrk="0" hangingPunct="1">
-        <a:lnSpc>
-          <a:spcPct val="90000"/>
-        </a:lnSpc>
-        <a:spcBef>
-          <a:spcPts val="500"/>
-        </a:spcBef>
-        <a:buFont typeface="Arial" panose="020B0604020202020204" pitchFamily="34" charset="0"/>
-        <a:buChar char="•"/>
-        <a:defRPr sz="2000" kern="1200">
-          <a:solidFill>
-            <a:schemeClr val="tx1"/>
-          </a:solidFill>
-          <a:latin typeface="+mn-lt"/>
-          <a:ea typeface="+mn-ea"/>
-          <a:cs typeface="+mn-cs"/>
-        </a:defRPr>
-      </a:lvl3pPr>
-      <a:lvl4pPr marL="1600200" indent="-228600" algn="l" defTabSz="914400" rtl="0" eaLnBrk="1" latinLnBrk="0" hangingPunct="1">
-        <a:lnSpc>
-          <a:spcPct val="90000"/>
-        </a:lnSpc>
-        <a:spcBef>
-          <a:spcPts val="500"/>
-        </a:spcBef>
-        <a:buFont typeface="Arial" panose="020B0604020202020204" pitchFamily="34" charset="0"/>
-        <a:buChar char="•"/>
-        <a:defRPr sz="1800" kern="1200">
-          <a:solidFill>
-            <a:schemeClr val="tx1"/>
-          </a:solidFill>
-          <a:latin typeface="+mn-lt"/>
-          <a:ea typeface="+mn-ea"/>
-          <a:cs typeface="+mn-cs"/>
-        </a:defRPr>
-      </a:lvl4pPr>
-      <a:lvl5pPr marL="2057400" indent="-228600" algn="l" defTabSz="914400" rtl="0" eaLnBrk="1" latinLnBrk="0" hangingPunct="1">
-        <a:lnSpc>
-          <a:spcPct val="90000"/>
-        </a:lnSpc>
-        <a:spcBef>
-          <a:spcPts val="500"/>
-        </a:spcBef>
-        <a:buFont typeface="Arial" panose="020B0604020202020204" pitchFamily="34" charset="0"/>
-        <a:buChar char="•"/>
-        <a:defRPr sz="1800" kern="1200">
-          <a:solidFill>
-            <a:schemeClr val="tx1"/>
-          </a:solidFill>
-          <a:latin typeface="+mn-lt"/>
-          <a:ea typeface="+mn-ea"/>
-          <a:cs typeface="+mn-cs"/>
-        </a:defRPr>
-      </a:lvl5pPr>
-      <a:lvl6pPr marL="2514600" indent="-228600" algn="l" defTabSz="914400" rtl="0" eaLnBrk="1" latinLnBrk="0" hangingPunct="1">
-        <a:lnSpc>
-          <a:spcPct val="90000"/>
-        </a:lnSpc>
-        <a:spcBef>
-          <a:spcPts val="500"/>
-        </a:spcBef>
-        <a:buFont typeface="Arial" panose="020B0604020202020204" pitchFamily="34" charset="0"/>
-        <a:buChar char="•"/>
-        <a:defRPr sz="1800" kern="1200">
-          <a:solidFill>
-            <a:schemeClr val="tx1"/>
-          </a:solidFill>
-          <a:latin typeface="+mn-lt"/>
-          <a:ea typeface="+mn-ea"/>
-          <a:cs typeface="+mn-cs"/>
-        </a:defRPr>
-      </a:lvl6pPr>
-      <a:lvl7pPr marL="2971800" indent="-228600" algn="l" defTabSz="914400" rtl="0" eaLnBrk="1" latinLnBrk="0" hangingPunct="1">
-        <a:lnSpc>
-          <a:spcPct val="90000"/>
-        </a:lnSpc>
-        <a:spcBef>
-          <a:spcPts val="500"/>
-        </a:spcBef>
-        <a:buFont typeface="Arial" panose="020B0604020202020204" pitchFamily="34" charset="0"/>
-        <a:buChar char="•"/>
-        <a:defRPr sz="1800" kern="1200">
-          <a:solidFill>
-            <a:schemeClr val="tx1"/>
-          </a:solidFill>
-          <a:latin typeface="+mn-lt"/>
-          <a:ea typeface="+mn-ea"/>
-          <a:cs typeface="+mn-cs"/>
-        </a:defRPr>
-      </a:lvl7pPr>
-      <a:lvl8pPr marL="3429000" indent="-228600" algn="l" defTabSz="914400" rtl="0" eaLnBrk="1" latinLnBrk="0" hangingPunct="1">
-        <a:lnSpc>
-          <a:spcPct val="90000"/>
-        </a:lnSpc>
-        <a:spcBef>
-          <a:spcPts val="500"/>
-        </a:spcBef>
-        <a:buFont typeface="Arial" panose="020B0604020202020204" pitchFamily="34" charset="0"/>
-        <a:buChar char="•"/>
-        <a:defRPr sz="1800" kern="1200">
-          <a:solidFill>
-            <a:schemeClr val="tx1"/>
-          </a:solidFill>
-          <a:latin typeface="+mn-lt"/>
-          <a:ea typeface="+mn-ea"/>
-          <a:cs typeface="+mn-cs"/>
-        </a:defRPr>
-      </a:lvl8pPr>
-      <a:lvl9pPr marL="3886200" indent="-228600" algn="l" defTabSz="914400" rtl="0" eaLnBrk="1" latinLnBrk="0" hangingPunct="1">
-        <a:lnSpc>
-          <a:spcPct val="90000"/>
-        </a:lnSpc>
-        <a:spcBef>
-          <a:spcPts val="500"/>
-        </a:spcBef>
-        <a:buFont typeface="Arial" panose="020B0604020202020204" pitchFamily="34" charset="0"/>
-        <a:buChar char="•"/>
-        <a:defRPr sz="1800" kern="1200">
-          <a:solidFill>
-            <a:schemeClr val="tx1"/>
-          </a:solidFill>
-          <a:latin typeface="+mn-lt"/>
-          <a:ea typeface="+mn-ea"/>
-          <a:cs typeface="+mn-cs"/>
-        </a:defRPr>
-      </a:lvl9pPr>
-    </p:bodyStyle>
-    <p:otherStyle>
-      <a:defPPr>
-        <a:defRPr lang="en-US"/>
-      </a:defPPr>
-      <a:lvl1pPr marL="0" algn="l" defTabSz="914400" rtl="0" eaLnBrk="1" latinLnBrk="0" hangingPunct="1">
-        <a:defRPr sz="1800" kern="1200">
-          <a:solidFill>
-            <a:schemeClr val="tx1"/>
-          </a:solidFill>
-          <a:latin typeface="+mn-lt"/>
-          <a:ea typeface="+mn-ea"/>
-          <a:cs typeface="+mn-cs"/>
-        </a:defRPr>
-      </a:lvl1pPr>
-      <a:lvl2pPr marL="457200" algn="l" defTabSz="914400" rtl="0" eaLnBrk="1" latinLnBrk="0" hangingPunct="1">
-        <a:defRPr sz="1800" kern="1200">
-          <a:solidFill>
-            <a:schemeClr val="tx1"/>
-          </a:solidFill>
-          <a:latin typeface="+mn-lt"/>
-          <a:ea typeface="+mn-ea"/>
-          <a:cs typeface="+mn-cs"/>
-        </a:defRPr>
-      </a:lvl2pPr>
-      <a:lvl3pPr marL="914400" algn="l" defTabSz="914400" rtl="0" eaLnBrk="1" latinLnBrk="0" hangingPunct="1">
-        <a:defRPr sz="1800" kern="1200">
-          <a:solidFill>
-            <a:schemeClr val="tx1"/>
-          </a:solidFill>
-          <a:latin typeface="+mn-lt"/>
-          <a:ea typeface="+mn-ea"/>
-          <a:cs typeface="+mn-cs"/>
-        </a:defRPr>
-      </a:lvl3pPr>
-      <a:lvl4pPr marL="1371600" algn="l" defTabSz="914400" rtl="0" eaLnBrk="1" latinLnBrk="0" hangingPunct="1">
-        <a:defRPr sz="1800" kern="1200">
-          <a:solidFill>
-            <a:schemeClr val="tx1"/>
-          </a:solidFill>
-          <a:latin typeface="+mn-lt"/>
-          <a:ea typeface="+mn-ea"/>
-          <a:cs typeface="+mn-cs"/>
-        </a:defRPr>
-      </a:lvl4pPr>
-      <a:lvl5pPr marL="1828800" algn="l" defTabSz="914400" rtl="0" eaLnBrk="1" latinLnBrk="0" hangingPunct="1">
-        <a:defRPr sz="1800" kern="1200">
-          <a:solidFill>
-            <a:schemeClr val="tx1"/>
-          </a:solidFill>
-          <a:latin typeface="+mn-lt"/>
-          <a:ea typeface="+mn-ea"/>
-          <a:cs typeface="+mn-cs"/>
-        </a:defRPr>
-      </a:lvl5pPr>
-      <a:lvl6pPr marL="2286000" algn="l" defTabSz="914400" rtl="0" eaLnBrk="1" latinLnBrk="0" hangingPunct="1">
-        <a:defRPr sz="1800" kern="1200">
-          <a:solidFill>
-            <a:schemeClr val="tx1"/>
-          </a:solidFill>
-          <a:latin typeface="+mn-lt"/>
-          <a:ea typeface="+mn-ea"/>
-          <a:cs typeface="+mn-cs"/>
-        </a:defRPr>
-      </a:lvl6pPr>
-      <a:lvl7pPr marL="2743200" algn="l" defTabSz="914400" rtl="0" eaLnBrk="1" latinLnBrk="0" hangingPunct="1">
-        <a:defRPr sz="1800" kern="1200">
-          <a:solidFill>
-            <a:schemeClr val="tx1"/>
-          </a:solidFill>
-          <a:latin typeface="+mn-lt"/>
-          <a:ea typeface="+mn-ea"/>
-          <a:cs typeface="+mn-cs"/>
-        </a:defRPr>
-      </a:lvl7pPr>
-      <a:lvl8pPr marL="3200400" algn="l" defTabSz="914400" rtl="0" eaLnBrk="1" latinLnBrk="0" hangingPunct="1">
-        <a:defRPr sz="1800" kern="1200">
-          <a:solidFill>
-            <a:schemeClr val="tx1"/>
-          </a:solidFill>
-          <a:latin typeface="+mn-lt"/>
-          <a:ea typeface="+mn-ea"/>
-          <a:cs typeface="+mn-cs"/>
-        </a:defRPr>
-      </a:lvl8pPr>
-      <a:lvl9pPr marL="3657600" algn="l" defTabSz="914400" rtl="0" eaLnBrk="1" latinLnBrk="0" hangingPunct="1">
-        <a:defRPr sz="1800" kern="1200">
-          <a:solidFill>
-            <a:schemeClr val="tx1"/>
-          </a:solidFill>
-          <a:latin typeface="+mn-lt"/>
-          <a:ea typeface="+mn-ea"/>
-          <a:cs typeface="+mn-cs"/>
-        </a:defRPr>
-      </a:lvl9pPr>
-    </p:otherStyle>
-  </p:txStyles>
-</p:sldMaster>
-</file>
-
 <file path=ppt/slides/slide1.xml><?xml version="1.0" encoding="utf-8"?>
 <p:sld xmlns:a="http://schemas.openxmlformats.org/drawingml/2006/main" xmlns:r="http://schemas.openxmlformats.org/officeDocument/2006/relationships" xmlns:p="http://schemas.openxmlformats.org/presentationml/2006/main">
   <p:cSld>
@@ -10701,10 +9548,176 @@
           <a:chExt cx="0" cy="0"/>
         </a:xfrm>
       </p:grpSpPr>
+      <p:sp>
+        <p:nvSpPr>
+          <p:cNvPr id="2" name="Title 1">
+            <a:extLst>
+              <a:ext uri="{FF2B5EF4-FFF2-40B4-BE49-F238E27FC236}">
+                <a16:creationId xmlns:a16="http://schemas.microsoft.com/office/drawing/2014/main" id="{3A9EEC31-E066-4E62-BAAB-C170893FFE25}"/>
+              </a:ext>
+            </a:extLst>
+          </p:cNvPr>
+          <p:cNvSpPr>
+            <a:spLocks noGrp="1"/>
+          </p:cNvSpPr>
+          <p:nvPr>
+            <p:ph type="title"/>
+          </p:nvPr>
+        </p:nvSpPr>
+        <p:spPr>
+          <a:xfrm>
+            <a:off x="677334" y="4800600"/>
+            <a:ext cx="9092308" cy="819150"/>
+          </a:xfrm>
+        </p:spPr>
+        <p:txBody>
+          <a:bodyPr anchor="b">
+            <a:normAutofit fontScale="90000"/>
+          </a:bodyPr>
+          <a:lstStyle/>
+          <a:p>
+            <a:r>
+              <a:rPr lang="en-US" dirty="0"/>
+              <a:t>My romantic relation with </a:t>
+            </a:r>
+            <a:r>
+              <a:rPr lang="en-US" dirty="0" err="1"/>
+              <a:t>Powershell</a:t>
+            </a:r>
+            <a:r>
+              <a:rPr lang="en-US" dirty="0"/>
+              <a:t> generally and </a:t>
+            </a:r>
+            <a:r>
+              <a:rPr lang="en-US" dirty="0" err="1"/>
+              <a:t>DBATools</a:t>
+            </a:r>
+            <a:r>
+              <a:rPr lang="en-US" dirty="0"/>
+              <a:t> especially</a:t>
+            </a:r>
+          </a:p>
+        </p:txBody>
+      </p:sp>
+      <p:pic>
+        <p:nvPicPr>
+          <p:cNvPr id="5" name="Picture 4" descr="A picture containing person, looking, cellphone, phone&#10;&#10;Description automatically generated">
+            <a:extLst>
+              <a:ext uri="{FF2B5EF4-FFF2-40B4-BE49-F238E27FC236}">
+                <a16:creationId xmlns:a16="http://schemas.microsoft.com/office/drawing/2014/main" id="{099A75BC-ED83-4232-8CE1-447DBDA9BC2E}"/>
+              </a:ext>
+            </a:extLst>
+          </p:cNvPr>
+          <p:cNvPicPr>
+            <a:picLocks noChangeAspect="1"/>
+          </p:cNvPicPr>
+          <p:nvPr/>
+        </p:nvPicPr>
+        <p:blipFill rotWithShape="1">
+          <a:blip r:embed="rId2"/>
+          <a:srcRect t="14148" r="2" b="39009"/>
+          <a:stretch/>
+        </p:blipFill>
+        <p:spPr>
+          <a:xfrm>
+            <a:off x="677334" y="609600"/>
+            <a:ext cx="8596668" cy="3845718"/>
+          </a:xfrm>
+          <a:prstGeom prst="rect">
+            <a:avLst/>
+          </a:prstGeom>
+          <a:noFill/>
+        </p:spPr>
+      </p:pic>
+      <p:sp>
+        <p:nvSpPr>
+          <p:cNvPr id="3" name="Subtitle 2">
+            <a:extLst>
+              <a:ext uri="{FF2B5EF4-FFF2-40B4-BE49-F238E27FC236}">
+                <a16:creationId xmlns:a16="http://schemas.microsoft.com/office/drawing/2014/main" id="{FB9B0E28-205D-4B8D-B72F-75D77CF2161D}"/>
+              </a:ext>
+            </a:extLst>
+          </p:cNvPr>
+          <p:cNvSpPr>
+            <a:spLocks noGrp="1"/>
+          </p:cNvSpPr>
+          <p:nvPr>
+            <p:ph type="body" sz="half" idx="2"/>
+          </p:nvPr>
+        </p:nvSpPr>
+        <p:spPr>
+          <a:xfrm>
+            <a:off x="677333" y="5712620"/>
+            <a:ext cx="8596667" cy="674024"/>
+          </a:xfrm>
+        </p:spPr>
+        <p:txBody>
+          <a:bodyPr>
+            <a:normAutofit/>
+          </a:bodyPr>
+          <a:lstStyle/>
+          <a:p>
+            <a:r>
+              <a:rPr lang="en-US" dirty="0"/>
+              <a:t>Magnus Ahlkvist | @</a:t>
+            </a:r>
+            <a:r>
+              <a:rPr lang="en-US" dirty="0" err="1"/>
+              <a:t>Transmokopter</a:t>
+            </a:r>
+            <a:r>
+              <a:rPr lang="en-US" dirty="0"/>
+              <a:t> | </a:t>
+            </a:r>
+            <a:r>
+              <a:rPr lang="en-US" dirty="0">
+                <a:hlinkClick r:id="rId3"/>
+              </a:rPr>
+              <a:t>magnus@tsql.nu</a:t>
+            </a:r>
+            <a:r>
+              <a:rPr lang="en-US" dirty="0"/>
+              <a:t> | </a:t>
+            </a:r>
+            <a:r>
+              <a:rPr lang="en-US" dirty="0">
+                <a:hlinkClick r:id="rId4"/>
+              </a:rPr>
+              <a:t>www.tsql.nu</a:t>
+            </a:r>
+            <a:r>
+              <a:rPr lang="en-US" dirty="0"/>
+              <a:t> | github.com/</a:t>
+            </a:r>
+            <a:r>
+              <a:rPr lang="en-US" dirty="0" err="1"/>
+              <a:t>transmokopter</a:t>
+            </a:r>
+            <a:r>
+              <a:rPr lang="en-US" dirty="0"/>
+              <a:t>/Presentations</a:t>
+            </a:r>
+          </a:p>
+          <a:p>
+            <a:r>
+              <a:rPr lang="en-US" dirty="0"/>
+              <a:t>Presenting for QCPASS April 15</a:t>
+            </a:r>
+            <a:r>
+              <a:rPr lang="en-US" baseline="30000" dirty="0"/>
+              <a:t>th</a:t>
+            </a:r>
+            <a:r>
+              <a:rPr lang="en-US" dirty="0"/>
+              <a:t> 2020.</a:t>
+            </a:r>
+          </a:p>
+        </p:txBody>
+      </p:sp>
     </p:spTree>
     <p:extLst>
       <p:ext uri="{BB962C8B-B14F-4D97-AF65-F5344CB8AC3E}">
-        <p14:creationId xmlns:p14="http://schemas.microsoft.com/office/powerpoint/2010/main" val="3926567138"/>
+        <p14:creationId xmlns:p14="http://schemas.microsoft.com/office/powerpoint/2010/main" val="1847188119"/>
       </p:ext>
     </p:extLst>
   </p:cSld>
@@ -10733,10 +9746,10 @@
       </p:grpSpPr>
       <p:sp>
         <p:nvSpPr>
-          <p:cNvPr id="2" name="Rubrik 1">
+          <p:cNvPr id="4" name="Rubrik 3">
             <a:extLst>
               <a:ext uri="{FF2B5EF4-FFF2-40B4-BE49-F238E27FC236}">
-                <a16:creationId xmlns:a16="http://schemas.microsoft.com/office/drawing/2014/main" id="{B27421CA-D06E-432D-BBB0-72002BD27D88}"/>
+                <a16:creationId xmlns:a16="http://schemas.microsoft.com/office/drawing/2014/main" id="{B815B6F0-441C-4C91-AB08-6E805A1963BC}"/>
               </a:ext>
             </a:extLst>
           </p:cNvPr>
@@ -10744,7 +9757,7 @@
             <a:spLocks noGrp="1"/>
           </p:cNvSpPr>
           <p:nvPr>
-            <p:ph type="title"/>
+            <p:ph type="ctrTitle"/>
           </p:nvPr>
         </p:nvSpPr>
         <p:spPr/>
@@ -10754,164 +9767,22 @@
           <a:p>
             <a:r>
               <a:rPr lang="sv-SE" dirty="0"/>
-              <a:t>What is </a:t>
-            </a:r>
-            <a:r>
-              <a:rPr lang="sv-SE" dirty="0" err="1"/>
-              <a:t>DBATools</a:t>
-            </a:r>
-            <a:endParaRPr lang="sv-SE" dirty="0"/>
-          </a:p>
-        </p:txBody>
-      </p:sp>
-      <p:sp>
-        <p:nvSpPr>
-          <p:cNvPr id="3" name="Platshållare för innehåll 2">
-            <a:extLst>
-              <a:ext uri="{FF2B5EF4-FFF2-40B4-BE49-F238E27FC236}">
-                <a16:creationId xmlns:a16="http://schemas.microsoft.com/office/drawing/2014/main" id="{E0DC4934-1C7B-4A0E-8FD1-E96F78641DBF}"/>
-              </a:ext>
-            </a:extLst>
-          </p:cNvPr>
-          <p:cNvSpPr>
-            <a:spLocks noGrp="1"/>
-          </p:cNvSpPr>
-          <p:nvPr>
-            <p:ph idx="1"/>
-          </p:nvPr>
-        </p:nvSpPr>
-        <p:spPr/>
-        <p:txBody>
-          <a:bodyPr/>
-          <a:lstStyle/>
-          <a:p>
-            <a:r>
+              <a:t>DBATOOLS</a:t>
+            </a:r>
+            <a:br>
               <a:rPr lang="sv-SE" dirty="0"/>
-              <a:t>Powershell </a:t>
-            </a:r>
-            <a:r>
-              <a:rPr lang="sv-SE" dirty="0" err="1"/>
-              <a:t>module</a:t>
-            </a:r>
-            <a:endParaRPr lang="sv-SE" dirty="0"/>
-          </a:p>
-          <a:p>
-            <a:r>
-              <a:rPr lang="sv-SE" dirty="0" err="1"/>
-              <a:t>Available</a:t>
-            </a:r>
+            </a:br>
             <a:r>
               <a:rPr lang="sv-SE" dirty="0"/>
-              <a:t> on </a:t>
-            </a:r>
-            <a:r>
-              <a:rPr lang="sv-SE" dirty="0" err="1"/>
-              <a:t>PowershellGallery</a:t>
-            </a:r>
-            <a:endParaRPr lang="sv-SE" dirty="0"/>
-          </a:p>
-          <a:p>
-            <a:r>
-              <a:rPr lang="sv-SE" dirty="0" err="1"/>
-              <a:t>Command</a:t>
-            </a:r>
-            <a:r>
-              <a:rPr lang="sv-SE" dirty="0"/>
-              <a:t> </a:t>
-            </a:r>
-            <a:r>
-              <a:rPr lang="sv-SE" dirty="0" err="1"/>
-              <a:t>reference</a:t>
-            </a:r>
-            <a:r>
-              <a:rPr lang="sv-SE" dirty="0"/>
-              <a:t> on dbatools.io/</a:t>
-            </a:r>
-            <a:r>
-              <a:rPr lang="sv-SE" dirty="0" err="1"/>
-              <a:t>commands</a:t>
-            </a:r>
-            <a:endParaRPr lang="sv-SE" dirty="0"/>
-          </a:p>
-          <a:p>
-            <a:r>
-              <a:rPr lang="sv-SE" dirty="0"/>
-              <a:t>Community driven</a:t>
-            </a:r>
-          </a:p>
-          <a:p>
-            <a:pPr lvl="1"/>
-            <a:r>
-              <a:rPr lang="sv-SE" dirty="0"/>
-              <a:t>Use it</a:t>
-            </a:r>
-          </a:p>
-          <a:p>
-            <a:pPr lvl="1"/>
-            <a:r>
-              <a:rPr lang="sv-SE" dirty="0" err="1"/>
-              <a:t>Contribute</a:t>
-            </a:r>
-            <a:endParaRPr lang="sv-SE" dirty="0"/>
-          </a:p>
-          <a:p>
-            <a:pPr lvl="2"/>
-            <a:r>
-              <a:rPr lang="sv-SE" dirty="0" err="1"/>
-              <a:t>Write</a:t>
-            </a:r>
-            <a:r>
-              <a:rPr lang="sv-SE" dirty="0"/>
-              <a:t> code</a:t>
-            </a:r>
-          </a:p>
-          <a:p>
-            <a:pPr lvl="2"/>
-            <a:r>
-              <a:rPr lang="sv-SE" dirty="0" err="1"/>
-              <a:t>Report</a:t>
-            </a:r>
-            <a:r>
-              <a:rPr lang="sv-SE" dirty="0"/>
-              <a:t> </a:t>
-            </a:r>
-            <a:r>
-              <a:rPr lang="sv-SE" dirty="0" err="1"/>
-              <a:t>bugs</a:t>
-            </a:r>
-            <a:endParaRPr lang="sv-SE" dirty="0"/>
-          </a:p>
-          <a:p>
-            <a:pPr lvl="2"/>
-            <a:r>
-              <a:rPr lang="sv-SE" dirty="0" err="1"/>
-              <a:t>Suggest</a:t>
-            </a:r>
-            <a:r>
-              <a:rPr lang="sv-SE" dirty="0"/>
-              <a:t> features</a:t>
-            </a:r>
-          </a:p>
-          <a:p>
-            <a:pPr lvl="1"/>
-            <a:r>
-              <a:rPr lang="sv-SE" dirty="0" err="1"/>
-              <a:t>Donate</a:t>
-            </a:r>
-            <a:r>
-              <a:rPr lang="sv-SE" dirty="0"/>
-              <a:t> $$$</a:t>
-            </a:r>
-          </a:p>
-          <a:p>
-            <a:endParaRPr lang="sv-SE" dirty="0"/>
+              <a:t>Demo</a:t>
+            </a:r>
           </a:p>
         </p:txBody>
       </p:sp>
     </p:spTree>
     <p:extLst>
       <p:ext uri="{BB962C8B-B14F-4D97-AF65-F5344CB8AC3E}">
-        <p14:creationId xmlns:p14="http://schemas.microsoft.com/office/powerpoint/2010/main" val="290540475"/>
+        <p14:creationId xmlns:p14="http://schemas.microsoft.com/office/powerpoint/2010/main" val="3934740375"/>
       </p:ext>
     </p:extLst>
   </p:cSld>
@@ -10940,10 +9811,10 @@
       </p:grpSpPr>
       <p:sp>
         <p:nvSpPr>
-          <p:cNvPr id="4" name="Rubrik 3">
+          <p:cNvPr id="2" name="Rubrik 1">
             <a:extLst>
               <a:ext uri="{FF2B5EF4-FFF2-40B4-BE49-F238E27FC236}">
-                <a16:creationId xmlns:a16="http://schemas.microsoft.com/office/drawing/2014/main" id="{B815B6F0-441C-4C91-AB08-6E805A1963BC}"/>
+                <a16:creationId xmlns:a16="http://schemas.microsoft.com/office/drawing/2014/main" id="{86A8366E-4779-4EC4-BFA4-CB7796ECEBDD}"/>
               </a:ext>
             </a:extLst>
           </p:cNvPr>
@@ -10951,7 +9822,7 @@
             <a:spLocks noGrp="1"/>
           </p:cNvSpPr>
           <p:nvPr>
-            <p:ph type="ctrTitle"/>
+            <p:ph type="title"/>
           </p:nvPr>
         </p:nvSpPr>
         <p:spPr/>
@@ -10960,23 +9831,142 @@
           <a:lstStyle/>
           <a:p>
             <a:r>
+              <a:rPr lang="sv-SE" dirty="0" err="1"/>
+              <a:t>Lets’s</a:t>
+            </a:r>
+            <a:r>
               <a:rPr lang="sv-SE" dirty="0"/>
-              <a:t>DBATOOLS</a:t>
-            </a:r>
-            <a:br>
+              <a:t> get down to business</a:t>
+            </a:r>
+          </a:p>
+        </p:txBody>
+      </p:sp>
+      <p:sp>
+        <p:nvSpPr>
+          <p:cNvPr id="3" name="Platshållare för innehåll 2">
+            <a:extLst>
+              <a:ext uri="{FF2B5EF4-FFF2-40B4-BE49-F238E27FC236}">
+                <a16:creationId xmlns:a16="http://schemas.microsoft.com/office/drawing/2014/main" id="{E517467D-E6D8-4E68-88BB-BA3E6E56E956}"/>
+              </a:ext>
+            </a:extLst>
+          </p:cNvPr>
+          <p:cNvSpPr>
+            <a:spLocks noGrp="1"/>
+          </p:cNvSpPr>
+          <p:nvPr>
+            <p:ph idx="1"/>
+          </p:nvPr>
+        </p:nvSpPr>
+        <p:spPr/>
+        <p:txBody>
+          <a:bodyPr/>
+          <a:lstStyle/>
+          <a:p>
+            <a:r>
               <a:rPr lang="sv-SE" dirty="0"/>
-            </a:br>
+              <a:t>Setup servers for </a:t>
+            </a:r>
+            <a:r>
+              <a:rPr lang="sv-SE" dirty="0" err="1"/>
+              <a:t>backing</a:t>
+            </a:r>
             <a:r>
               <a:rPr lang="sv-SE" dirty="0"/>
-              <a:t>First demo</a:t>
-            </a:r>
+              <a:t> up to and </a:t>
+            </a:r>
+            <a:r>
+              <a:rPr lang="sv-SE" dirty="0" err="1"/>
+              <a:t>restoring</a:t>
+            </a:r>
+            <a:r>
+              <a:rPr lang="sv-SE" dirty="0"/>
+              <a:t> from </a:t>
+            </a:r>
+            <a:r>
+              <a:rPr lang="sv-SE" dirty="0" err="1"/>
+              <a:t>Azure</a:t>
+            </a:r>
+            <a:r>
+              <a:rPr lang="sv-SE" dirty="0"/>
+              <a:t> </a:t>
+            </a:r>
+            <a:r>
+              <a:rPr lang="sv-SE" dirty="0" err="1"/>
+              <a:t>blob</a:t>
+            </a:r>
+            <a:r>
+              <a:rPr lang="sv-SE" dirty="0"/>
+              <a:t> storage</a:t>
+            </a:r>
+          </a:p>
+          <a:p>
+            <a:r>
+              <a:rPr lang="sv-SE" dirty="0"/>
+              <a:t>Install a new SQL Server </a:t>
+            </a:r>
+            <a:r>
+              <a:rPr lang="sv-SE" dirty="0" err="1"/>
+              <a:t>instance</a:t>
+            </a:r>
+            <a:endParaRPr lang="sv-SE" dirty="0"/>
+          </a:p>
+          <a:p>
+            <a:r>
+              <a:rPr lang="sv-SE" dirty="0" err="1"/>
+              <a:t>Automate</a:t>
+            </a:r>
+            <a:r>
+              <a:rPr lang="sv-SE" dirty="0"/>
+              <a:t> </a:t>
+            </a:r>
+            <a:r>
+              <a:rPr lang="sv-SE" dirty="0" err="1"/>
+              <a:t>patching</a:t>
+            </a:r>
+            <a:r>
+              <a:rPr lang="sv-SE" dirty="0"/>
+              <a:t> </a:t>
+            </a:r>
+            <a:r>
+              <a:rPr lang="sv-SE" dirty="0" err="1"/>
+              <a:t>of</a:t>
+            </a:r>
+            <a:r>
+              <a:rPr lang="sv-SE" dirty="0"/>
+              <a:t> SQL Server</a:t>
+            </a:r>
+          </a:p>
+          <a:p>
+            <a:r>
+              <a:rPr lang="sv-SE" dirty="0"/>
+              <a:t>Log shipping when </a:t>
+            </a:r>
+            <a:r>
+              <a:rPr lang="sv-SE" dirty="0" err="1"/>
+              <a:t>there’s</a:t>
+            </a:r>
+            <a:r>
+              <a:rPr lang="sv-SE" dirty="0"/>
+              <a:t> no common </a:t>
+            </a:r>
+            <a:r>
+              <a:rPr lang="sv-SE" dirty="0" err="1"/>
+              <a:t>file</a:t>
+            </a:r>
+            <a:r>
+              <a:rPr lang="sv-SE" dirty="0"/>
+              <a:t> share</a:t>
+            </a:r>
+          </a:p>
+          <a:p>
+            <a:endParaRPr lang="sv-SE" dirty="0"/>
           </a:p>
         </p:txBody>
       </p:sp>
     </p:spTree>
     <p:extLst>
       <p:ext uri="{BB962C8B-B14F-4D97-AF65-F5344CB8AC3E}">
-        <p14:creationId xmlns:p14="http://schemas.microsoft.com/office/powerpoint/2010/main" val="3934740375"/>
+        <p14:creationId xmlns:p14="http://schemas.microsoft.com/office/powerpoint/2010/main" val="45941783"/>
       </p:ext>
     </p:extLst>
   </p:cSld>
@@ -11005,186 +9995,6 @@
       </p:grpSpPr>
       <p:sp>
         <p:nvSpPr>
-          <p:cNvPr id="2" name="Rubrik 1">
-            <a:extLst>
-              <a:ext uri="{FF2B5EF4-FFF2-40B4-BE49-F238E27FC236}">
-                <a16:creationId xmlns:a16="http://schemas.microsoft.com/office/drawing/2014/main" id="{86A8366E-4779-4EC4-BFA4-CB7796ECEBDD}"/>
-              </a:ext>
-            </a:extLst>
-          </p:cNvPr>
-          <p:cNvSpPr>
-            <a:spLocks noGrp="1"/>
-          </p:cNvSpPr>
-          <p:nvPr>
-            <p:ph type="title"/>
-          </p:nvPr>
-        </p:nvSpPr>
-        <p:spPr/>
-        <p:txBody>
-          <a:bodyPr/>
-          <a:lstStyle/>
-          <a:p>
-            <a:r>
-              <a:rPr lang="sv-SE" dirty="0" err="1"/>
-              <a:t>Lets’s</a:t>
-            </a:r>
-            <a:r>
-              <a:rPr lang="sv-SE" dirty="0"/>
-              <a:t> get down to business</a:t>
-            </a:r>
-          </a:p>
-        </p:txBody>
-      </p:sp>
-      <p:sp>
-        <p:nvSpPr>
-          <p:cNvPr id="3" name="Platshållare för innehåll 2">
-            <a:extLst>
-              <a:ext uri="{FF2B5EF4-FFF2-40B4-BE49-F238E27FC236}">
-                <a16:creationId xmlns:a16="http://schemas.microsoft.com/office/drawing/2014/main" id="{E517467D-E6D8-4E68-88BB-BA3E6E56E956}"/>
-              </a:ext>
-            </a:extLst>
-          </p:cNvPr>
-          <p:cNvSpPr>
-            <a:spLocks noGrp="1"/>
-          </p:cNvSpPr>
-          <p:nvPr>
-            <p:ph idx="1"/>
-          </p:nvPr>
-        </p:nvSpPr>
-        <p:spPr/>
-        <p:txBody>
-          <a:bodyPr/>
-          <a:lstStyle/>
-          <a:p>
-            <a:r>
-              <a:rPr lang="sv-SE" dirty="0"/>
-              <a:t>Setup servers for </a:t>
-            </a:r>
-            <a:r>
-              <a:rPr lang="sv-SE" dirty="0" err="1"/>
-              <a:t>backing</a:t>
-            </a:r>
-            <a:r>
-              <a:rPr lang="sv-SE" dirty="0"/>
-              <a:t> up to and </a:t>
-            </a:r>
-            <a:r>
-              <a:rPr lang="sv-SE" dirty="0" err="1"/>
-              <a:t>restoring</a:t>
-            </a:r>
-            <a:r>
-              <a:rPr lang="sv-SE" dirty="0"/>
-              <a:t> from </a:t>
-            </a:r>
-            <a:r>
-              <a:rPr lang="sv-SE" dirty="0" err="1"/>
-              <a:t>Azure</a:t>
-            </a:r>
-            <a:r>
-              <a:rPr lang="sv-SE" dirty="0"/>
-              <a:t> </a:t>
-            </a:r>
-            <a:r>
-              <a:rPr lang="sv-SE" dirty="0" err="1"/>
-              <a:t>blob</a:t>
-            </a:r>
-            <a:r>
-              <a:rPr lang="sv-SE" dirty="0"/>
-              <a:t> storage</a:t>
-            </a:r>
-          </a:p>
-          <a:p>
-            <a:r>
-              <a:rPr lang="sv-SE" dirty="0"/>
-              <a:t>Install a new SQL Server </a:t>
-            </a:r>
-            <a:r>
-              <a:rPr lang="sv-SE" dirty="0" err="1"/>
-              <a:t>instance</a:t>
-            </a:r>
-            <a:endParaRPr lang="sv-SE" dirty="0"/>
-          </a:p>
-          <a:p>
-            <a:r>
-              <a:rPr lang="sv-SE" dirty="0" err="1"/>
-              <a:t>Automate</a:t>
-            </a:r>
-            <a:r>
-              <a:rPr lang="sv-SE" dirty="0"/>
-              <a:t> </a:t>
-            </a:r>
-            <a:r>
-              <a:rPr lang="sv-SE" dirty="0" err="1"/>
-              <a:t>patching</a:t>
-            </a:r>
-            <a:r>
-              <a:rPr lang="sv-SE" dirty="0"/>
-              <a:t> </a:t>
-            </a:r>
-            <a:r>
-              <a:rPr lang="sv-SE" dirty="0" err="1"/>
-              <a:t>of</a:t>
-            </a:r>
-            <a:r>
-              <a:rPr lang="sv-SE" dirty="0"/>
-              <a:t> SQL Server</a:t>
-            </a:r>
-          </a:p>
-          <a:p>
-            <a:r>
-              <a:rPr lang="sv-SE" dirty="0" err="1"/>
-              <a:t>Migrate</a:t>
-            </a:r>
-            <a:r>
-              <a:rPr lang="sv-SE" dirty="0"/>
-              <a:t> logins and </a:t>
-            </a:r>
-            <a:r>
-              <a:rPr lang="sv-SE" dirty="0" err="1"/>
-              <a:t>jobs</a:t>
-            </a:r>
-            <a:r>
-              <a:rPr lang="sv-SE" dirty="0"/>
-              <a:t>, setup log shipping</a:t>
-            </a:r>
-          </a:p>
-          <a:p>
-            <a:endParaRPr lang="sv-SE" dirty="0"/>
-          </a:p>
-        </p:txBody>
-      </p:sp>
-    </p:spTree>
-    <p:extLst>
-      <p:ext uri="{BB962C8B-B14F-4D97-AF65-F5344CB8AC3E}">
-        <p14:creationId xmlns:p14="http://schemas.microsoft.com/office/powerpoint/2010/main" val="45941783"/>
-      </p:ext>
-    </p:extLst>
-  </p:cSld>
-  <p:clrMapOvr>
-    <a:masterClrMapping/>
-  </p:clrMapOvr>
-</p:sld>
-</file>
-
-<file path=ppt/slides/slide13.xml><?xml version="1.0" encoding="utf-8"?>
-<p:sld xmlns:a="http://schemas.openxmlformats.org/drawingml/2006/main" xmlns:r="http://schemas.openxmlformats.org/officeDocument/2006/relationships" xmlns:p="http://schemas.openxmlformats.org/presentationml/2006/main">
-  <p:cSld>
-    <p:spTree>
-      <p:nvGrpSpPr>
-        <p:cNvPr id="1" name=""/>
-        <p:cNvGrpSpPr/>
-        <p:nvPr/>
-      </p:nvGrpSpPr>
-      <p:grpSpPr>
-        <a:xfrm>
-          <a:off x="0" y="0"/>
-          <a:ext cx="0" cy="0"/>
-          <a:chOff x="0" y="0"/>
-          <a:chExt cx="0" cy="0"/>
-        </a:xfrm>
-      </p:grpSpPr>
-      <p:sp>
-        <p:nvSpPr>
           <p:cNvPr id="4" name="Rubrik 3">
             <a:extLst>
               <a:ext uri="{FF2B5EF4-FFF2-40B4-BE49-F238E27FC236}">
@@ -11228,320 +10038,6 @@
   <p:clrMapOvr>
     <a:masterClrMapping/>
   </p:clrMapOvr>
-</p:sld>
-</file>
-
-<file path=ppt/slides/slide14.xml><?xml version="1.0" encoding="utf-8"?>
-<p:sld xmlns:a="http://schemas.openxmlformats.org/drawingml/2006/main" xmlns:r="http://schemas.openxmlformats.org/officeDocument/2006/relationships" xmlns:p="http://schemas.openxmlformats.org/presentationml/2006/main">
-  <p:cSld>
-    <p:spTree>
-      <p:nvGrpSpPr>
-        <p:cNvPr id="1" name=""/>
-        <p:cNvGrpSpPr/>
-        <p:nvPr/>
-      </p:nvGrpSpPr>
-      <p:grpSpPr>
-        <a:xfrm>
-          <a:off x="0" y="0"/>
-          <a:ext cx="0" cy="0"/>
-          <a:chOff x="0" y="0"/>
-          <a:chExt cx="0" cy="0"/>
-        </a:xfrm>
-      </p:grpSpPr>
-      <p:sp>
-        <p:nvSpPr>
-          <p:cNvPr id="2" name="Rubrik 1">
-            <a:extLst>
-              <a:ext uri="{FF2B5EF4-FFF2-40B4-BE49-F238E27FC236}">
-                <a16:creationId xmlns:a16="http://schemas.microsoft.com/office/drawing/2014/main" id="{B3805D9D-DD4A-4670-8E58-996171E39FD1}"/>
-              </a:ext>
-            </a:extLst>
-          </p:cNvPr>
-          <p:cNvSpPr>
-            <a:spLocks noGrp="1"/>
-          </p:cNvSpPr>
-          <p:nvPr>
-            <p:ph type="title"/>
-          </p:nvPr>
-        </p:nvSpPr>
-        <p:spPr/>
-        <p:txBody>
-          <a:bodyPr/>
-          <a:lstStyle/>
-          <a:p>
-            <a:r>
-              <a:rPr lang="sv-SE" dirty="0" err="1"/>
-              <a:t>Famous</a:t>
-            </a:r>
-            <a:r>
-              <a:rPr lang="sv-SE" dirty="0"/>
-              <a:t> last </a:t>
-            </a:r>
-            <a:r>
-              <a:rPr lang="sv-SE" dirty="0" err="1"/>
-              <a:t>words</a:t>
-            </a:r>
-            <a:endParaRPr lang="sv-SE" dirty="0"/>
-          </a:p>
-        </p:txBody>
-      </p:sp>
-      <p:sp>
-        <p:nvSpPr>
-          <p:cNvPr id="3" name="Platshållare för innehåll 2">
-            <a:extLst>
-              <a:ext uri="{FF2B5EF4-FFF2-40B4-BE49-F238E27FC236}">
-                <a16:creationId xmlns:a16="http://schemas.microsoft.com/office/drawing/2014/main" id="{281A2D6A-F5C1-4733-9185-7D4F9AAFCC4F}"/>
-              </a:ext>
-            </a:extLst>
-          </p:cNvPr>
-          <p:cNvSpPr>
-            <a:spLocks noGrp="1"/>
-          </p:cNvSpPr>
-          <p:nvPr>
-            <p:ph idx="1"/>
-          </p:nvPr>
-        </p:nvSpPr>
-        <p:spPr/>
-        <p:txBody>
-          <a:bodyPr/>
-          <a:lstStyle/>
-          <a:p>
-            <a:pPr marL="0" indent="0">
-              <a:buNone/>
-            </a:pPr>
-            <a:r>
-              <a:rPr lang="sv-SE" dirty="0" err="1"/>
-              <a:t>Thank</a:t>
-            </a:r>
-            <a:r>
-              <a:rPr lang="sv-SE" dirty="0"/>
-              <a:t> you GroupBy!</a:t>
-            </a:r>
-          </a:p>
-          <a:p>
-            <a:pPr marL="0" indent="0">
-              <a:buNone/>
-            </a:pPr>
-            <a:endParaRPr lang="sv-SE" dirty="0"/>
-          </a:p>
-          <a:p>
-            <a:pPr marL="0" indent="0">
-              <a:buNone/>
-            </a:pPr>
-            <a:r>
-              <a:rPr lang="sv-SE" dirty="0"/>
-              <a:t>❤❤❤❤❤❤❤</a:t>
-            </a:r>
-            <a:r>
-              <a:rPr lang="sv-SE" dirty="0" err="1"/>
-              <a:t>Thank</a:t>
-            </a:r>
-            <a:r>
-              <a:rPr lang="sv-SE" dirty="0"/>
-              <a:t> you </a:t>
-            </a:r>
-            <a:r>
-              <a:rPr lang="sv-SE" dirty="0" err="1"/>
-              <a:t>contributors</a:t>
-            </a:r>
-            <a:r>
-              <a:rPr lang="sv-SE" dirty="0"/>
-              <a:t> </a:t>
-            </a:r>
-            <a:r>
-              <a:rPr lang="sv-SE" dirty="0" err="1"/>
-              <a:t>of</a:t>
-            </a:r>
-            <a:r>
-              <a:rPr lang="sv-SE" dirty="0"/>
-              <a:t> </a:t>
-            </a:r>
-            <a:r>
-              <a:rPr lang="sv-SE" dirty="0" err="1"/>
-              <a:t>DBATools</a:t>
-            </a:r>
-            <a:r>
-              <a:rPr lang="sv-SE" dirty="0"/>
-              <a:t> ❤❤❤❤❤❤❤</a:t>
-            </a:r>
-          </a:p>
-          <a:p>
-            <a:pPr marL="0" indent="0">
-              <a:buNone/>
-            </a:pPr>
-            <a:endParaRPr lang="sv-SE" dirty="0"/>
-          </a:p>
-          <a:p>
-            <a:pPr marL="0" indent="0">
-              <a:buNone/>
-            </a:pPr>
-            <a:r>
-              <a:rPr lang="sv-SE" dirty="0"/>
-              <a:t>Automation </a:t>
-            </a:r>
-            <a:r>
-              <a:rPr lang="sv-SE" dirty="0" err="1"/>
-              <a:t>replaces</a:t>
-            </a:r>
-            <a:r>
-              <a:rPr lang="sv-SE" dirty="0"/>
-              <a:t> </a:t>
-            </a:r>
-            <a:r>
-              <a:rPr lang="sv-SE" dirty="0" err="1"/>
-              <a:t>random</a:t>
-            </a:r>
-            <a:r>
-              <a:rPr lang="sv-SE" dirty="0"/>
-              <a:t> </a:t>
-            </a:r>
-            <a:r>
-              <a:rPr lang="sv-SE" dirty="0" err="1"/>
-              <a:t>mistakes</a:t>
-            </a:r>
-            <a:r>
-              <a:rPr lang="sv-SE" dirty="0"/>
-              <a:t> with </a:t>
-            </a:r>
-            <a:r>
-              <a:rPr lang="sv-SE" dirty="0" err="1"/>
-              <a:t>consistent</a:t>
-            </a:r>
-            <a:r>
-              <a:rPr lang="sv-SE" dirty="0"/>
-              <a:t> </a:t>
-            </a:r>
-            <a:r>
-              <a:rPr lang="sv-SE" dirty="0" err="1"/>
-              <a:t>errors</a:t>
-            </a:r>
-            <a:r>
-              <a:rPr lang="sv-SE" dirty="0"/>
-              <a:t>. </a:t>
-            </a:r>
-          </a:p>
-          <a:p>
-            <a:pPr marL="0" indent="0">
-              <a:buNone/>
-            </a:pPr>
-            <a:r>
-              <a:rPr lang="sv-SE" dirty="0"/>
-              <a:t>That you </a:t>
-            </a:r>
-            <a:r>
-              <a:rPr lang="sv-SE" dirty="0" err="1"/>
-              <a:t>can</a:t>
-            </a:r>
-            <a:r>
-              <a:rPr lang="sv-SE" dirty="0"/>
-              <a:t> fix </a:t>
-            </a:r>
-            <a:r>
-              <a:rPr lang="sv-SE" dirty="0" err="1"/>
-              <a:t>once</a:t>
-            </a:r>
-            <a:r>
-              <a:rPr lang="sv-SE" dirty="0"/>
-              <a:t>.</a:t>
-            </a:r>
-          </a:p>
-          <a:p>
-            <a:endParaRPr lang="sv-SE" dirty="0"/>
-          </a:p>
-          <a:p>
-            <a:endParaRPr lang="sv-SE" dirty="0"/>
-          </a:p>
-        </p:txBody>
-      </p:sp>
-    </p:spTree>
-    <p:extLst>
-      <p:ext uri="{BB962C8B-B14F-4D97-AF65-F5344CB8AC3E}">
-        <p14:creationId xmlns:p14="http://schemas.microsoft.com/office/powerpoint/2010/main" val="3242574839"/>
-      </p:ext>
-    </p:extLst>
-  </p:cSld>
-  <p:clrMapOvr>
-    <a:masterClrMapping/>
-  </p:clrMapOvr>
-  <p:timing>
-    <p:tnLst>
-      <p:par>
-        <p:cTn id="1" dur="indefinite" restart="never" nodeType="tmRoot">
-          <p:childTnLst>
-            <p:seq concurrent="1" nextAc="seek">
-              <p:cTn id="2" dur="indefinite" nodeType="mainSeq">
-                <p:childTnLst>
-                  <p:par>
-                    <p:cTn id="3" fill="hold">
-                      <p:stCondLst>
-                        <p:cond delay="indefinite"/>
-                      </p:stCondLst>
-                      <p:childTnLst>
-                        <p:par>
-                          <p:cTn id="4" fill="hold">
-                            <p:stCondLst>
-                              <p:cond delay="0"/>
-                            </p:stCondLst>
-                            <p:childTnLst>
-                              <p:par>
-                                <p:cTn id="5" presetID="1" presetClass="entr" presetSubtype="0" fill="hold" nodeType="clickEffect">
-                                  <p:stCondLst>
-                                    <p:cond delay="0"/>
-                                  </p:stCondLst>
-                                  <p:childTnLst>
-                                    <p:set>
-                                      <p:cBhvr>
-                                        <p:cTn id="6" dur="1" fill="hold">
-                                          <p:stCondLst>
-                                            <p:cond delay="0"/>
-                                          </p:stCondLst>
-                                        </p:cTn>
-                                        <p:tgtEl>
-                                          <p:spTgt spid="3">
-                                            <p:txEl>
-                                              <p:pRg st="5" end="5"/>
-                                            </p:txEl>
-                                          </p:spTgt>
-                                        </p:tgtEl>
-                                        <p:attrNameLst>
-                                          <p:attrName>style.visibility</p:attrName>
-                                        </p:attrNameLst>
-                                      </p:cBhvr>
-                                      <p:to>
-                                        <p:strVal val="visible"/>
-                                      </p:to>
-                                    </p:set>
-                                  </p:childTnLst>
-                                </p:cTn>
-                              </p:par>
-                            </p:childTnLst>
-                          </p:cTn>
-                        </p:par>
-                      </p:childTnLst>
-                    </p:cTn>
-                  </p:par>
-                </p:childTnLst>
-              </p:cTn>
-              <p:prevCondLst>
-                <p:cond evt="onPrev" delay="0">
-                  <p:tgtEl>
-                    <p:sldTgt/>
-                  </p:tgtEl>
-                </p:cond>
-              </p:prevCondLst>
-              <p:nextCondLst>
-                <p:cond evt="onNext" delay="0">
-                  <p:tgtEl>
-                    <p:sldTgt/>
-                  </p:tgtEl>
-                </p:cond>
-              </p:nextCondLst>
-            </p:seq>
-          </p:childTnLst>
-        </p:cTn>
-      </p:par>
-    </p:tnLst>
-  </p:timing>
 </p:sld>
 </file>
 
@@ -11564,52 +10060,329 @@
       </p:grpSpPr>
       <p:sp>
         <p:nvSpPr>
-          <p:cNvPr id="2" name="Text Placeholder 1">
+          <p:cNvPr id="2" name="Rubrik 1"/>
+          <p:cNvSpPr>
+            <a:spLocks noGrp="1"/>
+          </p:cNvSpPr>
+          <p:nvPr>
+            <p:ph type="title"/>
+          </p:nvPr>
+        </p:nvSpPr>
+        <p:spPr/>
+        <p:txBody>
+          <a:bodyPr/>
+          <a:lstStyle/>
+          <a:p>
+            <a:r>
+              <a:rPr lang="sv-SE" dirty="0" err="1"/>
+              <a:t>About</a:t>
+            </a:r>
+            <a:r>
+              <a:rPr lang="sv-SE" dirty="0"/>
+              <a:t> Magnus</a:t>
+            </a:r>
+          </a:p>
+        </p:txBody>
+      </p:sp>
+      <p:sp>
+        <p:nvSpPr>
+          <p:cNvPr id="3" name="Platshållare för innehåll 2"/>
+          <p:cNvSpPr>
+            <a:spLocks noGrp="1"/>
+          </p:cNvSpPr>
+          <p:nvPr>
+            <p:ph idx="1"/>
+          </p:nvPr>
+        </p:nvSpPr>
+        <p:spPr/>
+        <p:txBody>
+          <a:bodyPr>
+            <a:normAutofit fontScale="92500" lnSpcReduction="10000"/>
+          </a:bodyPr>
+          <a:lstStyle/>
+          <a:p>
+            <a:r>
+              <a:rPr lang="sv-SE" dirty="0"/>
+              <a:t>Magnus Ahlkvist</a:t>
+            </a:r>
+          </a:p>
+          <a:p>
+            <a:r>
+              <a:rPr lang="sv-SE" dirty="0"/>
+              <a:t>Transmokopter SQL AB – database </a:t>
+            </a:r>
+            <a:r>
+              <a:rPr lang="sv-SE" dirty="0" err="1"/>
+              <a:t>consultant</a:t>
+            </a:r>
+            <a:endParaRPr lang="sv-SE" dirty="0"/>
+          </a:p>
+          <a:p>
+            <a:r>
+              <a:rPr lang="sv-SE" dirty="0"/>
+              <a:t>Community speaker, Community </a:t>
+            </a:r>
+            <a:r>
+              <a:rPr lang="sv-SE" dirty="0" err="1"/>
+              <a:t>organizer</a:t>
+            </a:r>
+            <a:endParaRPr lang="sv-SE" dirty="0"/>
+          </a:p>
+          <a:p>
+            <a:pPr lvl="1"/>
+            <a:r>
+              <a:rPr lang="sv-SE" dirty="0"/>
+              <a:t>#</a:t>
+            </a:r>
+            <a:r>
+              <a:rPr lang="sv-SE" dirty="0" err="1"/>
+              <a:t>DataWeekender</a:t>
+            </a:r>
+            <a:r>
+              <a:rPr lang="sv-SE" dirty="0"/>
+              <a:t> May 2nd </a:t>
+            </a:r>
+            <a:br>
+              <a:rPr lang="sv-SE" dirty="0"/>
+            </a:br>
+            <a:r>
+              <a:rPr lang="sv-SE" dirty="0"/>
+              <a:t>Call for speakers: https://sessionize.com/data-community-weekender-europe/</a:t>
+            </a:r>
+            <a:br>
+              <a:rPr lang="sv-SE" dirty="0"/>
+            </a:br>
+            <a:r>
+              <a:rPr lang="sv-SE" dirty="0" err="1"/>
+              <a:t>Follow</a:t>
+            </a:r>
+            <a:r>
+              <a:rPr lang="sv-SE" dirty="0"/>
+              <a:t> @</a:t>
+            </a:r>
+            <a:r>
+              <a:rPr lang="sv-SE" dirty="0" err="1"/>
+              <a:t>DataWeekender</a:t>
+            </a:r>
+            <a:r>
+              <a:rPr lang="sv-SE" dirty="0"/>
+              <a:t> on Twitter</a:t>
+            </a:r>
+            <a:br>
+              <a:rPr lang="sv-SE" dirty="0"/>
+            </a:br>
+            <a:r>
+              <a:rPr lang="sv-SE" dirty="0" err="1"/>
+              <a:t>Meetup</a:t>
+            </a:r>
+            <a:r>
+              <a:rPr lang="sv-SE" dirty="0"/>
+              <a:t>: https://www.meetup.com/Data-Community-Weekender-Europe/events/269951016/</a:t>
+            </a:r>
+          </a:p>
+          <a:p>
+            <a:r>
+              <a:rPr lang="sv-SE" dirty="0"/>
+              <a:t>Go </a:t>
+            </a:r>
+            <a:r>
+              <a:rPr lang="sv-SE" dirty="0" err="1"/>
+              <a:t>Niners</a:t>
+            </a:r>
+            <a:endParaRPr lang="sv-SE" dirty="0"/>
+          </a:p>
+          <a:p>
+            <a:r>
+              <a:rPr lang="sv-SE" dirty="0"/>
+              <a:t>Covid-19 </a:t>
+            </a:r>
+            <a:r>
+              <a:rPr lang="sv-SE" dirty="0" err="1"/>
+              <a:t>made</a:t>
+            </a:r>
+            <a:r>
+              <a:rPr lang="sv-SE" dirty="0"/>
+              <a:t> </a:t>
+            </a:r>
+            <a:r>
+              <a:rPr lang="sv-SE" dirty="0" err="1"/>
+              <a:t>me</a:t>
+            </a:r>
+            <a:r>
+              <a:rPr lang="sv-SE" dirty="0"/>
+              <a:t> scout </a:t>
+            </a:r>
+            <a:r>
+              <a:rPr lang="sv-SE" dirty="0" err="1"/>
+              <a:t>troop</a:t>
+            </a:r>
+            <a:r>
+              <a:rPr lang="sv-SE" dirty="0"/>
+              <a:t> </a:t>
+            </a:r>
+            <a:r>
+              <a:rPr lang="sv-SE" dirty="0" err="1"/>
+              <a:t>leader</a:t>
+            </a:r>
+            <a:endParaRPr lang="sv-SE" dirty="0"/>
+          </a:p>
+          <a:p>
+            <a:r>
+              <a:rPr lang="sv-SE" dirty="0" err="1"/>
+              <a:t>Football</a:t>
+            </a:r>
+            <a:r>
+              <a:rPr lang="sv-SE" dirty="0"/>
+              <a:t> coach</a:t>
+            </a:r>
+          </a:p>
+          <a:p>
+            <a:r>
+              <a:rPr lang="sv-SE" dirty="0" err="1"/>
+              <a:t>Picking</a:t>
+            </a:r>
+            <a:r>
+              <a:rPr lang="sv-SE" dirty="0"/>
+              <a:t> up </a:t>
+            </a:r>
+            <a:r>
+              <a:rPr lang="sv-SE" dirty="0" err="1"/>
+              <a:t>running</a:t>
+            </a:r>
+            <a:r>
+              <a:rPr lang="sv-SE" dirty="0"/>
+              <a:t> – Look </a:t>
+            </a:r>
+            <a:r>
+              <a:rPr lang="sv-SE" dirty="0" err="1"/>
+              <a:t>me</a:t>
+            </a:r>
+            <a:r>
+              <a:rPr lang="sv-SE" dirty="0"/>
+              <a:t> up on strava.com</a:t>
+            </a:r>
+          </a:p>
+          <a:p>
+            <a:r>
+              <a:rPr lang="sv-SE" dirty="0"/>
+              <a:t>Abbreviations</a:t>
+            </a:r>
+          </a:p>
+          <a:p>
+            <a:endParaRPr lang="sv-SE" dirty="0"/>
+          </a:p>
+        </p:txBody>
+      </p:sp>
+      <p:pic>
+        <p:nvPicPr>
+          <p:cNvPr id="5" name="Bildobjekt 4" descr="En bild som visar fotboll, sitter, spel, ljus&#10;&#10;Automatiskt genererad beskrivning">
             <a:extLst>
               <a:ext uri="{FF2B5EF4-FFF2-40B4-BE49-F238E27FC236}">
-                <a16:creationId xmlns:a16="http://schemas.microsoft.com/office/drawing/2014/main" id="{EDA01322-AA71-4E71-B9AC-BDB45E4E5716}"/>
+                <a16:creationId xmlns:a16="http://schemas.microsoft.com/office/drawing/2014/main" id="{1268A56F-28EF-4F25-A019-10D5AD3D0098}"/>
               </a:ext>
             </a:extLst>
           </p:cNvPr>
-          <p:cNvSpPr>
-            <a:spLocks noGrp="1"/>
-          </p:cNvSpPr>
-          <p:nvPr>
-            <p:ph type="body" sz="quarter" idx="10"/>
-          </p:nvPr>
-        </p:nvSpPr>
-        <p:spPr/>
-        <p:txBody>
-          <a:bodyPr/>
-          <a:lstStyle/>
-          <a:p>
-            <a:r>
-              <a:rPr lang="en-CA" dirty="0"/>
-              <a:t>My romantic relation with </a:t>
-            </a:r>
-            <a:r>
-              <a:rPr lang="en-CA" dirty="0" err="1"/>
-              <a:t>Powershell</a:t>
-            </a:r>
-            <a:r>
-              <a:rPr lang="en-CA" dirty="0"/>
-              <a:t> generally and </a:t>
-            </a:r>
-            <a:r>
-              <a:rPr lang="en-CA" dirty="0" err="1"/>
-              <a:t>DBATools</a:t>
-            </a:r>
-            <a:r>
-              <a:rPr lang="en-CA" dirty="0"/>
-              <a:t> especially</a:t>
-            </a:r>
+          <p:cNvPicPr>
+            <a:picLocks noChangeAspect="1"/>
+          </p:cNvPicPr>
+          <p:nvPr/>
+        </p:nvPicPr>
+        <p:blipFill>
+          <a:blip r:embed="rId2">
+            <a:extLst>
+              <a:ext uri="{837473B0-CC2E-450A-ABE3-18F120FF3D39}">
+                <a1611:picAttrSrcUrl xmlns:a1611="http://schemas.microsoft.com/office/drawing/2016/11/main" r:id="rId3"/>
+              </a:ext>
+            </a:extLst>
+          </a:blip>
+          <a:stretch>
+            <a:fillRect/>
+          </a:stretch>
+        </p:blipFill>
+        <p:spPr>
+          <a:xfrm>
+            <a:off x="2753727" y="4920590"/>
+            <a:ext cx="328541" cy="328541"/>
+          </a:xfrm>
+          <a:prstGeom prst="rect">
+            <a:avLst/>
+          </a:prstGeom>
+        </p:spPr>
+      </p:pic>
+      <p:sp>
+        <p:nvSpPr>
+          <p:cNvPr id="6" name="textruta 5">
+            <a:extLst>
+              <a:ext uri="{FF2B5EF4-FFF2-40B4-BE49-F238E27FC236}">
+                <a16:creationId xmlns:a16="http://schemas.microsoft.com/office/drawing/2014/main" id="{E7DCA6E0-1CB4-4729-9F7F-F2968708EDBE}"/>
+              </a:ext>
+            </a:extLst>
+          </p:cNvPr>
+          <p:cNvSpPr txBox="1"/>
+          <p:nvPr/>
+        </p:nvSpPr>
+        <p:spPr>
+          <a:xfrm>
+            <a:off x="3082268" y="4969444"/>
+            <a:ext cx="2777952" cy="230832"/>
+          </a:xfrm>
+          <a:prstGeom prst="rect">
+            <a:avLst/>
+          </a:prstGeom>
+          <a:noFill/>
+        </p:spPr>
+        <p:txBody>
+          <a:bodyPr wrap="square" rtlCol="0">
+            <a:spAutoFit/>
+          </a:bodyPr>
+          <a:lstStyle/>
+          <a:p>
+            <a:r>
+              <a:rPr lang="sv-SE" sz="900" dirty="0">
+                <a:hlinkClick r:id="rId3" tooltip="https://en.wikipedia.org/wiki/File:Soccerball_mask2.svg"/>
+              </a:rPr>
+              <a:t>This </a:t>
+            </a:r>
+            <a:r>
+              <a:rPr lang="sv-SE" sz="900" dirty="0" err="1">
+                <a:hlinkClick r:id="rId3" tooltip="https://en.wikipedia.org/wiki/File:Soccerball_mask2.svg"/>
+              </a:rPr>
+              <a:t>picture</a:t>
+            </a:r>
+            <a:r>
+              <a:rPr lang="sv-SE" sz="900" dirty="0"/>
+              <a:t> </a:t>
+            </a:r>
+            <a:r>
+              <a:rPr lang="sv-SE" sz="900" dirty="0" err="1"/>
+              <a:t>licensed</a:t>
+            </a:r>
+            <a:r>
+              <a:rPr lang="sv-SE" sz="900" dirty="0"/>
+              <a:t> </a:t>
+            </a:r>
+            <a:r>
+              <a:rPr lang="sv-SE" sz="900" dirty="0" err="1"/>
+              <a:t>according</a:t>
+            </a:r>
+            <a:r>
+              <a:rPr lang="sv-SE" sz="900" dirty="0"/>
+              <a:t> with  </a:t>
+            </a:r>
+            <a:r>
+              <a:rPr lang="sv-SE" sz="900" dirty="0">
+                <a:hlinkClick r:id="rId4" tooltip="https://creativecommons.org/licenses/by-sa/3.0/"/>
+              </a:rPr>
+              <a:t>CC BY-SA</a:t>
+            </a:r>
+            <a:endParaRPr lang="sv-SE" sz="900" dirty="0"/>
           </a:p>
         </p:txBody>
       </p:sp>
     </p:spTree>
     <p:extLst>
       <p:ext uri="{BB962C8B-B14F-4D97-AF65-F5344CB8AC3E}">
-        <p14:creationId xmlns:p14="http://schemas.microsoft.com/office/powerpoint/2010/main" val="2532954222"/>
+        <p14:creationId xmlns:p14="http://schemas.microsoft.com/office/powerpoint/2010/main" val="6683241"/>
       </p:ext>
     </p:extLst>
   </p:cSld>
@@ -11638,10 +10411,10 @@
       </p:grpSpPr>
       <p:sp>
         <p:nvSpPr>
-          <p:cNvPr id="3" name="Text Placeholder 2">
+          <p:cNvPr id="2" name="Rubrik 1">
             <a:extLst>
               <a:ext uri="{FF2B5EF4-FFF2-40B4-BE49-F238E27FC236}">
-                <a16:creationId xmlns:a16="http://schemas.microsoft.com/office/drawing/2014/main" id="{AC667769-E8A3-4E62-B543-EE19CD9D28EE}"/>
+                <a16:creationId xmlns:a16="http://schemas.microsoft.com/office/drawing/2014/main" id="{70C438DB-20F7-4B34-8E2C-4BF45E7293A3}"/>
               </a:ext>
             </a:extLst>
           </p:cNvPr>
@@ -11649,7 +10422,7 @@
             <a:spLocks noGrp="1"/>
           </p:cNvSpPr>
           <p:nvPr>
-            <p:ph type="body" sz="quarter" idx="11"/>
+            <p:ph type="title"/>
           </p:nvPr>
         </p:nvSpPr>
         <p:spPr/>
@@ -11658,18 +10431,23 @@
           <a:lstStyle/>
           <a:p>
             <a:r>
-              <a:rPr lang="en-CA" dirty="0"/>
-              <a:t>Magnus Ahlkvist</a:t>
-            </a:r>
-          </a:p>
-        </p:txBody>
-      </p:sp>
-      <p:sp>
-        <p:nvSpPr>
-          <p:cNvPr id="4" name="Text Placeholder 3">
+              <a:rPr lang="sv-SE" dirty="0"/>
+              <a:t>Session </a:t>
+            </a:r>
+            <a:r>
+              <a:rPr lang="sv-SE" dirty="0" err="1"/>
+              <a:t>contents</a:t>
+            </a:r>
+            <a:endParaRPr lang="sv-SE" dirty="0"/>
+          </a:p>
+        </p:txBody>
+      </p:sp>
+      <p:sp>
+        <p:nvSpPr>
+          <p:cNvPr id="3" name="Platshållare för innehåll 2">
             <a:extLst>
               <a:ext uri="{FF2B5EF4-FFF2-40B4-BE49-F238E27FC236}">
-                <a16:creationId xmlns:a16="http://schemas.microsoft.com/office/drawing/2014/main" id="{C40A4A63-C530-4F3D-B9B4-8620D37ACD0E}"/>
+                <a16:creationId xmlns:a16="http://schemas.microsoft.com/office/drawing/2014/main" id="{3308BB25-8932-48AF-AEB6-FF932D5D492F}"/>
               </a:ext>
             </a:extLst>
           </p:cNvPr>
@@ -11677,7 +10455,7 @@
             <a:spLocks noGrp="1"/>
           </p:cNvSpPr>
           <p:nvPr>
-            <p:ph type="body" sz="quarter" idx="12"/>
+            <p:ph idx="1"/>
           </p:nvPr>
         </p:nvSpPr>
         <p:spPr/>
@@ -11686,140 +10464,42 @@
           <a:lstStyle/>
           <a:p>
             <a:r>
-              <a:rPr lang="en-CA" dirty="0"/>
-              <a:t>Consultant, </a:t>
-            </a:r>
-            <a:r>
-              <a:rPr lang="en-CA" dirty="0" err="1"/>
-              <a:t>Transmokopter</a:t>
-            </a:r>
-            <a:r>
-              <a:rPr lang="en-CA" dirty="0"/>
-              <a:t> SQL AB</a:t>
-            </a:r>
-          </a:p>
-        </p:txBody>
-      </p:sp>
-      <p:sp>
-        <p:nvSpPr>
-          <p:cNvPr id="5" name="Text Placeholder 4">
-            <a:extLst>
-              <a:ext uri="{FF2B5EF4-FFF2-40B4-BE49-F238E27FC236}">
-                <a16:creationId xmlns:a16="http://schemas.microsoft.com/office/drawing/2014/main" id="{AFDA0A56-26F1-4364-80F9-80EFF781AE7B}"/>
-              </a:ext>
-            </a:extLst>
-          </p:cNvPr>
-          <p:cNvSpPr>
-            <a:spLocks noGrp="1"/>
-          </p:cNvSpPr>
-          <p:nvPr>
-            <p:ph type="body" sz="quarter" idx="13"/>
-          </p:nvPr>
-        </p:nvSpPr>
-        <p:spPr/>
-        <p:txBody>
-          <a:bodyPr/>
-          <a:lstStyle/>
-          <a:p>
-            <a:r>
-              <a:rPr lang="en-CA" dirty="0"/>
-              <a:t>https://www.tsql.nu</a:t>
-            </a:r>
-          </a:p>
-        </p:txBody>
-      </p:sp>
-      <p:sp>
-        <p:nvSpPr>
-          <p:cNvPr id="6" name="Text Placeholder 5">
-            <a:extLst>
-              <a:ext uri="{FF2B5EF4-FFF2-40B4-BE49-F238E27FC236}">
-                <a16:creationId xmlns:a16="http://schemas.microsoft.com/office/drawing/2014/main" id="{5A72EB7D-BAB6-41A7-98BC-997F6F489D2A}"/>
-              </a:ext>
-            </a:extLst>
-          </p:cNvPr>
-          <p:cNvSpPr>
-            <a:spLocks noGrp="1"/>
-          </p:cNvSpPr>
-          <p:nvPr>
-            <p:ph type="body" sz="quarter" idx="14"/>
-          </p:nvPr>
-        </p:nvSpPr>
-        <p:spPr/>
-        <p:txBody>
-          <a:bodyPr/>
-          <a:lstStyle/>
-          <a:p>
-            <a:r>
-              <a:rPr lang="en-CA" dirty="0"/>
-              <a:t>https://twitter.com/transmokopter</a:t>
-            </a:r>
-          </a:p>
-        </p:txBody>
-      </p:sp>
-      <p:sp>
-        <p:nvSpPr>
-          <p:cNvPr id="7" name="Text Placeholder 6">
-            <a:extLst>
-              <a:ext uri="{FF2B5EF4-FFF2-40B4-BE49-F238E27FC236}">
-                <a16:creationId xmlns:a16="http://schemas.microsoft.com/office/drawing/2014/main" id="{B7C10483-85BC-403C-826F-B567E78CC285}"/>
-              </a:ext>
-            </a:extLst>
-          </p:cNvPr>
-          <p:cNvSpPr>
-            <a:spLocks noGrp="1"/>
-          </p:cNvSpPr>
-          <p:nvPr>
-            <p:ph type="body" sz="quarter" idx="15"/>
-          </p:nvPr>
-        </p:nvSpPr>
-        <p:spPr/>
-        <p:txBody>
-          <a:bodyPr/>
-          <a:lstStyle/>
-          <a:p>
-            <a:r>
-              <a:rPr lang="en-CA" dirty="0"/>
-              <a:t>SQL Server specialist, trainer, community organizer, speaker, football coach, scout leader, city council member, (slow) runner.</a:t>
-            </a:r>
-          </a:p>
-        </p:txBody>
-      </p:sp>
-      <p:pic>
-        <p:nvPicPr>
-          <p:cNvPr id="8" name="Picture 4" descr="A picture containing person, looking, cellphone, phone&#10;&#10;Description automatically generated">
-            <a:extLst>
-              <a:ext uri="{FF2B5EF4-FFF2-40B4-BE49-F238E27FC236}">
-                <a16:creationId xmlns:a16="http://schemas.microsoft.com/office/drawing/2014/main" id="{AA9DE696-5479-4BF4-8B2C-77F6C6BB396A}"/>
-              </a:ext>
-            </a:extLst>
-          </p:cNvPr>
-          <p:cNvPicPr>
-            <a:picLocks noGrp="1" noChangeAspect="1"/>
-          </p:cNvPicPr>
-          <p:nvPr>
-            <p:ph type="pic" sz="quarter" idx="10"/>
-          </p:nvPr>
-        </p:nvPicPr>
-        <p:blipFill rotWithShape="1">
-          <a:blip r:embed="rId2"/>
-          <a:srcRect t="2544" b="2544"/>
-          <a:stretch/>
-        </p:blipFill>
-        <p:spPr>
-          <a:xfrm>
-            <a:off x="1036638" y="682625"/>
-            <a:ext cx="3344862" cy="3028950"/>
-          </a:xfrm>
-          <a:prstGeom prst="rect">
-            <a:avLst/>
-          </a:prstGeom>
-          <a:noFill/>
-        </p:spPr>
-      </p:pic>
+              <a:rPr lang="sv-SE" dirty="0"/>
+              <a:t>My powershell </a:t>
+            </a:r>
+            <a:r>
+              <a:rPr lang="sv-SE" dirty="0" err="1"/>
+              <a:t>journey</a:t>
+            </a:r>
+            <a:endParaRPr lang="sv-SE" dirty="0"/>
+          </a:p>
+          <a:p>
+            <a:r>
+              <a:rPr lang="sv-SE" dirty="0" err="1"/>
+              <a:t>DBATools</a:t>
+            </a:r>
+            <a:endParaRPr lang="sv-SE" dirty="0"/>
+          </a:p>
+          <a:p>
+            <a:r>
+              <a:rPr lang="sv-SE" dirty="0"/>
+              <a:t>Migration – log shipping and more with </a:t>
+            </a:r>
+            <a:r>
+              <a:rPr lang="sv-SE" dirty="0" err="1"/>
+              <a:t>DBATools</a:t>
+            </a:r>
+            <a:endParaRPr lang="sv-SE" dirty="0"/>
+          </a:p>
+          <a:p>
+            <a:endParaRPr lang="sv-SE" dirty="0"/>
+          </a:p>
+        </p:txBody>
+      </p:sp>
     </p:spTree>
     <p:extLst>
       <p:ext uri="{BB962C8B-B14F-4D97-AF65-F5344CB8AC3E}">
-        <p14:creationId xmlns:p14="http://schemas.microsoft.com/office/powerpoint/2010/main" val="3942097748"/>
+        <p14:creationId xmlns:p14="http://schemas.microsoft.com/office/powerpoint/2010/main" val="7591363"/>
       </p:ext>
     </p:extLst>
   </p:cSld>
@@ -11851,7 +10531,7 @@
           <p:cNvPr id="2" name="Rubrik 1">
             <a:extLst>
               <a:ext uri="{FF2B5EF4-FFF2-40B4-BE49-F238E27FC236}">
-                <a16:creationId xmlns:a16="http://schemas.microsoft.com/office/drawing/2014/main" id="{70C438DB-20F7-4B34-8E2C-4BF45E7293A3}"/>
+                <a16:creationId xmlns:a16="http://schemas.microsoft.com/office/drawing/2014/main" id="{478F6037-37E7-4F68-BEEC-93A99E283B70}"/>
               </a:ext>
             </a:extLst>
           </p:cNvPr>
@@ -11868,14 +10548,21 @@
           <a:lstStyle/>
           <a:p>
             <a:r>
+              <a:rPr lang="sv-SE" dirty="0" err="1"/>
+              <a:t>Why</a:t>
+            </a:r>
+            <a:r>
               <a:rPr lang="sv-SE" dirty="0"/>
-              <a:t>Session </a:t>
+              <a:t> did I make </a:t>
             </a:r>
             <a:r>
               <a:rPr lang="sv-SE" dirty="0" err="1"/>
-              <a:t>contents</a:t>
-            </a:r>
-            <a:endParaRPr lang="sv-SE" dirty="0"/>
+              <a:t>this</a:t>
+            </a:r>
+            <a:r>
+              <a:rPr lang="sv-SE" dirty="0"/>
+              <a:t> presentation?</a:t>
+            </a:r>
           </a:p>
         </p:txBody>
       </p:sp>
@@ -11884,7 +10571,7 @@
           <p:cNvPr id="3" name="Platshållare för innehåll 2">
             <a:extLst>
               <a:ext uri="{FF2B5EF4-FFF2-40B4-BE49-F238E27FC236}">
-                <a16:creationId xmlns:a16="http://schemas.microsoft.com/office/drawing/2014/main" id="{3308BB25-8932-48AF-AEB6-FF932D5D492F}"/>
+                <a16:creationId xmlns:a16="http://schemas.microsoft.com/office/drawing/2014/main" id="{F6C68B1F-FCAB-447B-9599-F74CDF1EDDA5}"/>
               </a:ext>
             </a:extLst>
           </p:cNvPr>
@@ -11901,42 +10588,54 @@
           <a:lstStyle/>
           <a:p>
             <a:r>
+              <a:rPr lang="sv-SE" dirty="0" err="1"/>
+              <a:t>Sharing</a:t>
+            </a:r>
+            <a:r>
               <a:rPr lang="sv-SE" dirty="0"/>
-              <a:t>My powershell </a:t>
+              <a:t> is </a:t>
             </a:r>
             <a:r>
               <a:rPr lang="sv-SE" dirty="0" err="1"/>
-              <a:t>journey</a:t>
+              <a:t>caring</a:t>
             </a:r>
             <a:endParaRPr lang="sv-SE" dirty="0"/>
           </a:p>
           <a:p>
             <a:r>
+              <a:rPr lang="sv-SE" dirty="0"/>
+              <a:t>Powershell, so </a:t>
+            </a:r>
+            <a:r>
               <a:rPr lang="sv-SE" dirty="0" err="1"/>
-              <a:t>DBATools</a:t>
+              <a:t>much</a:t>
+            </a:r>
+            <a:r>
+              <a:rPr lang="sv-SE" dirty="0"/>
+              <a:t> more than </a:t>
+            </a:r>
+            <a:r>
+              <a:rPr lang="sv-SE" dirty="0" err="1"/>
+              <a:t>bash</a:t>
             </a:r>
             <a:endParaRPr lang="sv-SE" dirty="0"/>
           </a:p>
           <a:p>
             <a:r>
+              <a:rPr lang="sv-SE" dirty="0" err="1"/>
+              <a:t>Everyone</a:t>
+            </a:r>
+            <a:r>
               <a:rPr lang="sv-SE" dirty="0"/>
-              <a:t>Migration – log shipping and more with </a:t>
-            </a:r>
-            <a:r>
-              <a:rPr lang="sv-SE" dirty="0" err="1"/>
-              <a:t>DBATools</a:t>
-            </a:r>
-            <a:endParaRPr lang="sv-SE" dirty="0"/>
-          </a:p>
-          <a:p>
-            <a:endParaRPr lang="sv-SE" dirty="0"/>
+              <a:t> should use DBA Tools.</a:t>
+            </a:r>
           </a:p>
         </p:txBody>
       </p:sp>
     </p:spTree>
     <p:extLst>
       <p:ext uri="{BB962C8B-B14F-4D97-AF65-F5344CB8AC3E}">
-        <p14:creationId xmlns:p14="http://schemas.microsoft.com/office/powerpoint/2010/main" val="7591363"/>
+        <p14:creationId xmlns:p14="http://schemas.microsoft.com/office/powerpoint/2010/main" val="724312294"/>
       </p:ext>
     </p:extLst>
   </p:cSld>
@@ -11968,7 +10667,7 @@
           <p:cNvPr id="2" name="Rubrik 1">
             <a:extLst>
               <a:ext uri="{FF2B5EF4-FFF2-40B4-BE49-F238E27FC236}">
-                <a16:creationId xmlns:a16="http://schemas.microsoft.com/office/drawing/2014/main" id="{478F6037-37E7-4F68-BEEC-93A99E283B70}"/>
+                <a16:creationId xmlns:a16="http://schemas.microsoft.com/office/drawing/2014/main" id="{DF035DBA-691F-4721-896A-CAEA20A027DA}"/>
               </a:ext>
             </a:extLst>
           </p:cNvPr>
@@ -11985,132 +10684,142 @@
           <a:lstStyle/>
           <a:p>
             <a:r>
+              <a:rPr lang="sv-SE" dirty="0"/>
+              <a:t>My Powershell </a:t>
+            </a:r>
+            <a:r>
               <a:rPr lang="sv-SE" dirty="0" err="1"/>
-              <a:t>Why</a:t>
-            </a:r>
-            <a:r>
-              <a:rPr lang="sv-SE" dirty="0"/>
-              <a:t> did I make </a:t>
-            </a:r>
-            <a:r>
-              <a:rPr lang="sv-SE" dirty="0" err="1"/>
-              <a:t>this</a:t>
-            </a:r>
-            <a:r>
-              <a:rPr lang="sv-SE" dirty="0"/>
-              <a:t> presentation?</a:t>
-            </a:r>
-          </a:p>
-        </p:txBody>
-      </p:sp>
-      <p:sp>
-        <p:nvSpPr>
-          <p:cNvPr id="3" name="Platshållare för innehåll 2">
+              <a:t>journey</a:t>
+            </a:r>
+            <a:endParaRPr lang="sv-SE" dirty="0"/>
+          </a:p>
+        </p:txBody>
+      </p:sp>
+      <p:pic>
+        <p:nvPicPr>
+          <p:cNvPr id="5" name="Platshållare för innehåll 4" descr="En bild som visar gräs, utomhus, väg, tåg&#10;&#10;Automatiskt genererad beskrivning">
             <a:extLst>
               <a:ext uri="{FF2B5EF4-FFF2-40B4-BE49-F238E27FC236}">
-                <a16:creationId xmlns:a16="http://schemas.microsoft.com/office/drawing/2014/main" id="{F6C68B1F-FCAB-447B-9599-F74CDF1EDDA5}"/>
+                <a16:creationId xmlns:a16="http://schemas.microsoft.com/office/drawing/2014/main" id="{E54B2FB3-EFD3-4B9B-A075-A2DDBF92EF99}"/>
               </a:ext>
             </a:extLst>
           </p:cNvPr>
-          <p:cNvSpPr>
-            <a:spLocks noGrp="1"/>
-          </p:cNvSpPr>
+          <p:cNvPicPr>
+            <a:picLocks noGrp="1" noChangeAspect="1"/>
+          </p:cNvPicPr>
           <p:nvPr>
             <p:ph idx="1"/>
           </p:nvPr>
-        </p:nvSpPr>
-        <p:spPr/>
-        <p:txBody>
-          <a:bodyPr/>
-          <a:lstStyle/>
-          <a:p>
-            <a:r>
-              <a:rPr lang="sv-SE" dirty="0" err="1"/>
-              <a:t>Sharing</a:t>
-            </a:r>
-            <a:r>
-              <a:rPr lang="sv-SE" dirty="0"/>
-              <a:t> is </a:t>
-            </a:r>
-            <a:r>
-              <a:rPr lang="sv-SE" dirty="0" err="1"/>
-              <a:t>caring</a:t>
-            </a:r>
-            <a:endParaRPr lang="sv-SE" dirty="0"/>
-          </a:p>
-          <a:p>
-            <a:r>
-              <a:rPr lang="sv-SE" dirty="0"/>
-              <a:t>Automation =&gt; Focus on </a:t>
-            </a:r>
-            <a:r>
-              <a:rPr lang="sv-SE" dirty="0" err="1"/>
-              <a:t>fun</a:t>
-            </a:r>
-            <a:r>
-              <a:rPr lang="sv-SE" dirty="0"/>
-              <a:t> stuff</a:t>
-            </a:r>
-          </a:p>
-          <a:p>
-            <a:pPr lvl="1"/>
-            <a:r>
-              <a:rPr lang="sv-SE" dirty="0"/>
-              <a:t>”</a:t>
-            </a:r>
-            <a:r>
-              <a:rPr lang="sv-SE" dirty="0" err="1"/>
-              <a:t>Let’s</a:t>
-            </a:r>
-            <a:r>
-              <a:rPr lang="sv-SE" dirty="0"/>
+        </p:nvPicPr>
+        <p:blipFill>
+          <a:blip r:embed="rId2">
+            <a:extLst>
+              <a:ext uri="{837473B0-CC2E-450A-ABE3-18F120FF3D39}">
+                <a1611:picAttrSrcUrl xmlns:a1611="http://schemas.microsoft.com/office/drawing/2016/11/main" r:id="rId3"/>
+              </a:ext>
+            </a:extLst>
+          </a:blip>
+          <a:stretch>
+            <a:fillRect/>
+          </a:stretch>
+        </p:blipFill>
+        <p:spPr>
+          <a:xfrm>
+            <a:off x="3035300" y="2160588"/>
+            <a:ext cx="3881437" cy="3881437"/>
+          </a:xfrm>
+        </p:spPr>
+      </p:pic>
+      <p:sp>
+        <p:nvSpPr>
+          <p:cNvPr id="6" name="textruta 5">
+            <a:extLst>
+              <a:ext uri="{FF2B5EF4-FFF2-40B4-BE49-F238E27FC236}">
+                <a16:creationId xmlns:a16="http://schemas.microsoft.com/office/drawing/2014/main" id="{1BAD3EB1-4924-47AE-984B-646272857433}"/>
+              </a:ext>
+            </a:extLst>
+          </p:cNvPr>
+          <p:cNvSpPr txBox="1"/>
+          <p:nvPr/>
+        </p:nvSpPr>
+        <p:spPr>
+          <a:xfrm>
+            <a:off x="3035300" y="6042025"/>
+            <a:ext cx="3881437" cy="369332"/>
+          </a:xfrm>
+          <a:prstGeom prst="rect">
+            <a:avLst/>
+          </a:prstGeom>
+          <a:noFill/>
+        </p:spPr>
+        <p:txBody>
+          <a:bodyPr wrap="square" rtlCol="0">
+            <a:spAutoFit/>
+          </a:bodyPr>
+          <a:lstStyle/>
+          <a:p>
+            <a:r>
+              <a:rPr lang="sv-SE" sz="900" dirty="0">
+                <a:hlinkClick r:id="rId3" tooltip="http://epitemnein-epitomic.blogspot.com/2013/11/3-cogently-relevant-journey-metaphors.html"/>
+              </a:rPr>
+              <a:t>This </a:t>
+            </a:r>
+            <a:r>
+              <a:rPr lang="sv-SE" sz="900" dirty="0" err="1">
+                <a:hlinkClick r:id="rId3" tooltip="http://epitemnein-epitomic.blogspot.com/2013/11/3-cogently-relevant-journey-metaphors.html"/>
+              </a:rPr>
+              <a:t>picture</a:t>
+            </a:r>
+            <a:r>
+              <a:rPr lang="sv-SE" sz="900" dirty="0"/>
+              <a:t> from </a:t>
+            </a:r>
+            <a:r>
+              <a:rPr lang="sv-SE" sz="900" dirty="0" err="1"/>
+              <a:t>unknown</a:t>
+            </a:r>
+            <a:r>
+              <a:rPr lang="sv-SE" sz="900" dirty="0"/>
               <a:t> </a:t>
             </a:r>
             <a:r>
-              <a:rPr lang="sv-SE" dirty="0" err="1"/>
-              <a:t>spend</a:t>
-            </a:r>
-            <a:r>
-              <a:rPr lang="sv-SE" dirty="0"/>
-              <a:t> half a </a:t>
-            </a:r>
-            <a:r>
-              <a:rPr lang="sv-SE" dirty="0" err="1"/>
-              <a:t>day</a:t>
-            </a:r>
-            <a:r>
-              <a:rPr lang="sv-SE" dirty="0"/>
+              <a:rPr lang="sv-SE" sz="900" dirty="0" err="1"/>
+              <a:t>author</a:t>
+            </a:r>
+            <a:r>
+              <a:rPr lang="sv-SE" sz="900" dirty="0"/>
               <a:t> </a:t>
             </a:r>
             <a:r>
-              <a:rPr lang="sv-SE" dirty="0" err="1"/>
-              <a:t>automating</a:t>
-            </a:r>
-            <a:r>
-              <a:rPr lang="sv-SE" dirty="0"/>
-              <a:t> a 15 </a:t>
-            </a:r>
-            <a:r>
-              <a:rPr lang="sv-SE" dirty="0" err="1"/>
-              <a:t>minute</a:t>
-            </a:r>
-            <a:r>
-              <a:rPr lang="sv-SE" dirty="0"/>
-              <a:t> manual task”</a:t>
-            </a:r>
-          </a:p>
-          <a:p>
-            <a:endParaRPr lang="sv-SE" dirty="0"/>
-          </a:p>
-          <a:p>
-            <a:endParaRPr lang="sv-SE" dirty="0"/>
+              <a:rPr lang="sv-SE" sz="900" dirty="0" err="1"/>
+              <a:t>licensed</a:t>
+            </a:r>
+            <a:r>
+              <a:rPr lang="sv-SE" sz="900" dirty="0"/>
+              <a:t> </a:t>
+            </a:r>
+            <a:r>
+              <a:rPr lang="sv-SE" sz="900" dirty="0" err="1"/>
+              <a:t>according</a:t>
+            </a:r>
+            <a:r>
+              <a:rPr lang="sv-SE" sz="900" dirty="0"/>
+              <a:t> with </a:t>
+            </a:r>
+            <a:r>
+              <a:rPr lang="sv-SE" sz="900" dirty="0">
+                <a:hlinkClick r:id="rId4" tooltip="https://creativecommons.org/licenses/by-nc-nd/3.0/"/>
+              </a:rPr>
+              <a:t>CC BY-NC-ND</a:t>
+            </a:r>
+            <a:endParaRPr lang="sv-SE" sz="900" dirty="0"/>
           </a:p>
         </p:txBody>
       </p:sp>
     </p:spTree>
     <p:extLst>
       <p:ext uri="{BB962C8B-B14F-4D97-AF65-F5344CB8AC3E}">
-        <p14:creationId xmlns:p14="http://schemas.microsoft.com/office/powerpoint/2010/main" val="724312294"/>
+        <p14:creationId xmlns:p14="http://schemas.microsoft.com/office/powerpoint/2010/main" val="3654011242"/>
       </p:ext>
     </p:extLst>
   </p:cSld>
@@ -12139,10 +10848,10 @@
       </p:grpSpPr>
       <p:sp>
         <p:nvSpPr>
-          <p:cNvPr id="2" name="Rubrik 1">
+          <p:cNvPr id="2" name="Title 1">
             <a:extLst>
               <a:ext uri="{FF2B5EF4-FFF2-40B4-BE49-F238E27FC236}">
-                <a16:creationId xmlns:a16="http://schemas.microsoft.com/office/drawing/2014/main" id="{DF035DBA-691F-4721-896A-CAEA20A027DA}"/>
+                <a16:creationId xmlns:a16="http://schemas.microsoft.com/office/drawing/2014/main" id="{3A9EEC31-E066-4E62-BAAB-C170893FFE25}"/>
               </a:ext>
             </a:extLst>
           </p:cNvPr>
@@ -12153,45 +10862,44 @@
             <p:ph type="title"/>
           </p:nvPr>
         </p:nvSpPr>
-        <p:spPr>
-          <a:xfrm>
-            <a:off x="677334" y="609600"/>
-            <a:ext cx="8596668" cy="1320800"/>
-          </a:xfrm>
-        </p:spPr>
-        <p:txBody>
-          <a:bodyPr anchor="t">
-            <a:normAutofit/>
-          </a:bodyPr>
-          <a:lstStyle/>
-          <a:p>
-            <a:r>
-              <a:rPr lang="sv-SE" dirty="0"/>
-              <a:t>My Powershell </a:t>
-            </a:r>
-            <a:r>
-              <a:rPr lang="sv-SE" dirty="0" err="1"/>
-              <a:t>journey</a:t>
-            </a:r>
-            <a:endParaRPr lang="sv-SE" dirty="0"/>
+        <p:spPr/>
+        <p:txBody>
+          <a:bodyPr/>
+          <a:lstStyle/>
+          <a:p>
+            <a:pPr algn="l"/>
+            <a:r>
+              <a:rPr lang="en-US" sz="3200" dirty="0"/>
+              <a:t>My </a:t>
+            </a:r>
+            <a:r>
+              <a:rPr lang="en-US" sz="3200" dirty="0" err="1"/>
+              <a:t>Powershell</a:t>
+            </a:r>
+            <a:r>
+              <a:rPr lang="en-US" sz="3200" dirty="0"/>
+              <a:t> journey, first iteration</a:t>
+            </a:r>
           </a:p>
         </p:txBody>
       </p:sp>
       <p:pic>
         <p:nvPicPr>
-          <p:cNvPr id="4" name="Bildobjekt 3" descr="En bild som visar utomhus, gräs, grön, jord&#10;&#10;Automatiskt genererad beskrivning">
+          <p:cNvPr id="10" name="Platshållare för innehåll 9" descr="En bild som visar skärmbild, orange, sitter, solnedgång&#10;&#10;Automatiskt genererad beskrivning">
             <a:extLst>
               <a:ext uri="{FF2B5EF4-FFF2-40B4-BE49-F238E27FC236}">
-                <a16:creationId xmlns:a16="http://schemas.microsoft.com/office/drawing/2014/main" id="{04FDDE93-6F5B-49AA-A4F1-D55CA876C3D0}"/>
+                <a16:creationId xmlns:a16="http://schemas.microsoft.com/office/drawing/2014/main" id="{A28CDC4B-3539-4879-91A5-8438A510BCC7}"/>
               </a:ext>
             </a:extLst>
           </p:cNvPr>
           <p:cNvPicPr>
-            <a:picLocks noChangeAspect="1"/>
+            <a:picLocks noGrp="1" noChangeAspect="1"/>
           </p:cNvPicPr>
-          <p:nvPr/>
+          <p:nvPr>
+            <p:ph idx="1"/>
+          </p:nvPr>
         </p:nvPicPr>
-        <p:blipFill rotWithShape="1">
+        <p:blipFill>
           <a:blip r:embed="rId2">
             <a:extLst>
               <a:ext uri="{837473B0-CC2E-450A-ABE3-18F120FF3D39}">
@@ -12199,105 +10907,107 @@
               </a:ext>
             </a:extLst>
           </a:blip>
-          <a:srcRect l="6646" r="7843" b="-4"/>
-          <a:stretch/>
+          <a:stretch>
+            <a:fillRect/>
+          </a:stretch>
         </p:blipFill>
         <p:spPr>
           <a:xfrm>
-            <a:off x="675745" y="1508656"/>
-            <a:ext cx="6776496" cy="5349343"/>
+            <a:off x="932092" y="2567567"/>
+            <a:ext cx="8087854" cy="3067478"/>
+          </a:xfrm>
+        </p:spPr>
+      </p:pic>
+      <p:sp>
+        <p:nvSpPr>
+          <p:cNvPr id="11" name="textruta 10">
+            <a:extLst>
+              <a:ext uri="{FF2B5EF4-FFF2-40B4-BE49-F238E27FC236}">
+                <a16:creationId xmlns:a16="http://schemas.microsoft.com/office/drawing/2014/main" id="{0994B5B1-0439-418A-88E2-85F119ECFB6C}"/>
+              </a:ext>
+            </a:extLst>
+          </p:cNvPr>
+          <p:cNvSpPr txBox="1"/>
+          <p:nvPr/>
+        </p:nvSpPr>
+        <p:spPr>
+          <a:xfrm>
+            <a:off x="932092" y="5635045"/>
+            <a:ext cx="8087854" cy="230832"/>
           </a:xfrm>
           <a:prstGeom prst="rect">
             <a:avLst/>
           </a:prstGeom>
           <a:noFill/>
         </p:spPr>
-      </p:pic>
-      <p:sp>
-        <p:nvSpPr>
-          <p:cNvPr id="7" name="textruta 6">
-            <a:extLst>
-              <a:ext uri="{FF2B5EF4-FFF2-40B4-BE49-F238E27FC236}">
-                <a16:creationId xmlns:a16="http://schemas.microsoft.com/office/drawing/2014/main" id="{38DE2DAF-55BD-4D2F-8302-2D4CA2450165}"/>
-              </a:ext>
-            </a:extLst>
-          </p:cNvPr>
-          <p:cNvSpPr txBox="1"/>
-          <p:nvPr/>
-        </p:nvSpPr>
-        <p:spPr>
-          <a:xfrm>
-            <a:off x="2060601" y="5841307"/>
-            <a:ext cx="2800767" cy="200055"/>
-          </a:xfrm>
-          <a:prstGeom prst="rect">
-            <a:avLst/>
-          </a:prstGeom>
-          <a:solidFill>
-            <a:srgbClr val="000000"/>
-          </a:solidFill>
-        </p:spPr>
-        <p:txBody>
-          <a:bodyPr wrap="none" rtlCol="0">
+        <p:txBody>
+          <a:bodyPr wrap="square" rtlCol="0">
             <a:spAutoFit/>
           </a:bodyPr>
           <a:lstStyle/>
           <a:p>
-            <a:pPr algn="r">
-              <a:spcAft>
-                <a:spcPts val="600"/>
-              </a:spcAft>
-            </a:pPr>
-            <a:r>
-              <a:rPr lang="sv-SE" sz="700" dirty="0">
-                <a:solidFill>
-                  <a:srgbClr val="FFFFFF"/>
-                </a:solidFill>
-                <a:hlinkClick r:id="rId3" tooltip="http://arvindpariti.blogspot.com/2012/02/some-great-snapshots-in-2012.html">
-                  <a:extLst>
-                    <a:ext uri="{A12FA001-AC4F-418D-AE19-62706E023703}">
-                      <ahyp:hlinkClr xmlns:ahyp="http://schemas.microsoft.com/office/drawing/2018/hyperlinkcolor" val="tx"/>
-                    </a:ext>
-                  </a:extLst>
-                </a:hlinkClick>
+            <a:r>
+              <a:rPr lang="sv-SE" sz="900" dirty="0">
+                <a:hlinkClick r:id="rId3" tooltip="https://stackoverflow.com/questions/41130310/change-directory-in-powershell"/>
               </a:rPr>
-              <a:t>Det här fotot</a:t>
-            </a:r>
-            <a:r>
-              <a:rPr lang="sv-SE" sz="700" dirty="0">
-                <a:solidFill>
-                  <a:srgbClr val="FFFFFF"/>
-                </a:solidFill>
+              <a:t>This </a:t>
+            </a:r>
+            <a:r>
+              <a:rPr lang="sv-SE" sz="900" dirty="0" err="1">
+                <a:hlinkClick r:id="rId3" tooltip="https://stackoverflow.com/questions/41130310/change-directory-in-powershell"/>
               </a:rPr>
-              <a:t> av Okänd författare licensieras enligt </a:t>
-            </a:r>
-            <a:r>
-              <a:rPr lang="sv-SE" sz="700" dirty="0">
-                <a:solidFill>
-                  <a:srgbClr val="FFFFFF"/>
-                </a:solidFill>
-                <a:hlinkClick r:id="rId4" tooltip="https://creativecommons.org/licenses/by-nc-nd/3.0/">
-                  <a:extLst>
-                    <a:ext uri="{A12FA001-AC4F-418D-AE19-62706E023703}">
-                      <ahyp:hlinkClr xmlns:ahyp="http://schemas.microsoft.com/office/drawing/2018/hyperlinkcolor" val="tx"/>
-                    </a:ext>
-                  </a:extLst>
-                </a:hlinkClick>
+              <a:t>picture</a:t>
+            </a:r>
+            <a:r>
+              <a:rPr lang="sv-SE" sz="900" dirty="0"/>
+              <a:t> from </a:t>
+            </a:r>
+            <a:r>
+              <a:rPr lang="sv-SE" sz="900" dirty="0" err="1"/>
+              <a:t>unknown</a:t>
+            </a:r>
+            <a:r>
+              <a:rPr lang="sv-SE" sz="900" dirty="0"/>
+              <a:t> </a:t>
+            </a:r>
+            <a:r>
+              <a:rPr lang="sv-SE" sz="900" dirty="0" err="1"/>
+              <a:t>author</a:t>
+            </a:r>
+            <a:r>
+              <a:rPr lang="sv-SE" sz="900" dirty="0"/>
+              <a:t> </a:t>
+            </a:r>
+            <a:r>
+              <a:rPr lang="sv-SE" sz="900" dirty="0" err="1"/>
+              <a:t>licensed</a:t>
+            </a:r>
+            <a:r>
+              <a:rPr lang="sv-SE" sz="900" dirty="0"/>
+              <a:t> </a:t>
+            </a:r>
+            <a:r>
+              <a:rPr lang="sv-SE" sz="900" dirty="0" err="1"/>
+              <a:t>according</a:t>
+            </a:r>
+            <a:r>
+              <a:rPr lang="sv-SE" sz="900" dirty="0"/>
+              <a:t> with </a:t>
+            </a:r>
+            <a:r>
+              <a:rPr lang="sv-SE" sz="900" dirty="0">
+                <a:hlinkClick r:id="rId4" tooltip="https://creativecommons.org/licenses/by-sa/3.0/"/>
               </a:rPr>
-              <a:t>CC BY-NC-ND</a:t>
-            </a:r>
-            <a:endParaRPr lang="sv-SE" sz="700" dirty="0">
-              <a:solidFill>
-                <a:srgbClr val="FFFFFF"/>
-              </a:solidFill>
-            </a:endParaRPr>
+              <a:t>CC BY-SA</a:t>
+            </a:r>
+            <a:endParaRPr lang="sv-SE" sz="900" dirty="0"/>
           </a:p>
         </p:txBody>
       </p:sp>
     </p:spTree>
     <p:extLst>
       <p:ext uri="{BB962C8B-B14F-4D97-AF65-F5344CB8AC3E}">
-        <p14:creationId xmlns:p14="http://schemas.microsoft.com/office/powerpoint/2010/main" val="3654011242"/>
+        <p14:creationId xmlns:p14="http://schemas.microsoft.com/office/powerpoint/2010/main" val="3822221816"/>
       </p:ext>
     </p:extLst>
   </p:cSld>
@@ -12356,17 +11066,17 @@
             </a:r>
             <a:r>
               <a:rPr lang="en-US" sz="3200" dirty="0"/>
-              <a:t> journey, first iteration</a:t>
+              <a:t> journey, second iteration</a:t>
             </a:r>
           </a:p>
         </p:txBody>
       </p:sp>
       <p:pic>
         <p:nvPicPr>
-          <p:cNvPr id="10" name="Platshållare för innehåll 9" descr="En bild som visar skärmbild, orange, sitter, solnedgång&#10;&#10;Automatiskt genererad beskrivning">
+          <p:cNvPr id="5" name="Platshållare för innehåll 4" descr="En bild som visar skärmbild&#10;&#10;Automatiskt genererad beskrivning">
             <a:extLst>
               <a:ext uri="{FF2B5EF4-FFF2-40B4-BE49-F238E27FC236}">
-                <a16:creationId xmlns:a16="http://schemas.microsoft.com/office/drawing/2014/main" id="{A28CDC4B-3539-4879-91A5-8438A510BCC7}"/>
+                <a16:creationId xmlns:a16="http://schemas.microsoft.com/office/drawing/2014/main" id="{A6511893-1401-4B11-86C1-87D176AF21B5}"/>
               </a:ext>
             </a:extLst>
           </p:cNvPr>
@@ -12391,17 +11101,17 @@
         </p:blipFill>
         <p:spPr>
           <a:xfrm>
-            <a:off x="932092" y="1942510"/>
-            <a:ext cx="9735908" cy="3692535"/>
+            <a:off x="3619923" y="3126184"/>
+            <a:ext cx="4323291" cy="1945481"/>
           </a:xfrm>
         </p:spPr>
       </p:pic>
       <p:sp>
         <p:nvSpPr>
-          <p:cNvPr id="11" name="textruta 10">
+          <p:cNvPr id="6" name="textruta 5">
             <a:extLst>
               <a:ext uri="{FF2B5EF4-FFF2-40B4-BE49-F238E27FC236}">
-                <a16:creationId xmlns:a16="http://schemas.microsoft.com/office/drawing/2014/main" id="{0994B5B1-0439-418A-88E2-85F119ECFB6C}"/>
+                <a16:creationId xmlns:a16="http://schemas.microsoft.com/office/drawing/2014/main" id="{2367372C-C324-4564-A18A-117C4263FDEB}"/>
               </a:ext>
             </a:extLst>
           </p:cNvPr>
@@ -12410,8 +11120,8 @@
         </p:nvSpPr>
         <p:spPr>
           <a:xfrm>
-            <a:off x="932092" y="5635045"/>
-            <a:ext cx="8087854" cy="230832"/>
+            <a:off x="3619923" y="5119329"/>
+            <a:ext cx="4323291" cy="230832"/>
           </a:xfrm>
           <a:prstGeom prst="rect">
             <a:avLst/>
@@ -12426,19 +11136,25 @@
           <a:p>
             <a:r>
               <a:rPr lang="sv-SE" sz="900" dirty="0">
-                <a:hlinkClick r:id="rId3" tooltip="https://stackoverflow.com/questions/41130310/change-directory-in-powershell"/>
+                <a:hlinkClick r:id="rId3" tooltip="https://en.wikipedia.org/wiki/Cut,_copy,_and_paste"/>
               </a:rPr>
               <a:t>This </a:t>
             </a:r>
             <a:r>
               <a:rPr lang="sv-SE" sz="900" dirty="0" err="1">
-                <a:hlinkClick r:id="rId3" tooltip="https://stackoverflow.com/questions/41130310/change-directory-in-powershell"/>
+                <a:hlinkClick r:id="rId3" tooltip="https://en.wikipedia.org/wiki/Cut,_copy,_and_paste"/>
               </a:rPr>
               <a:t>picture</a:t>
             </a:r>
             <a:r>
+              <a:rPr lang="sv-SE" sz="900" dirty="0">
+                <a:hlinkClick r:id="rId3" tooltip="https://en.wikipedia.org/wiki/Cut,_copy,_and_paste"/>
+              </a:rPr>
+              <a:t> </a:t>
+            </a:r>
+            <a:r>
               <a:rPr lang="sv-SE" sz="900" dirty="0"/>
-              <a:t> from </a:t>
+              <a:t>from </a:t>
             </a:r>
             <a:r>
               <a:rPr lang="sv-SE" sz="900" dirty="0" err="1"/>
@@ -12482,10 +11198,266 @@
           </a:p>
         </p:txBody>
       </p:sp>
+      <p:pic>
+        <p:nvPicPr>
+          <p:cNvPr id="8" name="Bildobjekt 7" descr="En bild som visar ritning&#10;&#10;Automatiskt genererad beskrivning">
+            <a:extLst>
+              <a:ext uri="{FF2B5EF4-FFF2-40B4-BE49-F238E27FC236}">
+                <a16:creationId xmlns:a16="http://schemas.microsoft.com/office/drawing/2014/main" id="{2A7C222B-B45F-456C-9773-49C2198CE4A5}"/>
+              </a:ext>
+            </a:extLst>
+          </p:cNvPr>
+          <p:cNvPicPr>
+            <a:picLocks noChangeAspect="1"/>
+          </p:cNvPicPr>
+          <p:nvPr/>
+        </p:nvPicPr>
+        <p:blipFill>
+          <a:blip r:embed="rId5">
+            <a:extLst>
+              <a:ext uri="{837473B0-CC2E-450A-ABE3-18F120FF3D39}">
+                <a1611:picAttrSrcUrl xmlns:a1611="http://schemas.microsoft.com/office/drawing/2016/11/main" r:id="rId6"/>
+              </a:ext>
+            </a:extLst>
+          </a:blip>
+          <a:stretch>
+            <a:fillRect/>
+          </a:stretch>
+        </p:blipFill>
+        <p:spPr>
+          <a:xfrm>
+            <a:off x="8295780" y="1149350"/>
+            <a:ext cx="2324507" cy="2917825"/>
+          </a:xfrm>
+          <a:prstGeom prst="rect">
+            <a:avLst/>
+          </a:prstGeom>
+        </p:spPr>
+      </p:pic>
+      <p:sp>
+        <p:nvSpPr>
+          <p:cNvPr id="9" name="textruta 8">
+            <a:extLst>
+              <a:ext uri="{FF2B5EF4-FFF2-40B4-BE49-F238E27FC236}">
+                <a16:creationId xmlns:a16="http://schemas.microsoft.com/office/drawing/2014/main" id="{4DF4DFDA-17FC-4372-A52B-1CEAC295D762}"/>
+              </a:ext>
+            </a:extLst>
+          </p:cNvPr>
+          <p:cNvSpPr txBox="1"/>
+          <p:nvPr/>
+        </p:nvSpPr>
+        <p:spPr>
+          <a:xfrm>
+            <a:off x="8295780" y="4098925"/>
+            <a:ext cx="2324507" cy="369332"/>
+          </a:xfrm>
+          <a:prstGeom prst="rect">
+            <a:avLst/>
+          </a:prstGeom>
+          <a:noFill/>
+        </p:spPr>
+        <p:txBody>
+          <a:bodyPr wrap="square" rtlCol="0">
+            <a:spAutoFit/>
+          </a:bodyPr>
+          <a:lstStyle/>
+          <a:p>
+            <a:r>
+              <a:rPr lang="sv-SE" sz="900" dirty="0">
+                <a:hlinkClick r:id="rId6" tooltip="https://jojofeelings.wordpress.com/2012/02/01/romantic-songs/"/>
+              </a:rPr>
+              <a:t>This </a:t>
+            </a:r>
+            <a:r>
+              <a:rPr lang="sv-SE" sz="900" dirty="0" err="1">
+                <a:hlinkClick r:id="rId6" tooltip="https://jojofeelings.wordpress.com/2012/02/01/romantic-songs/"/>
+              </a:rPr>
+              <a:t>picture</a:t>
+            </a:r>
+            <a:r>
+              <a:rPr lang="sv-SE" sz="900" dirty="0">
+                <a:hlinkClick r:id="rId6" tooltip="https://jojofeelings.wordpress.com/2012/02/01/romantic-songs/"/>
+              </a:rPr>
+              <a:t> </a:t>
+            </a:r>
+            <a:r>
+              <a:rPr lang="sv-SE" sz="900" dirty="0"/>
+              <a:t>from </a:t>
+            </a:r>
+            <a:r>
+              <a:rPr lang="sv-SE" sz="900" dirty="0" err="1"/>
+              <a:t>unknown</a:t>
+            </a:r>
+            <a:r>
+              <a:rPr lang="sv-SE" sz="900" dirty="0"/>
+              <a:t> </a:t>
+            </a:r>
+            <a:r>
+              <a:rPr lang="sv-SE" sz="900" dirty="0" err="1"/>
+              <a:t>author</a:t>
+            </a:r>
+            <a:r>
+              <a:rPr lang="sv-SE" sz="900" dirty="0"/>
+              <a:t> </a:t>
+            </a:r>
+            <a:r>
+              <a:rPr lang="sv-SE" sz="900" dirty="0" err="1"/>
+              <a:t>licensed</a:t>
+            </a:r>
+            <a:r>
+              <a:rPr lang="sv-SE" sz="900" dirty="0"/>
+              <a:t> </a:t>
+            </a:r>
+            <a:r>
+              <a:rPr lang="sv-SE" sz="900" dirty="0" err="1"/>
+              <a:t>according</a:t>
+            </a:r>
+            <a:r>
+              <a:rPr lang="sv-SE" sz="900" dirty="0"/>
+              <a:t> with </a:t>
+            </a:r>
+            <a:r>
+              <a:rPr lang="sv-SE" sz="900" dirty="0">
+                <a:hlinkClick r:id="rId7" tooltip="https://creativecommons.org/licenses/by-nc-nd/3.0/"/>
+              </a:rPr>
+              <a:t>CC BY-NC-ND</a:t>
+            </a:r>
+            <a:endParaRPr lang="sv-SE" sz="900" dirty="0"/>
+          </a:p>
+        </p:txBody>
+      </p:sp>
+      <p:pic>
+        <p:nvPicPr>
+          <p:cNvPr id="11" name="Bildobjekt 10" descr="En bild som visar objekt, bord, gul, sitter&#10;&#10;Automatiskt genererad beskrivning">
+            <a:extLst>
+              <a:ext uri="{FF2B5EF4-FFF2-40B4-BE49-F238E27FC236}">
+                <a16:creationId xmlns:a16="http://schemas.microsoft.com/office/drawing/2014/main" id="{478A31E7-B3FC-4EF5-A2D2-0A5AA0DE761E}"/>
+              </a:ext>
+            </a:extLst>
+          </p:cNvPr>
+          <p:cNvPicPr>
+            <a:picLocks noChangeAspect="1"/>
+          </p:cNvPicPr>
+          <p:nvPr/>
+        </p:nvPicPr>
+        <p:blipFill>
+          <a:blip r:embed="rId8">
+            <a:extLst>
+              <a:ext uri="{837473B0-CC2E-450A-ABE3-18F120FF3D39}">
+                <a1611:picAttrSrcUrl xmlns:a1611="http://schemas.microsoft.com/office/drawing/2016/11/main" r:id="rId9"/>
+              </a:ext>
+            </a:extLst>
+          </a:blip>
+          <a:stretch>
+            <a:fillRect/>
+          </a:stretch>
+        </p:blipFill>
+        <p:spPr>
+          <a:xfrm>
+            <a:off x="828957" y="1342876"/>
+            <a:ext cx="2438400" cy="2438400"/>
+          </a:xfrm>
+          <a:prstGeom prst="rect">
+            <a:avLst/>
+          </a:prstGeom>
+        </p:spPr>
+      </p:pic>
+      <p:sp>
+        <p:nvSpPr>
+          <p:cNvPr id="12" name="textruta 11">
+            <a:extLst>
+              <a:ext uri="{FF2B5EF4-FFF2-40B4-BE49-F238E27FC236}">
+                <a16:creationId xmlns:a16="http://schemas.microsoft.com/office/drawing/2014/main" id="{437AF3A7-69D5-4171-BF17-096B68F43217}"/>
+              </a:ext>
+            </a:extLst>
+          </p:cNvPr>
+          <p:cNvSpPr txBox="1"/>
+          <p:nvPr/>
+        </p:nvSpPr>
+        <p:spPr>
+          <a:xfrm>
+            <a:off x="828957" y="4098924"/>
+            <a:ext cx="2438400" cy="369332"/>
+          </a:xfrm>
+          <a:prstGeom prst="rect">
+            <a:avLst/>
+          </a:prstGeom>
+          <a:noFill/>
+        </p:spPr>
+        <p:txBody>
+          <a:bodyPr wrap="square" rtlCol="0">
+            <a:spAutoFit/>
+          </a:bodyPr>
+          <a:lstStyle/>
+          <a:p>
+            <a:r>
+              <a:rPr lang="sv-SE" sz="900" dirty="0">
+                <a:hlinkClick r:id="rId9" tooltip="http://showmelibrarian.blogspot.com/2012/09/where-do-you-get-your-program.html"/>
+              </a:rPr>
+              <a:t>This </a:t>
+            </a:r>
+            <a:r>
+              <a:rPr lang="sv-SE" sz="900" dirty="0" err="1">
+                <a:hlinkClick r:id="rId9" tooltip="http://showmelibrarian.blogspot.com/2012/09/where-do-you-get-your-program.html"/>
+              </a:rPr>
+              <a:t>picure</a:t>
+            </a:r>
+            <a:r>
+              <a:rPr lang="sv-SE" sz="900" dirty="0">
+                <a:hlinkClick r:id="rId9" tooltip="http://showmelibrarian.blogspot.com/2012/09/where-do-you-get-your-program.html"/>
+              </a:rPr>
+              <a:t> </a:t>
+            </a:r>
+            <a:r>
+              <a:rPr lang="sv-SE" sz="900" dirty="0"/>
+              <a:t>from </a:t>
+            </a:r>
+            <a:r>
+              <a:rPr lang="sv-SE" sz="900" dirty="0" err="1"/>
+              <a:t>unknown</a:t>
+            </a:r>
+            <a:r>
+              <a:rPr lang="sv-SE" sz="900" dirty="0"/>
+              <a:t> </a:t>
+            </a:r>
+            <a:r>
+              <a:rPr lang="sv-SE" sz="900" dirty="0" err="1"/>
+              <a:t>author</a:t>
+            </a:r>
+            <a:r>
+              <a:rPr lang="sv-SE" sz="900" dirty="0"/>
+              <a:t> </a:t>
+            </a:r>
+            <a:r>
+              <a:rPr lang="sv-SE" sz="900" dirty="0" err="1"/>
+              <a:t>licensed</a:t>
+            </a:r>
+            <a:r>
+              <a:rPr lang="sv-SE" sz="900" dirty="0"/>
+              <a:t> </a:t>
+            </a:r>
+            <a:r>
+              <a:rPr lang="sv-SE" sz="900" dirty="0" err="1"/>
+              <a:t>according</a:t>
+            </a:r>
+            <a:r>
+              <a:rPr lang="sv-SE" sz="900" dirty="0"/>
+              <a:t> with </a:t>
+            </a:r>
+            <a:r>
+              <a:rPr lang="sv-SE" sz="900" dirty="0">
+                <a:hlinkClick r:id="rId4" tooltip="https://creativecommons.org/licenses/by-sa/3.0/"/>
+              </a:rPr>
+              <a:t>CC BY-SA</a:t>
+            </a:r>
+            <a:endParaRPr lang="sv-SE" sz="900" dirty="0"/>
+          </a:p>
+        </p:txBody>
+      </p:sp>
     </p:spTree>
     <p:extLst>
       <p:ext uri="{BB962C8B-B14F-4D97-AF65-F5344CB8AC3E}">
-        <p14:creationId xmlns:p14="http://schemas.microsoft.com/office/powerpoint/2010/main" val="3822221816"/>
+        <p14:creationId xmlns:p14="http://schemas.microsoft.com/office/powerpoint/2010/main" val="2109321193"/>
       </p:ext>
     </p:extLst>
   </p:cSld>
@@ -12514,10 +11486,10 @@
       </p:grpSpPr>
       <p:sp>
         <p:nvSpPr>
-          <p:cNvPr id="2" name="Title 1">
+          <p:cNvPr id="2" name="Rubrik 1">
             <a:extLst>
               <a:ext uri="{FF2B5EF4-FFF2-40B4-BE49-F238E27FC236}">
-                <a16:creationId xmlns:a16="http://schemas.microsoft.com/office/drawing/2014/main" id="{3A9EEC31-E066-4E62-BAAB-C170893FFE25}"/>
+                <a16:creationId xmlns:a16="http://schemas.microsoft.com/office/drawing/2014/main" id="{C3C68CBF-126E-4672-92BD-E421E735BEEB}"/>
               </a:ext>
             </a:extLst>
           </p:cNvPr>
@@ -12533,64 +11505,64 @@
           <a:bodyPr/>
           <a:lstStyle/>
           <a:p>
-            <a:pPr algn="l"/>
-            <a:r>
-              <a:rPr lang="en-US" sz="3200" dirty="0"/>
-              <a:t>My </a:t>
-            </a:r>
-            <a:r>
-              <a:rPr lang="en-US" sz="3200" dirty="0" err="1"/>
-              <a:t>Powershell</a:t>
-            </a:r>
-            <a:r>
-              <a:rPr lang="en-US" sz="3200" dirty="0"/>
-              <a:t> journey, second iteration</a:t>
+            <a:r>
+              <a:rPr lang="sv-SE" dirty="0"/>
+              <a:t>My powershell </a:t>
+            </a:r>
+            <a:r>
+              <a:rPr lang="sv-SE" dirty="0" err="1"/>
+              <a:t>journe</a:t>
+            </a:r>
+            <a:r>
+              <a:rPr lang="sv-SE" dirty="0"/>
+              <a:t>, </a:t>
+            </a:r>
+            <a:r>
+              <a:rPr lang="sv-SE" dirty="0" err="1"/>
+              <a:t>Nth</a:t>
+            </a:r>
+            <a:r>
+              <a:rPr lang="sv-SE" dirty="0"/>
+              <a:t> iteration</a:t>
             </a:r>
           </a:p>
         </p:txBody>
       </p:sp>
       <p:pic>
         <p:nvPicPr>
-          <p:cNvPr id="8" name="Bildobjekt 7" descr="En bild som visar ritning&#10;&#10;Automatiskt genererad beskrivning">
+          <p:cNvPr id="5" name="Platshållare för innehåll 4" descr="En bild som visar tecken, ritning&#10;&#10;Automatiskt genererad beskrivning">
             <a:extLst>
               <a:ext uri="{FF2B5EF4-FFF2-40B4-BE49-F238E27FC236}">
-                <a16:creationId xmlns:a16="http://schemas.microsoft.com/office/drawing/2014/main" id="{2A7C222B-B45F-456C-9773-49C2198CE4A5}"/>
+                <a16:creationId xmlns:a16="http://schemas.microsoft.com/office/drawing/2014/main" id="{FFBB1DD4-A052-46B7-AB00-EA35FCCF3A26}"/>
               </a:ext>
             </a:extLst>
           </p:cNvPr>
           <p:cNvPicPr>
-            <a:picLocks noChangeAspect="1"/>
+            <a:picLocks noGrp="1" noChangeAspect="1"/>
           </p:cNvPicPr>
-          <p:nvPr/>
+          <p:nvPr>
+            <p:ph idx="1"/>
+          </p:nvPr>
         </p:nvPicPr>
         <p:blipFill>
-          <a:blip r:embed="rId2">
-            <a:extLst>
-              <a:ext uri="{837473B0-CC2E-450A-ABE3-18F120FF3D39}">
-                <a1611:picAttrSrcUrl xmlns:a1611="http://schemas.microsoft.com/office/drawing/2016/11/main" r:id="rId3"/>
-              </a:ext>
-            </a:extLst>
-          </a:blip>
+          <a:blip r:embed="rId2"/>
           <a:stretch>
             <a:fillRect/>
           </a:stretch>
         </p:blipFill>
         <p:spPr>
           <a:xfrm>
-            <a:off x="8295780" y="1149350"/>
-            <a:ext cx="2324507" cy="2917825"/>
+            <a:off x="677334" y="1930400"/>
+            <a:ext cx="2833745" cy="813272"/>
           </a:xfrm>
-          <a:prstGeom prst="rect">
-            <a:avLst/>
-          </a:prstGeom>
         </p:spPr>
       </p:pic>
       <p:sp>
         <p:nvSpPr>
-          <p:cNvPr id="9" name="textruta 8">
+          <p:cNvPr id="6" name="textruta 5">
             <a:extLst>
               <a:ext uri="{FF2B5EF4-FFF2-40B4-BE49-F238E27FC236}">
-                <a16:creationId xmlns:a16="http://schemas.microsoft.com/office/drawing/2014/main" id="{4DF4DFDA-17FC-4372-A52B-1CEAC295D762}"/>
+                <a16:creationId xmlns:a16="http://schemas.microsoft.com/office/drawing/2014/main" id="{20083EBD-9CAC-44D3-B6CC-EB14696096B7}"/>
               </a:ext>
             </a:extLst>
           </p:cNvPr>
@@ -12599,8 +11571,8 @@
         </p:nvSpPr>
         <p:spPr>
           <a:xfrm>
-            <a:off x="8295780" y="4098925"/>
-            <a:ext cx="2324507" cy="369332"/>
+            <a:off x="677334" y="2743672"/>
+            <a:ext cx="2833745" cy="230832"/>
           </a:xfrm>
           <a:prstGeom prst="rect">
             <a:avLst/>
@@ -12614,30 +11586,12 @@
           <a:lstStyle/>
           <a:p>
             <a:r>
-              <a:rPr lang="sv-SE" sz="900" dirty="0">
-                <a:hlinkClick r:id="rId3" tooltip="https://jojofeelings.wordpress.com/2012/02/01/romantic-songs/"/>
-              </a:rPr>
-              <a:t>This </a:t>
-            </a:r>
-            <a:r>
-              <a:rPr lang="sv-SE" sz="900" dirty="0" err="1">
-                <a:hlinkClick r:id="rId3" tooltip="https://jojofeelings.wordpress.com/2012/02/01/romantic-songs/"/>
-              </a:rPr>
-              <a:t>picture</a:t>
-            </a:r>
-            <a:r>
-              <a:rPr lang="sv-SE" sz="900" dirty="0">
-                <a:hlinkClick r:id="rId3" tooltip="https://jojofeelings.wordpress.com/2012/02/01/romantic-songs/"/>
-              </a:rPr>
-              <a:t> </a:t>
-            </a:r>
-            <a:r>
               <a:rPr lang="sv-SE" sz="900" dirty="0"/>
-              <a:t>from </a:t>
+              <a:t>Used with permission from </a:t>
             </a:r>
             <a:r>
               <a:rPr lang="sv-SE" sz="900" dirty="0" err="1"/>
-              <a:t>unknown</a:t>
+              <a:t>Chrissy</a:t>
             </a:r>
             <a:r>
               <a:rPr lang="sv-SE" sz="900" dirty="0"/>
@@ -12645,254 +11599,16 @@
             </a:r>
             <a:r>
               <a:rPr lang="sv-SE" sz="900" dirty="0" err="1"/>
-              <a:t>author</a:t>
-            </a:r>
-            <a:r>
-              <a:rPr lang="sv-SE" sz="900" dirty="0"/>
-              <a:t> </a:t>
-            </a:r>
-            <a:r>
-              <a:rPr lang="sv-SE" sz="900" dirty="0" err="1"/>
-              <a:t>licensed</a:t>
-            </a:r>
-            <a:r>
-              <a:rPr lang="sv-SE" sz="900" dirty="0"/>
-              <a:t> </a:t>
-            </a:r>
-            <a:r>
-              <a:rPr lang="sv-SE" sz="900" dirty="0" err="1"/>
-              <a:t>according</a:t>
-            </a:r>
-            <a:r>
-              <a:rPr lang="sv-SE" sz="900" dirty="0"/>
-              <a:t> with </a:t>
-            </a:r>
-            <a:r>
-              <a:rPr lang="sv-SE" sz="900" dirty="0">
-                <a:hlinkClick r:id="rId4" tooltip="https://creativecommons.org/licenses/by-nc-nd/3.0/"/>
-              </a:rPr>
-              <a:t>CC BY-NC-ND</a:t>
+              <a:t>LeMaire</a:t>
             </a:r>
             <a:endParaRPr lang="sv-SE" sz="900" dirty="0"/>
-          </a:p>
-        </p:txBody>
-      </p:sp>
-      <p:pic>
-        <p:nvPicPr>
-          <p:cNvPr id="11" name="Bildobjekt 10" descr="En bild som visar objekt, bord, gul, sitter&#10;&#10;Automatiskt genererad beskrivning">
-            <a:extLst>
-              <a:ext uri="{FF2B5EF4-FFF2-40B4-BE49-F238E27FC236}">
-                <a16:creationId xmlns:a16="http://schemas.microsoft.com/office/drawing/2014/main" id="{478A31E7-B3FC-4EF5-A2D2-0A5AA0DE761E}"/>
-              </a:ext>
-            </a:extLst>
-          </p:cNvPr>
-          <p:cNvPicPr>
-            <a:picLocks noChangeAspect="1"/>
-          </p:cNvPicPr>
-          <p:nvPr/>
-        </p:nvPicPr>
-        <p:blipFill>
-          <a:blip r:embed="rId5">
-            <a:extLst>
-              <a:ext uri="{837473B0-CC2E-450A-ABE3-18F120FF3D39}">
-                <a1611:picAttrSrcUrl xmlns:a1611="http://schemas.microsoft.com/office/drawing/2016/11/main" r:id="rId6"/>
-              </a:ext>
-            </a:extLst>
-          </a:blip>
-          <a:stretch>
-            <a:fillRect/>
-          </a:stretch>
-        </p:blipFill>
-        <p:spPr>
-          <a:xfrm>
-            <a:off x="828957" y="1342876"/>
-            <a:ext cx="2438400" cy="2438400"/>
-          </a:xfrm>
-          <a:prstGeom prst="rect">
-            <a:avLst/>
-          </a:prstGeom>
-        </p:spPr>
-      </p:pic>
-      <p:sp>
-        <p:nvSpPr>
-          <p:cNvPr id="12" name="textruta 11">
-            <a:extLst>
-              <a:ext uri="{FF2B5EF4-FFF2-40B4-BE49-F238E27FC236}">
-                <a16:creationId xmlns:a16="http://schemas.microsoft.com/office/drawing/2014/main" id="{437AF3A7-69D5-4171-BF17-096B68F43217}"/>
-              </a:ext>
-            </a:extLst>
-          </p:cNvPr>
-          <p:cNvSpPr txBox="1"/>
-          <p:nvPr/>
-        </p:nvSpPr>
-        <p:spPr>
-          <a:xfrm>
-            <a:off x="828957" y="4098924"/>
-            <a:ext cx="2438400" cy="369332"/>
-          </a:xfrm>
-          <a:prstGeom prst="rect">
-            <a:avLst/>
-          </a:prstGeom>
-          <a:noFill/>
-        </p:spPr>
-        <p:txBody>
-          <a:bodyPr wrap="square" rtlCol="0">
-            <a:spAutoFit/>
-          </a:bodyPr>
-          <a:lstStyle/>
-          <a:p>
-            <a:r>
-              <a:rPr lang="sv-SE" sz="900" dirty="0">
-                <a:hlinkClick r:id="rId6" tooltip="http://showmelibrarian.blogspot.com/2012/09/where-do-you-get-your-program.html"/>
-              </a:rPr>
-              <a:t>This </a:t>
-            </a:r>
-            <a:r>
-              <a:rPr lang="sv-SE" sz="900" dirty="0" err="1">
-                <a:hlinkClick r:id="rId6" tooltip="http://showmelibrarian.blogspot.com/2012/09/where-do-you-get-your-program.html"/>
-              </a:rPr>
-              <a:t>picure</a:t>
-            </a:r>
-            <a:r>
-              <a:rPr lang="sv-SE" sz="900" dirty="0">
-                <a:hlinkClick r:id="rId6" tooltip="http://showmelibrarian.blogspot.com/2012/09/where-do-you-get-your-program.html"/>
-              </a:rPr>
-              <a:t> </a:t>
-            </a:r>
-            <a:r>
-              <a:rPr lang="sv-SE" sz="900" dirty="0"/>
-              <a:t>from </a:t>
-            </a:r>
-            <a:r>
-              <a:rPr lang="sv-SE" sz="900" dirty="0" err="1"/>
-              <a:t>unknown</a:t>
-            </a:r>
-            <a:r>
-              <a:rPr lang="sv-SE" sz="900" dirty="0"/>
-              <a:t> </a:t>
-            </a:r>
-            <a:r>
-              <a:rPr lang="sv-SE" sz="900" dirty="0" err="1"/>
-              <a:t>author</a:t>
-            </a:r>
-            <a:r>
-              <a:rPr lang="sv-SE" sz="900" dirty="0"/>
-              <a:t> </a:t>
-            </a:r>
-            <a:r>
-              <a:rPr lang="sv-SE" sz="900" dirty="0" err="1"/>
-              <a:t>licensed</a:t>
-            </a:r>
-            <a:r>
-              <a:rPr lang="sv-SE" sz="900" dirty="0"/>
-              <a:t> </a:t>
-            </a:r>
-            <a:r>
-              <a:rPr lang="sv-SE" sz="900" dirty="0" err="1"/>
-              <a:t>according</a:t>
-            </a:r>
-            <a:r>
-              <a:rPr lang="sv-SE" sz="900" dirty="0"/>
-              <a:t> with </a:t>
-            </a:r>
-            <a:r>
-              <a:rPr lang="sv-SE" sz="900" dirty="0">
-                <a:hlinkClick r:id="rId7" tooltip="https://creativecommons.org/licenses/by-sa/3.0/"/>
-              </a:rPr>
-              <a:t>CC BY-SA</a:t>
-            </a:r>
-            <a:endParaRPr lang="sv-SE" sz="900" dirty="0"/>
-          </a:p>
-        </p:txBody>
-      </p:sp>
-      <p:pic>
-        <p:nvPicPr>
-          <p:cNvPr id="10" name="Bildobjekt 9" descr="En bild som visar text, bok&#10;&#10;Automatiskt genererad beskrivning">
-            <a:extLst>
-              <a:ext uri="{FF2B5EF4-FFF2-40B4-BE49-F238E27FC236}">
-                <a16:creationId xmlns:a16="http://schemas.microsoft.com/office/drawing/2014/main" id="{C6B2E92F-F292-4200-8702-E3DB1CEE3854}"/>
-              </a:ext>
-            </a:extLst>
-          </p:cNvPr>
-          <p:cNvPicPr>
-            <a:picLocks noChangeAspect="1"/>
-          </p:cNvPicPr>
-          <p:nvPr/>
-        </p:nvPicPr>
-        <p:blipFill>
-          <a:blip r:embed="rId8">
-            <a:extLst>
-              <a:ext uri="{837473B0-CC2E-450A-ABE3-18F120FF3D39}">
-                <a1611:picAttrSrcUrl xmlns:a1611="http://schemas.microsoft.com/office/drawing/2016/11/main" r:id="rId9"/>
-              </a:ext>
-            </a:extLst>
-          </a:blip>
-          <a:stretch>
-            <a:fillRect/>
-          </a:stretch>
-        </p:blipFill>
-        <p:spPr>
-          <a:xfrm>
-            <a:off x="3729037" y="2116667"/>
-            <a:ext cx="3973439" cy="3245908"/>
-          </a:xfrm>
-          <a:prstGeom prst="rect">
-            <a:avLst/>
-          </a:prstGeom>
-        </p:spPr>
-      </p:pic>
-      <p:sp>
-        <p:nvSpPr>
-          <p:cNvPr id="13" name="textruta 12">
-            <a:extLst>
-              <a:ext uri="{FF2B5EF4-FFF2-40B4-BE49-F238E27FC236}">
-                <a16:creationId xmlns:a16="http://schemas.microsoft.com/office/drawing/2014/main" id="{25FD1F58-765C-4D4F-A31D-80994D6D3936}"/>
-              </a:ext>
-            </a:extLst>
-          </p:cNvPr>
-          <p:cNvSpPr txBox="1"/>
-          <p:nvPr/>
-        </p:nvSpPr>
-        <p:spPr>
-          <a:xfrm>
-            <a:off x="3729038" y="5399657"/>
-            <a:ext cx="3874030" cy="230832"/>
-          </a:xfrm>
-          <a:prstGeom prst="rect">
-            <a:avLst/>
-          </a:prstGeom>
-          <a:noFill/>
-        </p:spPr>
-        <p:txBody>
-          <a:bodyPr wrap="square" rtlCol="0">
-            <a:spAutoFit/>
-          </a:bodyPr>
-          <a:lstStyle/>
-          <a:p>
-            <a:r>
-              <a:rPr lang="sv-SE" sz="900">
-                <a:hlinkClick r:id="rId9" tooltip="http://gerentedemediado.blogspot.com/2013/03/copia-y-pega.html"/>
-              </a:rPr>
-              <a:t>Det här fotot</a:t>
-            </a:r>
-            <a:r>
-              <a:rPr lang="sv-SE" sz="900"/>
-              <a:t> av Okänd författare licensieras enligt </a:t>
-            </a:r>
-            <a:r>
-              <a:rPr lang="sv-SE" sz="900">
-                <a:hlinkClick r:id="rId10" tooltip="https://creativecommons.org/licenses/by-nc-sa/3.0/"/>
-              </a:rPr>
-              <a:t>CC BY-SA-NC</a:t>
-            </a:r>
-            <a:endParaRPr lang="sv-SE" sz="900"/>
           </a:p>
         </p:txBody>
       </p:sp>
     </p:spTree>
     <p:extLst>
       <p:ext uri="{BB962C8B-B14F-4D97-AF65-F5344CB8AC3E}">
-        <p14:creationId xmlns:p14="http://schemas.microsoft.com/office/powerpoint/2010/main" val="2109321193"/>
+        <p14:creationId xmlns:p14="http://schemas.microsoft.com/office/powerpoint/2010/main" val="3066192018"/>
       </p:ext>
     </p:extLst>
   </p:cSld>
@@ -12924,7 +11640,7 @@
           <p:cNvPr id="2" name="Rubrik 1">
             <a:extLst>
               <a:ext uri="{FF2B5EF4-FFF2-40B4-BE49-F238E27FC236}">
-                <a16:creationId xmlns:a16="http://schemas.microsoft.com/office/drawing/2014/main" id="{C3C68CBF-126E-4672-92BD-E421E735BEEB}"/>
+                <a16:creationId xmlns:a16="http://schemas.microsoft.com/office/drawing/2014/main" id="{B27421CA-D06E-432D-BBB0-72002BD27D88}"/>
               </a:ext>
             </a:extLst>
           </p:cNvPr>
@@ -12942,108 +11658,164 @@
           <a:p>
             <a:r>
               <a:rPr lang="sv-SE" dirty="0"/>
-              <a:t>My powershell </a:t>
+              <a:t>What is </a:t>
             </a:r>
             <a:r>
               <a:rPr lang="sv-SE" dirty="0" err="1"/>
-              <a:t>journey</a:t>
-            </a:r>
-            <a:r>
-              <a:rPr lang="sv-SE" dirty="0"/>
-              <a:t>, </a:t>
-            </a:r>
-            <a:r>
-              <a:rPr lang="sv-SE" dirty="0" err="1"/>
-              <a:t>Nth</a:t>
-            </a:r>
-            <a:r>
-              <a:rPr lang="sv-SE" dirty="0"/>
-              <a:t> iteration</a:t>
-            </a:r>
-          </a:p>
-        </p:txBody>
-      </p:sp>
-      <p:pic>
-        <p:nvPicPr>
-          <p:cNvPr id="5" name="Platshållare för innehåll 4" descr="En bild som visar tecken, ritning&#10;&#10;Automatiskt genererad beskrivning">
+              <a:t>DBATools</a:t>
+            </a:r>
+            <a:endParaRPr lang="sv-SE" dirty="0"/>
+          </a:p>
+        </p:txBody>
+      </p:sp>
+      <p:sp>
+        <p:nvSpPr>
+          <p:cNvPr id="3" name="Platshållare för innehåll 2">
             <a:extLst>
               <a:ext uri="{FF2B5EF4-FFF2-40B4-BE49-F238E27FC236}">
-                <a16:creationId xmlns:a16="http://schemas.microsoft.com/office/drawing/2014/main" id="{FFBB1DD4-A052-46B7-AB00-EA35FCCF3A26}"/>
+                <a16:creationId xmlns:a16="http://schemas.microsoft.com/office/drawing/2014/main" id="{E0DC4934-1C7B-4A0E-8FD1-E96F78641DBF}"/>
               </a:ext>
             </a:extLst>
           </p:cNvPr>
-          <p:cNvPicPr>
-            <a:picLocks noGrp="1" noChangeAspect="1"/>
-          </p:cNvPicPr>
+          <p:cNvSpPr>
+            <a:spLocks noGrp="1"/>
+          </p:cNvSpPr>
           <p:nvPr>
             <p:ph idx="1"/>
           </p:nvPr>
-        </p:nvPicPr>
-        <p:blipFill>
-          <a:blip r:embed="rId2"/>
-          <a:stretch>
-            <a:fillRect/>
-          </a:stretch>
-        </p:blipFill>
-        <p:spPr>
-          <a:xfrm>
-            <a:off x="1007532" y="1930399"/>
-            <a:ext cx="10177867" cy="2921001"/>
-          </a:xfrm>
-        </p:spPr>
-      </p:pic>
-      <p:sp>
-        <p:nvSpPr>
-          <p:cNvPr id="6" name="textruta 5">
-            <a:extLst>
-              <a:ext uri="{FF2B5EF4-FFF2-40B4-BE49-F238E27FC236}">
-                <a16:creationId xmlns:a16="http://schemas.microsoft.com/office/drawing/2014/main" id="{20083EBD-9CAC-44D3-B6CC-EB14696096B7}"/>
-              </a:ext>
-            </a:extLst>
-          </p:cNvPr>
-          <p:cNvSpPr txBox="1"/>
-          <p:nvPr/>
-        </p:nvSpPr>
-        <p:spPr>
-          <a:xfrm>
-            <a:off x="4679127" y="5707006"/>
-            <a:ext cx="2833745" cy="230832"/>
-          </a:xfrm>
-          <a:prstGeom prst="rect">
-            <a:avLst/>
-          </a:prstGeom>
-          <a:noFill/>
-        </p:spPr>
-        <p:txBody>
-          <a:bodyPr wrap="square" rtlCol="0">
-            <a:spAutoFit/>
-          </a:bodyPr>
-          <a:lstStyle/>
-          <a:p>
-            <a:r>
-              <a:rPr lang="sv-SE" sz="900" dirty="0"/>
-              <a:t>Used with permission from </a:t>
-            </a:r>
-            <a:r>
-              <a:rPr lang="sv-SE" sz="900" dirty="0" err="1"/>
-              <a:t>Chrissy</a:t>
-            </a:r>
-            <a:r>
-              <a:rPr lang="sv-SE" sz="900" dirty="0"/>
+        </p:nvSpPr>
+        <p:spPr/>
+        <p:txBody>
+          <a:bodyPr/>
+          <a:lstStyle/>
+          <a:p>
+            <a:r>
+              <a:rPr lang="sv-SE" dirty="0"/>
+              <a:t>Powershell </a:t>
+            </a:r>
+            <a:r>
+              <a:rPr lang="sv-SE" dirty="0" err="1"/>
+              <a:t>module</a:t>
+            </a:r>
+            <a:endParaRPr lang="sv-SE" dirty="0"/>
+          </a:p>
+          <a:p>
+            <a:r>
+              <a:rPr lang="sv-SE" dirty="0" err="1"/>
+              <a:t>Available</a:t>
+            </a:r>
+            <a:r>
+              <a:rPr lang="sv-SE" dirty="0"/>
+              <a:t> on </a:t>
+            </a:r>
+            <a:r>
+              <a:rPr lang="sv-SE" dirty="0" err="1"/>
+              <a:t>PowershellGallery</a:t>
+            </a:r>
+            <a:endParaRPr lang="sv-SE" dirty="0"/>
+          </a:p>
+          <a:p>
+            <a:r>
+              <a:rPr lang="sv-SE" dirty="0" err="1"/>
+              <a:t>Command</a:t>
+            </a:r>
+            <a:r>
+              <a:rPr lang="sv-SE" dirty="0"/>
               <a:t> </a:t>
             </a:r>
             <a:r>
-              <a:rPr lang="sv-SE" sz="900" dirty="0" err="1"/>
-              <a:t>LeMaire</a:t>
-            </a:r>
-            <a:endParaRPr lang="sv-SE" sz="900" dirty="0"/>
+              <a:rPr lang="sv-SE" dirty="0" err="1"/>
+              <a:t>reference</a:t>
+            </a:r>
+            <a:r>
+              <a:rPr lang="sv-SE" dirty="0"/>
+              <a:t> on dbatools.io/</a:t>
+            </a:r>
+            <a:r>
+              <a:rPr lang="sv-SE" dirty="0" err="1"/>
+              <a:t>commands</a:t>
+            </a:r>
+            <a:endParaRPr lang="sv-SE" dirty="0"/>
+          </a:p>
+          <a:p>
+            <a:r>
+              <a:rPr lang="sv-SE" dirty="0"/>
+              <a:t>Community driven</a:t>
+            </a:r>
+          </a:p>
+          <a:p>
+            <a:pPr lvl="1"/>
+            <a:r>
+              <a:rPr lang="sv-SE" dirty="0"/>
+              <a:t>Use it</a:t>
+            </a:r>
+          </a:p>
+          <a:p>
+            <a:pPr lvl="1"/>
+            <a:r>
+              <a:rPr lang="sv-SE" dirty="0" err="1"/>
+              <a:t>Contribute</a:t>
+            </a:r>
+            <a:endParaRPr lang="sv-SE" dirty="0"/>
+          </a:p>
+          <a:p>
+            <a:pPr lvl="2"/>
+            <a:r>
+              <a:rPr lang="sv-SE" dirty="0" err="1"/>
+              <a:t>Write</a:t>
+            </a:r>
+            <a:r>
+              <a:rPr lang="sv-SE" dirty="0"/>
+              <a:t> code</a:t>
+            </a:r>
+          </a:p>
+          <a:p>
+            <a:pPr lvl="2"/>
+            <a:r>
+              <a:rPr lang="sv-SE" dirty="0" err="1"/>
+              <a:t>Report</a:t>
+            </a:r>
+            <a:r>
+              <a:rPr lang="sv-SE" dirty="0"/>
+              <a:t> </a:t>
+            </a:r>
+            <a:r>
+              <a:rPr lang="sv-SE" dirty="0" err="1"/>
+              <a:t>bugs</a:t>
+            </a:r>
+            <a:endParaRPr lang="sv-SE" dirty="0"/>
+          </a:p>
+          <a:p>
+            <a:pPr lvl="2"/>
+            <a:r>
+              <a:rPr lang="sv-SE" dirty="0" err="1"/>
+              <a:t>Suggest</a:t>
+            </a:r>
+            <a:r>
+              <a:rPr lang="sv-SE" dirty="0"/>
+              <a:t> features</a:t>
+            </a:r>
+          </a:p>
+          <a:p>
+            <a:pPr lvl="1"/>
+            <a:r>
+              <a:rPr lang="sv-SE" dirty="0" err="1"/>
+              <a:t>Donate</a:t>
+            </a:r>
+            <a:r>
+              <a:rPr lang="sv-SE" dirty="0"/>
+              <a:t> $$$</a:t>
+            </a:r>
+          </a:p>
+          <a:p>
+            <a:endParaRPr lang="sv-SE" dirty="0"/>
           </a:p>
         </p:txBody>
       </p:sp>
     </p:spTree>
     <p:extLst>
       <p:ext uri="{BB962C8B-B14F-4D97-AF65-F5344CB8AC3E}">
-        <p14:creationId xmlns:p14="http://schemas.microsoft.com/office/powerpoint/2010/main" val="3066192018"/>
+        <p14:creationId xmlns:p14="http://schemas.microsoft.com/office/powerpoint/2010/main" val="290540475"/>
       </p:ext>
     </p:extLst>
   </p:cSld>
@@ -13651,301 +12423,6 @@
         <a:latin typeface="Calibri Light" panose="020F0302020204030204"/>
         <a:ea typeface=""/>
         <a:cs typeface=""/>
-        <a:font script="Jpan" typeface="游ゴシック Light"/>
-        <a:font script="Hang" typeface="맑은 고딕"/>
-        <a:font script="Hans" typeface="等线 Light"/>
-        <a:font script="Hant" typeface="新細明體"/>
-        <a:font script="Arab" typeface="Times New Roman"/>
-        <a:font script="Hebr" typeface="Times New Roman"/>
-        <a:font script="Thai" typeface="Angsana New"/>
-        <a:font script="Ethi" typeface="Nyala"/>
-        <a:font script="Beng" typeface="Vrinda"/>
-        <a:font script="Gujr" typeface="Shruti"/>
-        <a:font script="Khmr" typeface="MoolBoran"/>
-        <a:font script="Knda" typeface="Tunga"/>
-        <a:font script="Guru" typeface="Raavi"/>
-        <a:font script="Cans" typeface="Euphemia"/>
-        <a:font script="Cher" typeface="Plantagenet Cherokee"/>
-        <a:font script="Yiii" typeface="Microsoft Yi Baiti"/>
-        <a:font script="Tibt" typeface="Microsoft Himalaya"/>
-        <a:font script="Thaa" typeface="MV Boli"/>
-        <a:font script="Deva" typeface="Mangal"/>
-        <a:font script="Telu" typeface="Gautami"/>
-        <a:font script="Taml" typeface="Latha"/>
-        <a:font script="Syrc" typeface="Estrangelo Edessa"/>
-        <a:font script="Orya" typeface="Kalinga"/>
-        <a:font script="Mlym" typeface="Kartika"/>
-        <a:font script="Laoo" typeface="DokChampa"/>
-        <a:font script="Sinh" typeface="Iskoola Pota"/>
-        <a:font script="Mong" typeface="Mongolian Baiti"/>
-        <a:font script="Viet" typeface="Times New Roman"/>
-        <a:font script="Uigh" typeface="Microsoft Uighur"/>
-        <a:font script="Geor" typeface="Sylfaen"/>
-        <a:font script="Armn" typeface="Arial"/>
-        <a:font script="Bugi" typeface="Leelawadee UI"/>
-        <a:font script="Bopo" typeface="Microsoft JhengHei"/>
-        <a:font script="Java" typeface="Javanese Text"/>
-        <a:font script="Lisu" typeface="Segoe UI"/>
-        <a:font script="Mymr" typeface="Myanmar Text"/>
-        <a:font script="Nkoo" typeface="Ebrima"/>
-        <a:font script="Olck" typeface="Nirmala UI"/>
-        <a:font script="Osma" typeface="Ebrima"/>
-        <a:font script="Phag" typeface="Phagspa"/>
-        <a:font script="Syrn" typeface="Estrangelo Edessa"/>
-        <a:font script="Syrj" typeface="Estrangelo Edessa"/>
-        <a:font script="Syre" typeface="Estrangelo Edessa"/>
-        <a:font script="Sora" typeface="Nirmala UI"/>
-        <a:font script="Tale" typeface="Microsoft Tai Le"/>
-        <a:font script="Talu" typeface="Microsoft New Tai Lue"/>
-        <a:font script="Tfng" typeface="Ebrima"/>
-      </a:majorFont>
-      <a:minorFont>
-        <a:latin typeface="Calibri" panose="020F0502020204030204"/>
-        <a:ea typeface=""/>
-        <a:cs typeface=""/>
-        <a:font script="Jpan" typeface="游ゴシック"/>
-        <a:font script="Hang" typeface="맑은 고딕"/>
-        <a:font script="Hans" typeface="等线"/>
-        <a:font script="Hant" typeface="新細明體"/>
-        <a:font script="Arab" typeface="Arial"/>
-        <a:font script="Hebr" typeface="Arial"/>
-        <a:font script="Thai" typeface="Cordia New"/>
-        <a:font script="Ethi" typeface="Nyala"/>
-        <a:font script="Beng" typeface="Vrinda"/>
-        <a:font script="Gujr" typeface="Shruti"/>
-        <a:font script="Khmr" typeface="DaunPenh"/>
-        <a:font script="Knda" typeface="Tunga"/>
-        <a:font script="Guru" typeface="Raavi"/>
-        <a:font script="Cans" typeface="Euphemia"/>
-        <a:font script="Cher" typeface="Plantagenet Cherokee"/>
-        <a:font script="Yiii" typeface="Microsoft Yi Baiti"/>
-        <a:font script="Tibt" typeface="Microsoft Himalaya"/>
-        <a:font script="Thaa" typeface="MV Boli"/>
-        <a:font script="Deva" typeface="Mangal"/>
-        <a:font script="Telu" typeface="Gautami"/>
-        <a:font script="Taml" typeface="Latha"/>
-        <a:font script="Syrc" typeface="Estrangelo Edessa"/>
-        <a:font script="Orya" typeface="Kalinga"/>
-        <a:font script="Mlym" typeface="Kartika"/>
-        <a:font script="Laoo" typeface="DokChampa"/>
-        <a:font script="Sinh" typeface="Iskoola Pota"/>
-        <a:font script="Mong" typeface="Mongolian Baiti"/>
-        <a:font script="Viet" typeface="Arial"/>
-        <a:font script="Uigh" typeface="Microsoft Uighur"/>
-        <a:font script="Geor" typeface="Sylfaen"/>
-        <a:font script="Armn" typeface="Arial"/>
-        <a:font script="Bugi" typeface="Leelawadee UI"/>
-        <a:font script="Bopo" typeface="Microsoft JhengHei"/>
-        <a:font script="Java" typeface="Javanese Text"/>
-        <a:font script="Lisu" typeface="Segoe UI"/>
-        <a:font script="Mymr" typeface="Myanmar Text"/>
-        <a:font script="Nkoo" typeface="Ebrima"/>
-        <a:font script="Olck" typeface="Nirmala UI"/>
-        <a:font script="Osma" typeface="Ebrima"/>
-        <a:font script="Phag" typeface="Phagspa"/>
-        <a:font script="Syrn" typeface="Estrangelo Edessa"/>
-        <a:font script="Syrj" typeface="Estrangelo Edessa"/>
-        <a:font script="Syre" typeface="Estrangelo Edessa"/>
-        <a:font script="Sora" typeface="Nirmala UI"/>
-        <a:font script="Tale" typeface="Microsoft Tai Le"/>
-        <a:font script="Talu" typeface="Microsoft New Tai Lue"/>
-        <a:font script="Tfng" typeface="Ebrima"/>
-      </a:minorFont>
-    </a:fontScheme>
-    <a:fmtScheme name="Office">
-      <a:fillStyleLst>
-        <a:solidFill>
-          <a:schemeClr val="phClr"/>
-        </a:solidFill>
-        <a:gradFill rotWithShape="1">
-          <a:gsLst>
-            <a:gs pos="0">
-              <a:schemeClr val="phClr">
-                <a:lumMod val="110000"/>
-                <a:satMod val="105000"/>
-                <a:tint val="67000"/>
-              </a:schemeClr>
-            </a:gs>
-            <a:gs pos="50000">
-              <a:schemeClr val="phClr">
-                <a:lumMod val="105000"/>
-                <a:satMod val="103000"/>
-                <a:tint val="73000"/>
-              </a:schemeClr>
-            </a:gs>
-            <a:gs pos="100000">
-              <a:schemeClr val="phClr">
-                <a:lumMod val="105000"/>
-                <a:satMod val="109000"/>
-                <a:tint val="81000"/>
-              </a:schemeClr>
-            </a:gs>
-          </a:gsLst>
-          <a:lin ang="5400000" scaled="0"/>
-        </a:gradFill>
-        <a:gradFill rotWithShape="1">
-          <a:gsLst>
-            <a:gs pos="0">
-              <a:schemeClr val="phClr">
-                <a:satMod val="103000"/>
-                <a:lumMod val="102000"/>
-                <a:tint val="94000"/>
-              </a:schemeClr>
-            </a:gs>
-            <a:gs pos="50000">
-              <a:schemeClr val="phClr">
-                <a:satMod val="110000"/>
-                <a:lumMod val="100000"/>
-                <a:shade val="100000"/>
-              </a:schemeClr>
-            </a:gs>
-            <a:gs pos="100000">
-              <a:schemeClr val="phClr">
-                <a:lumMod val="99000"/>
-                <a:satMod val="120000"/>
-                <a:shade val="78000"/>
-              </a:schemeClr>
-            </a:gs>
-          </a:gsLst>
-          <a:lin ang="5400000" scaled="0"/>
-        </a:gradFill>
-      </a:fillStyleLst>
-      <a:lnStyleLst>
-        <a:ln w="6350" cap="flat" cmpd="sng" algn="ctr">
-          <a:solidFill>
-            <a:schemeClr val="phClr"/>
-          </a:solidFill>
-          <a:prstDash val="solid"/>
-          <a:miter lim="800000"/>
-        </a:ln>
-        <a:ln w="12700" cap="flat" cmpd="sng" algn="ctr">
-          <a:solidFill>
-            <a:schemeClr val="phClr"/>
-          </a:solidFill>
-          <a:prstDash val="solid"/>
-          <a:miter lim="800000"/>
-        </a:ln>
-        <a:ln w="19050" cap="flat" cmpd="sng" algn="ctr">
-          <a:solidFill>
-            <a:schemeClr val="phClr"/>
-          </a:solidFill>
-          <a:prstDash val="solid"/>
-          <a:miter lim="800000"/>
-        </a:ln>
-      </a:lnStyleLst>
-      <a:effectStyleLst>
-        <a:effectStyle>
-          <a:effectLst/>
-        </a:effectStyle>
-        <a:effectStyle>
-          <a:effectLst/>
-        </a:effectStyle>
-        <a:effectStyle>
-          <a:effectLst>
-            <a:outerShdw blurRad="57150" dist="19050" dir="5400000" algn="ctr" rotWithShape="0">
-              <a:srgbClr val="000000">
-                <a:alpha val="63000"/>
-              </a:srgbClr>
-            </a:outerShdw>
-          </a:effectLst>
-        </a:effectStyle>
-      </a:effectStyleLst>
-      <a:bgFillStyleLst>
-        <a:solidFill>
-          <a:schemeClr val="phClr"/>
-        </a:solidFill>
-        <a:solidFill>
-          <a:schemeClr val="phClr">
-            <a:tint val="95000"/>
-            <a:satMod val="170000"/>
-          </a:schemeClr>
-        </a:solidFill>
-        <a:gradFill rotWithShape="1">
-          <a:gsLst>
-            <a:gs pos="0">
-              <a:schemeClr val="phClr">
-                <a:tint val="93000"/>
-                <a:satMod val="150000"/>
-                <a:shade val="98000"/>
-                <a:lumMod val="102000"/>
-              </a:schemeClr>
-            </a:gs>
-            <a:gs pos="50000">
-              <a:schemeClr val="phClr">
-                <a:tint val="98000"/>
-                <a:satMod val="130000"/>
-                <a:shade val="90000"/>
-                <a:lumMod val="103000"/>
-              </a:schemeClr>
-            </a:gs>
-            <a:gs pos="100000">
-              <a:schemeClr val="phClr">
-                <a:shade val="63000"/>
-                <a:satMod val="120000"/>
-              </a:schemeClr>
-            </a:gs>
-          </a:gsLst>
-          <a:lin ang="5400000" scaled="0"/>
-        </a:gradFill>
-      </a:bgFillStyleLst>
-    </a:fmtScheme>
-  </a:themeElements>
-  <a:objectDefaults/>
-  <a:extraClrSchemeLst/>
-  <a:extLst>
-    <a:ext uri="{05A4C25C-085E-4340-85A3-A5531E510DB2}">
-      <thm15:themeFamily xmlns:thm15="http://schemas.microsoft.com/office/thememl/2012/main" name="Office Theme" id="{62F939B6-93AF-4DB8-9C6B-D6C7DFDC589F}" vid="{4A3C46E8-61CC-4603-A589-7422A47A8E4A}"/>
-    </a:ext>
-  </a:extLst>
-</a:theme>
-</file>
-
-<file path=ppt/theme/theme4.xml><?xml version="1.0" encoding="utf-8"?>
-<a:theme xmlns:a="http://schemas.openxmlformats.org/drawingml/2006/main" name="Office Theme">
-  <a:themeElements>
-    <a:clrScheme name="Office">
-      <a:dk1>
-        <a:sysClr val="windowText" lastClr="000000"/>
-      </a:dk1>
-      <a:lt1>
-        <a:sysClr val="window" lastClr="FFFFFF"/>
-      </a:lt1>
-      <a:dk2>
-        <a:srgbClr val="44546A"/>
-      </a:dk2>
-      <a:lt2>
-        <a:srgbClr val="E7E6E6"/>
-      </a:lt2>
-      <a:accent1>
-        <a:srgbClr val="4472C4"/>
-      </a:accent1>
-      <a:accent2>
-        <a:srgbClr val="ED7D31"/>
-      </a:accent2>
-      <a:accent3>
-        <a:srgbClr val="A5A5A5"/>
-      </a:accent3>
-      <a:accent4>
-        <a:srgbClr val="FFC000"/>
-      </a:accent4>
-      <a:accent5>
-        <a:srgbClr val="5B9BD5"/>
-      </a:accent5>
-      <a:accent6>
-        <a:srgbClr val="70AD47"/>
-      </a:accent6>
-      <a:hlink>
-        <a:srgbClr val="0563C1"/>
-      </a:hlink>
-      <a:folHlink>
-        <a:srgbClr val="954F72"/>
-      </a:folHlink>
-    </a:clrScheme>
-    <a:fontScheme name="Office">
-      <a:majorFont>
-        <a:latin typeface="Calibri Light" panose="020F0302020204030204"/>
-        <a:ea typeface=""/>
-        <a:cs typeface=""/>
         <a:font script="Jpan" typeface="Yu Gothic Light"/>
         <a:font script="Hang" typeface="맑은 고딕"/>
         <a:font script="Hans" typeface="DengXian Light"/>
@@ -14162,21 +12639,6 @@
 </file>
 
 <file path=customXml/item1.xml><?xml version="1.0" encoding="utf-8"?>
-<p:properties xmlns:p="http://schemas.microsoft.com/office/2006/metadata/properties" xmlns:xsi="http://www.w3.org/2001/XMLSchema-instance" xmlns:pc="http://schemas.microsoft.com/office/infopath/2007/PartnerControls">
-  <documentManagement/>
-</p:properties>
-</file>
-
-<file path=customXml/item2.xml><?xml version="1.0" encoding="utf-8"?>
-<?mso-contentType ?>
-<FormTemplates xmlns="http://schemas.microsoft.com/sharepoint/v3/contenttype/forms">
-  <Display>DocumentLibraryForm</Display>
-  <Edit>DocumentLibraryForm</Edit>
-  <New>DocumentLibraryForm</New>
-</FormTemplates>
-</file>
-
-<file path=customXml/item3.xml><?xml version="1.0" encoding="utf-8"?>
 <ct:contentTypeSchema xmlns:ct="http://schemas.microsoft.com/office/2006/metadata/contentType" xmlns:ma="http://schemas.microsoft.com/office/2006/metadata/properties/metaAttributes" ct:_="" ma:_="" ma:contentTypeName="Document" ma:contentTypeID="0x010100BE9DF362DDD05A45B86D781376AAC476" ma:contentTypeVersion="7" ma:contentTypeDescription="Create a new document." ma:contentTypeScope="" ma:versionID="3a57987203f074c548de98d113b4286b">
   <xsd:schema xmlns:xsd="http://www.w3.org/2001/XMLSchema" xmlns:xs="http://www.w3.org/2001/XMLSchema" xmlns:p="http://schemas.microsoft.com/office/2006/metadata/properties" xmlns:ns2="d199752a-3aa5-47db-8ae7-beef1561cea0" targetNamespace="http://schemas.microsoft.com/office/2006/metadata/properties" ma:root="true" ma:fieldsID="70b53b01044eee4a42e00434b4075c16" ns2:_="">
     <xsd:import namespace="d199752a-3aa5-47db-8ae7-beef1561cea0"/>
@@ -14340,24 +12802,22 @@
 </ct:contentTypeSchema>
 </file>
 
-<file path=customXml/itemProps1.xml><?xml version="1.0" encoding="utf-8"?>
-<ds:datastoreItem xmlns:ds="http://schemas.openxmlformats.org/officeDocument/2006/customXml" ds:itemID="{A5AA9653-386D-4377-A986-DC4A02C60CD5}">
-  <ds:schemaRefs>
-    <ds:schemaRef ds:uri="http://schemas.microsoft.com/office/2006/metadata/properties"/>
-    <ds:schemaRef ds:uri="http://schemas.microsoft.com/office/infopath/2007/PartnerControls"/>
-  </ds:schemaRefs>
-</ds:datastoreItem>
+<file path=customXml/item2.xml><?xml version="1.0" encoding="utf-8"?>
+<?mso-contentType ?>
+<FormTemplates xmlns="http://schemas.microsoft.com/sharepoint/v3/contenttype/forms">
+  <Display>DocumentLibraryForm</Display>
+  <Edit>DocumentLibraryForm</Edit>
+  <New>DocumentLibraryForm</New>
+</FormTemplates>
 </file>
 
-<file path=customXml/itemProps2.xml><?xml version="1.0" encoding="utf-8"?>
-<ds:datastoreItem xmlns:ds="http://schemas.openxmlformats.org/officeDocument/2006/customXml" ds:itemID="{C542A527-91EE-49D6-AF42-393E29B98637}">
-  <ds:schemaRefs>
-    <ds:schemaRef ds:uri="http://schemas.microsoft.com/sharepoint/v3/contenttype/forms"/>
-  </ds:schemaRefs>
-</ds:datastoreItem>
+<file path=customXml/item3.xml><?xml version="1.0" encoding="utf-8"?>
+<p:properties xmlns:p="http://schemas.microsoft.com/office/2006/metadata/properties" xmlns:xsi="http://www.w3.org/2001/XMLSchema-instance" xmlns:pc="http://schemas.microsoft.com/office/infopath/2007/PartnerControls">
+  <documentManagement/>
+</p:properties>
 </file>
 
-<file path=customXml/itemProps3.xml><?xml version="1.0" encoding="utf-8"?>
+<file path=customXml/itemProps1.xml><?xml version="1.0" encoding="utf-8"?>
 <ds:datastoreItem xmlns:ds="http://schemas.openxmlformats.org/officeDocument/2006/customXml" ds:itemID="{876C713D-8D2B-492D-A52A-375696712CF8}">
   <ds:schemaRefs>
     <ds:schemaRef ds:uri="http://schemas.microsoft.com/office/2006/metadata/contentType"/>
@@ -14373,4 +12833,21 @@
     <ds:schemaRef ds:uri="http://schemas.microsoft.com/internal/obd"/>
   </ds:schemaRefs>
 </ds:datastoreItem>
+</file>
+
+<file path=customXml/itemProps2.xml><?xml version="1.0" encoding="utf-8"?>
+<ds:datastoreItem xmlns:ds="http://schemas.openxmlformats.org/officeDocument/2006/customXml" ds:itemID="{C542A527-91EE-49D6-AF42-393E29B98637}">
+  <ds:schemaRefs>
+    <ds:schemaRef ds:uri="http://schemas.microsoft.com/sharepoint/v3/contenttype/forms"/>
+  </ds:schemaRefs>
+</ds:datastoreItem>
+</file>
+
+<file path=customXml/itemProps3.xml><?xml version="1.0" encoding="utf-8"?>
+<ds:datastoreItem xmlns:ds="http://schemas.openxmlformats.org/officeDocument/2006/customXml" ds:itemID="{A5AA9653-386D-4377-A986-DC4A02C60CD5}">
+  <ds:schemaRefs>
+    <ds:schemaRef ds:uri="http://schemas.microsoft.com/office/2006/metadata/properties"/>
+    <ds:schemaRef ds:uri="http://schemas.microsoft.com/office/infopath/2007/PartnerControls"/>
+  </ds:schemaRefs>
+</ds:datastoreItem>
 </file>